--- a/documentation/Abgabefolien Assignement 2 (zusätzlichen Inhalt).pptx
+++ b/documentation/Abgabefolien Assignement 2 (zusätzlichen Inhalt).pptx
@@ -18,6 +18,7 @@
     <p:sldId id="263" r:id="rId15"/>
     <p:sldId id="264" r:id="rId16"/>
     <p:sldId id="265" r:id="rId17"/>
+    <p:sldId id="266" r:id="rId18"/>
   </p:sldIdLst>
   <p:sldSz cx="24384000" cy="13716000"/>
   <p:notesSz cx="6858000" cy="9144000"/>
@@ -4133,18 +4134,55 @@
           <a:chExt cx="0" cy="0"/>
         </a:xfrm>
       </p:grpSpPr>
-      <p:sp>
-        <p:nvSpPr>
-          <p:cNvPr id="216" name="Slide Number"/>
-          <p:cNvSpPr txBox="1"/>
-          <p:nvPr>
-            <p:ph type="sldNum" sz="quarter" idx="4294967295"/>
-          </p:nvPr>
-        </p:nvSpPr>
-        <p:spPr>
+      <p:pic>
+        <p:nvPicPr>
+          <p:cNvPr id="213" name="Mockup_Toggle_Bälle_v2_2.png" descr="Mockup_Toggle_Bälle_v2_2.png"/>
+          <p:cNvPicPr>
+            <a:picLocks noChangeAspect="1"/>
+          </p:cNvPicPr>
+          <p:nvPr/>
+        </p:nvPicPr>
+        <p:blipFill>
+          <a:blip r:embed="rId2">
+            <a:extLst/>
+          </a:blip>
+          <a:stretch>
+            <a:fillRect/>
+          </a:stretch>
+        </p:blipFill>
+        <p:spPr>
+          <a:xfrm>
+            <a:off x="499231" y="2283566"/>
+            <a:ext cx="13286791" cy="9040122"/>
+          </a:xfrm>
           <a:prstGeom prst="rect">
             <a:avLst/>
           </a:prstGeom>
+          <a:ln w="12700">
+            <a:miter lim="400000"/>
+          </a:ln>
+        </p:spPr>
+      </p:pic>
+      <p:sp>
+        <p:nvSpPr>
+          <p:cNvPr id="214" name="Klick auf Arbeitsthema =&gt; Popup zeigt weitere Infos wie Url, Tags, Beschreibung, etc…"/>
+          <p:cNvSpPr/>
+          <p:nvPr/>
+        </p:nvSpPr>
+        <p:spPr>
+          <a:xfrm>
+            <a:off x="13776856" y="2791790"/>
+            <a:ext cx="10369457" cy="4738115"/>
+          </a:xfrm>
+          <a:prstGeom prst="rect">
+            <a:avLst/>
+          </a:prstGeom>
+          <a:solidFill>
+            <a:srgbClr val="60D937"/>
+          </a:solidFill>
+          <a:ln w="12700">
+            <a:miter lim="400000"/>
+          </a:ln>
           <a:extLst>
             <a:ext uri="{C572A759-6A51-4108-AA02-DFA0A04FC94B}">
               <ma14:wrappingTextBoxFlag xmlns:ma14="http://schemas.microsoft.com/office/mac/drawingml/2011/main" val="1"/>
@@ -4152,6 +4190,357 @@
           </a:extLst>
         </p:spPr>
         <p:txBody>
+          <a:bodyPr lIns="50800" tIns="50800" rIns="50800" bIns="50800"/>
+          <a:lstStyle/>
+          <a:p>
+            <a:pPr algn="l" defTabSz="825500">
+              <a:lnSpc>
+                <a:spcPct val="150000"/>
+              </a:lnSpc>
+              <a:defRPr sz="3200">
+                <a:solidFill>
+                  <a:srgbClr val="000000"/>
+                </a:solidFill>
+                <a:latin typeface="Helvetica Neue Medium"/>
+                <a:ea typeface="Helvetica Neue Medium"/>
+                <a:cs typeface="Helvetica Neue Medium"/>
+                <a:sym typeface="Helvetica Neue Medium"/>
+              </a:defRPr>
+            </a:pPr>
+          </a:p>
+          <a:p>
+            <a:pPr lvl="1" marL="1481666" indent="-592666" algn="l" defTabSz="825500">
+              <a:lnSpc>
+                <a:spcPct val="150000"/>
+              </a:lnSpc>
+              <a:buSzPct val="100000"/>
+              <a:buAutoNum type="arabicPeriod" startAt="1"/>
+              <a:defRPr sz="3200">
+                <a:solidFill>
+                  <a:srgbClr val="000000"/>
+                </a:solidFill>
+                <a:latin typeface="Helvetica Neue Medium"/>
+                <a:ea typeface="Helvetica Neue Medium"/>
+                <a:cs typeface="Helvetica Neue Medium"/>
+                <a:sym typeface="Helvetica Neue Medium"/>
+              </a:defRPr>
+            </a:pPr>
+            <a:r>
+              <a:t>Klick auf Arbeitsthema =&gt; Popup zeigt weitere Infos wie Url, Tags, Beschreibung, etc</a:t>
+            </a:r>
+          </a:p>
+          <a:p>
+            <a:pPr lvl="1" marL="1481666" indent="-592666" algn="l" defTabSz="825500">
+              <a:lnSpc>
+                <a:spcPct val="150000"/>
+              </a:lnSpc>
+              <a:buSzPct val="100000"/>
+              <a:buAutoNum type="arabicPeriod" startAt="1"/>
+              <a:defRPr sz="3200">
+                <a:solidFill>
+                  <a:srgbClr val="000000"/>
+                </a:solidFill>
+                <a:latin typeface="Helvetica Neue Medium"/>
+                <a:ea typeface="Helvetica Neue Medium"/>
+                <a:cs typeface="Helvetica Neue Medium"/>
+                <a:sym typeface="Helvetica Neue Medium"/>
+              </a:defRPr>
+            </a:pPr>
+            <a:r>
+              <a:t>Vorheriges Thema</a:t>
+            </a:r>
+          </a:p>
+          <a:p>
+            <a:pPr lvl="1" marL="1481666" indent="-592666" algn="l" defTabSz="825500">
+              <a:lnSpc>
+                <a:spcPct val="150000"/>
+              </a:lnSpc>
+              <a:buSzPct val="100000"/>
+              <a:buAutoNum type="arabicPeriod" startAt="1"/>
+              <a:defRPr sz="3200">
+                <a:solidFill>
+                  <a:srgbClr val="000000"/>
+                </a:solidFill>
+                <a:latin typeface="Helvetica Neue Medium"/>
+                <a:ea typeface="Helvetica Neue Medium"/>
+                <a:cs typeface="Helvetica Neue Medium"/>
+                <a:sym typeface="Helvetica Neue Medium"/>
+              </a:defRPr>
+            </a:pPr>
+            <a:r>
+              <a:t>Nächstes Thema </a:t>
+            </a:r>
+          </a:p>
+          <a:p>
+            <a:pPr algn="l" defTabSz="825500">
+              <a:lnSpc>
+                <a:spcPct val="200000"/>
+              </a:lnSpc>
+              <a:defRPr sz="3200">
+                <a:solidFill>
+                  <a:srgbClr val="000000"/>
+                </a:solidFill>
+                <a:latin typeface="Helvetica Neue Medium"/>
+                <a:ea typeface="Helvetica Neue Medium"/>
+                <a:cs typeface="Helvetica Neue Medium"/>
+                <a:sym typeface="Helvetica Neue Medium"/>
+              </a:defRPr>
+            </a:pPr>
+          </a:p>
+        </p:txBody>
+      </p:sp>
+      <p:sp>
+        <p:nvSpPr>
+          <p:cNvPr id="215" name="1"/>
+          <p:cNvSpPr/>
+          <p:nvPr/>
+        </p:nvSpPr>
+        <p:spPr>
+          <a:xfrm>
+            <a:off x="147465" y="3181395"/>
+            <a:ext cx="948359" cy="949721"/>
+          </a:xfrm>
+          <a:prstGeom prst="ellipse">
+            <a:avLst/>
+          </a:prstGeom>
+          <a:solidFill>
+            <a:srgbClr val="60D937"/>
+          </a:solidFill>
+          <a:ln w="12700">
+            <a:miter lim="400000"/>
+          </a:ln>
+          <a:extLst>
+            <a:ext uri="{C572A759-6A51-4108-AA02-DFA0A04FC94B}">
+              <ma14:wrappingTextBoxFlag xmlns:ma14="http://schemas.microsoft.com/office/mac/drawingml/2011/main" val="1"/>
+            </a:ext>
+          </a:extLst>
+        </p:spPr>
+        <p:txBody>
+          <a:bodyPr lIns="50800" tIns="50800" rIns="50800" bIns="50800" anchor="ctr"/>
+          <a:lstStyle>
+            <a:lvl1pPr defTabSz="825500">
+              <a:defRPr b="1" sz="3700">
+                <a:solidFill>
+                  <a:srgbClr val="000000"/>
+                </a:solidFill>
+              </a:defRPr>
+            </a:lvl1pPr>
+          </a:lstStyle>
+          <a:p>
+            <a:pPr/>
+            <a:r>
+              <a:t>1</a:t>
+            </a:r>
+          </a:p>
+        </p:txBody>
+      </p:sp>
+      <p:sp>
+        <p:nvSpPr>
+          <p:cNvPr id="216" name="2"/>
+          <p:cNvSpPr/>
+          <p:nvPr/>
+        </p:nvSpPr>
+        <p:spPr>
+          <a:xfrm>
+            <a:off x="6885930" y="4619001"/>
+            <a:ext cx="948359" cy="949720"/>
+          </a:xfrm>
+          <a:prstGeom prst="ellipse">
+            <a:avLst/>
+          </a:prstGeom>
+          <a:solidFill>
+            <a:srgbClr val="60D937"/>
+          </a:solidFill>
+          <a:ln w="12700">
+            <a:miter lim="400000"/>
+          </a:ln>
+          <a:extLst>
+            <a:ext uri="{C572A759-6A51-4108-AA02-DFA0A04FC94B}">
+              <ma14:wrappingTextBoxFlag xmlns:ma14="http://schemas.microsoft.com/office/mac/drawingml/2011/main" val="1"/>
+            </a:ext>
+          </a:extLst>
+        </p:spPr>
+        <p:txBody>
+          <a:bodyPr lIns="50800" tIns="50800" rIns="50800" bIns="50800" anchor="ctr"/>
+          <a:lstStyle>
+            <a:lvl1pPr defTabSz="825500">
+              <a:defRPr b="1" sz="3700">
+                <a:solidFill>
+                  <a:srgbClr val="000000"/>
+                </a:solidFill>
+              </a:defRPr>
+            </a:lvl1pPr>
+          </a:lstStyle>
+          <a:p>
+            <a:pPr/>
+            <a:r>
+              <a:t>2</a:t>
+            </a:r>
+          </a:p>
+        </p:txBody>
+      </p:sp>
+      <p:sp>
+        <p:nvSpPr>
+          <p:cNvPr id="217" name="3"/>
+          <p:cNvSpPr/>
+          <p:nvPr/>
+        </p:nvSpPr>
+        <p:spPr>
+          <a:xfrm>
+            <a:off x="8201720" y="5050109"/>
+            <a:ext cx="948359" cy="949721"/>
+          </a:xfrm>
+          <a:prstGeom prst="ellipse">
+            <a:avLst/>
+          </a:prstGeom>
+          <a:solidFill>
+            <a:srgbClr val="60D937"/>
+          </a:solidFill>
+          <a:ln w="12700">
+            <a:miter lim="400000"/>
+          </a:ln>
+          <a:extLst>
+            <a:ext uri="{C572A759-6A51-4108-AA02-DFA0A04FC94B}">
+              <ma14:wrappingTextBoxFlag xmlns:ma14="http://schemas.microsoft.com/office/mac/drawingml/2011/main" val="1"/>
+            </a:ext>
+          </a:extLst>
+        </p:spPr>
+        <p:txBody>
+          <a:bodyPr lIns="50800" tIns="50800" rIns="50800" bIns="50800" anchor="ctr"/>
+          <a:lstStyle>
+            <a:lvl1pPr defTabSz="825500">
+              <a:defRPr b="1" sz="3700">
+                <a:solidFill>
+                  <a:srgbClr val="000000"/>
+                </a:solidFill>
+              </a:defRPr>
+            </a:lvl1pPr>
+          </a:lstStyle>
+          <a:p>
+            <a:pPr/>
+            <a:r>
+              <a:t>3</a:t>
+            </a:r>
+          </a:p>
+        </p:txBody>
+      </p:sp>
+      <p:sp>
+        <p:nvSpPr>
+          <p:cNvPr id="218" name="Hier ist eine Teilansicht aus der vorherigen Folien, aber hier wurde ein Thema selektiert"/>
+          <p:cNvSpPr/>
+          <p:nvPr/>
+        </p:nvSpPr>
+        <p:spPr>
+          <a:xfrm>
+            <a:off x="731828" y="1095129"/>
+            <a:ext cx="21755446" cy="945970"/>
+          </a:xfrm>
+          <a:prstGeom prst="rect">
+            <a:avLst/>
+          </a:prstGeom>
+          <a:solidFill>
+            <a:srgbClr val="D5D5D5"/>
+          </a:solidFill>
+          <a:ln w="12700">
+            <a:miter lim="400000"/>
+          </a:ln>
+          <a:extLst>
+            <a:ext uri="{C572A759-6A51-4108-AA02-DFA0A04FC94B}">
+              <ma14:wrappingTextBoxFlag xmlns:ma14="http://schemas.microsoft.com/office/mac/drawingml/2011/main" val="1"/>
+            </a:ext>
+          </a:extLst>
+        </p:spPr>
+        <p:txBody>
+          <a:bodyPr lIns="50800" tIns="50800" rIns="50800" bIns="50800" anchor="ctr"/>
+          <a:lstStyle>
+            <a:lvl1pPr defTabSz="825500">
+              <a:defRPr sz="3200">
+                <a:solidFill>
+                  <a:srgbClr val="000000"/>
+                </a:solidFill>
+                <a:latin typeface="Helvetica Neue Medium"/>
+                <a:ea typeface="Helvetica Neue Medium"/>
+                <a:cs typeface="Helvetica Neue Medium"/>
+                <a:sym typeface="Helvetica Neue Medium"/>
+              </a:defRPr>
+            </a:lvl1pPr>
+          </a:lstStyle>
+          <a:p>
+            <a:pPr/>
+            <a:r>
+              <a:t>Hier ist eine Teilansicht aus der vorherigen Folien, aber hier wurde ein Thema selektiert</a:t>
+            </a:r>
+          </a:p>
+        </p:txBody>
+      </p:sp>
+      <p:sp>
+        <p:nvSpPr>
+          <p:cNvPr id="219" name="Wireframes und Funktionalitäten"/>
+          <p:cNvSpPr/>
+          <p:nvPr/>
+        </p:nvSpPr>
+        <p:spPr>
+          <a:xfrm>
+            <a:off x="-80276" y="-83428"/>
+            <a:ext cx="15621561" cy="936090"/>
+          </a:xfrm>
+          <a:prstGeom prst="rect">
+            <a:avLst/>
+          </a:prstGeom>
+          <a:solidFill>
+            <a:srgbClr val="8D52FD">
+              <a:alpha val="45123"/>
+            </a:srgbClr>
+          </a:solidFill>
+          <a:ln w="12700">
+            <a:miter lim="400000"/>
+          </a:ln>
+          <a:extLst>
+            <a:ext uri="{C572A759-6A51-4108-AA02-DFA0A04FC94B}">
+              <ma14:wrappingTextBoxFlag xmlns:ma14="http://schemas.microsoft.com/office/mac/drawingml/2011/main" val="1"/>
+            </a:ext>
+          </a:extLst>
+        </p:spPr>
+        <p:txBody>
+          <a:bodyPr lIns="50800" tIns="50800" rIns="50800" bIns="50800" anchor="ctr"/>
+          <a:lstStyle/>
+          <a:p>
+            <a:pPr lvl="2" algn="l" defTabSz="825500">
+              <a:defRPr sz="3200">
+                <a:solidFill>
+                  <a:srgbClr val="FFFFFF"/>
+                </a:solidFill>
+                <a:latin typeface="Helvetica Neue Medium"/>
+                <a:ea typeface="Helvetica Neue Medium"/>
+                <a:cs typeface="Helvetica Neue Medium"/>
+                <a:sym typeface="Helvetica Neue Medium"/>
+              </a:defRPr>
+            </a:pPr>
+            <a:r>
+              <a:t>Wireframes und Funktionalitäten</a:t>
+            </a:r>
+          </a:p>
+        </p:txBody>
+      </p:sp>
+      <p:sp>
+        <p:nvSpPr>
+          <p:cNvPr id="220" name="Slide Number"/>
+          <p:cNvSpPr txBox="1"/>
+          <p:nvPr>
+            <p:ph type="sldNum" sz="quarter" idx="4294967295"/>
+          </p:nvPr>
+        </p:nvSpPr>
+        <p:spPr>
+          <a:prstGeom prst="rect">
+            <a:avLst/>
+          </a:prstGeom>
+          <a:extLst>
+            <a:ext uri="{C572A759-6A51-4108-AA02-DFA0A04FC94B}">
+              <ma14:wrappingTextBoxFlag xmlns:ma14="http://schemas.microsoft.com/office/mac/drawingml/2011/main" val="1"/>
+            </a:ext>
+          </a:extLst>
+        </p:spPr>
+        <p:txBody>
           <a:bodyPr/>
           <a:lstStyle/>
           <a:p>
@@ -4160,9 +4549,62 @@
           </a:p>
         </p:txBody>
       </p:sp>
-      <p:sp>
-        <p:nvSpPr>
-          <p:cNvPr id="217" name="Rectangle"/>
+    </p:spTree>
+  </p:cSld>
+  <p:clrMapOvr>
+    <a:masterClrMapping/>
+  </p:clrMapOvr>
+  <p:transition xmlns:p14="http://schemas.microsoft.com/office/powerpoint/2010/main" spd="med" advClick="1"/>
+</p:sld>
+</file>
+
+<file path=ppt/slides/slide11.xml><?xml version="1.0" encoding="utf-8"?>
+<p:sld xmlns:a="http://schemas.openxmlformats.org/drawingml/2006/main" xmlns:r="http://schemas.openxmlformats.org/officeDocument/2006/relationships" xmlns:p="http://schemas.openxmlformats.org/presentationml/2006/main" xmlns:m="http://schemas.openxmlformats.org/officeDocument/2006/math" xmlns:a14="http://schemas.microsoft.com/office/drawing/2010/main" showMasterSp="1" showMasterPhAnim="1">
+  <p:cSld>
+    <p:spTree>
+      <p:nvGrpSpPr>
+        <p:cNvPr id="1" name=""/>
+        <p:cNvGrpSpPr/>
+        <p:nvPr/>
+      </p:nvGrpSpPr>
+      <p:grpSpPr>
+        <a:xfrm>
+          <a:off x="0" y="0"/>
+          <a:ext cx="0" cy="0"/>
+          <a:chOff x="0" y="0"/>
+          <a:chExt cx="0" cy="0"/>
+        </a:xfrm>
+      </p:grpSpPr>
+      <p:sp>
+        <p:nvSpPr>
+          <p:cNvPr id="222" name="Slide Number"/>
+          <p:cNvSpPr txBox="1"/>
+          <p:nvPr>
+            <p:ph type="sldNum" sz="quarter" idx="4294967295"/>
+          </p:nvPr>
+        </p:nvSpPr>
+        <p:spPr>
+          <a:prstGeom prst="rect">
+            <a:avLst/>
+          </a:prstGeom>
+          <a:extLst>
+            <a:ext uri="{C572A759-6A51-4108-AA02-DFA0A04FC94B}">
+              <ma14:wrappingTextBoxFlag xmlns:ma14="http://schemas.microsoft.com/office/mac/drawingml/2011/main" val="1"/>
+            </a:ext>
+          </a:extLst>
+        </p:spPr>
+        <p:txBody>
+          <a:bodyPr/>
+          <a:lstStyle/>
+          <a:p>
+            <a:pPr/>
+            <a:fld id="{86CB4B4D-7CA3-9044-876B-883B54F8677D}" type="slidenum"/>
+          </a:p>
+        </p:txBody>
+      </p:sp>
+      <p:sp>
+        <p:nvSpPr>
+          <p:cNvPr id="223" name="Rectangle"/>
           <p:cNvSpPr/>
           <p:nvPr/>
         </p:nvSpPr>
@@ -4203,7 +4645,7 @@
       </p:sp>
       <p:sp>
         <p:nvSpPr>
-          <p:cNvPr id="218" name="3. Anwendungsstruktur"/>
+          <p:cNvPr id="224" name="3. Anwendungsstruktur"/>
           <p:cNvSpPr txBox="1"/>
           <p:nvPr/>
         </p:nvSpPr>
@@ -4805,8 +5247,8 @@
         </p:nvSpPr>
         <p:spPr>
           <a:xfrm>
-            <a:off x="244723" y="1177179"/>
-            <a:ext cx="24278035" cy="12242801"/>
+            <a:off x="244723" y="1177178"/>
+            <a:ext cx="23894554" cy="12242801"/>
           </a:xfrm>
           <a:prstGeom prst="rect">
             <a:avLst/>
@@ -4821,7 +5263,7 @@
           </a:extLst>
         </p:spPr>
         <p:txBody>
-          <a:bodyPr wrap="none" lIns="50800" tIns="50800" rIns="50800" bIns="50800" anchor="ctr">
+          <a:bodyPr lIns="50800" tIns="50800" rIns="50800" bIns="50800" anchor="ctr">
             <a:spAutoFit/>
           </a:bodyPr>
           <a:lstStyle/>
@@ -5851,7 +6293,7 @@
         <p:spPr>
           <a:xfrm>
             <a:off x="363762" y="1229491"/>
-            <a:ext cx="21705317" cy="709166"/>
+            <a:ext cx="21705317" cy="709165"/>
           </a:xfrm>
           <a:prstGeom prst="rect">
             <a:avLst/>
@@ -7149,9 +7591,40 @@
           <a:chExt cx="0" cy="0"/>
         </a:xfrm>
       </p:grpSpPr>
+      <p:sp>
+        <p:nvSpPr>
+          <p:cNvPr id="203" name="Slide Number"/>
+          <p:cNvSpPr txBox="1"/>
+          <p:nvPr>
+            <p:ph type="sldNum" sz="quarter" idx="4294967295"/>
+          </p:nvPr>
+        </p:nvSpPr>
+        <p:spPr>
+          <a:xfrm>
+            <a:off x="12065050" y="13080999"/>
+            <a:ext cx="241403" cy="374600"/>
+          </a:xfrm>
+          <a:prstGeom prst="rect">
+            <a:avLst/>
+          </a:prstGeom>
+          <a:extLst>
+            <a:ext uri="{C572A759-6A51-4108-AA02-DFA0A04FC94B}">
+              <ma14:wrappingTextBoxFlag xmlns:ma14="http://schemas.microsoft.com/office/mac/drawingml/2011/main" val="1"/>
+            </a:ext>
+          </a:extLst>
+        </p:spPr>
+        <p:txBody>
+          <a:bodyPr/>
+          <a:lstStyle/>
+          <a:p>
+            <a:pPr/>
+            <a:fld id="{86CB4B4D-7CA3-9044-876B-883B54F8677D}" type="slidenum"/>
+          </a:p>
+        </p:txBody>
+      </p:sp>
       <p:pic>
         <p:nvPicPr>
-          <p:cNvPr id="203" name="Mockup_Toggle_Bälle.png" descr="Mockup_Toggle_Bälle.png"/>
+          <p:cNvPr id="204" name="Mockup_Toggle_Bälle_v2_1.png" descr="Mockup_Toggle_Bälle_v2_1.png"/>
           <p:cNvPicPr>
             <a:picLocks noChangeAspect="1"/>
           </p:cNvPicPr>
@@ -7167,8 +7640,8 @@
         </p:blipFill>
         <p:spPr>
           <a:xfrm>
-            <a:off x="121904" y="3664647"/>
-            <a:ext cx="13944601" cy="9258301"/>
+            <a:off x="456697" y="2611708"/>
+            <a:ext cx="11972867" cy="10157830"/>
           </a:xfrm>
           <a:prstGeom prst="rect">
             <a:avLst/>
@@ -7180,110 +7653,20 @@
       </p:pic>
       <p:sp>
         <p:nvSpPr>
-          <p:cNvPr id="204" name="Diese visuell anspruchsvollere Ansicht ist erstmal ein optionales Feature und funktioniert analog zur normalen Ansicht (genaue visuelle Anforderungen können bei Umsetzung umgeändert/verbessert werden)"/>
+          <p:cNvPr id="205" name="Toggle all  =&gt;  alle aufklappen…"/>
           <p:cNvSpPr/>
           <p:nvPr/>
         </p:nvSpPr>
         <p:spPr>
           <a:xfrm>
-            <a:off x="731828" y="1095129"/>
-            <a:ext cx="21755446" cy="1360874"/>
+            <a:off x="13776856" y="2611708"/>
+            <a:ext cx="10369457" cy="10367979"/>
           </a:xfrm>
           <a:prstGeom prst="rect">
             <a:avLst/>
           </a:prstGeom>
           <a:solidFill>
-            <a:srgbClr val="D5D5D5"/>
-          </a:solidFill>
-          <a:ln w="12700">
-            <a:miter lim="400000"/>
-          </a:ln>
-          <a:extLst>
-            <a:ext uri="{C572A759-6A51-4108-AA02-DFA0A04FC94B}">
-              <ma14:wrappingTextBoxFlag xmlns:ma14="http://schemas.microsoft.com/office/mac/drawingml/2011/main" val="1"/>
-            </a:ext>
-          </a:extLst>
-        </p:spPr>
-        <p:txBody>
-          <a:bodyPr lIns="50800" tIns="50800" rIns="50800" bIns="50800" anchor="ctr"/>
-          <a:lstStyle>
-            <a:lvl1pPr defTabSz="825500">
-              <a:defRPr sz="3200">
-                <a:solidFill>
-                  <a:srgbClr val="000000"/>
-                </a:solidFill>
-                <a:latin typeface="Helvetica Neue Medium"/>
-                <a:ea typeface="Helvetica Neue Medium"/>
-                <a:cs typeface="Helvetica Neue Medium"/>
-                <a:sym typeface="Helvetica Neue Medium"/>
-              </a:defRPr>
-            </a:lvl1pPr>
-          </a:lstStyle>
-          <a:p>
-            <a:pPr/>
-            <a:r>
-              <a:t>Diese visuell anspruchsvollere Ansicht ist erstmal ein optionales Feature und funktioniert analog zur normalen Ansicht (genaue visuelle Anforderungen können bei Umsetzung umgeändert/verbessert werden)</a:t>
-            </a:r>
-          </a:p>
-        </p:txBody>
-      </p:sp>
-      <p:sp>
-        <p:nvSpPr>
-          <p:cNvPr id="205" name="Rectangle"/>
-          <p:cNvSpPr/>
-          <p:nvPr/>
-        </p:nvSpPr>
-        <p:spPr>
-          <a:xfrm>
-            <a:off x="12044790" y="6331830"/>
-            <a:ext cx="3133919" cy="6453042"/>
-          </a:xfrm>
-          <a:prstGeom prst="rect">
-            <a:avLst/>
-          </a:prstGeom>
-          <a:solidFill>
-            <a:srgbClr val="FFFFFF"/>
-          </a:solidFill>
-          <a:ln w="12700">
-            <a:miter lim="400000"/>
-          </a:ln>
-        </p:spPr>
-        <p:txBody>
-          <a:bodyPr lIns="50800" tIns="50800" rIns="50800" bIns="50800" anchor="ctr"/>
-          <a:lstStyle/>
-          <a:p>
-            <a:pPr defTabSz="825500">
-              <a:defRPr sz="3200">
-                <a:solidFill>
-                  <a:srgbClr val="FFFFFF"/>
-                </a:solidFill>
-                <a:latin typeface="Helvetica Neue Medium"/>
-                <a:ea typeface="Helvetica Neue Medium"/>
-                <a:cs typeface="Helvetica Neue Medium"/>
-                <a:sym typeface="Helvetica Neue Medium"/>
-              </a:defRPr>
-            </a:pPr>
-          </a:p>
-        </p:txBody>
-      </p:sp>
-      <p:sp>
-        <p:nvSpPr>
-          <p:cNvPr id="206" name="Toggle all  =&gt;  alle aufklappen…"/>
-          <p:cNvSpPr/>
-          <p:nvPr/>
-        </p:nvSpPr>
-        <p:spPr>
-          <a:xfrm>
-            <a:off x="12069591" y="2571326"/>
-            <a:ext cx="12183834" cy="10401188"/>
-          </a:xfrm>
-          <a:prstGeom prst="rect">
-            <a:avLst/>
-          </a:prstGeom>
-          <a:solidFill>
-            <a:srgbClr val="60D937">
-              <a:alpha val="80000"/>
-            </a:srgbClr>
+            <a:srgbClr val="60D937"/>
           </a:solidFill>
           <a:ln w="12700">
             <a:miter lim="400000"/>
@@ -7382,12 +7765,10 @@
             </a:r>
           </a:p>
           <a:p>
-            <a:pPr lvl="1" marL="1481666" indent="-592666" algn="l" defTabSz="825500">
+            <a:pPr algn="l" defTabSz="825500">
               <a:lnSpc>
                 <a:spcPct val="150000"/>
               </a:lnSpc>
-              <a:buSzPct val="100000"/>
-              <a:buAutoNum type="arabicPeriod" startAt="1"/>
               <a:defRPr sz="3200">
                 <a:solidFill>
                   <a:srgbClr val="000000"/>
@@ -7398,30 +7779,6 @@
                 <a:sym typeface="Helvetica Neue Medium"/>
               </a:defRPr>
             </a:pPr>
-            <a:r>
-              <a:t>Klick auf Arbeitsthema =&gt; Popup zeigt weitere Infos wie Url, Tags, Beschreibung, etc</a:t>
-            </a:r>
-          </a:p>
-          <a:p>
-            <a:pPr lvl="1" marL="1481666" indent="-592666" algn="l" defTabSz="825500">
-              <a:lnSpc>
-                <a:spcPct val="150000"/>
-              </a:lnSpc>
-              <a:buSzPct val="100000"/>
-              <a:buAutoNum type="arabicPeriod" startAt="1"/>
-              <a:defRPr sz="3200">
-                <a:solidFill>
-                  <a:srgbClr val="000000"/>
-                </a:solidFill>
-                <a:latin typeface="Helvetica Neue Medium"/>
-                <a:ea typeface="Helvetica Neue Medium"/>
-                <a:cs typeface="Helvetica Neue Medium"/>
-                <a:sym typeface="Helvetica Neue Medium"/>
-              </a:defRPr>
-            </a:pPr>
-            <a:r>
-              <a:t>Previous / Next Thema </a:t>
-            </a:r>
           </a:p>
           <a:p>
             <a:pPr algn="l" defTabSz="825500">
@@ -7495,13 +7852,13 @@
       </p:sp>
       <p:sp>
         <p:nvSpPr>
-          <p:cNvPr id="207" name="1"/>
+          <p:cNvPr id="206" name="1"/>
           <p:cNvSpPr/>
           <p:nvPr/>
         </p:nvSpPr>
         <p:spPr>
           <a:xfrm>
-            <a:off x="1142110" y="2711236"/>
+            <a:off x="147465" y="2936899"/>
             <a:ext cx="948359" cy="949720"/>
           </a:xfrm>
           <a:prstGeom prst="ellipse">
@@ -7540,14 +7897,14 @@
       </p:sp>
       <p:sp>
         <p:nvSpPr>
-          <p:cNvPr id="208" name="2"/>
+          <p:cNvPr id="207" name="2"/>
           <p:cNvSpPr/>
           <p:nvPr/>
         </p:nvSpPr>
         <p:spPr>
           <a:xfrm>
-            <a:off x="5807726" y="2711236"/>
-            <a:ext cx="948359" cy="949720"/>
+            <a:off x="5021886" y="2936899"/>
+            <a:ext cx="948358" cy="949720"/>
           </a:xfrm>
           <a:prstGeom prst="ellipse">
             <a:avLst/>
@@ -7585,13 +7942,13 @@
       </p:sp>
       <p:sp>
         <p:nvSpPr>
-          <p:cNvPr id="209" name="3"/>
+          <p:cNvPr id="208" name="3"/>
           <p:cNvSpPr/>
           <p:nvPr/>
         </p:nvSpPr>
         <p:spPr>
           <a:xfrm>
-            <a:off x="147465" y="5129969"/>
+            <a:off x="147465" y="5611183"/>
             <a:ext cx="948359" cy="949721"/>
           </a:xfrm>
           <a:prstGeom prst="ellipse">
@@ -7630,14 +7987,14 @@
       </p:sp>
       <p:sp>
         <p:nvSpPr>
-          <p:cNvPr id="210" name="4"/>
+          <p:cNvPr id="209" name="4"/>
           <p:cNvSpPr/>
           <p:nvPr/>
         </p:nvSpPr>
         <p:spPr>
           <a:xfrm>
-            <a:off x="337628" y="8272657"/>
-            <a:ext cx="948358" cy="949720"/>
+            <a:off x="1028784" y="10051431"/>
+            <a:ext cx="948359" cy="949720"/>
           </a:xfrm>
           <a:prstGeom prst="ellipse">
             <a:avLst/>
@@ -7675,20 +8032,20 @@
       </p:sp>
       <p:sp>
         <p:nvSpPr>
-          <p:cNvPr id="211" name="5"/>
+          <p:cNvPr id="210" name="Diese visuell anspruchsvollere Ansicht ist erstmal ein optionales Feature und funktioniert analog zur normalen Ansicht (genaue visuelle Anforderungen können bei Umsetzung umgeändert/verbessert werden)"/>
           <p:cNvSpPr/>
           <p:nvPr/>
         </p:nvSpPr>
         <p:spPr>
           <a:xfrm>
-            <a:off x="1320360" y="10269589"/>
-            <a:ext cx="948358" cy="949720"/>
+            <a:off x="731828" y="1095129"/>
+            <a:ext cx="21755446" cy="1360874"/>
           </a:xfrm>
-          <a:prstGeom prst="ellipse">
+          <a:prstGeom prst="rect">
             <a:avLst/>
           </a:prstGeom>
           <a:solidFill>
-            <a:srgbClr val="60D937"/>
+            <a:srgbClr val="D5D5D5"/>
           </a:solidFill>
           <a:ln w="12700">
             <a:miter lim="400000"/>
@@ -7703,100 +8060,28 @@
           <a:bodyPr lIns="50800" tIns="50800" rIns="50800" bIns="50800" anchor="ctr"/>
           <a:lstStyle>
             <a:lvl1pPr defTabSz="825500">
-              <a:defRPr b="1" sz="3700">
+              <a:defRPr sz="3200">
                 <a:solidFill>
                   <a:srgbClr val="000000"/>
                 </a:solidFill>
+                <a:latin typeface="Helvetica Neue Medium"/>
+                <a:ea typeface="Helvetica Neue Medium"/>
+                <a:cs typeface="Helvetica Neue Medium"/>
+                <a:sym typeface="Helvetica Neue Medium"/>
               </a:defRPr>
             </a:lvl1pPr>
           </a:lstStyle>
           <a:p>
             <a:pPr/>
             <a:r>
-              <a:t>5</a:t>
-            </a:r>
-          </a:p>
-        </p:txBody>
-      </p:sp>
-      <p:sp>
-        <p:nvSpPr>
-          <p:cNvPr id="212" name="6"/>
-          <p:cNvSpPr/>
-          <p:nvPr/>
-        </p:nvSpPr>
-        <p:spPr>
-          <a:xfrm>
-            <a:off x="8275986" y="8272657"/>
-            <a:ext cx="948359" cy="949720"/>
-          </a:xfrm>
-          <a:prstGeom prst="ellipse">
-            <a:avLst/>
-          </a:prstGeom>
-          <a:solidFill>
-            <a:srgbClr val="60D937"/>
-          </a:solidFill>
-          <a:ln w="12700">
-            <a:miter lim="400000"/>
-          </a:ln>
-          <a:extLst>
-            <a:ext uri="{C572A759-6A51-4108-AA02-DFA0A04FC94B}">
-              <ma14:wrappingTextBoxFlag xmlns:ma14="http://schemas.microsoft.com/office/mac/drawingml/2011/main" val="1"/>
-            </a:ext>
-          </a:extLst>
-        </p:spPr>
-        <p:txBody>
-          <a:bodyPr lIns="50800" tIns="50800" rIns="50800" bIns="50800" anchor="ctr"/>
-          <a:lstStyle>
-            <a:lvl1pPr defTabSz="825500">
-              <a:defRPr b="1" sz="3700">
-                <a:solidFill>
-                  <a:srgbClr val="000000"/>
-                </a:solidFill>
-              </a:defRPr>
-            </a:lvl1pPr>
-          </a:lstStyle>
-          <a:p>
-            <a:pPr/>
-            <a:r>
-              <a:t>6</a:t>
-            </a:r>
-          </a:p>
-        </p:txBody>
-      </p:sp>
-      <p:sp>
-        <p:nvSpPr>
-          <p:cNvPr id="213" name="Slide Number"/>
-          <p:cNvSpPr txBox="1"/>
-          <p:nvPr>
-            <p:ph type="sldNum" sz="quarter" idx="4294967295"/>
-          </p:nvPr>
-        </p:nvSpPr>
-        <p:spPr>
-          <a:xfrm>
-            <a:off x="12065050" y="13080999"/>
-            <a:ext cx="241403" cy="374600"/>
-          </a:xfrm>
-          <a:prstGeom prst="rect">
-            <a:avLst/>
-          </a:prstGeom>
-          <a:extLst>
-            <a:ext uri="{C572A759-6A51-4108-AA02-DFA0A04FC94B}">
-              <ma14:wrappingTextBoxFlag xmlns:ma14="http://schemas.microsoft.com/office/mac/drawingml/2011/main" val="1"/>
-            </a:ext>
-          </a:extLst>
-        </p:spPr>
-        <p:txBody>
-          <a:bodyPr/>
-          <a:lstStyle/>
-          <a:p>
-            <a:pPr/>
-            <a:fld id="{86CB4B4D-7CA3-9044-876B-883B54F8677D}" type="slidenum"/>
-          </a:p>
-        </p:txBody>
-      </p:sp>
-      <p:sp>
-        <p:nvSpPr>
-          <p:cNvPr id="214" name="Wireframes und Funktionalitäten"/>
+              <a:t>Diese visuell anspruchsvollere Ansicht ist erstmal ein optionales Feature und funktioniert analog zur normalen Ansicht (genaue visuelle Anforderungen können bei Umsetzung umgeändert/verbessert werden)</a:t>
+            </a:r>
+          </a:p>
+        </p:txBody>
+      </p:sp>
+      <p:sp>
+        <p:nvSpPr>
+          <p:cNvPr id="211" name="Wireframes und Funktionalitäten"/>
           <p:cNvSpPr/>
           <p:nvPr/>
         </p:nvSpPr>

--- a/documentation/Abgabefolien Assignement 2 (zusätzlichen Inhalt).pptx
+++ b/documentation/Abgabefolien Assignement 2 (zusätzlichen Inhalt).pptx
@@ -1,24 +1,32 @@
 
 <file path=ppt/presentation.xml><?xml version="1.0" encoding="utf-8"?>
-<p:presentation xmlns:a="http://schemas.openxmlformats.org/drawingml/2006/main" xmlns:r="http://schemas.openxmlformats.org/officeDocument/2006/relationships" xmlns:p="http://schemas.openxmlformats.org/presentationml/2006/main" xmlns:m="http://schemas.openxmlformats.org/officeDocument/2006/math" xmlns:a14="http://schemas.microsoft.com/office/drawing/2010/main">
+<p:presentation xmlns:a="http://schemas.openxmlformats.org/drawingml/2006/main" xmlns:r="http://schemas.openxmlformats.org/officeDocument/2006/relationships" xmlns:p="http://schemas.openxmlformats.org/presentationml/2006/main">
   <p:sldMasterIdLst>
-    <p:sldMasterId id="2147483648" r:id="rId5"/>
+    <p:sldMasterId id="2147483648" r:id="rId1"/>
   </p:sldMasterIdLst>
   <p:notesMasterIdLst>
-    <p:notesMasterId r:id="rId7"/>
+    <p:notesMasterId r:id="rId21"/>
   </p:notesMasterIdLst>
   <p:sldIdLst>
-    <p:sldId id="256" r:id="rId8"/>
-    <p:sldId id="257" r:id="rId9"/>
-    <p:sldId id="258" r:id="rId10"/>
-    <p:sldId id="259" r:id="rId11"/>
-    <p:sldId id="260" r:id="rId12"/>
-    <p:sldId id="261" r:id="rId13"/>
-    <p:sldId id="262" r:id="rId14"/>
-    <p:sldId id="263" r:id="rId15"/>
-    <p:sldId id="264" r:id="rId16"/>
-    <p:sldId id="265" r:id="rId17"/>
-    <p:sldId id="266" r:id="rId18"/>
+    <p:sldId id="256" r:id="rId2"/>
+    <p:sldId id="257" r:id="rId3"/>
+    <p:sldId id="258" r:id="rId4"/>
+    <p:sldId id="259" r:id="rId5"/>
+    <p:sldId id="260" r:id="rId6"/>
+    <p:sldId id="261" r:id="rId7"/>
+    <p:sldId id="262" r:id="rId8"/>
+    <p:sldId id="263" r:id="rId9"/>
+    <p:sldId id="264" r:id="rId10"/>
+    <p:sldId id="265" r:id="rId11"/>
+    <p:sldId id="266" r:id="rId12"/>
+    <p:sldId id="267" r:id="rId13"/>
+    <p:sldId id="271" r:id="rId14"/>
+    <p:sldId id="268" r:id="rId15"/>
+    <p:sldId id="272" r:id="rId16"/>
+    <p:sldId id="270" r:id="rId17"/>
+    <p:sldId id="273" r:id="rId18"/>
+    <p:sldId id="269" r:id="rId19"/>
+    <p:sldId id="274" r:id="rId20"/>
   </p:sldIdLst>
   <p:sldSz cx="24384000" cy="13716000"/>
   <p:notesSz cx="6858000" cy="9144000"/>
@@ -38,7 +46,7 @@
       <a:buFontTx/>
       <a:buNone/>
       <a:tabLst/>
-      <a:defRPr b="0" baseline="0" cap="none" i="0" spc="0" strike="noStrike" sz="1800" u="none" kumimoji="0" normalizeH="0">
+      <a:defRPr kumimoji="0" sz="1800" b="0" i="0" u="none" strike="noStrike" cap="none" spc="0" normalizeH="0" baseline="0">
         <a:ln>
           <a:noFill/>
         </a:ln>
@@ -64,7 +72,7 @@
       <a:buFontTx/>
       <a:buNone/>
       <a:tabLst/>
-      <a:defRPr b="0" baseline="0" cap="none" i="0" spc="0" strike="noStrike" sz="2400" u="none" kumimoji="0" normalizeH="0">
+      <a:defRPr kumimoji="0" sz="2400" b="0" i="0" u="none" strike="noStrike" cap="none" spc="0" normalizeH="0" baseline="0">
         <a:ln>
           <a:noFill/>
         </a:ln>
@@ -94,7 +102,7 @@
       <a:buFontTx/>
       <a:buNone/>
       <a:tabLst/>
-      <a:defRPr b="0" baseline="0" cap="none" i="0" spc="0" strike="noStrike" sz="2400" u="none" kumimoji="0" normalizeH="0">
+      <a:defRPr kumimoji="0" sz="2400" b="0" i="0" u="none" strike="noStrike" cap="none" spc="0" normalizeH="0" baseline="0">
         <a:ln>
           <a:noFill/>
         </a:ln>
@@ -124,7 +132,7 @@
       <a:buFontTx/>
       <a:buNone/>
       <a:tabLst/>
-      <a:defRPr b="0" baseline="0" cap="none" i="0" spc="0" strike="noStrike" sz="2400" u="none" kumimoji="0" normalizeH="0">
+      <a:defRPr kumimoji="0" sz="2400" b="0" i="0" u="none" strike="noStrike" cap="none" spc="0" normalizeH="0" baseline="0">
         <a:ln>
           <a:noFill/>
         </a:ln>
@@ -154,7 +162,7 @@
       <a:buFontTx/>
       <a:buNone/>
       <a:tabLst/>
-      <a:defRPr b="0" baseline="0" cap="none" i="0" spc="0" strike="noStrike" sz="2400" u="none" kumimoji="0" normalizeH="0">
+      <a:defRPr kumimoji="0" sz="2400" b="0" i="0" u="none" strike="noStrike" cap="none" spc="0" normalizeH="0" baseline="0">
         <a:ln>
           <a:noFill/>
         </a:ln>
@@ -184,7 +192,7 @@
       <a:buFontTx/>
       <a:buNone/>
       <a:tabLst/>
-      <a:defRPr b="0" baseline="0" cap="none" i="0" spc="0" strike="noStrike" sz="2400" u="none" kumimoji="0" normalizeH="0">
+      <a:defRPr kumimoji="0" sz="2400" b="0" i="0" u="none" strike="noStrike" cap="none" spc="0" normalizeH="0" baseline="0">
         <a:ln>
           <a:noFill/>
         </a:ln>
@@ -214,7 +222,7 @@
       <a:buFontTx/>
       <a:buNone/>
       <a:tabLst/>
-      <a:defRPr b="0" baseline="0" cap="none" i="0" spc="0" strike="noStrike" sz="2400" u="none" kumimoji="0" normalizeH="0">
+      <a:defRPr kumimoji="0" sz="2400" b="0" i="0" u="none" strike="noStrike" cap="none" spc="0" normalizeH="0" baseline="0">
         <a:ln>
           <a:noFill/>
         </a:ln>
@@ -244,7 +252,7 @@
       <a:buFontTx/>
       <a:buNone/>
       <a:tabLst/>
-      <a:defRPr b="0" baseline="0" cap="none" i="0" spc="0" strike="noStrike" sz="2400" u="none" kumimoji="0" normalizeH="0">
+      <a:defRPr kumimoji="0" sz="2400" b="0" i="0" u="none" strike="noStrike" cap="none" spc="0" normalizeH="0" baseline="0">
         <a:ln>
           <a:noFill/>
         </a:ln>
@@ -274,7 +282,7 @@
       <a:buFontTx/>
       <a:buNone/>
       <a:tabLst/>
-      <a:defRPr b="0" baseline="0" cap="none" i="0" spc="0" strike="noStrike" sz="2400" u="none" kumimoji="0" normalizeH="0">
+      <a:defRPr kumimoji="0" sz="2400" b="0" i="0" u="none" strike="noStrike" cap="none" spc="0" normalizeH="0" baseline="0">
         <a:ln>
           <a:noFill/>
         </a:ln>
@@ -304,7 +312,7 @@
       <a:buFontTx/>
       <a:buNone/>
       <a:tabLst/>
-      <a:defRPr b="0" baseline="0" cap="none" i="0" spc="0" strike="noStrike" sz="2400" u="none" kumimoji="0" normalizeH="0">
+      <a:defRPr kumimoji="0" sz="2400" b="0" i="0" u="none" strike="noStrike" cap="none" spc="0" normalizeH="0" baseline="0">
         <a:ln>
           <a:noFill/>
         </a:ln>
@@ -323,13 +331,22 @@
 </p:presentation>
 </file>
 
-<file path=ppt/commentAuthors.xml><?xml version="1.0" encoding="utf-8"?>
-<p:cmAuthorLst xmlns:a="http://schemas.openxmlformats.org/drawingml/2006/main" xmlns:r="http://schemas.openxmlformats.org/officeDocument/2006/relationships" xmlns:p="http://schemas.openxmlformats.org/presentationml/2006/main" xmlns:m="http://schemas.openxmlformats.org/officeDocument/2006/math" xmlns:a14="http://schemas.microsoft.com/office/drawing/2010/main"/>
+<file path=ppt/revisionInfo.xml><?xml version="1.0" encoding="utf-8"?>
+<p1510:revInfo xmlns:a="http://schemas.openxmlformats.org/drawingml/2006/main" xmlns:r="http://schemas.openxmlformats.org/officeDocument/2006/relationships" xmlns:p1510="http://schemas.microsoft.com/office/powerpoint/2015/10/main">
+  <p1510:revLst>
+    <p1510:client id="{D750CB68-8605-4FCA-AB87-F5BB6CF50629}" v="789" dt="2021-05-18T13:55:46.435"/>
+  </p1510:revLst>
+</p1510:revInfo>
 </file>
 
 <file path=ppt/notesMasters/notesMaster1.xml><?xml version="1.0" encoding="utf-8"?>
-<p:notesMaster xmlns:a="http://schemas.openxmlformats.org/drawingml/2006/main" xmlns:r="http://schemas.openxmlformats.org/officeDocument/2006/relationships" xmlns:p="http://schemas.openxmlformats.org/presentationml/2006/main" xmlns:m="http://schemas.openxmlformats.org/officeDocument/2006/math" xmlns:a14="http://schemas.microsoft.com/office/drawing/2010/main">
+<p:notesMaster xmlns:a="http://schemas.openxmlformats.org/drawingml/2006/main" xmlns:r="http://schemas.openxmlformats.org/officeDocument/2006/relationships" xmlns:p="http://schemas.openxmlformats.org/presentationml/2006/main">
   <p:cSld>
+    <p:bg>
+      <p:bgRef idx="1001">
+        <a:schemeClr val="bg1"/>
+      </p:bgRef>
+    </p:bg>
     <p:spTree>
       <p:nvGrpSpPr>
         <p:cNvPr id="1" name=""/>
@@ -347,7 +364,9 @@
       <p:sp>
         <p:nvSpPr>
           <p:cNvPr id="150" name="Shape 150"/>
-          <p:cNvSpPr/>
+          <p:cNvSpPr>
+            <a:spLocks noGrp="1" noRot="1" noChangeAspect="1"/>
+          </p:cNvSpPr>
           <p:nvPr>
             <p:ph type="sldImg"/>
           </p:nvPr>
@@ -365,14 +384,16 @@
           <a:bodyPr/>
           <a:lstStyle/>
           <a:p>
-            <a:pPr/>
+            <a:endParaRPr/>
           </a:p>
         </p:txBody>
       </p:sp>
       <p:sp>
         <p:nvSpPr>
           <p:cNvPr id="151" name="Shape 151"/>
-          <p:cNvSpPr/>
+          <p:cNvSpPr>
+            <a:spLocks noGrp="1"/>
+          </p:cNvSpPr>
           <p:nvPr>
             <p:ph type="body" sz="quarter" idx="1"/>
           </p:nvPr>
@@ -390,7 +411,7 @@
           <a:bodyPr/>
           <a:lstStyle/>
           <a:p>
-            <a:pPr/>
+            <a:endParaRPr/>
           </a:p>
         </p:txBody>
       </p:sp>
@@ -502,7 +523,7 @@
 </file>
 
 <file path=ppt/slideLayouts/slideLayout1.xml><?xml version="1.0" encoding="utf-8"?>
-<p:sldLayout xmlns:a="http://schemas.openxmlformats.org/drawingml/2006/main" xmlns:r="http://schemas.openxmlformats.org/officeDocument/2006/relationships" xmlns:p="http://schemas.openxmlformats.org/presentationml/2006/main" xmlns:m="http://schemas.openxmlformats.org/officeDocument/2006/math" xmlns:a14="http://schemas.microsoft.com/office/drawing/2010/main" type="title" showMasterSp="1" showMasterPhAnim="1">
+<p:sldLayout xmlns:a="http://schemas.openxmlformats.org/drawingml/2006/main" xmlns:r="http://schemas.openxmlformats.org/officeDocument/2006/relationships" xmlns:p="http://schemas.openxmlformats.org/presentationml/2006/main" type="title">
   <p:cSld name="Title">
     <p:spTree>
       <p:nvGrpSpPr>
@@ -521,7 +542,9 @@
       <p:sp>
         <p:nvSpPr>
           <p:cNvPr id="11" name="Author and Date"/>
-          <p:cNvSpPr txBox="1"/>
+          <p:cNvSpPr txBox="1">
+            <a:spLocks noGrp="1"/>
+          </p:cNvSpPr>
           <p:nvPr>
             <p:ph type="body" sz="quarter" idx="21" hasCustomPrompt="1"/>
           </p:nvPr>
@@ -547,11 +570,10 @@
               </a:spcBef>
               <a:buSzTx/>
               <a:buNone/>
-              <a:defRPr b="1" sz="3600"/>
+              <a:defRPr sz="3600" b="1"/>
             </a:lvl1pPr>
           </a:lstStyle>
           <a:p>
-            <a:pPr/>
             <a:r>
               <a:t>Author and Date</a:t>
             </a:r>
@@ -561,7 +583,9 @@
       <p:sp>
         <p:nvSpPr>
           <p:cNvPr id="12" name="Presentation Title"/>
-          <p:cNvSpPr txBox="1"/>
+          <p:cNvSpPr txBox="1">
+            <a:spLocks noGrp="1"/>
+          </p:cNvSpPr>
           <p:nvPr>
             <p:ph type="title" hasCustomPrompt="1"/>
           </p:nvPr>
@@ -579,11 +603,10 @@
           <a:bodyPr anchor="b"/>
           <a:lstStyle>
             <a:lvl1pPr>
-              <a:defRPr spc="-232" sz="11600"/>
+              <a:defRPr sz="11600" spc="-232"/>
             </a:lvl1pPr>
           </a:lstStyle>
           <a:p>
-            <a:pPr/>
             <a:r>
               <a:t>Presentation Title</a:t>
             </a:r>
@@ -593,7 +616,9 @@
       <p:sp>
         <p:nvSpPr>
           <p:cNvPr id="13" name="Body Level One…"/>
-          <p:cNvSpPr txBox="1"/>
+          <p:cNvSpPr txBox="1">
+            <a:spLocks noGrp="1"/>
+          </p:cNvSpPr>
           <p:nvPr>
             <p:ph type="body" sz="quarter" idx="1" hasCustomPrompt="1"/>
           </p:nvPr>
@@ -619,7 +644,7 @@
               </a:spcBef>
               <a:buSzTx/>
               <a:buNone/>
-              <a:defRPr b="1" sz="5500"/>
+              <a:defRPr sz="5500" b="1"/>
             </a:lvl1pPr>
             <a:lvl2pPr marL="0" indent="457200" defTabSz="825500">
               <a:lnSpc>
@@ -630,7 +655,7 @@
               </a:spcBef>
               <a:buSzTx/>
               <a:buNone/>
-              <a:defRPr b="1" sz="5500"/>
+              <a:defRPr sz="5500" b="1"/>
             </a:lvl2pPr>
             <a:lvl3pPr marL="0" indent="914400" defTabSz="825500">
               <a:lnSpc>
@@ -641,7 +666,7 @@
               </a:spcBef>
               <a:buSzTx/>
               <a:buNone/>
-              <a:defRPr b="1" sz="5500"/>
+              <a:defRPr sz="5500" b="1"/>
             </a:lvl3pPr>
             <a:lvl4pPr marL="0" indent="1371600" defTabSz="825500">
               <a:lnSpc>
@@ -652,7 +677,7 @@
               </a:spcBef>
               <a:buSzTx/>
               <a:buNone/>
-              <a:defRPr b="1" sz="5500"/>
+              <a:defRPr sz="5500" b="1"/>
             </a:lvl4pPr>
             <a:lvl5pPr marL="0" indent="1828800" defTabSz="825500">
               <a:lnSpc>
@@ -663,38 +688,29 @@
               </a:spcBef>
               <a:buSzTx/>
               <a:buNone/>
-              <a:defRPr b="1" sz="5500"/>
+              <a:defRPr sz="5500" b="1"/>
             </a:lvl5pPr>
           </a:lstStyle>
           <a:p>
-            <a:pPr/>
             <a:r>
               <a:t>Presentation Subtitle</a:t>
             </a:r>
           </a:p>
           <a:p>
             <a:pPr lvl="1"/>
-            <a:r>
-              <a:t/>
-            </a:r>
+            <a:endParaRPr/>
           </a:p>
           <a:p>
             <a:pPr lvl="2"/>
-            <a:r>
-              <a:t/>
-            </a:r>
+            <a:endParaRPr/>
           </a:p>
           <a:p>
             <a:pPr lvl="3"/>
-            <a:r>
-              <a:t/>
-            </a:r>
+            <a:endParaRPr/>
           </a:p>
           <a:p>
             <a:pPr lvl="4"/>
-            <a:r>
-              <a:t/>
-            </a:r>
+            <a:endParaRPr/>
           </a:p>
         </p:txBody>
       </p:sp>
@@ -717,7 +733,7 @@
           </a:ln>
           <a:extLst>
             <a:ext uri="{C572A759-6A51-4108-AA02-DFA0A04FC94B}">
-              <ma14:wrappingTextBoxFlag xmlns:ma14="http://schemas.microsoft.com/office/mac/drawingml/2011/main" val="1"/>
+              <ma14:wrappingTextBoxFlag xmlns:ma14="http://schemas.microsoft.com/office/mac/drawingml/2011/main" xmlns:a14="http://schemas.microsoft.com/office/drawing/2010/main" xmlns:m="http://schemas.openxmlformats.org/officeDocument/2006/math" xmlns="" val="1"/>
             </a:ext>
           </a:extLst>
         </p:spPr>
@@ -727,7 +743,6 @@
           </a:bodyPr>
           <a:lstStyle/>
           <a:p>
-            <a:pPr/>
             <a:r>
               <a:t>Simon Hünecker, Anne Marx, Dorian Vocelka</a:t>
             </a:r>
@@ -753,7 +768,7 @@
           </a:ln>
           <a:extLst>
             <a:ext uri="{C572A759-6A51-4108-AA02-DFA0A04FC94B}">
-              <ma14:wrappingTextBoxFlag xmlns:ma14="http://schemas.microsoft.com/office/mac/drawingml/2011/main" val="1"/>
+              <ma14:wrappingTextBoxFlag xmlns:ma14="http://schemas.microsoft.com/office/mac/drawingml/2011/main" xmlns:a14="http://schemas.microsoft.com/office/drawing/2010/main" xmlns:m="http://schemas.openxmlformats.org/officeDocument/2006/math" xmlns="" val="1"/>
             </a:ext>
           </a:extLst>
         </p:spPr>
@@ -763,7 +778,6 @@
           </a:bodyPr>
           <a:lstStyle/>
           <a:p>
-            <a:pPr/>
             <a:r>
               <a:t>Web Technologies - Verbesserung für Ankündigungen von Abschlussarbeiten</a:t>
             </a:r>
@@ -773,7 +787,9 @@
       <p:sp>
         <p:nvSpPr>
           <p:cNvPr id="16" name="Slide Number"/>
-          <p:cNvSpPr txBox="1"/>
+          <p:cNvSpPr txBox="1">
+            <a:spLocks noGrp="1"/>
+          </p:cNvSpPr>
           <p:nvPr>
             <p:ph type="sldNum" sz="quarter" idx="2"/>
           </p:nvPr>
@@ -787,8 +803,10 @@
           <a:bodyPr/>
           <a:lstStyle/>
           <a:p>
-            <a:pPr/>
-            <a:fld id="{86CB4B4D-7CA3-9044-876B-883B54F8677D}" type="slidenum"/>
+            <a:fld id="{86CB4B4D-7CA3-9044-876B-883B54F8677D}" type="slidenum">
+              <a:t>‹Nr.›</a:t>
+            </a:fld>
+            <a:endParaRPr/>
           </a:p>
         </p:txBody>
       </p:sp>
@@ -797,12 +815,12 @@
   <p:clrMapOvr>
     <a:masterClrMapping/>
   </p:clrMapOvr>
-  <p:transition xmlns:p14="http://schemas.microsoft.com/office/powerpoint/2010/main" spd="med" advClick="1"/>
+  <p:transition spd="med"/>
 </p:sldLayout>
 </file>
 
 <file path=ppt/slideLayouts/slideLayout10.xml><?xml version="1.0" encoding="utf-8"?>
-<p:sldLayout xmlns:a="http://schemas.openxmlformats.org/drawingml/2006/main" xmlns:r="http://schemas.openxmlformats.org/officeDocument/2006/relationships" xmlns:p="http://schemas.openxmlformats.org/presentationml/2006/main" xmlns:m="http://schemas.openxmlformats.org/officeDocument/2006/math" xmlns:a14="http://schemas.microsoft.com/office/drawing/2010/main" type="tx" showMasterSp="1" showMasterPhAnim="1">
+<p:sldLayout xmlns:a="http://schemas.openxmlformats.org/drawingml/2006/main" xmlns:r="http://schemas.openxmlformats.org/officeDocument/2006/relationships" xmlns:p="http://schemas.openxmlformats.org/presentationml/2006/main" type="tx">
   <p:cSld name="Statement">
     <p:spTree>
       <p:nvGrpSpPr>
@@ -821,7 +839,9 @@
       <p:sp>
         <p:nvSpPr>
           <p:cNvPr id="100" name="Body Level One…"/>
-          <p:cNvSpPr txBox="1"/>
+          <p:cNvSpPr txBox="1">
+            <a:spLocks noGrp="1"/>
+          </p:cNvSpPr>
           <p:nvPr>
             <p:ph type="body" sz="half" idx="1" hasCustomPrompt="1"/>
           </p:nvPr>
@@ -847,7 +867,7 @@
               </a:spcBef>
               <a:buSzTx/>
               <a:buNone/>
-              <a:defRPr spc="-232" sz="11600">
+              <a:defRPr sz="11600" spc="-232">
                 <a:latin typeface="Helvetica Neue Medium"/>
                 <a:ea typeface="Helvetica Neue Medium"/>
                 <a:cs typeface="Helvetica Neue Medium"/>
@@ -863,7 +883,7 @@
               </a:spcBef>
               <a:buSzTx/>
               <a:buNone/>
-              <a:defRPr spc="-232" sz="11600">
+              <a:defRPr sz="11600" spc="-232">
                 <a:latin typeface="Helvetica Neue Medium"/>
                 <a:ea typeface="Helvetica Neue Medium"/>
                 <a:cs typeface="Helvetica Neue Medium"/>
@@ -879,7 +899,7 @@
               </a:spcBef>
               <a:buSzTx/>
               <a:buNone/>
-              <a:defRPr spc="-232" sz="11600">
+              <a:defRPr sz="11600" spc="-232">
                 <a:latin typeface="Helvetica Neue Medium"/>
                 <a:ea typeface="Helvetica Neue Medium"/>
                 <a:cs typeface="Helvetica Neue Medium"/>
@@ -895,7 +915,7 @@
               </a:spcBef>
               <a:buSzTx/>
               <a:buNone/>
-              <a:defRPr spc="-232" sz="11600">
+              <a:defRPr sz="11600" spc="-232">
                 <a:latin typeface="Helvetica Neue Medium"/>
                 <a:ea typeface="Helvetica Neue Medium"/>
                 <a:cs typeface="Helvetica Neue Medium"/>
@@ -911,7 +931,7 @@
               </a:spcBef>
               <a:buSzTx/>
               <a:buNone/>
-              <a:defRPr spc="-232" sz="11600">
+              <a:defRPr sz="11600" spc="-232">
                 <a:latin typeface="Helvetica Neue Medium"/>
                 <a:ea typeface="Helvetica Neue Medium"/>
                 <a:cs typeface="Helvetica Neue Medium"/>
@@ -920,41 +940,34 @@
             </a:lvl5pPr>
           </a:lstStyle>
           <a:p>
-            <a:pPr/>
             <a:r>
               <a:t>Statement</a:t>
             </a:r>
           </a:p>
           <a:p>
             <a:pPr lvl="1"/>
-            <a:r>
-              <a:t/>
-            </a:r>
+            <a:endParaRPr/>
           </a:p>
           <a:p>
             <a:pPr lvl="2"/>
-            <a:r>
-              <a:t/>
-            </a:r>
+            <a:endParaRPr/>
           </a:p>
           <a:p>
             <a:pPr lvl="3"/>
-            <a:r>
-              <a:t/>
-            </a:r>
+            <a:endParaRPr/>
           </a:p>
           <a:p>
             <a:pPr lvl="4"/>
-            <a:r>
-              <a:t/>
-            </a:r>
+            <a:endParaRPr/>
           </a:p>
         </p:txBody>
       </p:sp>
       <p:sp>
         <p:nvSpPr>
           <p:cNvPr id="101" name="Slide Number"/>
-          <p:cNvSpPr txBox="1"/>
+          <p:cNvSpPr txBox="1">
+            <a:spLocks noGrp="1"/>
+          </p:cNvSpPr>
           <p:nvPr>
             <p:ph type="sldNum" sz="quarter" idx="2"/>
           </p:nvPr>
@@ -968,8 +981,10 @@
           <a:bodyPr/>
           <a:lstStyle/>
           <a:p>
-            <a:pPr/>
-            <a:fld id="{86CB4B4D-7CA3-9044-876B-883B54F8677D}" type="slidenum"/>
+            <a:fld id="{86CB4B4D-7CA3-9044-876B-883B54F8677D}" type="slidenum">
+              <a:t>‹Nr.›</a:t>
+            </a:fld>
+            <a:endParaRPr/>
           </a:p>
         </p:txBody>
       </p:sp>
@@ -978,12 +993,12 @@
   <p:clrMapOvr>
     <a:masterClrMapping/>
   </p:clrMapOvr>
-  <p:transition xmlns:p14="http://schemas.microsoft.com/office/powerpoint/2010/main" spd="med" advClick="1"/>
+  <p:transition spd="med"/>
 </p:sldLayout>
 </file>
 
 <file path=ppt/slideLayouts/slideLayout11.xml><?xml version="1.0" encoding="utf-8"?>
-<p:sldLayout xmlns:a="http://schemas.openxmlformats.org/drawingml/2006/main" xmlns:r="http://schemas.openxmlformats.org/officeDocument/2006/relationships" xmlns:p="http://schemas.openxmlformats.org/presentationml/2006/main" xmlns:m="http://schemas.openxmlformats.org/officeDocument/2006/math" xmlns:a14="http://schemas.microsoft.com/office/drawing/2010/main" type="tx" showMasterSp="1" showMasterPhAnim="1">
+<p:sldLayout xmlns:a="http://schemas.openxmlformats.org/drawingml/2006/main" xmlns:r="http://schemas.openxmlformats.org/officeDocument/2006/relationships" xmlns:p="http://schemas.openxmlformats.org/presentationml/2006/main" type="tx">
   <p:cSld name="Big Fact">
     <p:spTree>
       <p:nvGrpSpPr>
@@ -1002,7 +1017,9 @@
       <p:sp>
         <p:nvSpPr>
           <p:cNvPr id="108" name="Body Level One…"/>
-          <p:cNvSpPr txBox="1"/>
+          <p:cNvSpPr txBox="1">
+            <a:spLocks noGrp="1"/>
+          </p:cNvSpPr>
           <p:nvPr>
             <p:ph type="body" idx="1" hasCustomPrompt="1"/>
           </p:nvPr>
@@ -1028,7 +1045,7 @@
               </a:spcBef>
               <a:buSzTx/>
               <a:buNone/>
-              <a:defRPr b="1" spc="-250" sz="25000"/>
+              <a:defRPr sz="25000" b="1" spc="-250"/>
             </a:lvl1pPr>
             <a:lvl2pPr marL="0" indent="457200" algn="ctr">
               <a:lnSpc>
@@ -1039,7 +1056,7 @@
               </a:spcBef>
               <a:buSzTx/>
               <a:buNone/>
-              <a:defRPr b="1" spc="-250" sz="25000"/>
+              <a:defRPr sz="25000" b="1" spc="-250"/>
             </a:lvl2pPr>
             <a:lvl3pPr marL="0" indent="914400" algn="ctr">
               <a:lnSpc>
@@ -1050,7 +1067,7 @@
               </a:spcBef>
               <a:buSzTx/>
               <a:buNone/>
-              <a:defRPr b="1" spc="-250" sz="25000"/>
+              <a:defRPr sz="25000" b="1" spc="-250"/>
             </a:lvl3pPr>
             <a:lvl4pPr marL="0" indent="1371600" algn="ctr">
               <a:lnSpc>
@@ -1061,7 +1078,7 @@
               </a:spcBef>
               <a:buSzTx/>
               <a:buNone/>
-              <a:defRPr b="1" spc="-250" sz="25000"/>
+              <a:defRPr sz="25000" b="1" spc="-250"/>
             </a:lvl4pPr>
             <a:lvl5pPr marL="0" indent="1828800" algn="ctr">
               <a:lnSpc>
@@ -1072,45 +1089,38 @@
               </a:spcBef>
               <a:buSzTx/>
               <a:buNone/>
-              <a:defRPr b="1" spc="-250" sz="25000"/>
+              <a:defRPr sz="25000" b="1" spc="-250"/>
             </a:lvl5pPr>
           </a:lstStyle>
           <a:p>
-            <a:pPr/>
             <a:r>
               <a:t>100%</a:t>
             </a:r>
           </a:p>
           <a:p>
             <a:pPr lvl="1"/>
-            <a:r>
-              <a:t/>
-            </a:r>
+            <a:endParaRPr/>
           </a:p>
           <a:p>
             <a:pPr lvl="2"/>
-            <a:r>
-              <a:t/>
-            </a:r>
+            <a:endParaRPr/>
           </a:p>
           <a:p>
             <a:pPr lvl="3"/>
-            <a:r>
-              <a:t/>
-            </a:r>
+            <a:endParaRPr/>
           </a:p>
           <a:p>
             <a:pPr lvl="4"/>
-            <a:r>
-              <a:t/>
-            </a:r>
+            <a:endParaRPr/>
           </a:p>
         </p:txBody>
       </p:sp>
       <p:sp>
         <p:nvSpPr>
           <p:cNvPr id="109" name="Fact information"/>
-          <p:cNvSpPr txBox="1"/>
+          <p:cNvSpPr txBox="1">
+            <a:spLocks noGrp="1"/>
+          </p:cNvSpPr>
           <p:nvPr>
             <p:ph type="body" sz="quarter" idx="21" hasCustomPrompt="1"/>
           </p:nvPr>
@@ -1136,11 +1146,10 @@
               </a:spcBef>
               <a:buSzTx/>
               <a:buNone/>
-              <a:defRPr b="1" sz="5500"/>
+              <a:defRPr sz="5500" b="1"/>
             </a:lvl1pPr>
           </a:lstStyle>
           <a:p>
-            <a:pPr/>
             <a:r>
               <a:t>Fact information</a:t>
             </a:r>
@@ -1150,7 +1159,9 @@
       <p:sp>
         <p:nvSpPr>
           <p:cNvPr id="110" name="Slide Number"/>
-          <p:cNvSpPr txBox="1"/>
+          <p:cNvSpPr txBox="1">
+            <a:spLocks noGrp="1"/>
+          </p:cNvSpPr>
           <p:nvPr>
             <p:ph type="sldNum" sz="quarter" idx="2"/>
           </p:nvPr>
@@ -1164,8 +1175,10 @@
           <a:bodyPr/>
           <a:lstStyle/>
           <a:p>
-            <a:pPr/>
-            <a:fld id="{86CB4B4D-7CA3-9044-876B-883B54F8677D}" type="slidenum"/>
+            <a:fld id="{86CB4B4D-7CA3-9044-876B-883B54F8677D}" type="slidenum">
+              <a:t>‹Nr.›</a:t>
+            </a:fld>
+            <a:endParaRPr/>
           </a:p>
         </p:txBody>
       </p:sp>
@@ -1174,12 +1187,12 @@
   <p:clrMapOvr>
     <a:masterClrMapping/>
   </p:clrMapOvr>
-  <p:transition xmlns:p14="http://schemas.microsoft.com/office/powerpoint/2010/main" spd="med" advClick="1"/>
+  <p:transition spd="med"/>
 </p:sldLayout>
 </file>
 
 <file path=ppt/slideLayouts/slideLayout12.xml><?xml version="1.0" encoding="utf-8"?>
-<p:sldLayout xmlns:a="http://schemas.openxmlformats.org/drawingml/2006/main" xmlns:r="http://schemas.openxmlformats.org/officeDocument/2006/relationships" xmlns:p="http://schemas.openxmlformats.org/presentationml/2006/main" xmlns:m="http://schemas.openxmlformats.org/officeDocument/2006/math" xmlns:a14="http://schemas.microsoft.com/office/drawing/2010/main" type="tx" showMasterSp="1" showMasterPhAnim="1">
+<p:sldLayout xmlns:a="http://schemas.openxmlformats.org/drawingml/2006/main" xmlns:r="http://schemas.openxmlformats.org/officeDocument/2006/relationships" xmlns:p="http://schemas.openxmlformats.org/presentationml/2006/main" type="tx">
   <p:cSld name="Quote">
     <p:spTree>
       <p:nvGrpSpPr>
@@ -1198,7 +1211,9 @@
       <p:sp>
         <p:nvSpPr>
           <p:cNvPr id="117" name="Attribution"/>
-          <p:cNvSpPr txBox="1"/>
+          <p:cNvSpPr txBox="1">
+            <a:spLocks noGrp="1"/>
+          </p:cNvSpPr>
           <p:nvPr>
             <p:ph type="body" sz="quarter" idx="21" hasCustomPrompt="1"/>
           </p:nvPr>
@@ -1224,11 +1239,10 @@
               </a:spcBef>
               <a:buSzTx/>
               <a:buNone/>
-              <a:defRPr b="1" sz="3600"/>
+              <a:defRPr sz="3600" b="1"/>
             </a:lvl1pPr>
           </a:lstStyle>
           <a:p>
-            <a:pPr/>
             <a:r>
               <a:t>Attribution</a:t>
             </a:r>
@@ -1238,7 +1252,9 @@
       <p:sp>
         <p:nvSpPr>
           <p:cNvPr id="118" name="Body Level One…"/>
-          <p:cNvSpPr txBox="1"/>
+          <p:cNvSpPr txBox="1">
+            <a:spLocks noGrp="1"/>
+          </p:cNvSpPr>
           <p:nvPr>
             <p:ph type="body" sz="half" idx="1" hasCustomPrompt="1"/>
           </p:nvPr>
@@ -1261,7 +1277,7 @@
               </a:spcBef>
               <a:buSzTx/>
               <a:buNone/>
-              <a:defRPr spc="-170" sz="8500">
+              <a:defRPr sz="8500" spc="-170">
                 <a:latin typeface="Helvetica Neue Medium"/>
                 <a:ea typeface="Helvetica Neue Medium"/>
                 <a:cs typeface="Helvetica Neue Medium"/>
@@ -1274,7 +1290,7 @@
               </a:spcBef>
               <a:buSzTx/>
               <a:buNone/>
-              <a:defRPr spc="-170" sz="8500">
+              <a:defRPr sz="8500" spc="-170">
                 <a:latin typeface="Helvetica Neue Medium"/>
                 <a:ea typeface="Helvetica Neue Medium"/>
                 <a:cs typeface="Helvetica Neue Medium"/>
@@ -1287,7 +1303,7 @@
               </a:spcBef>
               <a:buSzTx/>
               <a:buNone/>
-              <a:defRPr spc="-170" sz="8500">
+              <a:defRPr sz="8500" spc="-170">
                 <a:latin typeface="Helvetica Neue Medium"/>
                 <a:ea typeface="Helvetica Neue Medium"/>
                 <a:cs typeface="Helvetica Neue Medium"/>
@@ -1300,7 +1316,7 @@
               </a:spcBef>
               <a:buSzTx/>
               <a:buNone/>
-              <a:defRPr spc="-170" sz="8500">
+              <a:defRPr sz="8500" spc="-170">
                 <a:latin typeface="Helvetica Neue Medium"/>
                 <a:ea typeface="Helvetica Neue Medium"/>
                 <a:cs typeface="Helvetica Neue Medium"/>
@@ -1313,7 +1329,7 @@
               </a:spcBef>
               <a:buSzTx/>
               <a:buNone/>
-              <a:defRPr spc="-170" sz="8500">
+              <a:defRPr sz="8500" spc="-170">
                 <a:latin typeface="Helvetica Neue Medium"/>
                 <a:ea typeface="Helvetica Neue Medium"/>
                 <a:cs typeface="Helvetica Neue Medium"/>
@@ -1322,41 +1338,34 @@
             </a:lvl5pPr>
           </a:lstStyle>
           <a:p>
-            <a:pPr/>
             <a:r>
               <a:t>“Notable Quote”</a:t>
             </a:r>
           </a:p>
           <a:p>
             <a:pPr lvl="1"/>
-            <a:r>
-              <a:t/>
-            </a:r>
+            <a:endParaRPr/>
           </a:p>
           <a:p>
             <a:pPr lvl="2"/>
-            <a:r>
-              <a:t/>
-            </a:r>
+            <a:endParaRPr/>
           </a:p>
           <a:p>
             <a:pPr lvl="3"/>
-            <a:r>
-              <a:t/>
-            </a:r>
+            <a:endParaRPr/>
           </a:p>
           <a:p>
             <a:pPr lvl="4"/>
-            <a:r>
-              <a:t/>
-            </a:r>
+            <a:endParaRPr/>
           </a:p>
         </p:txBody>
       </p:sp>
       <p:sp>
         <p:nvSpPr>
           <p:cNvPr id="119" name="Slide Number"/>
-          <p:cNvSpPr txBox="1"/>
+          <p:cNvSpPr txBox="1">
+            <a:spLocks noGrp="1"/>
+          </p:cNvSpPr>
           <p:nvPr>
             <p:ph type="sldNum" sz="quarter" idx="2"/>
           </p:nvPr>
@@ -1370,8 +1379,10 @@
           <a:bodyPr/>
           <a:lstStyle/>
           <a:p>
-            <a:pPr/>
-            <a:fld id="{86CB4B4D-7CA3-9044-876B-883B54F8677D}" type="slidenum"/>
+            <a:fld id="{86CB4B4D-7CA3-9044-876B-883B54F8677D}" type="slidenum">
+              <a:t>‹Nr.›</a:t>
+            </a:fld>
+            <a:endParaRPr/>
           </a:p>
         </p:txBody>
       </p:sp>
@@ -1380,12 +1391,12 @@
   <p:clrMapOvr>
     <a:masterClrMapping/>
   </p:clrMapOvr>
-  <p:transition xmlns:p14="http://schemas.microsoft.com/office/powerpoint/2010/main" spd="med" advClick="1"/>
+  <p:transition spd="med"/>
 </p:sldLayout>
 </file>
 
 <file path=ppt/slideLayouts/slideLayout13.xml><?xml version="1.0" encoding="utf-8"?>
-<p:sldLayout xmlns:a="http://schemas.openxmlformats.org/drawingml/2006/main" xmlns:r="http://schemas.openxmlformats.org/officeDocument/2006/relationships" xmlns:p="http://schemas.openxmlformats.org/presentationml/2006/main" xmlns:m="http://schemas.openxmlformats.org/officeDocument/2006/math" xmlns:a14="http://schemas.microsoft.com/office/drawing/2010/main" type="tx" showMasterSp="1" showMasterPhAnim="1">
+<p:sldLayout xmlns:a="http://schemas.openxmlformats.org/drawingml/2006/main" xmlns:r="http://schemas.openxmlformats.org/officeDocument/2006/relationships" xmlns:p="http://schemas.openxmlformats.org/presentationml/2006/main" type="tx">
   <p:cSld name="Photo - 3 Up">
     <p:spTree>
       <p:nvGrpSpPr>
@@ -1404,7 +1415,9 @@
       <p:sp>
         <p:nvSpPr>
           <p:cNvPr id="126" name="Image"/>
-          <p:cNvSpPr/>
+          <p:cNvSpPr>
+            <a:spLocks noGrp="1"/>
+          </p:cNvSpPr>
           <p:nvPr>
             <p:ph type="pic" sz="quarter" idx="21"/>
           </p:nvPr>
@@ -1424,14 +1437,16 @@
           </a:bodyPr>
           <a:lstStyle/>
           <a:p>
-            <a:pPr/>
+            <a:endParaRPr/>
           </a:p>
         </p:txBody>
       </p:sp>
       <p:sp>
         <p:nvSpPr>
           <p:cNvPr id="127" name="Image"/>
-          <p:cNvSpPr/>
+          <p:cNvSpPr>
+            <a:spLocks noGrp="1"/>
+          </p:cNvSpPr>
           <p:nvPr>
             <p:ph type="pic" sz="half" idx="22"/>
           </p:nvPr>
@@ -1451,14 +1466,16 @@
           </a:bodyPr>
           <a:lstStyle/>
           <a:p>
-            <a:pPr/>
+            <a:endParaRPr/>
           </a:p>
         </p:txBody>
       </p:sp>
       <p:sp>
         <p:nvSpPr>
           <p:cNvPr id="128" name="Image"/>
-          <p:cNvSpPr/>
+          <p:cNvSpPr>
+            <a:spLocks noGrp="1"/>
+          </p:cNvSpPr>
           <p:nvPr>
             <p:ph type="pic" idx="23"/>
           </p:nvPr>
@@ -1478,14 +1495,16 @@
           </a:bodyPr>
           <a:lstStyle/>
           <a:p>
-            <a:pPr/>
+            <a:endParaRPr/>
           </a:p>
         </p:txBody>
       </p:sp>
       <p:sp>
         <p:nvSpPr>
           <p:cNvPr id="129" name="Slide Number"/>
-          <p:cNvSpPr txBox="1"/>
+          <p:cNvSpPr txBox="1">
+            <a:spLocks noGrp="1"/>
+          </p:cNvSpPr>
           <p:nvPr>
             <p:ph type="sldNum" sz="quarter" idx="2"/>
           </p:nvPr>
@@ -1499,8 +1518,10 @@
           <a:bodyPr/>
           <a:lstStyle/>
           <a:p>
-            <a:pPr/>
-            <a:fld id="{86CB4B4D-7CA3-9044-876B-883B54F8677D}" type="slidenum"/>
+            <a:fld id="{86CB4B4D-7CA3-9044-876B-883B54F8677D}" type="slidenum">
+              <a:t>‹Nr.›</a:t>
+            </a:fld>
+            <a:endParaRPr/>
           </a:p>
         </p:txBody>
       </p:sp>
@@ -1509,12 +1530,12 @@
   <p:clrMapOvr>
     <a:masterClrMapping/>
   </p:clrMapOvr>
-  <p:transition xmlns:p14="http://schemas.microsoft.com/office/powerpoint/2010/main" spd="med" advClick="1"/>
+  <p:transition spd="med"/>
 </p:sldLayout>
 </file>
 
 <file path=ppt/slideLayouts/slideLayout14.xml><?xml version="1.0" encoding="utf-8"?>
-<p:sldLayout xmlns:a="http://schemas.openxmlformats.org/drawingml/2006/main" xmlns:r="http://schemas.openxmlformats.org/officeDocument/2006/relationships" xmlns:p="http://schemas.openxmlformats.org/presentationml/2006/main" xmlns:m="http://schemas.openxmlformats.org/officeDocument/2006/math" xmlns:a14="http://schemas.microsoft.com/office/drawing/2010/main" type="tx" showMasterSp="1" showMasterPhAnim="1">
+<p:sldLayout xmlns:a="http://schemas.openxmlformats.org/drawingml/2006/main" xmlns:r="http://schemas.openxmlformats.org/officeDocument/2006/relationships" xmlns:p="http://schemas.openxmlformats.org/presentationml/2006/main" type="tx">
   <p:cSld name="Photo">
     <p:spTree>
       <p:nvGrpSpPr>
@@ -1533,7 +1554,9 @@
       <p:sp>
         <p:nvSpPr>
           <p:cNvPr id="136" name="Image"/>
-          <p:cNvSpPr/>
+          <p:cNvSpPr>
+            <a:spLocks noGrp="1"/>
+          </p:cNvSpPr>
           <p:nvPr>
             <p:ph type="pic" idx="21"/>
           </p:nvPr>
@@ -1553,14 +1576,16 @@
           </a:bodyPr>
           <a:lstStyle/>
           <a:p>
-            <a:pPr/>
+            <a:endParaRPr/>
           </a:p>
         </p:txBody>
       </p:sp>
       <p:sp>
         <p:nvSpPr>
           <p:cNvPr id="137" name="Slide Number"/>
-          <p:cNvSpPr txBox="1"/>
+          <p:cNvSpPr txBox="1">
+            <a:spLocks noGrp="1"/>
+          </p:cNvSpPr>
           <p:nvPr>
             <p:ph type="sldNum" sz="quarter" idx="2"/>
           </p:nvPr>
@@ -1582,8 +1607,10 @@
             </a:lvl1pPr>
           </a:lstStyle>
           <a:p>
-            <a:pPr/>
-            <a:fld id="{86CB4B4D-7CA3-9044-876B-883B54F8677D}" type="slidenum"/>
+            <a:fld id="{86CB4B4D-7CA3-9044-876B-883B54F8677D}" type="slidenum">
+              <a:t>‹Nr.›</a:t>
+            </a:fld>
+            <a:endParaRPr/>
           </a:p>
         </p:txBody>
       </p:sp>
@@ -1592,12 +1619,12 @@
   <p:clrMapOvr>
     <a:masterClrMapping/>
   </p:clrMapOvr>
-  <p:transition xmlns:p14="http://schemas.microsoft.com/office/powerpoint/2010/main" spd="med" advClick="1"/>
+  <p:transition spd="med"/>
 </p:sldLayout>
 </file>
 
 <file path=ppt/slideLayouts/slideLayout15.xml><?xml version="1.0" encoding="utf-8"?>
-<p:sldLayout xmlns:a="http://schemas.openxmlformats.org/drawingml/2006/main" xmlns:r="http://schemas.openxmlformats.org/officeDocument/2006/relationships" xmlns:p="http://schemas.openxmlformats.org/presentationml/2006/main" xmlns:m="http://schemas.openxmlformats.org/officeDocument/2006/math" xmlns:a14="http://schemas.microsoft.com/office/drawing/2010/main" type="tx" showMasterSp="1" showMasterPhAnim="1">
+<p:sldLayout xmlns:a="http://schemas.openxmlformats.org/drawingml/2006/main" xmlns:r="http://schemas.openxmlformats.org/officeDocument/2006/relationships" xmlns:p="http://schemas.openxmlformats.org/presentationml/2006/main" type="tx">
   <p:cSld name="Blank">
     <p:spTree>
       <p:nvGrpSpPr>
@@ -1616,7 +1643,9 @@
       <p:sp>
         <p:nvSpPr>
           <p:cNvPr id="144" name="Slide Number"/>
-          <p:cNvSpPr txBox="1"/>
+          <p:cNvSpPr txBox="1">
+            <a:spLocks noGrp="1"/>
+          </p:cNvSpPr>
           <p:nvPr>
             <p:ph type="sldNum" sz="quarter" idx="2"/>
           </p:nvPr>
@@ -1630,8 +1659,10 @@
           <a:bodyPr/>
           <a:lstStyle/>
           <a:p>
-            <a:pPr/>
-            <a:fld id="{86CB4B4D-7CA3-9044-876B-883B54F8677D}" type="slidenum"/>
+            <a:fld id="{86CB4B4D-7CA3-9044-876B-883B54F8677D}" type="slidenum">
+              <a:t>‹Nr.›</a:t>
+            </a:fld>
+            <a:endParaRPr/>
           </a:p>
         </p:txBody>
       </p:sp>
@@ -1640,12 +1671,12 @@
   <p:clrMapOvr>
     <a:masterClrMapping/>
   </p:clrMapOvr>
-  <p:transition xmlns:p14="http://schemas.microsoft.com/office/powerpoint/2010/main" spd="med" advClick="1"/>
+  <p:transition spd="med"/>
 </p:sldLayout>
 </file>
 
 <file path=ppt/slideLayouts/slideLayout2.xml><?xml version="1.0" encoding="utf-8"?>
-<p:sldLayout xmlns:a="http://schemas.openxmlformats.org/drawingml/2006/main" xmlns:r="http://schemas.openxmlformats.org/officeDocument/2006/relationships" xmlns:p="http://schemas.openxmlformats.org/presentationml/2006/main" xmlns:m="http://schemas.openxmlformats.org/officeDocument/2006/math" xmlns:a14="http://schemas.microsoft.com/office/drawing/2010/main" type="tx" showMasterSp="1" showMasterPhAnim="1">
+<p:sldLayout xmlns:a="http://schemas.openxmlformats.org/drawingml/2006/main" xmlns:r="http://schemas.openxmlformats.org/officeDocument/2006/relationships" xmlns:p="http://schemas.openxmlformats.org/presentationml/2006/main" type="tx">
   <p:cSld name="Title &amp; Photo">
     <p:spTree>
       <p:nvGrpSpPr>
@@ -1664,7 +1695,9 @@
       <p:sp>
         <p:nvSpPr>
           <p:cNvPr id="23" name="666699290_02_crop_3159x1892.jpg"/>
-          <p:cNvSpPr/>
+          <p:cNvSpPr>
+            <a:spLocks noGrp="1"/>
+          </p:cNvSpPr>
           <p:nvPr>
             <p:ph type="pic" idx="21"/>
           </p:nvPr>
@@ -1684,14 +1717,16 @@
           </a:bodyPr>
           <a:lstStyle/>
           <a:p>
-            <a:pPr/>
+            <a:endParaRPr/>
           </a:p>
         </p:txBody>
       </p:sp>
       <p:sp>
         <p:nvSpPr>
           <p:cNvPr id="24" name="Presentation Title"/>
-          <p:cNvSpPr txBox="1"/>
+          <p:cNvSpPr txBox="1">
+            <a:spLocks noGrp="1"/>
+          </p:cNvSpPr>
           <p:nvPr>
             <p:ph type="title" hasCustomPrompt="1"/>
           </p:nvPr>
@@ -1709,11 +1744,10 @@
           <a:bodyPr anchor="b"/>
           <a:lstStyle>
             <a:lvl1pPr>
-              <a:defRPr spc="-232" sz="11600"/>
+              <a:defRPr sz="11600" spc="-232"/>
             </a:lvl1pPr>
           </a:lstStyle>
           <a:p>
-            <a:pPr/>
             <a:r>
               <a:t>Presentation Title</a:t>
             </a:r>
@@ -1723,7 +1757,9 @@
       <p:sp>
         <p:nvSpPr>
           <p:cNvPr id="25" name="Author and Date"/>
-          <p:cNvSpPr txBox="1"/>
+          <p:cNvSpPr txBox="1">
+            <a:spLocks noGrp="1"/>
+          </p:cNvSpPr>
           <p:nvPr>
             <p:ph type="body" sz="quarter" idx="22" hasCustomPrompt="1"/>
           </p:nvPr>
@@ -1749,11 +1785,10 @@
               </a:spcBef>
               <a:buSzTx/>
               <a:buNone/>
-              <a:defRPr b="1" sz="3600"/>
+              <a:defRPr sz="3600" b="1"/>
             </a:lvl1pPr>
           </a:lstStyle>
           <a:p>
-            <a:pPr/>
             <a:r>
               <a:t>Author and Date</a:t>
             </a:r>
@@ -1763,7 +1798,9 @@
       <p:sp>
         <p:nvSpPr>
           <p:cNvPr id="26" name="Body Level One…"/>
-          <p:cNvSpPr txBox="1"/>
+          <p:cNvSpPr txBox="1">
+            <a:spLocks noGrp="1"/>
+          </p:cNvSpPr>
           <p:nvPr>
             <p:ph type="body" sz="quarter" idx="1" hasCustomPrompt="1"/>
           </p:nvPr>
@@ -1789,7 +1826,7 @@
               </a:spcBef>
               <a:buSzTx/>
               <a:buNone/>
-              <a:defRPr b="1" sz="5500"/>
+              <a:defRPr sz="5500" b="1"/>
             </a:lvl1pPr>
             <a:lvl2pPr marL="0" indent="457200" defTabSz="825500">
               <a:lnSpc>
@@ -1800,7 +1837,7 @@
               </a:spcBef>
               <a:buSzTx/>
               <a:buNone/>
-              <a:defRPr b="1" sz="5500"/>
+              <a:defRPr sz="5500" b="1"/>
             </a:lvl2pPr>
             <a:lvl3pPr marL="0" indent="914400" defTabSz="825500">
               <a:lnSpc>
@@ -1811,7 +1848,7 @@
               </a:spcBef>
               <a:buSzTx/>
               <a:buNone/>
-              <a:defRPr b="1" sz="5500"/>
+              <a:defRPr sz="5500" b="1"/>
             </a:lvl3pPr>
             <a:lvl4pPr marL="0" indent="1371600" defTabSz="825500">
               <a:lnSpc>
@@ -1822,7 +1859,7 @@
               </a:spcBef>
               <a:buSzTx/>
               <a:buNone/>
-              <a:defRPr b="1" sz="5500"/>
+              <a:defRPr sz="5500" b="1"/>
             </a:lvl4pPr>
             <a:lvl5pPr marL="0" indent="1828800" defTabSz="825500">
               <a:lnSpc>
@@ -1833,45 +1870,38 @@
               </a:spcBef>
               <a:buSzTx/>
               <a:buNone/>
-              <a:defRPr b="1" sz="5500"/>
+              <a:defRPr sz="5500" b="1"/>
             </a:lvl5pPr>
           </a:lstStyle>
           <a:p>
-            <a:pPr/>
             <a:r>
               <a:t>Presentation Subtitle</a:t>
             </a:r>
           </a:p>
           <a:p>
             <a:pPr lvl="1"/>
-            <a:r>
-              <a:t/>
-            </a:r>
+            <a:endParaRPr/>
           </a:p>
           <a:p>
             <a:pPr lvl="2"/>
-            <a:r>
-              <a:t/>
-            </a:r>
+            <a:endParaRPr/>
           </a:p>
           <a:p>
             <a:pPr lvl="3"/>
-            <a:r>
-              <a:t/>
-            </a:r>
+            <a:endParaRPr/>
           </a:p>
           <a:p>
             <a:pPr lvl="4"/>
-            <a:r>
-              <a:t/>
-            </a:r>
+            <a:endParaRPr/>
           </a:p>
         </p:txBody>
       </p:sp>
       <p:sp>
         <p:nvSpPr>
           <p:cNvPr id="27" name="Slide Number"/>
-          <p:cNvSpPr txBox="1"/>
+          <p:cNvSpPr txBox="1">
+            <a:spLocks noGrp="1"/>
+          </p:cNvSpPr>
           <p:nvPr>
             <p:ph type="sldNum" sz="quarter" idx="2"/>
           </p:nvPr>
@@ -1885,8 +1915,10 @@
           <a:bodyPr/>
           <a:lstStyle/>
           <a:p>
-            <a:pPr/>
-            <a:fld id="{86CB4B4D-7CA3-9044-876B-883B54F8677D}" type="slidenum"/>
+            <a:fld id="{86CB4B4D-7CA3-9044-876B-883B54F8677D}" type="slidenum">
+              <a:t>‹Nr.›</a:t>
+            </a:fld>
+            <a:endParaRPr/>
           </a:p>
         </p:txBody>
       </p:sp>
@@ -1895,12 +1927,12 @@
   <p:clrMapOvr>
     <a:masterClrMapping/>
   </p:clrMapOvr>
-  <p:transition xmlns:p14="http://schemas.microsoft.com/office/powerpoint/2010/main" spd="med" advClick="1"/>
+  <p:transition spd="med"/>
 </p:sldLayout>
 </file>
 
 <file path=ppt/slideLayouts/slideLayout3.xml><?xml version="1.0" encoding="utf-8"?>
-<p:sldLayout xmlns:a="http://schemas.openxmlformats.org/drawingml/2006/main" xmlns:r="http://schemas.openxmlformats.org/officeDocument/2006/relationships" xmlns:p="http://schemas.openxmlformats.org/presentationml/2006/main" xmlns:m="http://schemas.openxmlformats.org/officeDocument/2006/math" xmlns:a14="http://schemas.microsoft.com/office/drawing/2010/main" type="tx" showMasterSp="1" showMasterPhAnim="1">
+<p:sldLayout xmlns:a="http://schemas.openxmlformats.org/drawingml/2006/main" xmlns:r="http://schemas.openxmlformats.org/officeDocument/2006/relationships" xmlns:p="http://schemas.openxmlformats.org/presentationml/2006/main" type="tx">
   <p:cSld name="Title &amp; Photo Alt">
     <p:spTree>
       <p:nvGrpSpPr>
@@ -1919,7 +1951,9 @@
       <p:sp>
         <p:nvSpPr>
           <p:cNvPr id="34" name="910457886_1434x1669.jpg"/>
-          <p:cNvSpPr/>
+          <p:cNvSpPr>
+            <a:spLocks noGrp="1"/>
+          </p:cNvSpPr>
           <p:nvPr>
             <p:ph type="pic" idx="21"/>
           </p:nvPr>
@@ -1939,14 +1973,16 @@
           </a:bodyPr>
           <a:lstStyle/>
           <a:p>
-            <a:pPr/>
+            <a:endParaRPr/>
           </a:p>
         </p:txBody>
       </p:sp>
       <p:sp>
         <p:nvSpPr>
           <p:cNvPr id="35" name="Slide Title"/>
-          <p:cNvSpPr txBox="1"/>
+          <p:cNvSpPr txBox="1">
+            <a:spLocks noGrp="1"/>
+          </p:cNvSpPr>
           <p:nvPr>
             <p:ph type="title" hasCustomPrompt="1"/>
           </p:nvPr>
@@ -1964,7 +2000,6 @@
           <a:bodyPr anchor="b"/>
           <a:lstStyle/>
           <a:p>
-            <a:pPr/>
             <a:r>
               <a:t>Slide Title</a:t>
             </a:r>
@@ -1974,7 +2009,9 @@
       <p:sp>
         <p:nvSpPr>
           <p:cNvPr id="36" name="Body Level One…"/>
-          <p:cNvSpPr txBox="1"/>
+          <p:cNvSpPr txBox="1">
+            <a:spLocks noGrp="1"/>
+          </p:cNvSpPr>
           <p:nvPr>
             <p:ph type="body" sz="quarter" idx="1" hasCustomPrompt="1"/>
           </p:nvPr>
@@ -2000,7 +2037,7 @@
               </a:spcBef>
               <a:buSzTx/>
               <a:buNone/>
-              <a:defRPr b="1" sz="5500"/>
+              <a:defRPr sz="5500" b="1"/>
             </a:lvl1pPr>
             <a:lvl2pPr marL="0" indent="457200" defTabSz="825500">
               <a:lnSpc>
@@ -2011,7 +2048,7 @@
               </a:spcBef>
               <a:buSzTx/>
               <a:buNone/>
-              <a:defRPr b="1" sz="5500"/>
+              <a:defRPr sz="5500" b="1"/>
             </a:lvl2pPr>
             <a:lvl3pPr marL="0" indent="914400" defTabSz="825500">
               <a:lnSpc>
@@ -2022,7 +2059,7 @@
               </a:spcBef>
               <a:buSzTx/>
               <a:buNone/>
-              <a:defRPr b="1" sz="5500"/>
+              <a:defRPr sz="5500" b="1"/>
             </a:lvl3pPr>
             <a:lvl4pPr marL="0" indent="1371600" defTabSz="825500">
               <a:lnSpc>
@@ -2033,7 +2070,7 @@
               </a:spcBef>
               <a:buSzTx/>
               <a:buNone/>
-              <a:defRPr b="1" sz="5500"/>
+              <a:defRPr sz="5500" b="1"/>
             </a:lvl4pPr>
             <a:lvl5pPr marL="0" indent="1828800" defTabSz="825500">
               <a:lnSpc>
@@ -2044,45 +2081,38 @@
               </a:spcBef>
               <a:buSzTx/>
               <a:buNone/>
-              <a:defRPr b="1" sz="5500"/>
+              <a:defRPr sz="5500" b="1"/>
             </a:lvl5pPr>
           </a:lstStyle>
           <a:p>
-            <a:pPr/>
             <a:r>
               <a:t>Slide Subtitle</a:t>
             </a:r>
           </a:p>
           <a:p>
             <a:pPr lvl="1"/>
-            <a:r>
-              <a:t/>
-            </a:r>
+            <a:endParaRPr/>
           </a:p>
           <a:p>
             <a:pPr lvl="2"/>
-            <a:r>
-              <a:t/>
-            </a:r>
+            <a:endParaRPr/>
           </a:p>
           <a:p>
             <a:pPr lvl="3"/>
-            <a:r>
-              <a:t/>
-            </a:r>
+            <a:endParaRPr/>
           </a:p>
           <a:p>
             <a:pPr lvl="4"/>
-            <a:r>
-              <a:t/>
-            </a:r>
+            <a:endParaRPr/>
           </a:p>
         </p:txBody>
       </p:sp>
       <p:sp>
         <p:nvSpPr>
           <p:cNvPr id="37" name="Slide Number"/>
-          <p:cNvSpPr txBox="1"/>
+          <p:cNvSpPr txBox="1">
+            <a:spLocks noGrp="1"/>
+          </p:cNvSpPr>
           <p:nvPr>
             <p:ph type="sldNum" sz="quarter" idx="2"/>
           </p:nvPr>
@@ -2100,8 +2130,10 @@
           <a:bodyPr/>
           <a:lstStyle/>
           <a:p>
-            <a:pPr/>
-            <a:fld id="{86CB4B4D-7CA3-9044-876B-883B54F8677D}" type="slidenum"/>
+            <a:fld id="{86CB4B4D-7CA3-9044-876B-883B54F8677D}" type="slidenum">
+              <a:t>‹Nr.›</a:t>
+            </a:fld>
+            <a:endParaRPr/>
           </a:p>
         </p:txBody>
       </p:sp>
@@ -2110,12 +2142,12 @@
   <p:clrMapOvr>
     <a:masterClrMapping/>
   </p:clrMapOvr>
-  <p:transition xmlns:p14="http://schemas.microsoft.com/office/powerpoint/2010/main" spd="med" advClick="1"/>
+  <p:transition spd="med"/>
 </p:sldLayout>
 </file>
 
 <file path=ppt/slideLayouts/slideLayout4.xml><?xml version="1.0" encoding="utf-8"?>
-<p:sldLayout xmlns:a="http://schemas.openxmlformats.org/drawingml/2006/main" xmlns:r="http://schemas.openxmlformats.org/officeDocument/2006/relationships" xmlns:p="http://schemas.openxmlformats.org/presentationml/2006/main" xmlns:m="http://schemas.openxmlformats.org/officeDocument/2006/math" xmlns:a14="http://schemas.microsoft.com/office/drawing/2010/main" type="tx" showMasterSp="1" showMasterPhAnim="1">
+<p:sldLayout xmlns:a="http://schemas.openxmlformats.org/drawingml/2006/main" xmlns:r="http://schemas.openxmlformats.org/officeDocument/2006/relationships" xmlns:p="http://schemas.openxmlformats.org/presentationml/2006/main" type="tx">
   <p:cSld name="Title &amp; Bullets">
     <p:spTree>
       <p:nvGrpSpPr>
@@ -2134,7 +2166,9 @@
       <p:sp>
         <p:nvSpPr>
           <p:cNvPr id="44" name="Slide Title"/>
-          <p:cNvSpPr txBox="1"/>
+          <p:cNvSpPr txBox="1">
+            <a:spLocks noGrp="1"/>
+          </p:cNvSpPr>
           <p:nvPr>
             <p:ph type="title" hasCustomPrompt="1"/>
           </p:nvPr>
@@ -2148,7 +2182,6 @@
           <a:bodyPr/>
           <a:lstStyle/>
           <a:p>
-            <a:pPr/>
             <a:r>
               <a:t>Slide Title</a:t>
             </a:r>
@@ -2158,7 +2191,9 @@
       <p:sp>
         <p:nvSpPr>
           <p:cNvPr id="45" name="Slide Subtitle"/>
-          <p:cNvSpPr txBox="1"/>
+          <p:cNvSpPr txBox="1">
+            <a:spLocks noGrp="1"/>
+          </p:cNvSpPr>
           <p:nvPr>
             <p:ph type="body" sz="quarter" idx="21" hasCustomPrompt="1"/>
           </p:nvPr>
@@ -2184,11 +2219,10 @@
               </a:spcBef>
               <a:buSzTx/>
               <a:buNone/>
-              <a:defRPr b="1" sz="5500"/>
+              <a:defRPr sz="5500" b="1"/>
             </a:lvl1pPr>
           </a:lstStyle>
           <a:p>
-            <a:pPr/>
             <a:r>
               <a:t>Slide Subtitle</a:t>
             </a:r>
@@ -2198,7 +2232,9 @@
       <p:sp>
         <p:nvSpPr>
           <p:cNvPr id="46" name="Body Level One…"/>
-          <p:cNvSpPr txBox="1"/>
+          <p:cNvSpPr txBox="1">
+            <a:spLocks noGrp="1"/>
+          </p:cNvSpPr>
           <p:nvPr>
             <p:ph type="body" idx="1" hasCustomPrompt="1"/>
           </p:nvPr>
@@ -2212,41 +2248,34 @@
           <a:bodyPr/>
           <a:lstStyle/>
           <a:p>
-            <a:pPr/>
             <a:r>
               <a:t>Slide bullet text</a:t>
             </a:r>
           </a:p>
           <a:p>
             <a:pPr lvl="1"/>
-            <a:r>
-              <a:t/>
-            </a:r>
+            <a:endParaRPr/>
           </a:p>
           <a:p>
             <a:pPr lvl="2"/>
-            <a:r>
-              <a:t/>
-            </a:r>
+            <a:endParaRPr/>
           </a:p>
           <a:p>
             <a:pPr lvl="3"/>
-            <a:r>
-              <a:t/>
-            </a:r>
+            <a:endParaRPr/>
           </a:p>
           <a:p>
             <a:pPr lvl="4"/>
-            <a:r>
-              <a:t/>
-            </a:r>
+            <a:endParaRPr/>
           </a:p>
         </p:txBody>
       </p:sp>
       <p:sp>
         <p:nvSpPr>
           <p:cNvPr id="47" name="Slide Number"/>
-          <p:cNvSpPr txBox="1"/>
+          <p:cNvSpPr txBox="1">
+            <a:spLocks noGrp="1"/>
+          </p:cNvSpPr>
           <p:nvPr>
             <p:ph type="sldNum" sz="quarter" idx="2"/>
           </p:nvPr>
@@ -2260,8 +2289,10 @@
           <a:bodyPr/>
           <a:lstStyle/>
           <a:p>
-            <a:pPr/>
-            <a:fld id="{86CB4B4D-7CA3-9044-876B-883B54F8677D}" type="slidenum"/>
+            <a:fld id="{86CB4B4D-7CA3-9044-876B-883B54F8677D}" type="slidenum">
+              <a:t>‹Nr.›</a:t>
+            </a:fld>
+            <a:endParaRPr/>
           </a:p>
         </p:txBody>
       </p:sp>
@@ -2270,12 +2301,12 @@
   <p:clrMapOvr>
     <a:masterClrMapping/>
   </p:clrMapOvr>
-  <p:transition xmlns:p14="http://schemas.microsoft.com/office/powerpoint/2010/main" spd="med" advClick="1"/>
+  <p:transition spd="med"/>
 </p:sldLayout>
 </file>
 
 <file path=ppt/slideLayouts/slideLayout5.xml><?xml version="1.0" encoding="utf-8"?>
-<p:sldLayout xmlns:a="http://schemas.openxmlformats.org/drawingml/2006/main" xmlns:r="http://schemas.openxmlformats.org/officeDocument/2006/relationships" xmlns:p="http://schemas.openxmlformats.org/presentationml/2006/main" xmlns:m="http://schemas.openxmlformats.org/officeDocument/2006/math" xmlns:a14="http://schemas.microsoft.com/office/drawing/2010/main" type="tx" showMasterSp="1" showMasterPhAnim="1">
+<p:sldLayout xmlns:a="http://schemas.openxmlformats.org/drawingml/2006/main" xmlns:r="http://schemas.openxmlformats.org/officeDocument/2006/relationships" xmlns:p="http://schemas.openxmlformats.org/presentationml/2006/main" type="tx">
   <p:cSld name="Bullets">
     <p:spTree>
       <p:nvGrpSpPr>
@@ -2294,7 +2325,9 @@
       <p:sp>
         <p:nvSpPr>
           <p:cNvPr id="54" name="Body Level One…"/>
-          <p:cNvSpPr txBox="1"/>
+          <p:cNvSpPr txBox="1">
+            <a:spLocks noGrp="1"/>
+          </p:cNvSpPr>
           <p:nvPr>
             <p:ph type="body" idx="1" hasCustomPrompt="1"/>
           </p:nvPr>
@@ -2308,41 +2341,34 @@
           <a:bodyPr numCol="2" spcCol="1098550"/>
           <a:lstStyle/>
           <a:p>
-            <a:pPr/>
             <a:r>
               <a:t>Slide bullet text</a:t>
             </a:r>
           </a:p>
           <a:p>
             <a:pPr lvl="1"/>
-            <a:r>
-              <a:t/>
-            </a:r>
+            <a:endParaRPr/>
           </a:p>
           <a:p>
             <a:pPr lvl="2"/>
-            <a:r>
-              <a:t/>
-            </a:r>
+            <a:endParaRPr/>
           </a:p>
           <a:p>
             <a:pPr lvl="3"/>
-            <a:r>
-              <a:t/>
-            </a:r>
+            <a:endParaRPr/>
           </a:p>
           <a:p>
             <a:pPr lvl="4"/>
-            <a:r>
-              <a:t/>
-            </a:r>
+            <a:endParaRPr/>
           </a:p>
         </p:txBody>
       </p:sp>
       <p:sp>
         <p:nvSpPr>
           <p:cNvPr id="55" name="Slide Number"/>
-          <p:cNvSpPr txBox="1"/>
+          <p:cNvSpPr txBox="1">
+            <a:spLocks noGrp="1"/>
+          </p:cNvSpPr>
           <p:nvPr>
             <p:ph type="sldNum" sz="quarter" idx="2"/>
           </p:nvPr>
@@ -2356,8 +2382,10 @@
           <a:bodyPr/>
           <a:lstStyle/>
           <a:p>
-            <a:pPr/>
-            <a:fld id="{86CB4B4D-7CA3-9044-876B-883B54F8677D}" type="slidenum"/>
+            <a:fld id="{86CB4B4D-7CA3-9044-876B-883B54F8677D}" type="slidenum">
+              <a:t>‹Nr.›</a:t>
+            </a:fld>
+            <a:endParaRPr/>
           </a:p>
         </p:txBody>
       </p:sp>
@@ -2366,12 +2394,12 @@
   <p:clrMapOvr>
     <a:masterClrMapping/>
   </p:clrMapOvr>
-  <p:transition xmlns:p14="http://schemas.microsoft.com/office/powerpoint/2010/main" spd="med" advClick="1"/>
+  <p:transition spd="med"/>
 </p:sldLayout>
 </file>
 
 <file path=ppt/slideLayouts/slideLayout6.xml><?xml version="1.0" encoding="utf-8"?>
-<p:sldLayout xmlns:a="http://schemas.openxmlformats.org/drawingml/2006/main" xmlns:r="http://schemas.openxmlformats.org/officeDocument/2006/relationships" xmlns:p="http://schemas.openxmlformats.org/presentationml/2006/main" xmlns:m="http://schemas.openxmlformats.org/officeDocument/2006/math" xmlns:a14="http://schemas.microsoft.com/office/drawing/2010/main" type="tx" showMasterSp="1" showMasterPhAnim="1">
+<p:sldLayout xmlns:a="http://schemas.openxmlformats.org/drawingml/2006/main" xmlns:r="http://schemas.openxmlformats.org/officeDocument/2006/relationships" xmlns:p="http://schemas.openxmlformats.org/presentationml/2006/main" type="tx">
   <p:cSld name="Title, Bullets &amp; Photo">
     <p:spTree>
       <p:nvGrpSpPr>
@@ -2390,7 +2418,9 @@
       <p:sp>
         <p:nvSpPr>
           <p:cNvPr id="62" name="Slide Subtitle"/>
-          <p:cNvSpPr txBox="1"/>
+          <p:cNvSpPr txBox="1">
+            <a:spLocks noGrp="1"/>
+          </p:cNvSpPr>
           <p:nvPr>
             <p:ph type="body" sz="quarter" idx="21" hasCustomPrompt="1"/>
           </p:nvPr>
@@ -2416,11 +2446,10 @@
               </a:spcBef>
               <a:buSzTx/>
               <a:buNone/>
-              <a:defRPr b="1" sz="5500"/>
+              <a:defRPr sz="5500" b="1"/>
             </a:lvl1pPr>
           </a:lstStyle>
           <a:p>
-            <a:pPr/>
             <a:r>
               <a:t>Slide Subtitle</a:t>
             </a:r>
@@ -2430,7 +2459,9 @@
       <p:sp>
         <p:nvSpPr>
           <p:cNvPr id="63" name="Body Level One…"/>
-          <p:cNvSpPr txBox="1"/>
+          <p:cNvSpPr txBox="1">
+            <a:spLocks noGrp="1"/>
+          </p:cNvSpPr>
           <p:nvPr>
             <p:ph type="body" sz="half" idx="1" hasCustomPrompt="1"/>
           </p:nvPr>
@@ -2448,41 +2479,34 @@
           <a:bodyPr/>
           <a:lstStyle/>
           <a:p>
-            <a:pPr/>
             <a:r>
               <a:t>Slide bullet text</a:t>
             </a:r>
           </a:p>
           <a:p>
             <a:pPr lvl="1"/>
-            <a:r>
-              <a:t/>
-            </a:r>
+            <a:endParaRPr/>
           </a:p>
           <a:p>
             <a:pPr lvl="2"/>
-            <a:r>
-              <a:t/>
-            </a:r>
+            <a:endParaRPr/>
           </a:p>
           <a:p>
             <a:pPr lvl="3"/>
-            <a:r>
-              <a:t/>
-            </a:r>
+            <a:endParaRPr/>
           </a:p>
           <a:p>
             <a:pPr lvl="4"/>
-            <a:r>
-              <a:t/>
-            </a:r>
+            <a:endParaRPr/>
           </a:p>
         </p:txBody>
       </p:sp>
       <p:sp>
         <p:nvSpPr>
           <p:cNvPr id="64" name="660384004_1290x1720.jpg"/>
-          <p:cNvSpPr/>
+          <p:cNvSpPr>
+            <a:spLocks noGrp="1"/>
+          </p:cNvSpPr>
           <p:nvPr>
             <p:ph type="pic" idx="22"/>
           </p:nvPr>
@@ -2502,14 +2526,16 @@
           </a:bodyPr>
           <a:lstStyle/>
           <a:p>
-            <a:pPr/>
+            <a:endParaRPr/>
           </a:p>
         </p:txBody>
       </p:sp>
       <p:sp>
         <p:nvSpPr>
           <p:cNvPr id="65" name="Slide Title"/>
-          <p:cNvSpPr txBox="1"/>
+          <p:cNvSpPr txBox="1">
+            <a:spLocks noGrp="1"/>
+          </p:cNvSpPr>
           <p:nvPr>
             <p:ph type="title" hasCustomPrompt="1"/>
           </p:nvPr>
@@ -2527,7 +2553,6 @@
           <a:bodyPr/>
           <a:lstStyle/>
           <a:p>
-            <a:pPr/>
             <a:r>
               <a:t>Slide Title</a:t>
             </a:r>
@@ -2537,7 +2562,9 @@
       <p:sp>
         <p:nvSpPr>
           <p:cNvPr id="66" name="Slide Number"/>
-          <p:cNvSpPr txBox="1"/>
+          <p:cNvSpPr txBox="1">
+            <a:spLocks noGrp="1"/>
+          </p:cNvSpPr>
           <p:nvPr>
             <p:ph type="sldNum" sz="quarter" idx="2"/>
           </p:nvPr>
@@ -2551,8 +2578,10 @@
           <a:bodyPr/>
           <a:lstStyle/>
           <a:p>
-            <a:pPr/>
-            <a:fld id="{86CB4B4D-7CA3-9044-876B-883B54F8677D}" type="slidenum"/>
+            <a:fld id="{86CB4B4D-7CA3-9044-876B-883B54F8677D}" type="slidenum">
+              <a:t>‹Nr.›</a:t>
+            </a:fld>
+            <a:endParaRPr/>
           </a:p>
         </p:txBody>
       </p:sp>
@@ -2561,12 +2590,12 @@
   <p:clrMapOvr>
     <a:masterClrMapping/>
   </p:clrMapOvr>
-  <p:transition xmlns:p14="http://schemas.microsoft.com/office/powerpoint/2010/main" spd="med" advClick="1"/>
+  <p:transition spd="med"/>
 </p:sldLayout>
 </file>
 
 <file path=ppt/slideLayouts/slideLayout7.xml><?xml version="1.0" encoding="utf-8"?>
-<p:sldLayout xmlns:a="http://schemas.openxmlformats.org/drawingml/2006/main" xmlns:r="http://schemas.openxmlformats.org/officeDocument/2006/relationships" xmlns:p="http://schemas.openxmlformats.org/presentationml/2006/main" xmlns:m="http://schemas.openxmlformats.org/officeDocument/2006/math" xmlns:a14="http://schemas.microsoft.com/office/drawing/2010/main" type="tx" showMasterSp="1" showMasterPhAnim="1">
+<p:sldLayout xmlns:a="http://schemas.openxmlformats.org/drawingml/2006/main" xmlns:r="http://schemas.openxmlformats.org/officeDocument/2006/relationships" xmlns:p="http://schemas.openxmlformats.org/presentationml/2006/main" type="tx">
   <p:cSld name="Section">
     <p:spTree>
       <p:nvGrpSpPr>
@@ -2585,7 +2614,9 @@
       <p:sp>
         <p:nvSpPr>
           <p:cNvPr id="73" name="Section Title"/>
-          <p:cNvSpPr txBox="1"/>
+          <p:cNvSpPr txBox="1">
+            <a:spLocks noGrp="1"/>
+          </p:cNvSpPr>
           <p:nvPr>
             <p:ph type="title" hasCustomPrompt="1"/>
           </p:nvPr>
@@ -2603,7 +2634,7 @@
           <a:bodyPr anchor="ctr"/>
           <a:lstStyle>
             <a:lvl1pPr>
-              <a:defRPr b="0" spc="-232" sz="11600">
+              <a:defRPr sz="11600" b="0" spc="-232">
                 <a:latin typeface="Helvetica Neue Medium"/>
                 <a:ea typeface="Helvetica Neue Medium"/>
                 <a:cs typeface="Helvetica Neue Medium"/>
@@ -2612,7 +2643,6 @@
             </a:lvl1pPr>
           </a:lstStyle>
           <a:p>
-            <a:pPr/>
             <a:r>
               <a:t>Section Title</a:t>
             </a:r>
@@ -2622,7 +2652,9 @@
       <p:sp>
         <p:nvSpPr>
           <p:cNvPr id="74" name="Slide Number"/>
-          <p:cNvSpPr txBox="1"/>
+          <p:cNvSpPr txBox="1">
+            <a:spLocks noGrp="1"/>
+          </p:cNvSpPr>
           <p:nvPr>
             <p:ph type="sldNum" sz="quarter" idx="2"/>
           </p:nvPr>
@@ -2640,8 +2672,10 @@
           <a:bodyPr/>
           <a:lstStyle/>
           <a:p>
-            <a:pPr/>
-            <a:fld id="{86CB4B4D-7CA3-9044-876B-883B54F8677D}" type="slidenum"/>
+            <a:fld id="{86CB4B4D-7CA3-9044-876B-883B54F8677D}" type="slidenum">
+              <a:t>‹Nr.›</a:t>
+            </a:fld>
+            <a:endParaRPr/>
           </a:p>
         </p:txBody>
       </p:sp>
@@ -2650,12 +2684,12 @@
   <p:clrMapOvr>
     <a:masterClrMapping/>
   </p:clrMapOvr>
-  <p:transition xmlns:p14="http://schemas.microsoft.com/office/powerpoint/2010/main" spd="med" advClick="1"/>
+  <p:transition spd="med"/>
 </p:sldLayout>
 </file>
 
 <file path=ppt/slideLayouts/slideLayout8.xml><?xml version="1.0" encoding="utf-8"?>
-<p:sldLayout xmlns:a="http://schemas.openxmlformats.org/drawingml/2006/main" xmlns:r="http://schemas.openxmlformats.org/officeDocument/2006/relationships" xmlns:p="http://schemas.openxmlformats.org/presentationml/2006/main" xmlns:m="http://schemas.openxmlformats.org/officeDocument/2006/math" xmlns:a14="http://schemas.microsoft.com/office/drawing/2010/main" type="tx" showMasterSp="1" showMasterPhAnim="1">
+<p:sldLayout xmlns:a="http://schemas.openxmlformats.org/drawingml/2006/main" xmlns:r="http://schemas.openxmlformats.org/officeDocument/2006/relationships" xmlns:p="http://schemas.openxmlformats.org/presentationml/2006/main" type="tx">
   <p:cSld name="Title Only">
     <p:spTree>
       <p:nvGrpSpPr>
@@ -2674,7 +2708,9 @@
       <p:sp>
         <p:nvSpPr>
           <p:cNvPr id="81" name="Slide Title"/>
-          <p:cNvSpPr txBox="1"/>
+          <p:cNvSpPr txBox="1">
+            <a:spLocks noGrp="1"/>
+          </p:cNvSpPr>
           <p:nvPr>
             <p:ph type="title" hasCustomPrompt="1"/>
           </p:nvPr>
@@ -2692,7 +2728,6 @@
           <a:bodyPr/>
           <a:lstStyle/>
           <a:p>
-            <a:pPr/>
             <a:r>
               <a:t>Slide Title</a:t>
             </a:r>
@@ -2702,7 +2737,9 @@
       <p:sp>
         <p:nvSpPr>
           <p:cNvPr id="82" name="Slide Subtitle"/>
-          <p:cNvSpPr txBox="1"/>
+          <p:cNvSpPr txBox="1">
+            <a:spLocks noGrp="1"/>
+          </p:cNvSpPr>
           <p:nvPr>
             <p:ph type="body" sz="quarter" idx="21" hasCustomPrompt="1"/>
           </p:nvPr>
@@ -2728,11 +2765,10 @@
               </a:spcBef>
               <a:buSzTx/>
               <a:buNone/>
-              <a:defRPr b="1" sz="5500"/>
+              <a:defRPr sz="5500" b="1"/>
             </a:lvl1pPr>
           </a:lstStyle>
           <a:p>
-            <a:pPr/>
             <a:r>
               <a:t>Slide Subtitle</a:t>
             </a:r>
@@ -2742,7 +2778,9 @@
       <p:sp>
         <p:nvSpPr>
           <p:cNvPr id="83" name="Slide Number"/>
-          <p:cNvSpPr txBox="1"/>
+          <p:cNvSpPr txBox="1">
+            <a:spLocks noGrp="1"/>
+          </p:cNvSpPr>
           <p:nvPr>
             <p:ph type="sldNum" sz="quarter" idx="2"/>
           </p:nvPr>
@@ -2756,8 +2794,10 @@
           <a:bodyPr/>
           <a:lstStyle/>
           <a:p>
-            <a:pPr/>
-            <a:fld id="{86CB4B4D-7CA3-9044-876B-883B54F8677D}" type="slidenum"/>
+            <a:fld id="{86CB4B4D-7CA3-9044-876B-883B54F8677D}" type="slidenum">
+              <a:t>‹Nr.›</a:t>
+            </a:fld>
+            <a:endParaRPr/>
           </a:p>
         </p:txBody>
       </p:sp>
@@ -2766,12 +2806,12 @@
   <p:clrMapOvr>
     <a:masterClrMapping/>
   </p:clrMapOvr>
-  <p:transition xmlns:p14="http://schemas.microsoft.com/office/powerpoint/2010/main" spd="med" advClick="1"/>
+  <p:transition spd="med"/>
 </p:sldLayout>
 </file>
 
 <file path=ppt/slideLayouts/slideLayout9.xml><?xml version="1.0" encoding="utf-8"?>
-<p:sldLayout xmlns:a="http://schemas.openxmlformats.org/drawingml/2006/main" xmlns:r="http://schemas.openxmlformats.org/officeDocument/2006/relationships" xmlns:p="http://schemas.openxmlformats.org/presentationml/2006/main" xmlns:m="http://schemas.openxmlformats.org/officeDocument/2006/math" xmlns:a14="http://schemas.microsoft.com/office/drawing/2010/main" type="tx" showMasterSp="1" showMasterPhAnim="1">
+<p:sldLayout xmlns:a="http://schemas.openxmlformats.org/drawingml/2006/main" xmlns:r="http://schemas.openxmlformats.org/officeDocument/2006/relationships" xmlns:p="http://schemas.openxmlformats.org/presentationml/2006/main" type="tx">
   <p:cSld name="Agenda">
     <p:spTree>
       <p:nvGrpSpPr>
@@ -2790,7 +2830,9 @@
       <p:sp>
         <p:nvSpPr>
           <p:cNvPr id="90" name="Agenda Title"/>
-          <p:cNvSpPr txBox="1"/>
+          <p:cNvSpPr txBox="1">
+            <a:spLocks noGrp="1"/>
+          </p:cNvSpPr>
           <p:nvPr>
             <p:ph type="title" hasCustomPrompt="1"/>
           </p:nvPr>
@@ -2808,7 +2850,6 @@
           <a:bodyPr/>
           <a:lstStyle/>
           <a:p>
-            <a:pPr/>
             <a:r>
               <a:t>Agenda Title</a:t>
             </a:r>
@@ -2818,7 +2859,9 @@
       <p:sp>
         <p:nvSpPr>
           <p:cNvPr id="91" name="Agenda Subtitle"/>
-          <p:cNvSpPr txBox="1"/>
+          <p:cNvSpPr txBox="1">
+            <a:spLocks noGrp="1"/>
+          </p:cNvSpPr>
           <p:nvPr>
             <p:ph type="body" sz="quarter" idx="21" hasCustomPrompt="1"/>
           </p:nvPr>
@@ -2844,11 +2887,10 @@
               </a:spcBef>
               <a:buSzTx/>
               <a:buNone/>
-              <a:defRPr b="1" sz="5500"/>
+              <a:defRPr sz="5500" b="1"/>
             </a:lvl1pPr>
           </a:lstStyle>
           <a:p>
-            <a:pPr/>
             <a:r>
               <a:t>Agenda Subtitle</a:t>
             </a:r>
@@ -2858,7 +2900,9 @@
       <p:sp>
         <p:nvSpPr>
           <p:cNvPr id="92" name="Body Level One…"/>
-          <p:cNvSpPr txBox="1"/>
+          <p:cNvSpPr txBox="1">
+            <a:spLocks noGrp="1"/>
+          </p:cNvSpPr>
           <p:nvPr>
             <p:ph type="body" idx="1" hasCustomPrompt="1"/>
           </p:nvPr>
@@ -2880,7 +2924,7 @@
               </a:spcBef>
               <a:buSzTx/>
               <a:buNone/>
-              <a:defRPr spc="-55" sz="5500"/>
+              <a:defRPr sz="5500" spc="-55"/>
             </a:lvl1pPr>
             <a:lvl2pPr marL="0" indent="457200" defTabSz="825500">
               <a:lnSpc>
@@ -2891,7 +2935,7 @@
               </a:spcBef>
               <a:buSzTx/>
               <a:buNone/>
-              <a:defRPr spc="-55" sz="5500"/>
+              <a:defRPr sz="5500" spc="-55"/>
             </a:lvl2pPr>
             <a:lvl3pPr marL="0" indent="914400" defTabSz="825500">
               <a:lnSpc>
@@ -2902,7 +2946,7 @@
               </a:spcBef>
               <a:buSzTx/>
               <a:buNone/>
-              <a:defRPr spc="-55" sz="5500"/>
+              <a:defRPr sz="5500" spc="-55"/>
             </a:lvl3pPr>
             <a:lvl4pPr marL="0" indent="1371600" defTabSz="825500">
               <a:lnSpc>
@@ -2913,7 +2957,7 @@
               </a:spcBef>
               <a:buSzTx/>
               <a:buNone/>
-              <a:defRPr spc="-55" sz="5500"/>
+              <a:defRPr sz="5500" spc="-55"/>
             </a:lvl4pPr>
             <a:lvl5pPr marL="0" indent="1828800" defTabSz="825500">
               <a:lnSpc>
@@ -2924,45 +2968,38 @@
               </a:spcBef>
               <a:buSzTx/>
               <a:buNone/>
-              <a:defRPr spc="-55" sz="5500"/>
+              <a:defRPr sz="5500" spc="-55"/>
             </a:lvl5pPr>
           </a:lstStyle>
           <a:p>
-            <a:pPr/>
             <a:r>
               <a:t>Agenda Topics</a:t>
             </a:r>
           </a:p>
           <a:p>
             <a:pPr lvl="1"/>
-            <a:r>
-              <a:t/>
-            </a:r>
+            <a:endParaRPr/>
           </a:p>
           <a:p>
             <a:pPr lvl="2"/>
-            <a:r>
-              <a:t/>
-            </a:r>
+            <a:endParaRPr/>
           </a:p>
           <a:p>
             <a:pPr lvl="3"/>
-            <a:r>
-              <a:t/>
-            </a:r>
+            <a:endParaRPr/>
           </a:p>
           <a:p>
             <a:pPr lvl="4"/>
-            <a:r>
-              <a:t/>
-            </a:r>
+            <a:endParaRPr/>
           </a:p>
         </p:txBody>
       </p:sp>
       <p:sp>
         <p:nvSpPr>
           <p:cNvPr id="93" name="Slide Number"/>
-          <p:cNvSpPr txBox="1"/>
+          <p:cNvSpPr txBox="1">
+            <a:spLocks noGrp="1"/>
+          </p:cNvSpPr>
           <p:nvPr>
             <p:ph type="sldNum" sz="quarter" idx="2"/>
           </p:nvPr>
@@ -2976,8 +3013,10 @@
           <a:bodyPr/>
           <a:lstStyle/>
           <a:p>
-            <a:pPr/>
-            <a:fld id="{86CB4B4D-7CA3-9044-876B-883B54F8677D}" type="slidenum"/>
+            <a:fld id="{86CB4B4D-7CA3-9044-876B-883B54F8677D}" type="slidenum">
+              <a:t>‹Nr.›</a:t>
+            </a:fld>
+            <a:endParaRPr/>
           </a:p>
         </p:txBody>
       </p:sp>
@@ -2986,18 +3025,19 @@
   <p:clrMapOvr>
     <a:masterClrMapping/>
   </p:clrMapOvr>
-  <p:transition xmlns:p14="http://schemas.microsoft.com/office/powerpoint/2010/main" spd="med" advClick="1"/>
+  <p:transition spd="med"/>
 </p:sldLayout>
 </file>
 
 <file path=ppt/slideMasters/slideMaster1.xml><?xml version="1.0" encoding="utf-8"?>
-<p:sldMaster xmlns:a="http://schemas.openxmlformats.org/drawingml/2006/main" xmlns:r="http://schemas.openxmlformats.org/officeDocument/2006/relationships" xmlns:p="http://schemas.openxmlformats.org/presentationml/2006/main" xmlns:m="http://schemas.openxmlformats.org/officeDocument/2006/math" xmlns:a14="http://schemas.microsoft.com/office/drawing/2010/main">
+<p:sldMaster xmlns:a="http://schemas.openxmlformats.org/drawingml/2006/main" xmlns:r="http://schemas.openxmlformats.org/officeDocument/2006/relationships" xmlns:p="http://schemas.openxmlformats.org/presentationml/2006/main">
   <p:cSld>
     <p:bg>
       <p:bgPr>
         <a:solidFill>
           <a:srgbClr val="FFFFFF"/>
         </a:solidFill>
+        <a:effectLst/>
       </p:bgPr>
     </p:bg>
     <p:spTree>
@@ -3017,7 +3057,9 @@
       <p:sp>
         <p:nvSpPr>
           <p:cNvPr id="2" name="Slide Title"/>
-          <p:cNvSpPr txBox="1"/>
+          <p:cNvSpPr txBox="1">
+            <a:spLocks noGrp="1"/>
+          </p:cNvSpPr>
           <p:nvPr>
             <p:ph type="title" hasCustomPrompt="1"/>
           </p:nvPr>
@@ -3035,17 +3077,16 @@
           </a:ln>
           <a:extLst>
             <a:ext uri="{C572A759-6A51-4108-AA02-DFA0A04FC94B}">
-              <ma14:wrappingTextBoxFlag xmlns:ma14="http://schemas.microsoft.com/office/mac/drawingml/2011/main" val="1"/>
+              <ma14:wrappingTextBoxFlag xmlns:ma14="http://schemas.microsoft.com/office/mac/drawingml/2011/main" xmlns:a14="http://schemas.microsoft.com/office/drawing/2010/main" xmlns:m="http://schemas.openxmlformats.org/officeDocument/2006/math" xmlns="" val="1"/>
             </a:ext>
           </a:extLst>
         </p:spPr>
         <p:txBody>
           <a:bodyPr lIns="50800" tIns="50800" rIns="50800" bIns="50800">
-            <a:normAutofit fontScale="100000" lnSpcReduction="0"/>
+            <a:normAutofit/>
           </a:bodyPr>
           <a:lstStyle/>
           <a:p>
-            <a:pPr/>
             <a:r>
               <a:t>Slide Title</a:t>
             </a:r>
@@ -3055,7 +3096,9 @@
       <p:sp>
         <p:nvSpPr>
           <p:cNvPr id="3" name="Body Level One…"/>
-          <p:cNvSpPr txBox="1"/>
+          <p:cNvSpPr txBox="1">
+            <a:spLocks noGrp="1"/>
+          </p:cNvSpPr>
           <p:nvPr>
             <p:ph type="body" idx="1" hasCustomPrompt="1"/>
           </p:nvPr>
@@ -3073,51 +3116,44 @@
           </a:ln>
           <a:extLst>
             <a:ext uri="{C572A759-6A51-4108-AA02-DFA0A04FC94B}">
-              <ma14:wrappingTextBoxFlag xmlns:ma14="http://schemas.microsoft.com/office/mac/drawingml/2011/main" val="1"/>
+              <ma14:wrappingTextBoxFlag xmlns:ma14="http://schemas.microsoft.com/office/mac/drawingml/2011/main" xmlns:a14="http://schemas.microsoft.com/office/drawing/2010/main" xmlns:m="http://schemas.openxmlformats.org/officeDocument/2006/math" xmlns="" val="1"/>
             </a:ext>
           </a:extLst>
         </p:spPr>
         <p:txBody>
           <a:bodyPr lIns="50800" tIns="50800" rIns="50800" bIns="50800">
-            <a:normAutofit fontScale="100000" lnSpcReduction="0"/>
+            <a:normAutofit/>
           </a:bodyPr>
           <a:lstStyle/>
           <a:p>
-            <a:pPr/>
             <a:r>
               <a:t>Slide bullet text</a:t>
             </a:r>
           </a:p>
           <a:p>
             <a:pPr lvl="1"/>
-            <a:r>
-              <a:t/>
-            </a:r>
+            <a:endParaRPr/>
           </a:p>
           <a:p>
             <a:pPr lvl="2"/>
-            <a:r>
-              <a:t/>
-            </a:r>
+            <a:endParaRPr/>
           </a:p>
           <a:p>
             <a:pPr lvl="3"/>
-            <a:r>
-              <a:t/>
-            </a:r>
+            <a:endParaRPr/>
           </a:p>
           <a:p>
             <a:pPr lvl="4"/>
-            <a:r>
-              <a:t/>
-            </a:r>
+            <a:endParaRPr/>
           </a:p>
         </p:txBody>
       </p:sp>
       <p:sp>
         <p:nvSpPr>
           <p:cNvPr id="4" name="Slide Number"/>
-          <p:cNvSpPr txBox="1"/>
+          <p:cNvSpPr txBox="1">
+            <a:spLocks noGrp="1"/>
+          </p:cNvSpPr>
           <p:nvPr>
             <p:ph type="sldNum" sz="quarter" idx="2"/>
           </p:nvPr>
@@ -3148,8 +3184,10 @@
             </a:lvl1pPr>
           </a:lstStyle>
           <a:p>
-            <a:pPr/>
-            <a:fld id="{86CB4B4D-7CA3-9044-876B-883B54F8677D}" type="slidenum"/>
+            <a:fld id="{86CB4B4D-7CA3-9044-876B-883B54F8677D}" type="slidenum">
+              <a:t>‹Nr.›</a:t>
+            </a:fld>
+            <a:endParaRPr/>
           </a:p>
         </p:txBody>
       </p:sp>
@@ -3157,23 +3195,23 @@
   </p:cSld>
   <p:clrMap bg1="lt1" tx1="dk1" bg2="lt2" tx2="dk2" accent1="accent1" accent2="accent2" accent3="accent3" accent4="accent4" accent5="accent5" accent6="accent6" hlink="hlink" folHlink="folHlink"/>
   <p:sldLayoutIdLst>
-    <p:sldLayoutId id="2147483649" r:id="rId2"/>
-    <p:sldLayoutId id="2147483650" r:id="rId3"/>
-    <p:sldLayoutId id="2147483651" r:id="rId4"/>
-    <p:sldLayoutId id="2147483652" r:id="rId5"/>
-    <p:sldLayoutId id="2147483653" r:id="rId6"/>
-    <p:sldLayoutId id="2147483654" r:id="rId7"/>
-    <p:sldLayoutId id="2147483655" r:id="rId8"/>
-    <p:sldLayoutId id="2147483656" r:id="rId9"/>
-    <p:sldLayoutId id="2147483657" r:id="rId10"/>
-    <p:sldLayoutId id="2147483658" r:id="rId11"/>
-    <p:sldLayoutId id="2147483659" r:id="rId12"/>
-    <p:sldLayoutId id="2147483660" r:id="rId13"/>
-    <p:sldLayoutId id="2147483661" r:id="rId14"/>
-    <p:sldLayoutId id="2147483662" r:id="rId15"/>
-    <p:sldLayoutId id="2147483663" r:id="rId16"/>
+    <p:sldLayoutId id="2147483649" r:id="rId1"/>
+    <p:sldLayoutId id="2147483650" r:id="rId2"/>
+    <p:sldLayoutId id="2147483651" r:id="rId3"/>
+    <p:sldLayoutId id="2147483652" r:id="rId4"/>
+    <p:sldLayoutId id="2147483653" r:id="rId5"/>
+    <p:sldLayoutId id="2147483654" r:id="rId6"/>
+    <p:sldLayoutId id="2147483655" r:id="rId7"/>
+    <p:sldLayoutId id="2147483656" r:id="rId8"/>
+    <p:sldLayoutId id="2147483657" r:id="rId9"/>
+    <p:sldLayoutId id="2147483658" r:id="rId10"/>
+    <p:sldLayoutId id="2147483659" r:id="rId11"/>
+    <p:sldLayoutId id="2147483660" r:id="rId12"/>
+    <p:sldLayoutId id="2147483661" r:id="rId13"/>
+    <p:sldLayoutId id="2147483662" r:id="rId14"/>
+    <p:sldLayoutId id="2147483663" r:id="rId15"/>
   </p:sldLayoutIdLst>
-  <p:transition xmlns:p14="http://schemas.microsoft.com/office/powerpoint/2010/main" spd="med" advClick="1"/>
+  <p:transition spd="med"/>
   <p:txStyles>
     <p:titleStyle>
       <a:lvl1pPr marL="0" marR="0" indent="0" algn="l" defTabSz="2438338" rtl="0" latinLnBrk="0">
@@ -3191,7 +3229,7 @@
         <a:buFontTx/>
         <a:buNone/>
         <a:tabLst/>
-        <a:defRPr b="1" baseline="0" cap="none" i="0" spc="-170" strike="noStrike" sz="8500" u="none">
+        <a:defRPr sz="8500" b="1" i="0" u="none" strike="noStrike" cap="none" spc="-170" baseline="0">
           <a:solidFill>
             <a:srgbClr val="000000"/>
           </a:solidFill>
@@ -3217,7 +3255,7 @@
         <a:buFontTx/>
         <a:buNone/>
         <a:tabLst/>
-        <a:defRPr b="1" baseline="0" cap="none" i="0" spc="-170" strike="noStrike" sz="8500" u="none">
+        <a:defRPr sz="8500" b="1" i="0" u="none" strike="noStrike" cap="none" spc="-170" baseline="0">
           <a:solidFill>
             <a:srgbClr val="000000"/>
           </a:solidFill>
@@ -3243,7 +3281,7 @@
         <a:buFontTx/>
         <a:buNone/>
         <a:tabLst/>
-        <a:defRPr b="1" baseline="0" cap="none" i="0" spc="-170" strike="noStrike" sz="8500" u="none">
+        <a:defRPr sz="8500" b="1" i="0" u="none" strike="noStrike" cap="none" spc="-170" baseline="0">
           <a:solidFill>
             <a:srgbClr val="000000"/>
           </a:solidFill>
@@ -3269,7 +3307,7 @@
         <a:buFontTx/>
         <a:buNone/>
         <a:tabLst/>
-        <a:defRPr b="1" baseline="0" cap="none" i="0" spc="-170" strike="noStrike" sz="8500" u="none">
+        <a:defRPr sz="8500" b="1" i="0" u="none" strike="noStrike" cap="none" spc="-170" baseline="0">
           <a:solidFill>
             <a:srgbClr val="000000"/>
           </a:solidFill>
@@ -3295,7 +3333,7 @@
         <a:buFontTx/>
         <a:buNone/>
         <a:tabLst/>
-        <a:defRPr b="1" baseline="0" cap="none" i="0" spc="-170" strike="noStrike" sz="8500" u="none">
+        <a:defRPr sz="8500" b="1" i="0" u="none" strike="noStrike" cap="none" spc="-170" baseline="0">
           <a:solidFill>
             <a:srgbClr val="000000"/>
           </a:solidFill>
@@ -3321,7 +3359,7 @@
         <a:buFontTx/>
         <a:buNone/>
         <a:tabLst/>
-        <a:defRPr b="1" baseline="0" cap="none" i="0" spc="-170" strike="noStrike" sz="8500" u="none">
+        <a:defRPr sz="8500" b="1" i="0" u="none" strike="noStrike" cap="none" spc="-170" baseline="0">
           <a:solidFill>
             <a:srgbClr val="000000"/>
           </a:solidFill>
@@ -3347,7 +3385,7 @@
         <a:buFontTx/>
         <a:buNone/>
         <a:tabLst/>
-        <a:defRPr b="1" baseline="0" cap="none" i="0" spc="-170" strike="noStrike" sz="8500" u="none">
+        <a:defRPr sz="8500" b="1" i="0" u="none" strike="noStrike" cap="none" spc="-170" baseline="0">
           <a:solidFill>
             <a:srgbClr val="000000"/>
           </a:solidFill>
@@ -3373,7 +3411,7 @@
         <a:buFontTx/>
         <a:buNone/>
         <a:tabLst/>
-        <a:defRPr b="1" baseline="0" cap="none" i="0" spc="-170" strike="noStrike" sz="8500" u="none">
+        <a:defRPr sz="8500" b="1" i="0" u="none" strike="noStrike" cap="none" spc="-170" baseline="0">
           <a:solidFill>
             <a:srgbClr val="000000"/>
           </a:solidFill>
@@ -3399,7 +3437,7 @@
         <a:buFontTx/>
         <a:buNone/>
         <a:tabLst/>
-        <a:defRPr b="1" baseline="0" cap="none" i="0" spc="-170" strike="noStrike" sz="8500" u="none">
+        <a:defRPr sz="8500" b="1" i="0" u="none" strike="noStrike" cap="none" spc="-170" baseline="0">
           <a:solidFill>
             <a:srgbClr val="000000"/>
           </a:solidFill>
@@ -3427,7 +3465,7 @@
         <a:buFontTx/>
         <a:buChar char="•"/>
         <a:tabLst/>
-        <a:defRPr b="0" baseline="0" cap="none" i="0" spc="0" strike="noStrike" sz="4800" u="none">
+        <a:defRPr sz="4800" b="0" i="0" u="none" strike="noStrike" cap="none" spc="0" baseline="0">
           <a:solidFill>
             <a:srgbClr val="000000"/>
           </a:solidFill>
@@ -3453,7 +3491,7 @@
         <a:buFontTx/>
         <a:buChar char="•"/>
         <a:tabLst/>
-        <a:defRPr b="0" baseline="0" cap="none" i="0" spc="0" strike="noStrike" sz="4800" u="none">
+        <a:defRPr sz="4800" b="0" i="0" u="none" strike="noStrike" cap="none" spc="0" baseline="0">
           <a:solidFill>
             <a:srgbClr val="000000"/>
           </a:solidFill>
@@ -3479,7 +3517,7 @@
         <a:buFontTx/>
         <a:buChar char="•"/>
         <a:tabLst/>
-        <a:defRPr b="0" baseline="0" cap="none" i="0" spc="0" strike="noStrike" sz="4800" u="none">
+        <a:defRPr sz="4800" b="0" i="0" u="none" strike="noStrike" cap="none" spc="0" baseline="0">
           <a:solidFill>
             <a:srgbClr val="000000"/>
           </a:solidFill>
@@ -3505,7 +3543,7 @@
         <a:buFontTx/>
         <a:buChar char="•"/>
         <a:tabLst/>
-        <a:defRPr b="0" baseline="0" cap="none" i="0" spc="0" strike="noStrike" sz="4800" u="none">
+        <a:defRPr sz="4800" b="0" i="0" u="none" strike="noStrike" cap="none" spc="0" baseline="0">
           <a:solidFill>
             <a:srgbClr val="000000"/>
           </a:solidFill>
@@ -3531,7 +3569,7 @@
         <a:buFontTx/>
         <a:buChar char="•"/>
         <a:tabLst/>
-        <a:defRPr b="0" baseline="0" cap="none" i="0" spc="0" strike="noStrike" sz="4800" u="none">
+        <a:defRPr sz="4800" b="0" i="0" u="none" strike="noStrike" cap="none" spc="0" baseline="0">
           <a:solidFill>
             <a:srgbClr val="000000"/>
           </a:solidFill>
@@ -3557,7 +3595,7 @@
         <a:buFontTx/>
         <a:buChar char="•"/>
         <a:tabLst/>
-        <a:defRPr b="0" baseline="0" cap="none" i="0" spc="0" strike="noStrike" sz="4800" u="none">
+        <a:defRPr sz="4800" b="0" i="0" u="none" strike="noStrike" cap="none" spc="0" baseline="0">
           <a:solidFill>
             <a:srgbClr val="000000"/>
           </a:solidFill>
@@ -3583,7 +3621,7 @@
         <a:buFontTx/>
         <a:buChar char="•"/>
         <a:tabLst/>
-        <a:defRPr b="0" baseline="0" cap="none" i="0" spc="0" strike="noStrike" sz="4800" u="none">
+        <a:defRPr sz="4800" b="0" i="0" u="none" strike="noStrike" cap="none" spc="0" baseline="0">
           <a:solidFill>
             <a:srgbClr val="000000"/>
           </a:solidFill>
@@ -3609,7 +3647,7 @@
         <a:buFontTx/>
         <a:buChar char="•"/>
         <a:tabLst/>
-        <a:defRPr b="0" baseline="0" cap="none" i="0" spc="0" strike="noStrike" sz="4800" u="none">
+        <a:defRPr sz="4800" b="0" i="0" u="none" strike="noStrike" cap="none" spc="0" baseline="0">
           <a:solidFill>
             <a:srgbClr val="000000"/>
           </a:solidFill>
@@ -3635,7 +3673,7 @@
         <a:buFontTx/>
         <a:buChar char="•"/>
         <a:tabLst/>
-        <a:defRPr b="0" baseline="0" cap="none" i="0" spc="0" strike="noStrike" sz="4800" u="none">
+        <a:defRPr sz="4800" b="0" i="0" u="none" strike="noStrike" cap="none" spc="0" baseline="0">
           <a:solidFill>
             <a:srgbClr val="000000"/>
           </a:solidFill>
@@ -3663,7 +3701,7 @@
         <a:buFontTx/>
         <a:buNone/>
         <a:tabLst/>
-        <a:defRPr b="0" baseline="0" cap="none" i="0" spc="0" strike="noStrike" sz="1800" u="none">
+        <a:defRPr sz="1800" b="0" i="0" u="none" strike="noStrike" cap="none" spc="0" baseline="0">
           <a:solidFill>
             <a:schemeClr val="tx1"/>
           </a:solidFill>
@@ -3689,7 +3727,7 @@
         <a:buFontTx/>
         <a:buNone/>
         <a:tabLst/>
-        <a:defRPr b="0" baseline="0" cap="none" i="0" spc="0" strike="noStrike" sz="1800" u="none">
+        <a:defRPr sz="1800" b="0" i="0" u="none" strike="noStrike" cap="none" spc="0" baseline="0">
           <a:solidFill>
             <a:schemeClr val="tx1"/>
           </a:solidFill>
@@ -3715,7 +3753,7 @@
         <a:buFontTx/>
         <a:buNone/>
         <a:tabLst/>
-        <a:defRPr b="0" baseline="0" cap="none" i="0" spc="0" strike="noStrike" sz="1800" u="none">
+        <a:defRPr sz="1800" b="0" i="0" u="none" strike="noStrike" cap="none" spc="0" baseline="0">
           <a:solidFill>
             <a:schemeClr val="tx1"/>
           </a:solidFill>
@@ -3741,7 +3779,7 @@
         <a:buFontTx/>
         <a:buNone/>
         <a:tabLst/>
-        <a:defRPr b="0" baseline="0" cap="none" i="0" spc="0" strike="noStrike" sz="1800" u="none">
+        <a:defRPr sz="1800" b="0" i="0" u="none" strike="noStrike" cap="none" spc="0" baseline="0">
           <a:solidFill>
             <a:schemeClr val="tx1"/>
           </a:solidFill>
@@ -3767,7 +3805,7 @@
         <a:buFontTx/>
         <a:buNone/>
         <a:tabLst/>
-        <a:defRPr b="0" baseline="0" cap="none" i="0" spc="0" strike="noStrike" sz="1800" u="none">
+        <a:defRPr sz="1800" b="0" i="0" u="none" strike="noStrike" cap="none" spc="0" baseline="0">
           <a:solidFill>
             <a:schemeClr val="tx1"/>
           </a:solidFill>
@@ -3793,7 +3831,7 @@
         <a:buFontTx/>
         <a:buNone/>
         <a:tabLst/>
-        <a:defRPr b="0" baseline="0" cap="none" i="0" spc="0" strike="noStrike" sz="1800" u="none">
+        <a:defRPr sz="1800" b="0" i="0" u="none" strike="noStrike" cap="none" spc="0" baseline="0">
           <a:solidFill>
             <a:schemeClr val="tx1"/>
           </a:solidFill>
@@ -3819,7 +3857,7 @@
         <a:buFontTx/>
         <a:buNone/>
         <a:tabLst/>
-        <a:defRPr b="0" baseline="0" cap="none" i="0" spc="0" strike="noStrike" sz="1800" u="none">
+        <a:defRPr sz="1800" b="0" i="0" u="none" strike="noStrike" cap="none" spc="0" baseline="0">
           <a:solidFill>
             <a:schemeClr val="tx1"/>
           </a:solidFill>
@@ -3845,7 +3883,7 @@
         <a:buFontTx/>
         <a:buNone/>
         <a:tabLst/>
-        <a:defRPr b="0" baseline="0" cap="none" i="0" spc="0" strike="noStrike" sz="1800" u="none">
+        <a:defRPr sz="1800" b="0" i="0" u="none" strike="noStrike" cap="none" spc="0" baseline="0">
           <a:solidFill>
             <a:schemeClr val="tx1"/>
           </a:solidFill>
@@ -3871,7 +3909,7 @@
         <a:buFontTx/>
         <a:buNone/>
         <a:tabLst/>
-        <a:defRPr b="0" baseline="0" cap="none" i="0" spc="0" strike="noStrike" sz="1800" u="none">
+        <a:defRPr sz="1800" b="0" i="0" u="none" strike="noStrike" cap="none" spc="0" baseline="0">
           <a:solidFill>
             <a:schemeClr val="tx1"/>
           </a:solidFill>
@@ -3888,7 +3926,7 @@
 </file>
 
 <file path=ppt/slides/slide1.xml><?xml version="1.0" encoding="utf-8"?>
-<p:sld xmlns:a="http://schemas.openxmlformats.org/drawingml/2006/main" xmlns:r="http://schemas.openxmlformats.org/officeDocument/2006/relationships" xmlns:p="http://schemas.openxmlformats.org/presentationml/2006/main" xmlns:m="http://schemas.openxmlformats.org/officeDocument/2006/math" xmlns:a14="http://schemas.microsoft.com/office/drawing/2010/main" showMasterSp="1" showMasterPhAnim="1">
+<p:sld xmlns:a="http://schemas.openxmlformats.org/drawingml/2006/main" xmlns:r="http://schemas.openxmlformats.org/officeDocument/2006/relationships" xmlns:p="http://schemas.openxmlformats.org/presentationml/2006/main">
   <p:cSld>
     <p:spTree>
       <p:nvGrpSpPr>
@@ -3907,7 +3945,9 @@
       <p:sp>
         <p:nvSpPr>
           <p:cNvPr id="153" name="Web Technologies"/>
-          <p:cNvSpPr txBox="1"/>
+          <p:cNvSpPr txBox="1">
+            <a:spLocks noGrp="1"/>
+          </p:cNvSpPr>
           <p:nvPr>
             <p:ph type="ctrTitle"/>
           </p:nvPr>
@@ -3925,7 +3965,6 @@
           <a:bodyPr/>
           <a:lstStyle/>
           <a:p>
-            <a:pPr/>
             <a:r>
               <a:t>Web Technologies</a:t>
             </a:r>
@@ -3935,7 +3974,9 @@
       <p:sp>
         <p:nvSpPr>
           <p:cNvPr id="154" name="Assignment 2"/>
-          <p:cNvSpPr txBox="1"/>
+          <p:cNvSpPr txBox="1">
+            <a:spLocks noGrp="1"/>
+          </p:cNvSpPr>
           <p:nvPr>
             <p:ph type="subTitle" sz="quarter" idx="1"/>
           </p:nvPr>
@@ -3953,7 +3994,6 @@
           <a:bodyPr/>
           <a:lstStyle/>
           <a:p>
-            <a:pPr/>
             <a:r>
               <a:t>Assignment 2</a:t>
             </a:r>
@@ -3963,7 +4003,9 @@
       <p:sp>
         <p:nvSpPr>
           <p:cNvPr id="155" name="Slide Number"/>
-          <p:cNvSpPr txBox="1"/>
+          <p:cNvSpPr txBox="1">
+            <a:spLocks noGrp="1"/>
+          </p:cNvSpPr>
           <p:nvPr>
             <p:ph type="sldNum" sz="quarter" idx="4294967295"/>
           </p:nvPr>
@@ -3978,7 +4020,7 @@
           </a:prstGeom>
           <a:extLst>
             <a:ext uri="{C572A759-6A51-4108-AA02-DFA0A04FC94B}">
-              <ma14:wrappingTextBoxFlag xmlns:ma14="http://schemas.microsoft.com/office/mac/drawingml/2011/main" val="1"/>
+              <ma14:wrappingTextBoxFlag xmlns:ma14="http://schemas.microsoft.com/office/mac/drawingml/2011/main" xmlns:a14="http://schemas.microsoft.com/office/drawing/2010/main" xmlns:m="http://schemas.openxmlformats.org/officeDocument/2006/math" xmlns="" val="1"/>
             </a:ext>
           </a:extLst>
         </p:spPr>
@@ -3986,8 +4028,10 @@
           <a:bodyPr/>
           <a:lstStyle/>
           <a:p>
-            <a:pPr/>
-            <a:fld id="{86CB4B4D-7CA3-9044-876B-883B54F8677D}" type="slidenum"/>
+            <a:fld id="{86CB4B4D-7CA3-9044-876B-883B54F8677D}" type="slidenum">
+              <a:t>1</a:t>
+            </a:fld>
+            <a:endParaRPr/>
           </a:p>
         </p:txBody>
       </p:sp>
@@ -4000,9 +4044,7 @@
           <p:nvPr/>
         </p:nvPicPr>
         <p:blipFill>
-          <a:blip r:embed="rId2">
-            <a:extLst/>
-          </a:blip>
+          <a:blip r:embed="rId2"/>
           <a:stretch>
             <a:fillRect/>
           </a:stretch>
@@ -4039,7 +4081,7 @@
           </a:ln>
           <a:extLst>
             <a:ext uri="{C572A759-6A51-4108-AA02-DFA0A04FC94B}">
-              <ma14:wrappingTextBoxFlag xmlns:ma14="http://schemas.microsoft.com/office/mac/drawingml/2011/main" val="1"/>
+              <ma14:wrappingTextBoxFlag xmlns:ma14="http://schemas.microsoft.com/office/mac/drawingml/2011/main" xmlns:a14="http://schemas.microsoft.com/office/drawing/2010/main" xmlns:m="http://schemas.openxmlformats.org/officeDocument/2006/math" xmlns="" val="1"/>
             </a:ext>
           </a:extLst>
         </p:spPr>
@@ -4057,7 +4099,6 @@
             </a:lvl1pPr>
           </a:lstStyle>
           <a:p>
-            <a:pPr/>
             <a:r>
               <a:t>SpaceX public domain photo</a:t>
             </a:r>
@@ -4083,7 +4124,7 @@
           </a:ln>
           <a:extLst>
             <a:ext uri="{C572A759-6A51-4108-AA02-DFA0A04FC94B}">
-              <ma14:wrappingTextBoxFlag xmlns:ma14="http://schemas.microsoft.com/office/mac/drawingml/2011/main" val="1"/>
+              <ma14:wrappingTextBoxFlag xmlns:ma14="http://schemas.microsoft.com/office/mac/drawingml/2011/main" xmlns:a14="http://schemas.microsoft.com/office/drawing/2010/main" xmlns:m="http://schemas.openxmlformats.org/officeDocument/2006/math" xmlns="" val="1"/>
             </a:ext>
           </a:extLst>
         </p:spPr>
@@ -4093,7 +4134,7 @@
           </a:bodyPr>
           <a:lstStyle>
             <a:lvl1pPr algn="l" defTabSz="457200">
-              <a:defRPr b="1" sz="4400">
+              <a:defRPr sz="4400" b="1">
                 <a:solidFill>
                   <a:srgbClr val="333333"/>
                 </a:solidFill>
@@ -4101,7 +4142,6 @@
             </a:lvl1pPr>
           </a:lstStyle>
           <a:p>
-            <a:pPr/>
             <a:r>
               <a:t>Konzept für JavaScript-basierte Lösung (Angular) zum Thema Verbesserung für Ankündigungen von Abschlussarbeiten</a:t>
             </a:r>
@@ -4113,12 +4153,12 @@
   <p:clrMapOvr>
     <a:masterClrMapping/>
   </p:clrMapOvr>
-  <p:transition xmlns:p14="http://schemas.microsoft.com/office/powerpoint/2010/main" spd="med" advClick="1"/>
+  <p:transition spd="med"/>
 </p:sld>
 </file>
 
 <file path=ppt/slides/slide10.xml><?xml version="1.0" encoding="utf-8"?>
-<p:sld xmlns:a="http://schemas.openxmlformats.org/drawingml/2006/main" xmlns:r="http://schemas.openxmlformats.org/officeDocument/2006/relationships" xmlns:p="http://schemas.openxmlformats.org/presentationml/2006/main" xmlns:m="http://schemas.openxmlformats.org/officeDocument/2006/math" xmlns:a14="http://schemas.microsoft.com/office/drawing/2010/main" showMasterSp="1" showMasterPhAnim="1">
+<p:sld xmlns:a="http://schemas.openxmlformats.org/drawingml/2006/main" xmlns:r="http://schemas.openxmlformats.org/officeDocument/2006/relationships" xmlns:p="http://schemas.openxmlformats.org/presentationml/2006/main">
   <p:cSld>
     <p:spTree>
       <p:nvGrpSpPr>
@@ -4143,9 +4183,7 @@
           <p:nvPr/>
         </p:nvPicPr>
         <p:blipFill>
-          <a:blip r:embed="rId2">
-            <a:extLst/>
-          </a:blip>
+          <a:blip r:embed="rId2"/>
           <a:stretch>
             <a:fillRect/>
           </a:stretch>
@@ -4185,7 +4223,7 @@
           </a:ln>
           <a:extLst>
             <a:ext uri="{C572A759-6A51-4108-AA02-DFA0A04FC94B}">
-              <ma14:wrappingTextBoxFlag xmlns:ma14="http://schemas.microsoft.com/office/mac/drawingml/2011/main" val="1"/>
+              <ma14:wrappingTextBoxFlag xmlns:ma14="http://schemas.microsoft.com/office/mac/drawingml/2011/main" xmlns:a14="http://schemas.microsoft.com/office/drawing/2010/main" xmlns:m="http://schemas.openxmlformats.org/officeDocument/2006/math" xmlns="" val="1"/>
             </a:ext>
           </a:extLst>
         </p:spPr>
@@ -4207,14 +4245,15 @@
                 <a:sym typeface="Helvetica Neue Medium"/>
               </a:defRPr>
             </a:pPr>
-          </a:p>
-          <a:p>
-            <a:pPr lvl="1" marL="1481666" indent="-592666" algn="l" defTabSz="825500">
+            <a:endParaRPr/>
+          </a:p>
+          <a:p>
+            <a:pPr marL="1481666" lvl="1" indent="-592666" algn="l" defTabSz="825500">
               <a:lnSpc>
                 <a:spcPct val="150000"/>
               </a:lnSpc>
               <a:buSzPct val="100000"/>
-              <a:buAutoNum type="arabicPeriod" startAt="1"/>
+              <a:buAutoNum type="arabicPeriod"/>
               <a:defRPr sz="3200">
                 <a:solidFill>
                   <a:srgbClr val="000000"/>
@@ -4230,12 +4269,12 @@
             </a:r>
           </a:p>
           <a:p>
-            <a:pPr lvl="1" marL="1481666" indent="-592666" algn="l" defTabSz="825500">
+            <a:pPr marL="1481666" lvl="1" indent="-592666" algn="l" defTabSz="825500">
               <a:lnSpc>
                 <a:spcPct val="150000"/>
               </a:lnSpc>
               <a:buSzPct val="100000"/>
-              <a:buAutoNum type="arabicPeriod" startAt="1"/>
+              <a:buAutoNum type="arabicPeriod"/>
               <a:defRPr sz="3200">
                 <a:solidFill>
                   <a:srgbClr val="000000"/>
@@ -4251,12 +4290,12 @@
             </a:r>
           </a:p>
           <a:p>
-            <a:pPr lvl="1" marL="1481666" indent="-592666" algn="l" defTabSz="825500">
+            <a:pPr marL="1481666" lvl="1" indent="-592666" algn="l" defTabSz="825500">
               <a:lnSpc>
                 <a:spcPct val="150000"/>
               </a:lnSpc>
               <a:buSzPct val="100000"/>
-              <a:buAutoNum type="arabicPeriod" startAt="1"/>
+              <a:buAutoNum type="arabicPeriod"/>
               <a:defRPr sz="3200">
                 <a:solidFill>
                   <a:srgbClr val="000000"/>
@@ -4286,6 +4325,7 @@
                 <a:sym typeface="Helvetica Neue Medium"/>
               </a:defRPr>
             </a:pPr>
+            <a:endParaRPr/>
           </a:p>
         </p:txBody>
       </p:sp>
@@ -4311,7 +4351,7 @@
           </a:ln>
           <a:extLst>
             <a:ext uri="{C572A759-6A51-4108-AA02-DFA0A04FC94B}">
-              <ma14:wrappingTextBoxFlag xmlns:ma14="http://schemas.microsoft.com/office/mac/drawingml/2011/main" val="1"/>
+              <ma14:wrappingTextBoxFlag xmlns:ma14="http://schemas.microsoft.com/office/mac/drawingml/2011/main" xmlns:a14="http://schemas.microsoft.com/office/drawing/2010/main" xmlns:m="http://schemas.openxmlformats.org/officeDocument/2006/math" xmlns="" val="1"/>
             </a:ext>
           </a:extLst>
         </p:spPr>
@@ -4319,7 +4359,7 @@
           <a:bodyPr lIns="50800" tIns="50800" rIns="50800" bIns="50800" anchor="ctr"/>
           <a:lstStyle>
             <a:lvl1pPr defTabSz="825500">
-              <a:defRPr b="1" sz="3700">
+              <a:defRPr sz="3700" b="1">
                 <a:solidFill>
                   <a:srgbClr val="000000"/>
                 </a:solidFill>
@@ -4327,7 +4367,6 @@
             </a:lvl1pPr>
           </a:lstStyle>
           <a:p>
-            <a:pPr/>
             <a:r>
               <a:t>1</a:t>
             </a:r>
@@ -4356,7 +4395,7 @@
           </a:ln>
           <a:extLst>
             <a:ext uri="{C572A759-6A51-4108-AA02-DFA0A04FC94B}">
-              <ma14:wrappingTextBoxFlag xmlns:ma14="http://schemas.microsoft.com/office/mac/drawingml/2011/main" val="1"/>
+              <ma14:wrappingTextBoxFlag xmlns:ma14="http://schemas.microsoft.com/office/mac/drawingml/2011/main" xmlns:a14="http://schemas.microsoft.com/office/drawing/2010/main" xmlns:m="http://schemas.openxmlformats.org/officeDocument/2006/math" xmlns="" val="1"/>
             </a:ext>
           </a:extLst>
         </p:spPr>
@@ -4364,7 +4403,7 @@
           <a:bodyPr lIns="50800" tIns="50800" rIns="50800" bIns="50800" anchor="ctr"/>
           <a:lstStyle>
             <a:lvl1pPr defTabSz="825500">
-              <a:defRPr b="1" sz="3700">
+              <a:defRPr sz="3700" b="1">
                 <a:solidFill>
                   <a:srgbClr val="000000"/>
                 </a:solidFill>
@@ -4372,7 +4411,6 @@
             </a:lvl1pPr>
           </a:lstStyle>
           <a:p>
-            <a:pPr/>
             <a:r>
               <a:t>2</a:t>
             </a:r>
@@ -4401,7 +4439,7 @@
           </a:ln>
           <a:extLst>
             <a:ext uri="{C572A759-6A51-4108-AA02-DFA0A04FC94B}">
-              <ma14:wrappingTextBoxFlag xmlns:ma14="http://schemas.microsoft.com/office/mac/drawingml/2011/main" val="1"/>
+              <ma14:wrappingTextBoxFlag xmlns:ma14="http://schemas.microsoft.com/office/mac/drawingml/2011/main" xmlns:a14="http://schemas.microsoft.com/office/drawing/2010/main" xmlns:m="http://schemas.openxmlformats.org/officeDocument/2006/math" xmlns="" val="1"/>
             </a:ext>
           </a:extLst>
         </p:spPr>
@@ -4409,7 +4447,7 @@
           <a:bodyPr lIns="50800" tIns="50800" rIns="50800" bIns="50800" anchor="ctr"/>
           <a:lstStyle>
             <a:lvl1pPr defTabSz="825500">
-              <a:defRPr b="1" sz="3700">
+              <a:defRPr sz="3700" b="1">
                 <a:solidFill>
                   <a:srgbClr val="000000"/>
                 </a:solidFill>
@@ -4417,7 +4455,6 @@
             </a:lvl1pPr>
           </a:lstStyle>
           <a:p>
-            <a:pPr/>
             <a:r>
               <a:t>3</a:t>
             </a:r>
@@ -4446,7 +4483,7 @@
           </a:ln>
           <a:extLst>
             <a:ext uri="{C572A759-6A51-4108-AA02-DFA0A04FC94B}">
-              <ma14:wrappingTextBoxFlag xmlns:ma14="http://schemas.microsoft.com/office/mac/drawingml/2011/main" val="1"/>
+              <ma14:wrappingTextBoxFlag xmlns:ma14="http://schemas.microsoft.com/office/mac/drawingml/2011/main" xmlns:a14="http://schemas.microsoft.com/office/drawing/2010/main" xmlns:m="http://schemas.openxmlformats.org/officeDocument/2006/math" xmlns="" val="1"/>
             </a:ext>
           </a:extLst>
         </p:spPr>
@@ -4466,7 +4503,6 @@
             </a:lvl1pPr>
           </a:lstStyle>
           <a:p>
-            <a:pPr/>
             <a:r>
               <a:t>Hier ist eine Teilansicht aus der vorherigen Folien, aber hier wurde ein Thema selektiert</a:t>
             </a:r>
@@ -4497,7 +4533,7 @@
           </a:ln>
           <a:extLst>
             <a:ext uri="{C572A759-6A51-4108-AA02-DFA0A04FC94B}">
-              <ma14:wrappingTextBoxFlag xmlns:ma14="http://schemas.microsoft.com/office/mac/drawingml/2011/main" val="1"/>
+              <ma14:wrappingTextBoxFlag xmlns:ma14="http://schemas.microsoft.com/office/mac/drawingml/2011/main" xmlns:a14="http://schemas.microsoft.com/office/drawing/2010/main" xmlns:m="http://schemas.openxmlformats.org/officeDocument/2006/math" xmlns="" val="1"/>
             </a:ext>
           </a:extLst>
         </p:spPr>
@@ -4525,7 +4561,9 @@
       <p:sp>
         <p:nvSpPr>
           <p:cNvPr id="220" name="Slide Number"/>
-          <p:cNvSpPr txBox="1"/>
+          <p:cNvSpPr txBox="1">
+            <a:spLocks noGrp="1"/>
+          </p:cNvSpPr>
           <p:nvPr>
             <p:ph type="sldNum" sz="quarter" idx="4294967295"/>
           </p:nvPr>
@@ -4536,7 +4574,7 @@
           </a:prstGeom>
           <a:extLst>
             <a:ext uri="{C572A759-6A51-4108-AA02-DFA0A04FC94B}">
-              <ma14:wrappingTextBoxFlag xmlns:ma14="http://schemas.microsoft.com/office/mac/drawingml/2011/main" val="1"/>
+              <ma14:wrappingTextBoxFlag xmlns:ma14="http://schemas.microsoft.com/office/mac/drawingml/2011/main" xmlns:a14="http://schemas.microsoft.com/office/drawing/2010/main" xmlns:m="http://schemas.openxmlformats.org/officeDocument/2006/math" xmlns="" val="1"/>
             </a:ext>
           </a:extLst>
         </p:spPr>
@@ -4544,8 +4582,10 @@
           <a:bodyPr/>
           <a:lstStyle/>
           <a:p>
-            <a:pPr/>
-            <a:fld id="{86CB4B4D-7CA3-9044-876B-883B54F8677D}" type="slidenum"/>
+            <a:fld id="{86CB4B4D-7CA3-9044-876B-883B54F8677D}" type="slidenum">
+              <a:t>10</a:t>
+            </a:fld>
+            <a:endParaRPr/>
           </a:p>
         </p:txBody>
       </p:sp>
@@ -4554,12 +4594,12 @@
   <p:clrMapOvr>
     <a:masterClrMapping/>
   </p:clrMapOvr>
-  <p:transition xmlns:p14="http://schemas.microsoft.com/office/powerpoint/2010/main" spd="med" advClick="1"/>
+  <p:transition spd="med"/>
 </p:sld>
 </file>
 
 <file path=ppt/slides/slide11.xml><?xml version="1.0" encoding="utf-8"?>
-<p:sld xmlns:a="http://schemas.openxmlformats.org/drawingml/2006/main" xmlns:r="http://schemas.openxmlformats.org/officeDocument/2006/relationships" xmlns:p="http://schemas.openxmlformats.org/presentationml/2006/main" xmlns:m="http://schemas.openxmlformats.org/officeDocument/2006/math" xmlns:a14="http://schemas.microsoft.com/office/drawing/2010/main" showMasterSp="1" showMasterPhAnim="1">
+<p:sld xmlns:a="http://schemas.openxmlformats.org/drawingml/2006/main" xmlns:r="http://schemas.openxmlformats.org/officeDocument/2006/relationships" xmlns:p="http://schemas.openxmlformats.org/presentationml/2006/main">
   <p:cSld>
     <p:spTree>
       <p:nvGrpSpPr>
@@ -4578,7 +4618,9 @@
       <p:sp>
         <p:nvSpPr>
           <p:cNvPr id="222" name="Slide Number"/>
-          <p:cNvSpPr txBox="1"/>
+          <p:cNvSpPr txBox="1">
+            <a:spLocks noGrp="1"/>
+          </p:cNvSpPr>
           <p:nvPr>
             <p:ph type="sldNum" sz="quarter" idx="4294967295"/>
           </p:nvPr>
@@ -4589,7 +4631,7 @@
           </a:prstGeom>
           <a:extLst>
             <a:ext uri="{C572A759-6A51-4108-AA02-DFA0A04FC94B}">
-              <ma14:wrappingTextBoxFlag xmlns:ma14="http://schemas.microsoft.com/office/mac/drawingml/2011/main" val="1"/>
+              <ma14:wrappingTextBoxFlag xmlns:ma14="http://schemas.microsoft.com/office/mac/drawingml/2011/main" xmlns:a14="http://schemas.microsoft.com/office/drawing/2010/main" xmlns:m="http://schemas.openxmlformats.org/officeDocument/2006/math" xmlns="" val="1"/>
             </a:ext>
           </a:extLst>
         </p:spPr>
@@ -4597,8 +4639,10 @@
           <a:bodyPr/>
           <a:lstStyle/>
           <a:p>
-            <a:pPr/>
-            <a:fld id="{86CB4B4D-7CA3-9044-876B-883B54F8677D}" type="slidenum"/>
+            <a:fld id="{86CB4B4D-7CA3-9044-876B-883B54F8677D}" type="slidenum">
+              <a:t>11</a:t>
+            </a:fld>
+            <a:endParaRPr/>
           </a:p>
         </p:txBody>
       </p:sp>
@@ -4640,6 +4684,7 @@
                 <a:sym typeface="Helvetica Neue Medium"/>
               </a:defRPr>
             </a:pPr>
+            <a:endParaRPr/>
           </a:p>
         </p:txBody>
       </p:sp>
@@ -4662,7 +4707,7 @@
           </a:ln>
           <a:extLst>
             <a:ext uri="{C572A759-6A51-4108-AA02-DFA0A04FC94B}">
-              <ma14:wrappingTextBoxFlag xmlns:ma14="http://schemas.microsoft.com/office/mac/drawingml/2011/main" val="1"/>
+              <ma14:wrappingTextBoxFlag xmlns:ma14="http://schemas.microsoft.com/office/mac/drawingml/2011/main" xmlns:a14="http://schemas.microsoft.com/office/drawing/2010/main" xmlns:m="http://schemas.openxmlformats.org/officeDocument/2006/math" xmlns="" val="1"/>
             </a:ext>
           </a:extLst>
         </p:spPr>
@@ -4680,7 +4725,6 @@
             </a:lvl1pPr>
           </a:lstStyle>
           <a:p>
-            <a:pPr/>
             <a:r>
               <a:t>3. Anwendungsstruktur</a:t>
             </a:r>
@@ -4692,12 +4736,12 @@
   <p:clrMapOvr>
     <a:masterClrMapping/>
   </p:clrMapOvr>
-  <p:transition xmlns:p14="http://schemas.microsoft.com/office/powerpoint/2010/main" spd="med" advClick="1"/>
+  <p:transition spd="med"/>
 </p:sld>
 </file>
 
-<file path=ppt/slides/slide2.xml><?xml version="1.0" encoding="utf-8"?>
-<p:sld xmlns:a="http://schemas.openxmlformats.org/drawingml/2006/main" xmlns:r="http://schemas.openxmlformats.org/officeDocument/2006/relationships" xmlns:p="http://schemas.openxmlformats.org/presentationml/2006/main" xmlns:m="http://schemas.openxmlformats.org/officeDocument/2006/math" xmlns:a14="http://schemas.microsoft.com/office/drawing/2010/main" showMasterSp="1" showMasterPhAnim="1">
+<file path=ppt/slides/slide12.xml><?xml version="1.0" encoding="utf-8"?>
+<p:sld xmlns:a="http://schemas.openxmlformats.org/drawingml/2006/main" xmlns:r="http://schemas.openxmlformats.org/officeDocument/2006/relationships" xmlns:p="http://schemas.openxmlformats.org/presentationml/2006/main">
   <p:cSld>
     <p:spTree>
       <p:nvGrpSpPr>
@@ -4715,30 +4759,221 @@
       </p:grpSpPr>
       <p:sp>
         <p:nvSpPr>
-          <p:cNvPr id="160" name="Rectangle"/>
+          <p:cNvPr id="214" name="Klick auf Arbeitsthema =&gt; Popup zeigt weitere Infos wie Url, Tags, Beschreibung, etc…"/>
           <p:cNvSpPr/>
           <p:nvPr/>
         </p:nvSpPr>
         <p:spPr>
           <a:xfrm>
-            <a:off x="6245036" y="2286500"/>
-            <a:ext cx="18159049" cy="9572094"/>
+            <a:off x="13776856" y="2532998"/>
+            <a:ext cx="10369457" cy="6262114"/>
           </a:xfrm>
           <a:prstGeom prst="rect">
             <a:avLst/>
           </a:prstGeom>
           <a:solidFill>
-            <a:srgbClr val="D5D5D5"/>
+            <a:srgbClr val="60D937"/>
           </a:solidFill>
           <a:ln w="12700">
             <a:miter lim="400000"/>
           </a:ln>
+          <a:extLst>
+            <a:ext uri="{C572A759-6A51-4108-AA02-DFA0A04FC94B}">
+              <ma14:wrappingTextBoxFlag xmlns="" xmlns:m="http://schemas.openxmlformats.org/officeDocument/2006/math" xmlns:a14="http://schemas.microsoft.com/office/drawing/2010/main" xmlns:ma14="http://schemas.microsoft.com/office/mac/drawingml/2011/main" val="1"/>
+            </a:ext>
+          </a:extLst>
+        </p:spPr>
+        <p:txBody>
+          <a:bodyPr lIns="50800" tIns="50800" rIns="50800" bIns="50800" anchor="t"/>
+          <a:lstStyle/>
+          <a:p>
+            <a:pPr algn="l" defTabSz="825500">
+              <a:lnSpc>
+                <a:spcPct val="150000"/>
+              </a:lnSpc>
+              <a:defRPr sz="3200">
+                <a:solidFill>
+                  <a:srgbClr val="000000"/>
+                </a:solidFill>
+                <a:latin typeface="Helvetica Neue Medium"/>
+                <a:ea typeface="Helvetica Neue Medium"/>
+                <a:cs typeface="Helvetica Neue Medium"/>
+                <a:sym typeface="Helvetica Neue Medium"/>
+              </a:defRPr>
+            </a:pPr>
+            <a:endParaRPr/>
+          </a:p>
+          <a:p>
+            <a:pPr marL="1481455" lvl="1" indent="-592455" algn="l" defTabSz="825500">
+              <a:lnSpc>
+                <a:spcPct val="150000"/>
+              </a:lnSpc>
+              <a:buSzPct val="100000"/>
+              <a:buAutoNum type="arabicPeriod"/>
+              <a:defRPr sz="3200">
+                <a:solidFill>
+                  <a:srgbClr val="000000"/>
+                </a:solidFill>
+                <a:latin typeface="Helvetica Neue Medium"/>
+                <a:ea typeface="Helvetica Neue Medium"/>
+                <a:cs typeface="Helvetica Neue Medium"/>
+                <a:sym typeface="Helvetica Neue Medium"/>
+              </a:defRPr>
+            </a:pPr>
+            <a:r>
+              <a:rPr lang="de-DE" dirty="0"/>
+              <a:t>Model (unterteilt in </a:t>
+            </a:r>
+            <a:r>
+              <a:rPr lang="de-DE" dirty="0" err="1"/>
+              <a:t>Requester</a:t>
+            </a:r>
+            <a:r>
+              <a:rPr lang="de-DE" dirty="0"/>
+              <a:t> und Parser), zuständig für Daten und Verarbeitung</a:t>
+            </a:r>
+            <a:endParaRPr dirty="0"/>
+          </a:p>
+          <a:p>
+            <a:pPr marL="1481455" lvl="1" indent="-592455" algn="l" defTabSz="825500">
+              <a:lnSpc>
+                <a:spcPct val="150000"/>
+              </a:lnSpc>
+              <a:buSzPct val="100000"/>
+              <a:buAutoNum type="arabicPeriod"/>
+              <a:defRPr sz="3200">
+                <a:solidFill>
+                  <a:srgbClr val="000000"/>
+                </a:solidFill>
+                <a:latin typeface="Helvetica Neue Medium"/>
+                <a:ea typeface="Helvetica Neue Medium"/>
+                <a:cs typeface="Helvetica Neue Medium"/>
+                <a:sym typeface="Helvetica Neue Medium"/>
+              </a:defRPr>
+            </a:pPr>
+            <a:r>
+              <a:rPr lang="de-DE" dirty="0"/>
+              <a:t>View (basiert auf Angular und HTML), erstellt aus Daten die Ansicht</a:t>
+            </a:r>
+          </a:p>
+          <a:p>
+            <a:pPr marL="1481455" lvl="1" indent="-592455" algn="l" defTabSz="825500">
+              <a:lnSpc>
+                <a:spcPct val="150000"/>
+              </a:lnSpc>
+              <a:buSzPct val="100000"/>
+              <a:buAutoNum type="arabicPeriod"/>
+              <a:defRPr sz="3200">
+                <a:solidFill>
+                  <a:srgbClr val="000000"/>
+                </a:solidFill>
+                <a:latin typeface="Helvetica Neue Medium"/>
+                <a:ea typeface="Helvetica Neue Medium"/>
+                <a:cs typeface="Helvetica Neue Medium"/>
+                <a:sym typeface="Helvetica Neue Medium"/>
+              </a:defRPr>
+            </a:pPr>
+            <a:r>
+              <a:rPr lang="de-DE" dirty="0"/>
+              <a:t>Controller, enthält Funktionen zur Interaktion mit  Model und View, modular und einfach erweiterbar</a:t>
+            </a:r>
+          </a:p>
+          <a:p>
+            <a:pPr algn="l" defTabSz="825500">
+              <a:lnSpc>
+                <a:spcPct val="200000"/>
+              </a:lnSpc>
+              <a:defRPr sz="3200">
+                <a:solidFill>
+                  <a:srgbClr val="000000"/>
+                </a:solidFill>
+                <a:latin typeface="Helvetica Neue Medium"/>
+                <a:ea typeface="Helvetica Neue Medium"/>
+                <a:cs typeface="Helvetica Neue Medium"/>
+                <a:sym typeface="Helvetica Neue Medium"/>
+              </a:defRPr>
+            </a:pPr>
+            <a:endParaRPr/>
+          </a:p>
+        </p:txBody>
+      </p:sp>
+      <p:sp>
+        <p:nvSpPr>
+          <p:cNvPr id="215" name="1"/>
+          <p:cNvSpPr/>
+          <p:nvPr/>
+        </p:nvSpPr>
+        <p:spPr>
+          <a:xfrm>
+            <a:off x="4345654" y="10312565"/>
+            <a:ext cx="948359" cy="949721"/>
+          </a:xfrm>
+          <a:prstGeom prst="ellipse">
+            <a:avLst/>
+          </a:prstGeom>
+          <a:solidFill>
+            <a:srgbClr val="60D937"/>
+          </a:solidFill>
+          <a:ln w="12700">
+            <a:miter lim="400000"/>
+          </a:ln>
+          <a:extLst>
+            <a:ext uri="{C572A759-6A51-4108-AA02-DFA0A04FC94B}">
+              <ma14:wrappingTextBoxFlag xmlns:ma14="http://schemas.microsoft.com/office/mac/drawingml/2011/main" xmlns:a14="http://schemas.microsoft.com/office/drawing/2010/main" xmlns:m="http://schemas.openxmlformats.org/officeDocument/2006/math" xmlns="" val="1"/>
+            </a:ext>
+          </a:extLst>
+        </p:spPr>
+        <p:txBody>
+          <a:bodyPr lIns="50800" tIns="50800" rIns="50800" bIns="50800" anchor="ctr"/>
+          <a:lstStyle>
+            <a:lvl1pPr defTabSz="825500">
+              <a:defRPr sz="3700" b="1">
+                <a:solidFill>
+                  <a:srgbClr val="000000"/>
+                </a:solidFill>
+              </a:defRPr>
+            </a:lvl1pPr>
+          </a:lstStyle>
+          <a:p>
+            <a:r>
+              <a:t>1</a:t>
+            </a:r>
+          </a:p>
+        </p:txBody>
+      </p:sp>
+      <p:sp>
+        <p:nvSpPr>
+          <p:cNvPr id="219" name="Wireframes und Funktionalitäten"/>
+          <p:cNvSpPr/>
+          <p:nvPr/>
+        </p:nvSpPr>
+        <p:spPr>
+          <a:xfrm>
+            <a:off x="-80276" y="-83428"/>
+            <a:ext cx="15621561" cy="936090"/>
+          </a:xfrm>
+          <a:prstGeom prst="rect">
+            <a:avLst/>
+          </a:prstGeom>
+          <a:solidFill>
+            <a:srgbClr val="8D52FD">
+              <a:alpha val="45123"/>
+            </a:srgbClr>
+          </a:solidFill>
+          <a:ln w="12700">
+            <a:miter lim="400000"/>
+          </a:ln>
+          <a:extLst>
+            <a:ext uri="{C572A759-6A51-4108-AA02-DFA0A04FC94B}">
+              <ma14:wrappingTextBoxFlag xmlns="" xmlns:m="http://schemas.openxmlformats.org/officeDocument/2006/math" xmlns:a14="http://schemas.microsoft.com/office/drawing/2010/main" xmlns:ma14="http://schemas.microsoft.com/office/mac/drawingml/2011/main" val="1"/>
+            </a:ext>
+          </a:extLst>
         </p:spPr>
         <p:txBody>
           <a:bodyPr lIns="50800" tIns="50800" rIns="50800" bIns="50800" anchor="ctr"/>
           <a:lstStyle/>
           <a:p>
-            <a:pPr defTabSz="825500">
+            <a:pPr lvl="2" algn="l" defTabSz="825500">
               <a:defRPr sz="3200">
                 <a:solidFill>
                   <a:srgbClr val="FFFFFF"/>
@@ -4749,28 +4984,30 @@
                 <a:sym typeface="Helvetica Neue Medium"/>
               </a:defRPr>
             </a:pPr>
-          </a:p>
-        </p:txBody>
-      </p:sp>
-      <p:sp>
-        <p:nvSpPr>
-          <p:cNvPr id="161" name="Slide Number"/>
-          <p:cNvSpPr txBox="1"/>
+            <a:r>
+              <a:rPr lang="de-DE" dirty="0"/>
+              <a:t>Softwareplanung</a:t>
+            </a:r>
+          </a:p>
+        </p:txBody>
+      </p:sp>
+      <p:sp>
+        <p:nvSpPr>
+          <p:cNvPr id="220" name="Slide Number"/>
+          <p:cNvSpPr txBox="1">
+            <a:spLocks noGrp="1"/>
+          </p:cNvSpPr>
           <p:nvPr>
             <p:ph type="sldNum" sz="quarter" idx="4294967295"/>
           </p:nvPr>
         </p:nvSpPr>
         <p:spPr>
-          <a:xfrm>
-            <a:off x="12065050" y="13080999"/>
-            <a:ext cx="241403" cy="374600"/>
-          </a:xfrm>
           <a:prstGeom prst="rect">
             <a:avLst/>
           </a:prstGeom>
           <a:extLst>
             <a:ext uri="{C572A759-6A51-4108-AA02-DFA0A04FC94B}">
-              <ma14:wrappingTextBoxFlag xmlns:ma14="http://schemas.microsoft.com/office/mac/drawingml/2011/main" val="1"/>
+              <ma14:wrappingTextBoxFlag xmlns="" xmlns:m="http://schemas.openxmlformats.org/officeDocument/2006/math" xmlns:a14="http://schemas.microsoft.com/office/drawing/2010/main" xmlns:ma14="http://schemas.microsoft.com/office/mac/drawingml/2011/main" val="1"/>
             </a:ext>
           </a:extLst>
         </p:spPr>
@@ -4778,261 +5015,210 @@
           <a:bodyPr/>
           <a:lstStyle/>
           <a:p>
-            <a:pPr/>
-            <a:fld id="{86CB4B4D-7CA3-9044-876B-883B54F8677D}" type="slidenum"/>
-          </a:p>
-        </p:txBody>
-      </p:sp>
-      <p:sp>
-        <p:nvSpPr>
-          <p:cNvPr id="162" name="Rectangle"/>
+            <a:fld id="{86CB4B4D-7CA3-9044-876B-883B54F8677D}" type="slidenum">
+              <a:t>12</a:t>
+            </a:fld>
+            <a:endParaRPr/>
+          </a:p>
+        </p:txBody>
+      </p:sp>
+      <p:pic>
+        <p:nvPicPr>
+          <p:cNvPr id="2" name="Grafik 2">
+            <a:extLst>
+              <a:ext uri="{FF2B5EF4-FFF2-40B4-BE49-F238E27FC236}">
+                <a16:creationId xmlns:a16="http://schemas.microsoft.com/office/drawing/2014/main" id="{053296E3-D7D0-4FD5-A67F-33D33888A34D}"/>
+              </a:ext>
+            </a:extLst>
+          </p:cNvPr>
+          <p:cNvPicPr>
+            <a:picLocks noChangeAspect="1"/>
+          </p:cNvPicPr>
+          <p:nvPr/>
+        </p:nvPicPr>
+        <p:blipFill>
+          <a:blip r:embed="rId2">
+            <a:extLst>
+              <a:ext uri="{96DAC541-7B7A-43D3-8B79-37D633B846F1}">
+                <asvg:svgBlip xmlns:asvg="http://schemas.microsoft.com/office/drawing/2016/SVG/main" r:embed="rId3"/>
+              </a:ext>
+            </a:extLst>
+          </a:blip>
+          <a:stretch>
+            <a:fillRect/>
+          </a:stretch>
+        </p:blipFill>
+        <p:spPr>
+          <a:xfrm>
+            <a:off x="871269" y="6178207"/>
+            <a:ext cx="15251499" cy="6219136"/>
+          </a:xfrm>
+          <a:prstGeom prst="rect">
+            <a:avLst/>
+          </a:prstGeom>
+        </p:spPr>
+      </p:pic>
+      <p:sp>
+        <p:nvSpPr>
+          <p:cNvPr id="216" name="2"/>
           <p:cNvSpPr/>
           <p:nvPr/>
         </p:nvSpPr>
         <p:spPr>
           <a:xfrm>
-            <a:off x="-10592" y="2308642"/>
-            <a:ext cx="6356273" cy="10188365"/>
+            <a:off x="13211967" y="9852360"/>
+            <a:ext cx="948359" cy="949720"/>
           </a:xfrm>
-          <a:prstGeom prst="rect">
+          <a:prstGeom prst="ellipse">
             <a:avLst/>
           </a:prstGeom>
           <a:solidFill>
-            <a:schemeClr val="accent1">
-              <a:lumOff val="-13575"/>
-            </a:schemeClr>
+            <a:srgbClr val="60D937"/>
           </a:solidFill>
           <a:ln w="12700">
             <a:miter lim="400000"/>
           </a:ln>
+          <a:extLst>
+            <a:ext uri="{C572A759-6A51-4108-AA02-DFA0A04FC94B}">
+              <ma14:wrappingTextBoxFlag xmlns:ma14="http://schemas.microsoft.com/office/mac/drawingml/2011/main" xmlns:a14="http://schemas.microsoft.com/office/drawing/2010/main" xmlns:m="http://schemas.openxmlformats.org/officeDocument/2006/math" xmlns="" val="1"/>
+            </a:ext>
+          </a:extLst>
         </p:spPr>
         <p:txBody>
           <a:bodyPr lIns="50800" tIns="50800" rIns="50800" bIns="50800" anchor="ctr"/>
-          <a:lstStyle/>
-          <a:p>
-            <a:pPr defTabSz="825500">
+          <a:lstStyle>
+            <a:lvl1pPr defTabSz="825500">
+              <a:defRPr sz="3700" b="1">
+                <a:solidFill>
+                  <a:srgbClr val="000000"/>
+                </a:solidFill>
+              </a:defRPr>
+            </a:lvl1pPr>
+          </a:lstStyle>
+          <a:p>
+            <a:r>
+              <a:rPr lang="de-DE" dirty="0"/>
+              <a:t>2</a:t>
+            </a:r>
+            <a:endParaRPr dirty="0"/>
+          </a:p>
+        </p:txBody>
+      </p:sp>
+      <p:sp>
+        <p:nvSpPr>
+          <p:cNvPr id="217" name="3"/>
+          <p:cNvSpPr/>
+          <p:nvPr/>
+        </p:nvSpPr>
+        <p:spPr>
+          <a:xfrm>
+            <a:off x="10013267" y="5711467"/>
+            <a:ext cx="948359" cy="949721"/>
+          </a:xfrm>
+          <a:prstGeom prst="ellipse">
+            <a:avLst/>
+          </a:prstGeom>
+          <a:solidFill>
+            <a:srgbClr val="60D937"/>
+          </a:solidFill>
+          <a:ln w="12700">
+            <a:miter lim="400000"/>
+          </a:ln>
+          <a:extLst>
+            <a:ext uri="{C572A759-6A51-4108-AA02-DFA0A04FC94B}">
+              <ma14:wrappingTextBoxFlag xmlns:ma14="http://schemas.microsoft.com/office/mac/drawingml/2011/main" xmlns:a14="http://schemas.microsoft.com/office/drawing/2010/main" xmlns:m="http://schemas.openxmlformats.org/officeDocument/2006/math" xmlns="" val="1"/>
+            </a:ext>
+          </a:extLst>
+        </p:spPr>
+        <p:txBody>
+          <a:bodyPr lIns="50800" tIns="50800" rIns="50800" bIns="50800" anchor="ctr"/>
+          <a:lstStyle>
+            <a:lvl1pPr defTabSz="825500">
+              <a:defRPr sz="3700" b="1">
+                <a:solidFill>
+                  <a:srgbClr val="000000"/>
+                </a:solidFill>
+              </a:defRPr>
+            </a:lvl1pPr>
+          </a:lstStyle>
+          <a:p>
+            <a:r>
+              <a:t>3</a:t>
+            </a:r>
+          </a:p>
+        </p:txBody>
+      </p:sp>
+      <p:sp>
+        <p:nvSpPr>
+          <p:cNvPr id="3" name="Hier ist eine Teilansicht aus der vorherigen Folien, aber hier wurde ein Thema selektiert">
+            <a:extLst>
+              <a:ext uri="{FF2B5EF4-FFF2-40B4-BE49-F238E27FC236}">
+                <a16:creationId xmlns:a16="http://schemas.microsoft.com/office/drawing/2014/main" id="{7273EAC0-79B3-4995-95CB-5617A41642B1}"/>
+              </a:ext>
+            </a:extLst>
+          </p:cNvPr>
+          <p:cNvSpPr/>
+          <p:nvPr/>
+        </p:nvSpPr>
+        <p:spPr>
+          <a:xfrm>
+            <a:off x="875602" y="1325167"/>
+            <a:ext cx="21755446" cy="945970"/>
+          </a:xfrm>
+          <a:prstGeom prst="rect">
+            <a:avLst/>
+          </a:prstGeom>
+          <a:solidFill>
+            <a:srgbClr val="D5D5D5"/>
+          </a:solidFill>
+          <a:ln w="12700">
+            <a:miter lim="400000"/>
+          </a:ln>
+          <a:extLst>
+            <a:ext uri="{C572A759-6A51-4108-AA02-DFA0A04FC94B}">
+              <ma14:wrappingTextBoxFlag xmlns="" xmlns:m="http://schemas.openxmlformats.org/officeDocument/2006/math" xmlns:a14="http://schemas.microsoft.com/office/drawing/2010/main" xmlns:ma14="http://schemas.microsoft.com/office/mac/drawingml/2011/main" val="1"/>
+            </a:ext>
+          </a:extLst>
+        </p:spPr>
+        <p:txBody>
+          <a:bodyPr lIns="50800" tIns="50800" rIns="50800" bIns="50800" anchor="ctr"/>
+          <a:lstStyle>
+            <a:lvl1pPr defTabSz="825500">
               <a:defRPr sz="3200">
                 <a:solidFill>
-                  <a:srgbClr val="FFFFFF"/>
+                  <a:srgbClr val="000000"/>
                 </a:solidFill>
                 <a:latin typeface="Helvetica Neue Medium"/>
                 <a:ea typeface="Helvetica Neue Medium"/>
                 <a:cs typeface="Helvetica Neue Medium"/>
                 <a:sym typeface="Helvetica Neue Medium"/>
               </a:defRPr>
-            </a:pPr>
-          </a:p>
-        </p:txBody>
-      </p:sp>
-      <p:sp>
-        <p:nvSpPr>
-          <p:cNvPr id="163" name="Inhalt"/>
-          <p:cNvSpPr txBox="1"/>
-          <p:nvPr/>
-        </p:nvSpPr>
-        <p:spPr>
-          <a:xfrm>
-            <a:off x="1624780" y="3291433"/>
-            <a:ext cx="2598421" cy="1279654"/>
-          </a:xfrm>
-          <a:prstGeom prst="rect">
-            <a:avLst/>
-          </a:prstGeom>
-          <a:ln w="12700">
-            <a:miter lim="400000"/>
-          </a:ln>
-          <a:extLst>
-            <a:ext uri="{C572A759-6A51-4108-AA02-DFA0A04FC94B}">
-              <ma14:wrappingTextBoxFlag xmlns:ma14="http://schemas.microsoft.com/office/mac/drawingml/2011/main" val="1"/>
-            </a:ext>
-          </a:extLst>
-        </p:spPr>
-        <p:txBody>
-          <a:bodyPr wrap="none" lIns="50800" tIns="50800" rIns="50800" bIns="50800" anchor="ctr">
-            <a:spAutoFit/>
-          </a:bodyPr>
-          <a:lstStyle>
-            <a:lvl1pPr>
-              <a:defRPr sz="8000">
-                <a:solidFill>
-                  <a:srgbClr val="FFFFFF"/>
-                </a:solidFill>
-              </a:defRPr>
             </a:lvl1pPr>
           </a:lstStyle>
           <a:p>
-            <a:pPr/>
-            <a:r>
-              <a:t>Inhalt</a:t>
-            </a:r>
-          </a:p>
-        </p:txBody>
-      </p:sp>
-      <p:graphicFrame>
-        <p:nvGraphicFramePr>
-          <p:cNvPr id="164" name="Table"/>
-          <p:cNvGraphicFramePr/>
-          <p:nvPr/>
-        </p:nvGraphicFramePr>
-        <p:xfrm>
-          <a:off x="7514560" y="3113322"/>
-          <a:ext cx="15632701" cy="7931150"/>
-        </p:xfrm>
-        <a:graphic xmlns:a="http://schemas.openxmlformats.org/drawingml/2006/main">
-          <a:graphicData uri="http://schemas.openxmlformats.org/drawingml/2006/table">
-            <a:tbl>
-              <a:tblPr firstCol="0" firstRow="0" lastCol="0" lastRow="0" bandCol="0" bandRow="0" rtl="0">
-                <a:tableStyleId>{4C3C2611-4C71-4FC5-86AE-919BDF0F9419}</a:tableStyleId>
-              </a:tblPr>
-              <a:tblGrid>
-                <a:gridCol w="15620000"/>
-              </a:tblGrid>
-              <a:tr h="2639483">
-                <a:tc>
-                  <a:txBody>
-                    <a:bodyPr/>
-                    <a:lstStyle/>
-                    <a:p>
-                      <a:pPr algn="l" defTabSz="914400"/>
-                      <a:r>
-                        <a:rPr sz="6800"/>
-                        <a:t>1. Zielgruppen</a:t>
-                      </a:r>
-                    </a:p>
-                  </a:txBody>
-                  <a:tcPr marL="50800" marR="50800" marT="50800" marB="50800" anchor="ctr" anchorCtr="0" horzOverflow="overflow">
-                    <a:lnL w="0">
-                      <a:miter lim="400000"/>
-                    </a:lnL>
-                    <a:lnR w="0">
-                      <a:miter lim="400000"/>
-                    </a:lnR>
-                    <a:lnT w="0">
-                      <a:miter lim="400000"/>
-                    </a:lnT>
-                    <a:lnB w="0">
-                      <a:miter lim="400000"/>
-                    </a:lnB>
-                  </a:tcPr>
-                </a:tc>
-              </a:tr>
-              <a:tr h="2639483">
-                <a:tc>
-                  <a:txBody>
-                    <a:bodyPr/>
-                    <a:lstStyle/>
-                    <a:p>
-                      <a:pPr algn="l" defTabSz="914400"/>
-                      <a:r>
-                        <a:rPr sz="6800"/>
-                        <a:t>2. Wireframes und Funktionalitäten</a:t>
-                      </a:r>
-                    </a:p>
-                  </a:txBody>
-                  <a:tcPr marL="50800" marR="50800" marT="50800" marB="50800" anchor="ctr" anchorCtr="0" horzOverflow="overflow">
-                    <a:lnL w="0">
-                      <a:miter lim="400000"/>
-                    </a:lnL>
-                    <a:lnR w="0">
-                      <a:miter lim="400000"/>
-                    </a:lnR>
-                    <a:lnT w="0">
-                      <a:miter lim="400000"/>
-                    </a:lnT>
-                    <a:lnB w="0">
-                      <a:miter lim="400000"/>
-                    </a:lnB>
-                  </a:tcPr>
-                </a:tc>
-              </a:tr>
-              <a:tr h="2639483">
-                <a:tc>
-                  <a:txBody>
-                    <a:bodyPr/>
-                    <a:lstStyle/>
-                    <a:p>
-                      <a:pPr algn="l" defTabSz="914400"/>
-                      <a:r>
-                        <a:rPr sz="6800"/>
-                        <a:t>3. Anwendungsstruktur</a:t>
-                      </a:r>
-                    </a:p>
-                  </a:txBody>
-                  <a:tcPr marL="50800" marR="50800" marT="50800" marB="50800" anchor="ctr" anchorCtr="0" horzOverflow="overflow">
-                    <a:lnL w="0">
-                      <a:miter lim="400000"/>
-                    </a:lnL>
-                    <a:lnR w="0">
-                      <a:miter lim="400000"/>
-                    </a:lnR>
-                    <a:lnT w="0">
-                      <a:miter lim="400000"/>
-                    </a:lnT>
-                    <a:lnB w="0">
-                      <a:miter lim="400000"/>
-                    </a:lnB>
-                  </a:tcPr>
-                </a:tc>
-              </a:tr>
-            </a:tbl>
-          </a:graphicData>
-        </a:graphic>
-      </p:graphicFrame>
-      <p:sp>
-        <p:nvSpPr>
-          <p:cNvPr id="165" name="Konzept für JavaScript-basierte Lösung (Angular) zum Thema Verbesserung für Ankündigungen von Abschlussarbeiten"/>
-          <p:cNvSpPr txBox="1"/>
-          <p:nvPr/>
-        </p:nvSpPr>
-        <p:spPr>
-          <a:xfrm>
-            <a:off x="637934" y="168013"/>
-            <a:ext cx="23108131" cy="2672140"/>
-          </a:xfrm>
-          <a:prstGeom prst="rect">
-            <a:avLst/>
-          </a:prstGeom>
-          <a:ln w="12700">
-            <a:miter lim="400000"/>
-          </a:ln>
-          <a:extLst>
-            <a:ext uri="{C572A759-6A51-4108-AA02-DFA0A04FC94B}">
-              <ma14:wrappingTextBoxFlag xmlns:ma14="http://schemas.microsoft.com/office/mac/drawingml/2011/main" val="1"/>
-            </a:ext>
-          </a:extLst>
-        </p:spPr>
-        <p:txBody>
-          <a:bodyPr lIns="50800" tIns="50800" rIns="50800" bIns="50800" anchor="ctr">
-            <a:spAutoFit/>
-          </a:bodyPr>
-          <a:lstStyle>
-            <a:lvl1pPr algn="l" defTabSz="457200">
-              <a:defRPr b="1" sz="5500">
-                <a:solidFill>
-                  <a:srgbClr val="333333"/>
-                </a:solidFill>
-              </a:defRPr>
-            </a:lvl1pPr>
-          </a:lstStyle>
-          <a:p>
-            <a:pPr/>
-            <a:r>
-              <a:t>Konzept für JavaScript-basierte Lösung (Angular) zum Thema Verbesserung für Ankündigungen von Abschlussarbeiten</a:t>
+            <a:r>
+              <a:rPr lang="de-DE" dirty="0"/>
+              <a:t>MVC-Software Architektur</a:t>
             </a:r>
           </a:p>
         </p:txBody>
       </p:sp>
     </p:spTree>
+    <p:extLst>
+      <p:ext uri="{BB962C8B-B14F-4D97-AF65-F5344CB8AC3E}">
+        <p14:creationId xmlns:p14="http://schemas.microsoft.com/office/powerpoint/2010/main" val="959633251"/>
+      </p:ext>
+    </p:extLst>
   </p:cSld>
   <p:clrMapOvr>
     <a:masterClrMapping/>
   </p:clrMapOvr>
-  <p:transition xmlns:p14="http://schemas.microsoft.com/office/powerpoint/2010/main" spd="med" advClick="1"/>
+  <p:transition spd="med"/>
 </p:sld>
 </file>
 
-<file path=ppt/slides/slide3.xml><?xml version="1.0" encoding="utf-8"?>
-<p:sld xmlns:a="http://schemas.openxmlformats.org/drawingml/2006/main" xmlns:r="http://schemas.openxmlformats.org/officeDocument/2006/relationships" xmlns:p="http://schemas.openxmlformats.org/presentationml/2006/main" xmlns:m="http://schemas.openxmlformats.org/officeDocument/2006/math" xmlns:a14="http://schemas.microsoft.com/office/drawing/2010/main" showMasterSp="1" showMasterPhAnim="1">
+<file path=ppt/slides/slide13.xml><?xml version="1.0" encoding="utf-8"?>
+<p:sld xmlns:a="http://schemas.openxmlformats.org/drawingml/2006/main" xmlns:r="http://schemas.openxmlformats.org/officeDocument/2006/relationships" xmlns:p="http://schemas.openxmlformats.org/presentationml/2006/main">
   <p:cSld>
     <p:spTree>
       <p:nvGrpSpPr>
@@ -5050,63 +5236,37 @@
       </p:grpSpPr>
       <p:sp>
         <p:nvSpPr>
-          <p:cNvPr id="167" name="Slide Number"/>
-          <p:cNvSpPr txBox="1"/>
-          <p:nvPr>
-            <p:ph type="sldNum" sz="quarter" idx="4294967295"/>
-          </p:nvPr>
-        </p:nvSpPr>
-        <p:spPr>
-          <a:xfrm>
-            <a:off x="12065050" y="13080999"/>
-            <a:ext cx="241403" cy="374600"/>
-          </a:xfrm>
-          <a:prstGeom prst="rect">
-            <a:avLst/>
-          </a:prstGeom>
-          <a:extLst>
-            <a:ext uri="{C572A759-6A51-4108-AA02-DFA0A04FC94B}">
-              <ma14:wrappingTextBoxFlag xmlns:ma14="http://schemas.microsoft.com/office/mac/drawingml/2011/main" val="1"/>
-            </a:ext>
-          </a:extLst>
-        </p:spPr>
-        <p:txBody>
-          <a:bodyPr/>
-          <a:lstStyle/>
-          <a:p>
-            <a:pPr/>
-            <a:fld id="{86CB4B4D-7CA3-9044-876B-883B54F8677D}" type="slidenum"/>
-          </a:p>
-        </p:txBody>
-      </p:sp>
-      <p:sp>
-        <p:nvSpPr>
-          <p:cNvPr id="168" name="Rectangle"/>
+          <p:cNvPr id="219" name="Wireframes und Funktionalitäten"/>
           <p:cNvSpPr/>
           <p:nvPr/>
         </p:nvSpPr>
         <p:spPr>
           <a:xfrm>
-            <a:off x="-10592" y="-25781"/>
-            <a:ext cx="24405184" cy="13767562"/>
+            <a:off x="-80276" y="-83428"/>
+            <a:ext cx="15621561" cy="936090"/>
           </a:xfrm>
           <a:prstGeom prst="rect">
             <a:avLst/>
           </a:prstGeom>
           <a:solidFill>
-            <a:schemeClr val="accent1">
-              <a:lumOff val="-13575"/>
-            </a:schemeClr>
+            <a:srgbClr val="8D52FD">
+              <a:alpha val="45123"/>
+            </a:srgbClr>
           </a:solidFill>
           <a:ln w="12700">
             <a:miter lim="400000"/>
           </a:ln>
+          <a:extLst>
+            <a:ext uri="{C572A759-6A51-4108-AA02-DFA0A04FC94B}">
+              <ma14:wrappingTextBoxFlag xmlns:ma14="http://schemas.microsoft.com/office/mac/drawingml/2011/main" xmlns:a14="http://schemas.microsoft.com/office/drawing/2010/main" xmlns:m="http://schemas.openxmlformats.org/officeDocument/2006/math" xmlns="" val="1"/>
+            </a:ext>
+          </a:extLst>
         </p:spPr>
         <p:txBody>
           <a:bodyPr lIns="50800" tIns="50800" rIns="50800" bIns="50800" anchor="ctr"/>
           <a:lstStyle/>
           <a:p>
-            <a:pPr defTabSz="825500">
+            <a:pPr lvl="2" algn="l" defTabSz="825500">
               <a:defRPr sz="3200">
                 <a:solidFill>
                   <a:srgbClr val="FFFFFF"/>
@@ -5117,64 +5277,177 @@
                 <a:sym typeface="Helvetica Neue Medium"/>
               </a:defRPr>
             </a:pPr>
-          </a:p>
-        </p:txBody>
-      </p:sp>
-      <p:sp>
-        <p:nvSpPr>
-          <p:cNvPr id="169" name="1. Zielgruppen"/>
-          <p:cNvSpPr txBox="1"/>
+            <a:r>
+              <a:rPr lang="de-DE" dirty="0"/>
+              <a:t>Softwareplanung</a:t>
+            </a:r>
+          </a:p>
+        </p:txBody>
+      </p:sp>
+      <p:sp>
+        <p:nvSpPr>
+          <p:cNvPr id="220" name="Slide Number"/>
+          <p:cNvSpPr txBox="1">
+            <a:spLocks noGrp="1"/>
+          </p:cNvSpPr>
+          <p:nvPr>
+            <p:ph type="sldNum" sz="quarter" idx="4294967295"/>
+          </p:nvPr>
+        </p:nvSpPr>
+        <p:spPr>
+          <a:prstGeom prst="rect">
+            <a:avLst/>
+          </a:prstGeom>
+          <a:extLst>
+            <a:ext uri="{C572A759-6A51-4108-AA02-DFA0A04FC94B}">
+              <ma14:wrappingTextBoxFlag xmlns:ma14="http://schemas.microsoft.com/office/mac/drawingml/2011/main" xmlns:a14="http://schemas.microsoft.com/office/drawing/2010/main" xmlns:m="http://schemas.openxmlformats.org/officeDocument/2006/math" xmlns="" val="1"/>
+            </a:ext>
+          </a:extLst>
+        </p:spPr>
+        <p:txBody>
+          <a:bodyPr/>
+          <a:lstStyle/>
+          <a:p>
+            <a:fld id="{86CB4B4D-7CA3-9044-876B-883B54F8677D}" type="slidenum">
+              <a:t>13</a:t>
+            </a:fld>
+            <a:endParaRPr/>
+          </a:p>
+        </p:txBody>
+      </p:sp>
+      <p:sp>
+        <p:nvSpPr>
+          <p:cNvPr id="3" name="Hier ist eine Teilansicht aus der vorherigen Folien, aber hier wurde ein Thema selektiert">
+            <a:extLst>
+              <a:ext uri="{FF2B5EF4-FFF2-40B4-BE49-F238E27FC236}">
+                <a16:creationId xmlns:a16="http://schemas.microsoft.com/office/drawing/2014/main" id="{7273EAC0-79B3-4995-95CB-5617A41642B1}"/>
+              </a:ext>
+            </a:extLst>
+          </p:cNvPr>
+          <p:cNvSpPr/>
           <p:nvPr/>
         </p:nvSpPr>
         <p:spPr>
           <a:xfrm>
-            <a:off x="719277" y="3095261"/>
-            <a:ext cx="22756808" cy="1726185"/>
+            <a:off x="875602" y="1325167"/>
+            <a:ext cx="21755446" cy="945970"/>
           </a:xfrm>
           <a:prstGeom prst="rect">
             <a:avLst/>
           </a:prstGeom>
+          <a:solidFill>
+            <a:srgbClr val="D5D5D5"/>
+          </a:solidFill>
           <a:ln w="12700">
             <a:miter lim="400000"/>
           </a:ln>
           <a:extLst>
             <a:ext uri="{C572A759-6A51-4108-AA02-DFA0A04FC94B}">
-              <ma14:wrappingTextBoxFlag xmlns:ma14="http://schemas.microsoft.com/office/mac/drawingml/2011/main" val="1"/>
+              <ma14:wrappingTextBoxFlag xmlns:ma14="http://schemas.microsoft.com/office/mac/drawingml/2011/main" xmlns:a14="http://schemas.microsoft.com/office/drawing/2010/main" xmlns:m="http://schemas.openxmlformats.org/officeDocument/2006/math" xmlns="" val="1"/>
             </a:ext>
           </a:extLst>
         </p:spPr>
         <p:txBody>
-          <a:bodyPr lIns="50800" tIns="50800" rIns="50800" bIns="50800" anchor="ctr">
-            <a:spAutoFit/>
-          </a:bodyPr>
+          <a:bodyPr lIns="50800" tIns="50800" rIns="50800" bIns="50800" anchor="ctr"/>
           <a:lstStyle>
-            <a:lvl1pPr algn="l">
-              <a:defRPr sz="11000">
+            <a:lvl1pPr defTabSz="825500">
+              <a:defRPr sz="3200">
                 <a:solidFill>
-                  <a:srgbClr val="FFFFFF"/>
+                  <a:srgbClr val="000000"/>
                 </a:solidFill>
+                <a:latin typeface="Helvetica Neue Medium"/>
+                <a:ea typeface="Helvetica Neue Medium"/>
+                <a:cs typeface="Helvetica Neue Medium"/>
+                <a:sym typeface="Helvetica Neue Medium"/>
               </a:defRPr>
             </a:lvl1pPr>
           </a:lstStyle>
           <a:p>
-            <a:pPr/>
-            <a:r>
-              <a:t>1. Zielgruppen</a:t>
+            <a:r>
+              <a:rPr lang="de-DE" dirty="0"/>
+              <a:t>MVC-Software Architektur</a:t>
+            </a:r>
+          </a:p>
+        </p:txBody>
+      </p:sp>
+      <p:sp>
+        <p:nvSpPr>
+          <p:cNvPr id="4" name="Textfeld 3">
+            <a:extLst>
+              <a:ext uri="{FF2B5EF4-FFF2-40B4-BE49-F238E27FC236}">
+                <a16:creationId xmlns:a16="http://schemas.microsoft.com/office/drawing/2014/main" id="{D0C3A541-5009-4694-A1C9-E5298C9A040D}"/>
+              </a:ext>
+            </a:extLst>
+          </p:cNvPr>
+          <p:cNvSpPr txBox="1"/>
+          <p:nvPr/>
+        </p:nvSpPr>
+        <p:spPr>
+          <a:xfrm>
+            <a:off x="880490" y="3686841"/>
+            <a:ext cx="21058908" cy="7489230"/>
+          </a:xfrm>
+          <a:prstGeom prst="rect">
+            <a:avLst/>
+          </a:prstGeom>
+          <a:noFill/>
+          <a:ln w="12700" cap="flat">
+            <a:noFill/>
+            <a:miter lim="400000"/>
+          </a:ln>
+          <a:effectLst/>
+          <a:sp3d/>
+        </p:spPr>
+        <p:style>
+          <a:lnRef idx="0">
+            <a:scrgbClr r="0" g="0" b="0"/>
+          </a:lnRef>
+          <a:fillRef idx="0">
+            <a:scrgbClr r="0" g="0" b="0"/>
+          </a:fillRef>
+          <a:effectRef idx="0">
+            <a:scrgbClr r="0" g="0" b="0"/>
+          </a:effectRef>
+          <a:fontRef idx="none"/>
+        </p:style>
+        <p:txBody>
+          <a:bodyPr rot="0" spcFirstLastPara="1" vertOverflow="overflow" horzOverflow="overflow" vert="horz" wrap="square" lIns="50800" tIns="50800" rIns="50800" bIns="50800" numCol="1" spcCol="38100" rtlCol="0" fromWordArt="0" anchor="ctr" anchorCtr="0" forceAA="0" compatLnSpc="1">
+            <a:prstTxWarp prst="textNoShape">
+              <a:avLst/>
+            </a:prstTxWarp>
+            <a:spAutoFit/>
+          </a:bodyPr>
+          <a:lstStyle/>
+          <a:p>
+            <a:pPr algn="l"/>
+            <a:r>
+              <a:rPr lang="en-US" sz="4000" dirty="0">
+                <a:solidFill>
+                  <a:schemeClr val="tx1"/>
+                </a:solidFill>
+                <a:latin typeface="Arial"/>
+              </a:rPr>
+              <a:t>Um einen reibungslosen Ablauf in der praktischen Umsetzung unserer Pläne zu garantieren, muss ein ausreichend guter Plan auch zur Umsetzung der Software existieren. Planlose Ansätze können, besonders in großen Projekten, viel Zeit durch unnötiges Suchen von Fehlern kosten. Für den folgenden Aufbau haben wir uns für den MVC Ansatz entschieden. MVC steht für Model, View, Controller und definiert eine klare Trennung von Software-Elementen und Datenflüssen, abhängig von der jeweiligen Funktion und Aufgabe der Komponenten. Das Model enthält die grundlegende Datenstruktur und die Funktionalität zur korrekten Verarbeitung der Daten. Die View nutzt die Informationen, die durch das Model übergeben werden und ist für die Darstellung des so genannten User Interface zuständig. Der Controller steuert die Anwendung. Indem der Nutzer mit Elementen der Anwendung interagiert, können definierte Prozeduren ausgelöst werden, die vom Controller übernommen werden.</a:t>
             </a:r>
           </a:p>
         </p:txBody>
       </p:sp>
     </p:spTree>
+    <p:extLst>
+      <p:ext uri="{BB962C8B-B14F-4D97-AF65-F5344CB8AC3E}">
+        <p14:creationId xmlns:p14="http://schemas.microsoft.com/office/powerpoint/2010/main" val="2159379820"/>
+      </p:ext>
+    </p:extLst>
   </p:cSld>
   <p:clrMapOvr>
     <a:masterClrMapping/>
   </p:clrMapOvr>
-  <p:transition xmlns:p14="http://schemas.microsoft.com/office/powerpoint/2010/main" spd="med" advClick="1"/>
+  <p:transition spd="med"/>
 </p:sld>
 </file>
 
-<file path=ppt/slides/slide4.xml><?xml version="1.0" encoding="utf-8"?>
-<p:sld xmlns:a="http://schemas.openxmlformats.org/drawingml/2006/main" xmlns:r="http://schemas.openxmlformats.org/officeDocument/2006/relationships" xmlns:p="http://schemas.openxmlformats.org/presentationml/2006/main" xmlns:m="http://schemas.openxmlformats.org/officeDocument/2006/math" xmlns:a14="http://schemas.microsoft.com/office/drawing/2010/main" showMasterSp="1" showMasterPhAnim="1">
+<file path=ppt/slides/slide14.xml><?xml version="1.0" encoding="utf-8"?>
+<p:sld xmlns:a="http://schemas.openxmlformats.org/drawingml/2006/main" xmlns:r="http://schemas.openxmlformats.org/officeDocument/2006/relationships" xmlns:p="http://schemas.openxmlformats.org/presentationml/2006/main">
   <p:cSld>
     <p:spTree>
       <p:nvGrpSpPr>
@@ -5192,7 +5465,173 @@
       </p:grpSpPr>
       <p:sp>
         <p:nvSpPr>
-          <p:cNvPr id="171" name="Zielgruppen"/>
+          <p:cNvPr id="214" name="Klick auf Arbeitsthema =&gt; Popup zeigt weitere Infos wie Url, Tags, Beschreibung, etc…"/>
+          <p:cNvSpPr/>
+          <p:nvPr/>
+        </p:nvSpPr>
+        <p:spPr>
+          <a:xfrm>
+            <a:off x="13776856" y="2532998"/>
+            <a:ext cx="10398211" cy="4623095"/>
+          </a:xfrm>
+          <a:prstGeom prst="rect">
+            <a:avLst/>
+          </a:prstGeom>
+          <a:solidFill>
+            <a:srgbClr val="60D937"/>
+          </a:solidFill>
+          <a:ln w="12700">
+            <a:miter lim="400000"/>
+          </a:ln>
+          <a:extLst>
+            <a:ext uri="{C572A759-6A51-4108-AA02-DFA0A04FC94B}">
+              <ma14:wrappingTextBoxFlag xmlns:ma14="http://schemas.microsoft.com/office/mac/drawingml/2011/main" xmlns:a14="http://schemas.microsoft.com/office/drawing/2010/main" xmlns:m="http://schemas.openxmlformats.org/officeDocument/2006/math" xmlns="" val="1"/>
+            </a:ext>
+          </a:extLst>
+        </p:spPr>
+        <p:txBody>
+          <a:bodyPr lIns="50800" tIns="50800" rIns="50800" bIns="50800" anchor="t"/>
+          <a:lstStyle/>
+          <a:p>
+            <a:pPr algn="l" defTabSz="825500">
+              <a:lnSpc>
+                <a:spcPct val="150000"/>
+              </a:lnSpc>
+              <a:defRPr sz="3200">
+                <a:solidFill>
+                  <a:srgbClr val="000000"/>
+                </a:solidFill>
+                <a:latin typeface="Helvetica Neue Medium"/>
+                <a:ea typeface="Helvetica Neue Medium"/>
+                <a:cs typeface="Helvetica Neue Medium"/>
+                <a:sym typeface="Helvetica Neue Medium"/>
+              </a:defRPr>
+            </a:pPr>
+            <a:endParaRPr/>
+          </a:p>
+          <a:p>
+            <a:pPr marL="1481455" lvl="1" indent="-592455" algn="l" defTabSz="825500">
+              <a:lnSpc>
+                <a:spcPct val="150000"/>
+              </a:lnSpc>
+              <a:buSzPct val="100000"/>
+              <a:buAutoNum type="arabicPeriod"/>
+              <a:defRPr sz="3200">
+                <a:solidFill>
+                  <a:srgbClr val="000000"/>
+                </a:solidFill>
+                <a:latin typeface="Helvetica Neue Medium"/>
+                <a:ea typeface="Helvetica Neue Medium"/>
+                <a:cs typeface="Helvetica Neue Medium"/>
+                <a:sym typeface="Helvetica Neue Medium"/>
+              </a:defRPr>
+            </a:pPr>
+            <a:r>
+              <a:rPr lang="de-DE" dirty="0" err="1"/>
+              <a:t>Requester</a:t>
+            </a:r>
+            <a:r>
+              <a:rPr lang="de-DE" dirty="0"/>
+              <a:t> ist </a:t>
+            </a:r>
+            <a:r>
+              <a:rPr lang="de-DE" dirty="0" err="1"/>
+              <a:t>zustädig</a:t>
+            </a:r>
+            <a:r>
+              <a:rPr lang="de-DE" dirty="0"/>
+              <a:t> zum Abfragen der Daten</a:t>
+            </a:r>
+          </a:p>
+          <a:p>
+            <a:pPr marL="1481455" lvl="1" indent="-592455" algn="l" defTabSz="825500">
+              <a:lnSpc>
+                <a:spcPct val="150000"/>
+              </a:lnSpc>
+              <a:buSzPct val="100000"/>
+              <a:buAutoNum type="arabicPeriod"/>
+              <a:defRPr sz="3200">
+                <a:solidFill>
+                  <a:srgbClr val="000000"/>
+                </a:solidFill>
+                <a:latin typeface="Helvetica Neue Medium"/>
+                <a:ea typeface="Helvetica Neue Medium"/>
+                <a:cs typeface="Helvetica Neue Medium"/>
+                <a:sym typeface="Helvetica Neue Medium"/>
+              </a:defRPr>
+            </a:pPr>
+            <a:r>
+              <a:rPr lang="de-DE" dirty="0"/>
+              <a:t>Parser wandelt die Daten in ein Format um, das eine einfach Verwertung dieser ermöglicht</a:t>
+            </a:r>
+          </a:p>
+          <a:p>
+            <a:pPr marL="1481455" lvl="1" indent="-592455" algn="l" defTabSz="825500">
+              <a:lnSpc>
+                <a:spcPct val="150000"/>
+              </a:lnSpc>
+              <a:buSzPct val="100000"/>
+              <a:buAutoNum type="arabicPeriod"/>
+              <a:defRPr sz="3200">
+                <a:solidFill>
+                  <a:srgbClr val="000000"/>
+                </a:solidFill>
+                <a:latin typeface="Helvetica Neue Medium"/>
+                <a:ea typeface="Helvetica Neue Medium"/>
+                <a:cs typeface="Helvetica Neue Medium"/>
+                <a:sym typeface="Helvetica Neue Medium"/>
+              </a:defRPr>
+            </a:pPr>
+            <a:r>
+              <a:rPr lang="de-DE" dirty="0"/>
+              <a:t>Stellt danach die Daten zur Verfügung für spätere </a:t>
+            </a:r>
+            <a:r>
+              <a:rPr lang="de-DE" dirty="0" err="1"/>
+              <a:t>Funktiinen</a:t>
+            </a:r>
+          </a:p>
+          <a:p>
+            <a:pPr marL="1481455" lvl="1" indent="-592455" algn="l" defTabSz="825500">
+              <a:lnSpc>
+                <a:spcPct val="150000"/>
+              </a:lnSpc>
+              <a:buSzPct val="100000"/>
+              <a:buAutoNum type="arabicPeriod"/>
+              <a:defRPr sz="3200">
+                <a:solidFill>
+                  <a:srgbClr val="000000"/>
+                </a:solidFill>
+                <a:latin typeface="Helvetica Neue Medium"/>
+                <a:ea typeface="Helvetica Neue Medium"/>
+                <a:cs typeface="Helvetica Neue Medium"/>
+                <a:sym typeface="Helvetica Neue Medium"/>
+              </a:defRPr>
+            </a:pPr>
+            <a:endParaRPr lang="de-DE" dirty="0"/>
+          </a:p>
+          <a:p>
+            <a:pPr algn="l" defTabSz="825500">
+              <a:lnSpc>
+                <a:spcPct val="200000"/>
+              </a:lnSpc>
+              <a:defRPr sz="3200">
+                <a:solidFill>
+                  <a:srgbClr val="000000"/>
+                </a:solidFill>
+                <a:latin typeface="Helvetica Neue Medium"/>
+                <a:ea typeface="Helvetica Neue Medium"/>
+                <a:cs typeface="Helvetica Neue Medium"/>
+                <a:sym typeface="Helvetica Neue Medium"/>
+              </a:defRPr>
+            </a:pPr>
+            <a:endParaRPr lang="de-DE"/>
+          </a:p>
+        </p:txBody>
+      </p:sp>
+      <p:sp>
+        <p:nvSpPr>
+          <p:cNvPr id="219" name="Wireframes und Funktionalitäten"/>
           <p:cNvSpPr/>
           <p:nvPr/>
         </p:nvSpPr>
@@ -5214,7 +5653,7 @@
           </a:ln>
           <a:extLst>
             <a:ext uri="{C572A759-6A51-4108-AA02-DFA0A04FC94B}">
-              <ma14:wrappingTextBoxFlag xmlns:ma14="http://schemas.microsoft.com/office/mac/drawingml/2011/main" val="1"/>
+              <ma14:wrappingTextBoxFlag xmlns:ma14="http://schemas.microsoft.com/office/mac/drawingml/2011/main" xmlns:a14="http://schemas.microsoft.com/office/drawing/2010/main" xmlns:m="http://schemas.openxmlformats.org/officeDocument/2006/math" xmlns="" val="1"/>
             </a:ext>
           </a:extLst>
         </p:spPr>
@@ -5234,364 +5673,144 @@
               </a:defRPr>
             </a:pPr>
             <a:r>
-              <a:t>Zielgruppen</a:t>
-            </a:r>
-          </a:p>
-        </p:txBody>
-      </p:sp>
-      <p:sp>
-        <p:nvSpPr>
-          <p:cNvPr id="172" name="Bei Thema der Abschlussarbeiten sind die möglichen Nutzer entweder Studierende die nach einer Abschlussarbeit suchen, oder verschiedene Interessierte wie etwa Professoren, potentielle Studierende, oder auch andere Studenten, die aus Neugier das Angebot s"/>
-          <p:cNvSpPr txBox="1"/>
+              <a:rPr lang="de-DE" dirty="0"/>
+              <a:t>Softwareplanung</a:t>
+            </a:r>
+          </a:p>
+        </p:txBody>
+      </p:sp>
+      <p:sp>
+        <p:nvSpPr>
+          <p:cNvPr id="220" name="Slide Number"/>
+          <p:cNvSpPr txBox="1">
+            <a:spLocks noGrp="1"/>
+          </p:cNvSpPr>
+          <p:nvPr>
+            <p:ph type="sldNum" sz="quarter" idx="4294967295"/>
+          </p:nvPr>
+        </p:nvSpPr>
+        <p:spPr>
+          <a:prstGeom prst="rect">
+            <a:avLst/>
+          </a:prstGeom>
+          <a:extLst>
+            <a:ext uri="{C572A759-6A51-4108-AA02-DFA0A04FC94B}">
+              <ma14:wrappingTextBoxFlag xmlns:ma14="http://schemas.microsoft.com/office/mac/drawingml/2011/main" xmlns:a14="http://schemas.microsoft.com/office/drawing/2010/main" xmlns:m="http://schemas.openxmlformats.org/officeDocument/2006/math" xmlns="" val="1"/>
+            </a:ext>
+          </a:extLst>
+        </p:spPr>
+        <p:txBody>
+          <a:bodyPr/>
+          <a:lstStyle/>
+          <a:p>
+            <a:fld id="{86CB4B4D-7CA3-9044-876B-883B54F8677D}" type="slidenum">
+              <a:t>14</a:t>
+            </a:fld>
+            <a:endParaRPr/>
+          </a:p>
+        </p:txBody>
+      </p:sp>
+      <p:sp>
+        <p:nvSpPr>
+          <p:cNvPr id="3" name="Hier ist eine Teilansicht aus der vorherigen Folien, aber hier wurde ein Thema selektiert">
+            <a:extLst>
+              <a:ext uri="{FF2B5EF4-FFF2-40B4-BE49-F238E27FC236}">
+                <a16:creationId xmlns:a16="http://schemas.microsoft.com/office/drawing/2014/main" id="{7273EAC0-79B3-4995-95CB-5617A41642B1}"/>
+              </a:ext>
+            </a:extLst>
+          </p:cNvPr>
+          <p:cNvSpPr/>
           <p:nvPr/>
         </p:nvSpPr>
         <p:spPr>
           <a:xfrm>
-            <a:off x="244723" y="1177178"/>
-            <a:ext cx="23894554" cy="12242801"/>
+            <a:off x="875602" y="1325167"/>
+            <a:ext cx="21755446" cy="945970"/>
           </a:xfrm>
           <a:prstGeom prst="rect">
             <a:avLst/>
           </a:prstGeom>
+          <a:solidFill>
+            <a:srgbClr val="D5D5D5"/>
+          </a:solidFill>
           <a:ln w="12700">
             <a:miter lim="400000"/>
           </a:ln>
           <a:extLst>
             <a:ext uri="{C572A759-6A51-4108-AA02-DFA0A04FC94B}">
-              <ma14:wrappingTextBoxFlag xmlns:ma14="http://schemas.microsoft.com/office/mac/drawingml/2011/main" val="1"/>
+              <ma14:wrappingTextBoxFlag xmlns:ma14="http://schemas.microsoft.com/office/mac/drawingml/2011/main" xmlns:a14="http://schemas.microsoft.com/office/drawing/2010/main" xmlns:m="http://schemas.openxmlformats.org/officeDocument/2006/math" xmlns="" val="1"/>
             </a:ext>
           </a:extLst>
         </p:spPr>
         <p:txBody>
-          <a:bodyPr lIns="50800" tIns="50800" rIns="50800" bIns="50800" anchor="ctr">
-            <a:spAutoFit/>
-          </a:bodyPr>
-          <a:lstStyle/>
-          <a:p>
-            <a:pPr algn="l" defTabSz="457200">
-              <a:spcBef>
-                <a:spcPts val="1600"/>
-              </a:spcBef>
-              <a:defRPr sz="3000">
+          <a:bodyPr lIns="50800" tIns="50800" rIns="50800" bIns="50800" anchor="ctr"/>
+          <a:lstStyle>
+            <a:lvl1pPr defTabSz="825500">
+              <a:defRPr sz="3200">
                 <a:solidFill>
-                  <a:srgbClr val="24292E"/>
+                  <a:srgbClr val="000000"/>
                 </a:solidFill>
-                <a:latin typeface="Helvetica"/>
-                <a:ea typeface="Helvetica"/>
-                <a:cs typeface="Helvetica"/>
-                <a:sym typeface="Helvetica"/>
+                <a:latin typeface="Helvetica Neue Medium"/>
+                <a:ea typeface="Helvetica Neue Medium"/>
+                <a:cs typeface="Helvetica Neue Medium"/>
+                <a:sym typeface="Helvetica Neue Medium"/>
               </a:defRPr>
-            </a:pPr>
-            <a:r>
-              <a:t>Bei Thema der Abschlussarbeiten sind die möglichen Nutzer entweder Studierende die nach einer Abschlussarbeit suchen, oder verschiedene Interessierte wie etwa Professoren, potentielle Studierende, oder auch andere Studenten, die aus Neugier das Angebot sich anschauen möchten. Allerdings sind der </a:t>
-            </a:r>
-            <a:r>
-              <a:rPr b="1"/>
-              <a:t>Hauptfokus die Studierende, die nach einer Abschlussarbeit suchen bzw. sich über das Angebot informieren wollen</a:t>
-            </a:r>
-            <a:r>
-              <a:t>.</a:t>
-            </a:r>
-          </a:p>
-          <a:p>
-            <a:pPr algn="l" defTabSz="457200">
-              <a:lnSpc>
-                <a:spcPts val="5100"/>
-              </a:lnSpc>
-              <a:defRPr b="1" sz="3000">
-                <a:solidFill>
-                  <a:srgbClr val="24292E"/>
-                </a:solidFill>
-                <a:latin typeface="Helvetica"/>
-                <a:ea typeface="Helvetica"/>
-                <a:cs typeface="Helvetica"/>
-                <a:sym typeface="Helvetica"/>
-              </a:defRPr>
-            </a:pPr>
-          </a:p>
-          <a:p>
-            <a:pPr algn="l" defTabSz="457200">
-              <a:lnSpc>
-                <a:spcPts val="5800"/>
-              </a:lnSpc>
-              <a:spcBef>
-                <a:spcPts val="1600"/>
-              </a:spcBef>
-              <a:defRPr b="1" sz="3400">
-                <a:solidFill>
-                  <a:srgbClr val="24292E"/>
-                </a:solidFill>
-                <a:latin typeface="Helvetica"/>
-                <a:ea typeface="Helvetica"/>
-                <a:cs typeface="Helvetica"/>
-                <a:sym typeface="Helvetica"/>
-              </a:defRPr>
-            </a:pPr>
-            <a:r>
-              <a:t>1. Student ohne Präferenzen</a:t>
-            </a:r>
-          </a:p>
-          <a:p>
-            <a:pPr algn="l" defTabSz="457200">
-              <a:spcBef>
-                <a:spcPts val="1600"/>
-              </a:spcBef>
-              <a:defRPr sz="3000">
-                <a:solidFill>
-                  <a:srgbClr val="24292E"/>
-                </a:solidFill>
-                <a:latin typeface="Helvetica"/>
-                <a:ea typeface="Helvetica"/>
-                <a:cs typeface="Helvetica"/>
-                <a:sym typeface="Helvetica"/>
-              </a:defRPr>
-            </a:pPr>
-            <a:r>
-              <a:t>Der übliche Student, der nach einer Abschlussarbeit suchen wird, wird alles </a:t>
-            </a:r>
-            <a:r>
-              <a:rPr b="1"/>
-              <a:t>schnell</a:t>
-            </a:r>
-            <a:r>
-              <a:t> und </a:t>
-            </a:r>
-            <a:r>
-              <a:rPr b="1"/>
-              <a:t>übersichtlich</a:t>
-            </a:r>
-            <a:r>
-              <a:t> dargestellt haben wollen, damit er etwa die </a:t>
-            </a:r>
-            <a:r>
-              <a:rPr b="1"/>
-              <a:t>Gesamtheit des Angebots sehen kann</a:t>
-            </a:r>
-            <a:r>
-              <a:t>, aber auch </a:t>
-            </a:r>
-            <a:r>
-              <a:rPr b="1"/>
-              <a:t>schnell an die Informationen der einzelenen Themen und Bereiche kommen kann</a:t>
-            </a:r>
-            <a:r>
-              <a:t>.</a:t>
-            </a:r>
-          </a:p>
-          <a:p>
-            <a:pPr algn="l" defTabSz="457200">
-              <a:lnSpc>
-                <a:spcPts val="5100"/>
-              </a:lnSpc>
-              <a:defRPr b="1" sz="3000">
-                <a:solidFill>
-                  <a:srgbClr val="24292E"/>
-                </a:solidFill>
-                <a:latin typeface="Helvetica"/>
-                <a:ea typeface="Helvetica"/>
-                <a:cs typeface="Helvetica"/>
-                <a:sym typeface="Helvetica"/>
-              </a:defRPr>
-            </a:pPr>
-          </a:p>
-          <a:p>
-            <a:pPr algn="l" defTabSz="457200">
-              <a:lnSpc>
-                <a:spcPts val="5800"/>
-              </a:lnSpc>
-              <a:spcBef>
-                <a:spcPts val="1600"/>
-              </a:spcBef>
-              <a:defRPr b="1" sz="3400">
-                <a:solidFill>
-                  <a:srgbClr val="24292E"/>
-                </a:solidFill>
-                <a:latin typeface="Helvetica"/>
-                <a:ea typeface="Helvetica"/>
-                <a:cs typeface="Helvetica"/>
-                <a:sym typeface="Helvetica"/>
-              </a:defRPr>
-            </a:pPr>
-            <a:r>
-              <a:t>2. Student mit (fach-)spezifische Präferenzen</a:t>
-            </a:r>
-          </a:p>
-          <a:p>
-            <a:pPr algn="l" defTabSz="457200">
-              <a:spcBef>
-                <a:spcPts val="1600"/>
-              </a:spcBef>
-              <a:defRPr sz="3000">
-                <a:solidFill>
-                  <a:srgbClr val="24292E"/>
-                </a:solidFill>
-                <a:latin typeface="Helvetica"/>
-                <a:ea typeface="Helvetica"/>
-                <a:cs typeface="Helvetica"/>
-                <a:sym typeface="Helvetica"/>
-              </a:defRPr>
-            </a:pPr>
-            <a:r>
-              <a:t>Dieser Student hat besondere Interessen und möchte erstmals </a:t>
-            </a:r>
-            <a:r>
-              <a:rPr b="1"/>
-              <a:t>gezielt nach einem Thema suchen</a:t>
-            </a:r>
-            <a:r>
-              <a:t>, der seiner Präferenz entspricht. Z.B. könnte er ein besonderes Interesse am Thema K.I. haben. Somit möchte er </a:t>
-            </a:r>
-            <a:r>
-              <a:rPr b="1"/>
-              <a:t>nach tags oder keywords(Schlüßelwörter) filtern können</a:t>
-            </a:r>
-            <a:r>
-              <a:t>.</a:t>
-            </a:r>
-          </a:p>
-          <a:p>
-            <a:pPr algn="l" defTabSz="457200">
-              <a:lnSpc>
-                <a:spcPts val="5100"/>
-              </a:lnSpc>
-              <a:defRPr b="1" sz="3000">
-                <a:solidFill>
-                  <a:srgbClr val="24292E"/>
-                </a:solidFill>
-                <a:latin typeface="Helvetica"/>
-                <a:ea typeface="Helvetica"/>
-                <a:cs typeface="Helvetica"/>
-                <a:sym typeface="Helvetica"/>
-              </a:defRPr>
-            </a:pPr>
-          </a:p>
-          <a:p>
-            <a:pPr algn="l" defTabSz="457200">
-              <a:lnSpc>
-                <a:spcPts val="5800"/>
-              </a:lnSpc>
-              <a:spcBef>
-                <a:spcPts val="1600"/>
-              </a:spcBef>
-              <a:defRPr b="1" sz="3400">
-                <a:solidFill>
-                  <a:srgbClr val="24292E"/>
-                </a:solidFill>
-                <a:latin typeface="Helvetica"/>
-                <a:ea typeface="Helvetica"/>
-                <a:cs typeface="Helvetica"/>
-                <a:sym typeface="Helvetica"/>
-              </a:defRPr>
-            </a:pPr>
-            <a:r>
-              <a:t>3. Student der nach Betreuer suchen möchte</a:t>
-            </a:r>
-          </a:p>
-          <a:p>
-            <a:pPr algn="l" defTabSz="457200">
-              <a:spcBef>
-                <a:spcPts val="1600"/>
-              </a:spcBef>
-              <a:defRPr b="1" sz="3000">
-                <a:solidFill>
-                  <a:srgbClr val="24292E"/>
-                </a:solidFill>
-                <a:latin typeface="Helvetica"/>
-                <a:ea typeface="Helvetica"/>
-                <a:cs typeface="Helvetica"/>
-                <a:sym typeface="Helvetica"/>
-              </a:defRPr>
-            </a:pPr>
-            <a:r>
-              <a:rPr b="0"/>
-              <a:t>Dieser Nutzer möchte die </a:t>
-            </a:r>
-            <a:r>
-              <a:t>Themen und Abschlussarbeiten finden, die von einem bestimmten Betreuer angeboten werden</a:t>
-            </a:r>
-            <a:r>
-              <a:rPr b="0"/>
-              <a:t>.</a:t>
-            </a:r>
-            <a:endParaRPr b="0"/>
-          </a:p>
-          <a:p>
-            <a:pPr algn="l" defTabSz="457200">
-              <a:lnSpc>
-                <a:spcPts val="5100"/>
-              </a:lnSpc>
-              <a:defRPr b="1" sz="3000">
-                <a:solidFill>
-                  <a:srgbClr val="24292E"/>
-                </a:solidFill>
-                <a:latin typeface="Helvetica"/>
-                <a:ea typeface="Helvetica"/>
-                <a:cs typeface="Helvetica"/>
-                <a:sym typeface="Helvetica"/>
-              </a:defRPr>
-            </a:pPr>
-          </a:p>
-          <a:p>
-            <a:pPr algn="l" defTabSz="457200">
-              <a:lnSpc>
-                <a:spcPts val="5800"/>
-              </a:lnSpc>
-              <a:spcBef>
-                <a:spcPts val="1600"/>
-              </a:spcBef>
-              <a:defRPr b="1" sz="3400">
-                <a:solidFill>
-                  <a:srgbClr val="24292E"/>
-                </a:solidFill>
-                <a:latin typeface="Helvetica"/>
-                <a:ea typeface="Helvetica"/>
-                <a:cs typeface="Helvetica"/>
-                <a:sym typeface="Helvetica"/>
-              </a:defRPr>
-            </a:pPr>
-            <a:r>
-              <a:t>4. Nutzer, der keine Abschlussarbeit benötigt</a:t>
-            </a:r>
-          </a:p>
-          <a:p>
-            <a:pPr algn="l" defTabSz="457200">
-              <a:spcBef>
-                <a:spcPts val="1600"/>
-              </a:spcBef>
-              <a:defRPr sz="3000">
-                <a:solidFill>
-                  <a:srgbClr val="24292E"/>
-                </a:solidFill>
-                <a:latin typeface="Helvetica"/>
-                <a:ea typeface="Helvetica"/>
-                <a:cs typeface="Helvetica"/>
-                <a:sym typeface="Helvetica"/>
-              </a:defRPr>
-            </a:pPr>
-            <a:r>
-              <a:t>Sei es ein Professor, ein Student im Anfang vom Studium, jemand der kein Student ist, aber sich überlegt ein Studium anzufangen oder ein sonstiger ähnlicher Nutzer: eine </a:t>
-            </a:r>
-            <a:r>
-              <a:rPr b="1"/>
-              <a:t>übersichtliche und visuell ansprechende Darstellung sind von wichtigkeit</a:t>
-            </a:r>
-            <a:r>
-              <a:t> (zum Teil aus Werbegründen für die Unibw).</a:t>
-            </a:r>
-          </a:p>
-        </p:txBody>
-      </p:sp>
+            </a:lvl1pPr>
+          </a:lstStyle>
+          <a:p>
+            <a:r>
+              <a:rPr lang="de-DE" dirty="0"/>
+              <a:t>Softwarearchitektur - Model</a:t>
+            </a:r>
+          </a:p>
+        </p:txBody>
+      </p:sp>
+      <p:pic>
+        <p:nvPicPr>
+          <p:cNvPr id="4" name="Grafik 4">
+            <a:extLst>
+              <a:ext uri="{FF2B5EF4-FFF2-40B4-BE49-F238E27FC236}">
+                <a16:creationId xmlns:a16="http://schemas.microsoft.com/office/drawing/2014/main" id="{E073F798-6DAA-4AA5-88CD-482D835700C8}"/>
+              </a:ext>
+            </a:extLst>
+          </p:cNvPr>
+          <p:cNvPicPr>
+            <a:picLocks noChangeAspect="1"/>
+          </p:cNvPicPr>
+          <p:nvPr/>
+        </p:nvPicPr>
+        <p:blipFill>
+          <a:blip r:embed="rId2"/>
+          <a:stretch>
+            <a:fillRect/>
+          </a:stretch>
+        </p:blipFill>
+        <p:spPr>
+          <a:xfrm>
+            <a:off x="205727" y="5177000"/>
+            <a:ext cx="14015049" cy="6010327"/>
+          </a:xfrm>
+          <a:prstGeom prst="rect">
+            <a:avLst/>
+          </a:prstGeom>
+        </p:spPr>
+      </p:pic>
     </p:spTree>
+    <p:extLst>
+      <p:ext uri="{BB962C8B-B14F-4D97-AF65-F5344CB8AC3E}">
+        <p14:creationId xmlns:p14="http://schemas.microsoft.com/office/powerpoint/2010/main" val="1140127965"/>
+      </p:ext>
+    </p:extLst>
   </p:cSld>
   <p:clrMapOvr>
     <a:masterClrMapping/>
   </p:clrMapOvr>
-  <p:transition xmlns:p14="http://schemas.microsoft.com/office/powerpoint/2010/main" spd="med" advClick="1"/>
+  <p:transition spd="med"/>
 </p:sld>
 </file>
 
-<file path=ppt/slides/slide5.xml><?xml version="1.0" encoding="utf-8"?>
-<p:sld xmlns:a="http://schemas.openxmlformats.org/drawingml/2006/main" xmlns:r="http://schemas.openxmlformats.org/officeDocument/2006/relationships" xmlns:p="http://schemas.openxmlformats.org/presentationml/2006/main" xmlns:m="http://schemas.openxmlformats.org/officeDocument/2006/math" xmlns:a14="http://schemas.microsoft.com/office/drawing/2010/main" showMasterSp="1" showMasterPhAnim="1">
+<file path=ppt/slides/slide15.xml><?xml version="1.0" encoding="utf-8"?>
+<p:sld xmlns:a="http://schemas.openxmlformats.org/drawingml/2006/main" xmlns:r="http://schemas.openxmlformats.org/officeDocument/2006/relationships" xmlns:p="http://schemas.openxmlformats.org/presentationml/2006/main">
   <p:cSld>
     <p:spTree>
       <p:nvGrpSpPr>
@@ -5609,7 +5828,7 @@
       </p:grpSpPr>
       <p:sp>
         <p:nvSpPr>
-          <p:cNvPr id="174" name="Zielgruppen"/>
+          <p:cNvPr id="219" name="Wireframes und Funktionalitäten"/>
           <p:cNvSpPr/>
           <p:nvPr/>
         </p:nvSpPr>
@@ -5631,7 +5850,7 @@
           </a:ln>
           <a:extLst>
             <a:ext uri="{C572A759-6A51-4108-AA02-DFA0A04FC94B}">
-              <ma14:wrappingTextBoxFlag xmlns:ma14="http://schemas.microsoft.com/office/mac/drawingml/2011/main" val="1"/>
+              <ma14:wrappingTextBoxFlag xmlns="" xmlns:m="http://schemas.openxmlformats.org/officeDocument/2006/math" xmlns:a14="http://schemas.microsoft.com/office/drawing/2010/main" xmlns:ma14="http://schemas.microsoft.com/office/mac/drawingml/2011/main" val="1"/>
             </a:ext>
           </a:extLst>
         </p:spPr>
@@ -5651,6 +5870,2843 @@
               </a:defRPr>
             </a:pPr>
             <a:r>
+              <a:rPr lang="de-DE" dirty="0"/>
+              <a:t>Softwareplanung</a:t>
+            </a:r>
+          </a:p>
+        </p:txBody>
+      </p:sp>
+      <p:sp>
+        <p:nvSpPr>
+          <p:cNvPr id="220" name="Slide Number"/>
+          <p:cNvSpPr txBox="1">
+            <a:spLocks noGrp="1"/>
+          </p:cNvSpPr>
+          <p:nvPr>
+            <p:ph type="sldNum" sz="quarter" idx="4294967295"/>
+          </p:nvPr>
+        </p:nvSpPr>
+        <p:spPr>
+          <a:prstGeom prst="rect">
+            <a:avLst/>
+          </a:prstGeom>
+          <a:extLst>
+            <a:ext uri="{C572A759-6A51-4108-AA02-DFA0A04FC94B}">
+              <ma14:wrappingTextBoxFlag xmlns="" xmlns:m="http://schemas.openxmlformats.org/officeDocument/2006/math" xmlns:a14="http://schemas.microsoft.com/office/drawing/2010/main" xmlns:ma14="http://schemas.microsoft.com/office/mac/drawingml/2011/main" val="1"/>
+            </a:ext>
+          </a:extLst>
+        </p:spPr>
+        <p:txBody>
+          <a:bodyPr/>
+          <a:lstStyle/>
+          <a:p>
+            <a:fld id="{86CB4B4D-7CA3-9044-876B-883B54F8677D}" type="slidenum">
+              <a:t>15</a:t>
+            </a:fld>
+            <a:endParaRPr/>
+          </a:p>
+        </p:txBody>
+      </p:sp>
+      <p:sp>
+        <p:nvSpPr>
+          <p:cNvPr id="3" name="Hier ist eine Teilansicht aus der vorherigen Folien, aber hier wurde ein Thema selektiert">
+            <a:extLst>
+              <a:ext uri="{FF2B5EF4-FFF2-40B4-BE49-F238E27FC236}">
+                <a16:creationId xmlns:a16="http://schemas.microsoft.com/office/drawing/2014/main" id="{7273EAC0-79B3-4995-95CB-5617A41642B1}"/>
+              </a:ext>
+            </a:extLst>
+          </p:cNvPr>
+          <p:cNvSpPr/>
+          <p:nvPr/>
+        </p:nvSpPr>
+        <p:spPr>
+          <a:xfrm>
+            <a:off x="875602" y="1325167"/>
+            <a:ext cx="21755446" cy="945970"/>
+          </a:xfrm>
+          <a:prstGeom prst="rect">
+            <a:avLst/>
+          </a:prstGeom>
+          <a:solidFill>
+            <a:srgbClr val="D5D5D5"/>
+          </a:solidFill>
+          <a:ln w="12700">
+            <a:miter lim="400000"/>
+          </a:ln>
+          <a:extLst>
+            <a:ext uri="{C572A759-6A51-4108-AA02-DFA0A04FC94B}">
+              <ma14:wrappingTextBoxFlag xmlns="" xmlns:m="http://schemas.openxmlformats.org/officeDocument/2006/math" xmlns:a14="http://schemas.microsoft.com/office/drawing/2010/main" xmlns:ma14="http://schemas.microsoft.com/office/mac/drawingml/2011/main" val="1"/>
+            </a:ext>
+          </a:extLst>
+        </p:spPr>
+        <p:txBody>
+          <a:bodyPr lIns="50800" tIns="50800" rIns="50800" bIns="50800" anchor="ctr"/>
+          <a:lstStyle>
+            <a:lvl1pPr defTabSz="825500">
+              <a:defRPr sz="3200">
+                <a:solidFill>
+                  <a:srgbClr val="000000"/>
+                </a:solidFill>
+                <a:latin typeface="Helvetica Neue Medium"/>
+                <a:ea typeface="Helvetica Neue Medium"/>
+                <a:cs typeface="Helvetica Neue Medium"/>
+                <a:sym typeface="Helvetica Neue Medium"/>
+              </a:defRPr>
+            </a:lvl1pPr>
+          </a:lstStyle>
+          <a:p>
+            <a:endParaRPr lang="de-DE" dirty="0"/>
+          </a:p>
+          <a:p>
+            <a:r>
+              <a:rPr lang="de-DE" dirty="0"/>
+              <a:t>Softwarearchitektur - Model</a:t>
+            </a:r>
+          </a:p>
+          <a:p>
+            <a:endParaRPr lang="de-DE" dirty="0"/>
+          </a:p>
+        </p:txBody>
+      </p:sp>
+      <p:sp>
+        <p:nvSpPr>
+          <p:cNvPr id="4" name="Textfeld 3">
+            <a:extLst>
+              <a:ext uri="{FF2B5EF4-FFF2-40B4-BE49-F238E27FC236}">
+                <a16:creationId xmlns:a16="http://schemas.microsoft.com/office/drawing/2014/main" id="{D0C3A541-5009-4694-A1C9-E5298C9A040D}"/>
+              </a:ext>
+            </a:extLst>
+          </p:cNvPr>
+          <p:cNvSpPr txBox="1"/>
+          <p:nvPr/>
+        </p:nvSpPr>
+        <p:spPr>
+          <a:xfrm>
+            <a:off x="880490" y="3194399"/>
+            <a:ext cx="21058908" cy="8474115"/>
+          </a:xfrm>
+          <a:prstGeom prst="rect">
+            <a:avLst/>
+          </a:prstGeom>
+          <a:noFill/>
+          <a:ln w="12700" cap="flat">
+            <a:noFill/>
+            <a:miter lim="400000"/>
+          </a:ln>
+          <a:effectLst/>
+          <a:sp3d/>
+        </p:spPr>
+        <p:style>
+          <a:lnRef idx="0">
+            <a:scrgbClr r="0" g="0" b="0"/>
+          </a:lnRef>
+          <a:fillRef idx="0">
+            <a:scrgbClr r="0" g="0" b="0"/>
+          </a:fillRef>
+          <a:effectRef idx="0">
+            <a:scrgbClr r="0" g="0" b="0"/>
+          </a:effectRef>
+          <a:fontRef idx="none"/>
+        </p:style>
+        <p:txBody>
+          <a:bodyPr rot="0" spcFirstLastPara="1" vertOverflow="overflow" horzOverflow="overflow" vert="horz" wrap="square" lIns="50800" tIns="50800" rIns="50800" bIns="50800" numCol="1" spcCol="38100" rtlCol="0" fromWordArt="0" anchor="ctr" anchorCtr="0" forceAA="0" compatLnSpc="1">
+            <a:prstTxWarp prst="textNoShape">
+              <a:avLst/>
+            </a:prstTxWarp>
+            <a:spAutoFit/>
+          </a:bodyPr>
+          <a:lstStyle/>
+          <a:p>
+            <a:pPr algn="l"/>
+            <a:r>
+              <a:rPr lang="en-US" sz="3200" dirty="0">
+                <a:latin typeface="Arial"/>
+                <a:ea typeface="+mn-lt"/>
+                <a:cs typeface="+mn-lt"/>
+              </a:rPr>
+              <a:t>Das Model besteht in unserem Projekt aus mehreren Elementen. Der "Requester" ist für das Abfragen von Informationen zuständig. Die XML Datenbank, die über das Community Mashup verfügbar ist, wird durch den Requester ausgelesen. In der späteren Verarbeitung der Datenbank ist es zudem nötig, Verlinkungen zu graphischen Medien aufzulösen. Der Requester soll auch diese Medien anfragen und an den Parser weiter geben. Dem Parser werden die Rohdaten vom Requester übergeben, die von ihm verarbeitet werden. Die Daten sollen an dieser Stelle in ein Format gebracht werden, welches die weitere Arbeit durch andere Softwareelemente vereinfacht. Die aufbereiteten Daten werden vom Parser-Element an die Viewkomponente übergeben zur endgültigen Darstellung. Nach der Verarbeitung aller Daten durch den Parser, wird diese Softwarekomponente zum Bereitsteller dieser Daten und startet eine Wartephase. Eine parallelisierung der Datenverarbeitung und Darstellung könnte das Nutzererlebnis verbessern, ist aber mit einem Mehraufwand in der Entwicklung verbunden. Da die aktuelle Menge an zu verarbeitenden Daten vergleichsweise gering ist, ist anzunehmen, dass eine Schrittweise Abwicklung von Datenverarbeitung und Darstellung wenig bis keinen Einfluss auf das Nutzererlebnis haben werden. Stellt sich in der Entwicklung jedoch heraus, dass die Latenz durch Parser und Requester einen zu großen Zeitraum beanspruchen erlaubt dieses Modell eine alternative. Anstatt alle Daten gleichzeitig zu verarbeiten, werden die Daten in Schichten, nach einer bestimmten Hierachie verarbeitet und sobald eine Schicht abgeschlossen ist, wird die Ansicht von Angular/HTML aktualisiert. Die Ansicht wird also verfollständigt, während der </a:t>
+            </a:r>
+            <a:r>
+              <a:rPr lang="en-US" sz="3200" dirty="0" err="1">
+                <a:latin typeface="Arial"/>
+                <a:ea typeface="+mn-lt"/>
+                <a:cs typeface="+mn-lt"/>
+              </a:rPr>
+              <a:t>Nutzer</a:t>
+            </a:r>
+            <a:r>
+              <a:rPr lang="en-US" sz="3200" dirty="0">
+                <a:latin typeface="Arial"/>
+                <a:ea typeface="+mn-lt"/>
+                <a:cs typeface="+mn-lt"/>
+              </a:rPr>
+              <a:t> </a:t>
+            </a:r>
+            <a:r>
+              <a:rPr lang="en-US" sz="3200" dirty="0" err="1">
+                <a:latin typeface="Arial"/>
+                <a:ea typeface="+mn-lt"/>
+                <a:cs typeface="+mn-lt"/>
+              </a:rPr>
+              <a:t>zeitgleich</a:t>
+            </a:r>
+            <a:r>
+              <a:rPr lang="en-US" sz="3200" dirty="0">
+                <a:latin typeface="Arial"/>
+                <a:ea typeface="+mn-lt"/>
+                <a:cs typeface="+mn-lt"/>
+              </a:rPr>
+              <a:t> </a:t>
+            </a:r>
+            <a:r>
+              <a:rPr lang="en-US" sz="3200" dirty="0" err="1">
+                <a:latin typeface="Arial"/>
+                <a:ea typeface="+mn-lt"/>
+                <a:cs typeface="+mn-lt"/>
+              </a:rPr>
+              <a:t>mit</a:t>
+            </a:r>
+            <a:r>
+              <a:rPr lang="en-US" sz="3200" dirty="0">
+                <a:latin typeface="Arial"/>
+                <a:ea typeface="+mn-lt"/>
+                <a:cs typeface="+mn-lt"/>
+              </a:rPr>
+              <a:t> den </a:t>
+            </a:r>
+            <a:r>
+              <a:rPr lang="en-US" sz="3200" dirty="0" err="1">
+                <a:latin typeface="Arial"/>
+                <a:ea typeface="+mn-lt"/>
+                <a:cs typeface="+mn-lt"/>
+              </a:rPr>
+              <a:t>bereits</a:t>
+            </a:r>
+            <a:r>
+              <a:rPr lang="en-US" sz="3200" dirty="0">
+                <a:latin typeface="Arial"/>
+                <a:ea typeface="+mn-lt"/>
+                <a:cs typeface="+mn-lt"/>
+              </a:rPr>
+              <a:t> </a:t>
+            </a:r>
+            <a:r>
+              <a:rPr lang="en-US" sz="3200" dirty="0" err="1">
+                <a:latin typeface="Arial"/>
+                <a:ea typeface="+mn-lt"/>
+                <a:cs typeface="+mn-lt"/>
+              </a:rPr>
+              <a:t>abgeschlossenen</a:t>
+            </a:r>
+            <a:r>
+              <a:rPr lang="en-US" sz="3200" dirty="0">
+                <a:latin typeface="Arial"/>
+                <a:ea typeface="+mn-lt"/>
+                <a:cs typeface="+mn-lt"/>
+              </a:rPr>
+              <a:t> </a:t>
+            </a:r>
+            <a:r>
+              <a:rPr lang="en-US" sz="3200" dirty="0" err="1">
+                <a:latin typeface="Arial"/>
+                <a:ea typeface="+mn-lt"/>
+                <a:cs typeface="+mn-lt"/>
+              </a:rPr>
+              <a:t>Datenschichten</a:t>
+            </a:r>
+            <a:r>
+              <a:rPr lang="en-US" sz="3200" dirty="0">
+                <a:latin typeface="Arial"/>
+                <a:ea typeface="+mn-lt"/>
+                <a:cs typeface="+mn-lt"/>
+              </a:rPr>
+              <a:t> </a:t>
+            </a:r>
+            <a:r>
+              <a:rPr lang="en-US" sz="3200" dirty="0" err="1">
+                <a:latin typeface="Arial"/>
+                <a:ea typeface="+mn-lt"/>
+                <a:cs typeface="+mn-lt"/>
+              </a:rPr>
+              <a:t>interagieren</a:t>
+            </a:r>
+            <a:r>
+              <a:rPr lang="en-US" sz="3200" dirty="0">
+                <a:latin typeface="Arial"/>
+                <a:ea typeface="+mn-lt"/>
+                <a:cs typeface="+mn-lt"/>
+              </a:rPr>
+              <a:t> </a:t>
+            </a:r>
+            <a:r>
+              <a:rPr lang="en-US" sz="3200" dirty="0" err="1">
+                <a:latin typeface="Arial"/>
+                <a:ea typeface="+mn-lt"/>
+                <a:cs typeface="+mn-lt"/>
+              </a:rPr>
+              <a:t>kann</a:t>
+            </a:r>
+            <a:r>
+              <a:rPr lang="en-US" sz="3200" dirty="0">
+                <a:latin typeface="Arial"/>
+                <a:ea typeface="+mn-lt"/>
+                <a:cs typeface="+mn-lt"/>
+              </a:rPr>
+              <a:t>.</a:t>
+            </a:r>
+            <a:endParaRPr lang="de-DE" sz="3200">
+              <a:latin typeface="Arial"/>
+              <a:ea typeface="+mn-lt"/>
+              <a:cs typeface="+mn-lt"/>
+            </a:endParaRPr>
+          </a:p>
+        </p:txBody>
+      </p:sp>
+    </p:spTree>
+    <p:extLst>
+      <p:ext uri="{BB962C8B-B14F-4D97-AF65-F5344CB8AC3E}">
+        <p14:creationId xmlns:p14="http://schemas.microsoft.com/office/powerpoint/2010/main" val="3984122854"/>
+      </p:ext>
+    </p:extLst>
+  </p:cSld>
+  <p:clrMapOvr>
+    <a:masterClrMapping/>
+  </p:clrMapOvr>
+  <p:transition spd="med"/>
+</p:sld>
+</file>
+
+<file path=ppt/slides/slide16.xml><?xml version="1.0" encoding="utf-8"?>
+<p:sld xmlns:a="http://schemas.openxmlformats.org/drawingml/2006/main" xmlns:r="http://schemas.openxmlformats.org/officeDocument/2006/relationships" xmlns:p="http://schemas.openxmlformats.org/presentationml/2006/main">
+  <p:cSld>
+    <p:spTree>
+      <p:nvGrpSpPr>
+        <p:cNvPr id="1" name=""/>
+        <p:cNvGrpSpPr/>
+        <p:nvPr/>
+      </p:nvGrpSpPr>
+      <p:grpSpPr>
+        <a:xfrm>
+          <a:off x="0" y="0"/>
+          <a:ext cx="0" cy="0"/>
+          <a:chOff x="0" y="0"/>
+          <a:chExt cx="0" cy="0"/>
+        </a:xfrm>
+      </p:grpSpPr>
+      <p:sp>
+        <p:nvSpPr>
+          <p:cNvPr id="214" name="Klick auf Arbeitsthema =&gt; Popup zeigt weitere Infos wie Url, Tags, Beschreibung, etc…"/>
+          <p:cNvSpPr/>
+          <p:nvPr/>
+        </p:nvSpPr>
+        <p:spPr>
+          <a:xfrm>
+            <a:off x="13776856" y="2532998"/>
+            <a:ext cx="10398211" cy="4623095"/>
+          </a:xfrm>
+          <a:prstGeom prst="rect">
+            <a:avLst/>
+          </a:prstGeom>
+          <a:solidFill>
+            <a:srgbClr val="60D937"/>
+          </a:solidFill>
+          <a:ln w="12700">
+            <a:miter lim="400000"/>
+          </a:ln>
+          <a:extLst>
+            <a:ext uri="{C572A759-6A51-4108-AA02-DFA0A04FC94B}">
+              <ma14:wrappingTextBoxFlag xmlns="" xmlns:m="http://schemas.openxmlformats.org/officeDocument/2006/math" xmlns:a14="http://schemas.microsoft.com/office/drawing/2010/main" xmlns:ma14="http://schemas.microsoft.com/office/mac/drawingml/2011/main" val="1"/>
+            </a:ext>
+          </a:extLst>
+        </p:spPr>
+        <p:txBody>
+          <a:bodyPr lIns="50800" tIns="50800" rIns="50800" bIns="50800" anchor="t"/>
+          <a:lstStyle/>
+          <a:p>
+            <a:pPr algn="l" defTabSz="825500">
+              <a:lnSpc>
+                <a:spcPct val="150000"/>
+              </a:lnSpc>
+              <a:defRPr sz="3200">
+                <a:solidFill>
+                  <a:srgbClr val="000000"/>
+                </a:solidFill>
+                <a:latin typeface="Helvetica Neue Medium"/>
+                <a:ea typeface="Helvetica Neue Medium"/>
+                <a:cs typeface="Helvetica Neue Medium"/>
+                <a:sym typeface="Helvetica Neue Medium"/>
+              </a:defRPr>
+            </a:pPr>
+            <a:endParaRPr lang="de-DE" dirty="0"/>
+          </a:p>
+          <a:p>
+            <a:pPr marL="1481455" lvl="1" indent="-592455" algn="l" defTabSz="825500">
+              <a:lnSpc>
+                <a:spcPct val="150000"/>
+              </a:lnSpc>
+              <a:buSzPct val="100000"/>
+              <a:buAutoNum type="arabicPeriod"/>
+              <a:defRPr sz="3200">
+                <a:solidFill>
+                  <a:srgbClr val="000000"/>
+                </a:solidFill>
+                <a:latin typeface="Helvetica Neue Medium"/>
+                <a:ea typeface="Helvetica Neue Medium"/>
+                <a:cs typeface="Helvetica Neue Medium"/>
+                <a:sym typeface="Helvetica Neue Medium"/>
+              </a:defRPr>
+            </a:pPr>
+            <a:r>
+              <a:rPr lang="de-DE" dirty="0"/>
+              <a:t>Viewer benutzt Daten zur Erstellung der Ansicht</a:t>
+            </a:r>
+          </a:p>
+          <a:p>
+            <a:pPr marL="1481455" lvl="1" indent="-592455" algn="l" defTabSz="825500">
+              <a:lnSpc>
+                <a:spcPct val="150000"/>
+              </a:lnSpc>
+              <a:buSzPct val="100000"/>
+              <a:buAutoNum type="arabicPeriod"/>
+              <a:defRPr sz="3200">
+                <a:solidFill>
+                  <a:srgbClr val="000000"/>
+                </a:solidFill>
+                <a:latin typeface="Helvetica Neue Medium"/>
+                <a:ea typeface="Helvetica Neue Medium"/>
+                <a:cs typeface="Helvetica Neue Medium"/>
+                <a:sym typeface="Helvetica Neue Medium"/>
+              </a:defRPr>
+            </a:pPr>
+            <a:r>
+              <a:rPr lang="de-DE" dirty="0"/>
+              <a:t>Angular erstellt die gewünschte Darstellung</a:t>
+            </a:r>
+          </a:p>
+          <a:p>
+            <a:pPr marL="1481455" lvl="1" indent="-592455" algn="l" defTabSz="825500">
+              <a:lnSpc>
+                <a:spcPct val="150000"/>
+              </a:lnSpc>
+              <a:buSzPct val="100000"/>
+              <a:buAutoNum type="arabicPeriod"/>
+              <a:defRPr sz="3200">
+                <a:solidFill>
+                  <a:srgbClr val="000000"/>
+                </a:solidFill>
+                <a:latin typeface="Helvetica Neue Medium"/>
+                <a:ea typeface="Helvetica Neue Medium"/>
+                <a:cs typeface="Helvetica Neue Medium"/>
+                <a:sym typeface="Helvetica Neue Medium"/>
+              </a:defRPr>
+            </a:pPr>
+            <a:r>
+              <a:rPr lang="de-DE" dirty="0"/>
+              <a:t>Darstellung wird in die HTML Seite </a:t>
+            </a:r>
+            <a:r>
+              <a:rPr lang="de-DE" dirty="0" err="1"/>
+              <a:t>injeziert</a:t>
+            </a:r>
+            <a:r>
+              <a:rPr lang="de-DE" dirty="0"/>
+              <a:t> und macht diese für den Nutzer sichtbar</a:t>
+            </a:r>
+          </a:p>
+          <a:p>
+            <a:pPr marL="1481455" lvl="1" indent="-592455" algn="l" defTabSz="825500">
+              <a:lnSpc>
+                <a:spcPct val="150000"/>
+              </a:lnSpc>
+              <a:buSzPct val="100000"/>
+              <a:buAutoNum type="arabicPeriod"/>
+              <a:defRPr sz="3200">
+                <a:solidFill>
+                  <a:srgbClr val="000000"/>
+                </a:solidFill>
+                <a:latin typeface="Helvetica Neue Medium"/>
+                <a:ea typeface="Helvetica Neue Medium"/>
+                <a:cs typeface="Helvetica Neue Medium"/>
+                <a:sym typeface="Helvetica Neue Medium"/>
+              </a:defRPr>
+            </a:pPr>
+            <a:endParaRPr lang="de-DE" dirty="0"/>
+          </a:p>
+          <a:p>
+            <a:pPr algn="l" defTabSz="825500">
+              <a:lnSpc>
+                <a:spcPct val="200000"/>
+              </a:lnSpc>
+              <a:defRPr sz="3200">
+                <a:solidFill>
+                  <a:srgbClr val="000000"/>
+                </a:solidFill>
+                <a:latin typeface="Helvetica Neue Medium"/>
+                <a:ea typeface="Helvetica Neue Medium"/>
+                <a:cs typeface="Helvetica Neue Medium"/>
+                <a:sym typeface="Helvetica Neue Medium"/>
+              </a:defRPr>
+            </a:pPr>
+            <a:endParaRPr lang="de-DE"/>
+          </a:p>
+        </p:txBody>
+      </p:sp>
+      <p:sp>
+        <p:nvSpPr>
+          <p:cNvPr id="219" name="Wireframes und Funktionalitäten"/>
+          <p:cNvSpPr/>
+          <p:nvPr/>
+        </p:nvSpPr>
+        <p:spPr>
+          <a:xfrm>
+            <a:off x="-80276" y="-83428"/>
+            <a:ext cx="15621561" cy="936090"/>
+          </a:xfrm>
+          <a:prstGeom prst="rect">
+            <a:avLst/>
+          </a:prstGeom>
+          <a:solidFill>
+            <a:srgbClr val="8D52FD">
+              <a:alpha val="45123"/>
+            </a:srgbClr>
+          </a:solidFill>
+          <a:ln w="12700">
+            <a:miter lim="400000"/>
+          </a:ln>
+          <a:extLst>
+            <a:ext uri="{C572A759-6A51-4108-AA02-DFA0A04FC94B}">
+              <ma14:wrappingTextBoxFlag xmlns="" xmlns:m="http://schemas.openxmlformats.org/officeDocument/2006/math" xmlns:a14="http://schemas.microsoft.com/office/drawing/2010/main" xmlns:ma14="http://schemas.microsoft.com/office/mac/drawingml/2011/main" val="1"/>
+            </a:ext>
+          </a:extLst>
+        </p:spPr>
+        <p:txBody>
+          <a:bodyPr lIns="50800" tIns="50800" rIns="50800" bIns="50800" anchor="ctr"/>
+          <a:lstStyle/>
+          <a:p>
+            <a:pPr lvl="2" algn="l" defTabSz="825500">
+              <a:defRPr sz="3200">
+                <a:solidFill>
+                  <a:srgbClr val="FFFFFF"/>
+                </a:solidFill>
+                <a:latin typeface="Helvetica Neue Medium"/>
+                <a:ea typeface="Helvetica Neue Medium"/>
+                <a:cs typeface="Helvetica Neue Medium"/>
+                <a:sym typeface="Helvetica Neue Medium"/>
+              </a:defRPr>
+            </a:pPr>
+            <a:r>
+              <a:rPr lang="de-DE" dirty="0"/>
+              <a:t>Softwareplanung</a:t>
+            </a:r>
+          </a:p>
+        </p:txBody>
+      </p:sp>
+      <p:sp>
+        <p:nvSpPr>
+          <p:cNvPr id="220" name="Slide Number"/>
+          <p:cNvSpPr txBox="1">
+            <a:spLocks noGrp="1"/>
+          </p:cNvSpPr>
+          <p:nvPr>
+            <p:ph type="sldNum" sz="quarter" idx="4294967295"/>
+          </p:nvPr>
+        </p:nvSpPr>
+        <p:spPr>
+          <a:prstGeom prst="rect">
+            <a:avLst/>
+          </a:prstGeom>
+          <a:extLst>
+            <a:ext uri="{C572A759-6A51-4108-AA02-DFA0A04FC94B}">
+              <ma14:wrappingTextBoxFlag xmlns="" xmlns:m="http://schemas.openxmlformats.org/officeDocument/2006/math" xmlns:a14="http://schemas.microsoft.com/office/drawing/2010/main" xmlns:ma14="http://schemas.microsoft.com/office/mac/drawingml/2011/main" val="1"/>
+            </a:ext>
+          </a:extLst>
+        </p:spPr>
+        <p:txBody>
+          <a:bodyPr/>
+          <a:lstStyle/>
+          <a:p>
+            <a:fld id="{86CB4B4D-7CA3-9044-876B-883B54F8677D}" type="slidenum">
+              <a:t>16</a:t>
+            </a:fld>
+            <a:endParaRPr/>
+          </a:p>
+        </p:txBody>
+      </p:sp>
+      <p:sp>
+        <p:nvSpPr>
+          <p:cNvPr id="3" name="Hier ist eine Teilansicht aus der vorherigen Folien, aber hier wurde ein Thema selektiert">
+            <a:extLst>
+              <a:ext uri="{FF2B5EF4-FFF2-40B4-BE49-F238E27FC236}">
+                <a16:creationId xmlns:a16="http://schemas.microsoft.com/office/drawing/2014/main" id="{7273EAC0-79B3-4995-95CB-5617A41642B1}"/>
+              </a:ext>
+            </a:extLst>
+          </p:cNvPr>
+          <p:cNvSpPr/>
+          <p:nvPr/>
+        </p:nvSpPr>
+        <p:spPr>
+          <a:xfrm>
+            <a:off x="875602" y="1325167"/>
+            <a:ext cx="21755446" cy="945970"/>
+          </a:xfrm>
+          <a:prstGeom prst="rect">
+            <a:avLst/>
+          </a:prstGeom>
+          <a:solidFill>
+            <a:srgbClr val="D5D5D5"/>
+          </a:solidFill>
+          <a:ln w="12700">
+            <a:miter lim="400000"/>
+          </a:ln>
+          <a:extLst>
+            <a:ext uri="{C572A759-6A51-4108-AA02-DFA0A04FC94B}">
+              <ma14:wrappingTextBoxFlag xmlns="" xmlns:m="http://schemas.openxmlformats.org/officeDocument/2006/math" xmlns:a14="http://schemas.microsoft.com/office/drawing/2010/main" xmlns:ma14="http://schemas.microsoft.com/office/mac/drawingml/2011/main" val="1"/>
+            </a:ext>
+          </a:extLst>
+        </p:spPr>
+        <p:txBody>
+          <a:bodyPr lIns="50800" tIns="50800" rIns="50800" bIns="50800" anchor="ctr"/>
+          <a:lstStyle>
+            <a:lvl1pPr defTabSz="825500">
+              <a:defRPr sz="3200">
+                <a:solidFill>
+                  <a:srgbClr val="000000"/>
+                </a:solidFill>
+                <a:latin typeface="Helvetica Neue Medium"/>
+                <a:ea typeface="Helvetica Neue Medium"/>
+                <a:cs typeface="Helvetica Neue Medium"/>
+                <a:sym typeface="Helvetica Neue Medium"/>
+              </a:defRPr>
+            </a:lvl1pPr>
+          </a:lstStyle>
+          <a:p>
+            <a:r>
+              <a:rPr lang="de-DE" dirty="0"/>
+              <a:t>Softwarearchitektur - Viewer</a:t>
+            </a:r>
+          </a:p>
+        </p:txBody>
+      </p:sp>
+      <p:pic>
+        <p:nvPicPr>
+          <p:cNvPr id="2" name="Grafik 4">
+            <a:extLst>
+              <a:ext uri="{FF2B5EF4-FFF2-40B4-BE49-F238E27FC236}">
+                <a16:creationId xmlns:a16="http://schemas.microsoft.com/office/drawing/2014/main" id="{61FD40CD-18B5-4F39-AE2C-B1A5585AA581}"/>
+              </a:ext>
+            </a:extLst>
+          </p:cNvPr>
+          <p:cNvPicPr>
+            <a:picLocks noChangeAspect="1"/>
+          </p:cNvPicPr>
+          <p:nvPr/>
+        </p:nvPicPr>
+        <p:blipFill>
+          <a:blip r:embed="rId2"/>
+          <a:stretch>
+            <a:fillRect/>
+          </a:stretch>
+        </p:blipFill>
+        <p:spPr>
+          <a:xfrm>
+            <a:off x="1524154" y="5035841"/>
+            <a:ext cx="14159345" cy="7888056"/>
+          </a:xfrm>
+          <a:prstGeom prst="rect">
+            <a:avLst/>
+          </a:prstGeom>
+        </p:spPr>
+      </p:pic>
+    </p:spTree>
+    <p:extLst>
+      <p:ext uri="{BB962C8B-B14F-4D97-AF65-F5344CB8AC3E}">
+        <p14:creationId xmlns:p14="http://schemas.microsoft.com/office/powerpoint/2010/main" val="1736809690"/>
+      </p:ext>
+    </p:extLst>
+  </p:cSld>
+  <p:clrMapOvr>
+    <a:masterClrMapping/>
+  </p:clrMapOvr>
+  <p:transition spd="med"/>
+</p:sld>
+</file>
+
+<file path=ppt/slides/slide17.xml><?xml version="1.0" encoding="utf-8"?>
+<p:sld xmlns:a="http://schemas.openxmlformats.org/drawingml/2006/main" xmlns:r="http://schemas.openxmlformats.org/officeDocument/2006/relationships" xmlns:p="http://schemas.openxmlformats.org/presentationml/2006/main">
+  <p:cSld>
+    <p:spTree>
+      <p:nvGrpSpPr>
+        <p:cNvPr id="1" name=""/>
+        <p:cNvGrpSpPr/>
+        <p:nvPr/>
+      </p:nvGrpSpPr>
+      <p:grpSpPr>
+        <a:xfrm>
+          <a:off x="0" y="0"/>
+          <a:ext cx="0" cy="0"/>
+          <a:chOff x="0" y="0"/>
+          <a:chExt cx="0" cy="0"/>
+        </a:xfrm>
+      </p:grpSpPr>
+      <p:sp>
+        <p:nvSpPr>
+          <p:cNvPr id="219" name="Wireframes und Funktionalitäten"/>
+          <p:cNvSpPr/>
+          <p:nvPr/>
+        </p:nvSpPr>
+        <p:spPr>
+          <a:xfrm>
+            <a:off x="-80276" y="-83428"/>
+            <a:ext cx="15621561" cy="936090"/>
+          </a:xfrm>
+          <a:prstGeom prst="rect">
+            <a:avLst/>
+          </a:prstGeom>
+          <a:solidFill>
+            <a:srgbClr val="8D52FD">
+              <a:alpha val="45123"/>
+            </a:srgbClr>
+          </a:solidFill>
+          <a:ln w="12700">
+            <a:miter lim="400000"/>
+          </a:ln>
+          <a:extLst>
+            <a:ext uri="{C572A759-6A51-4108-AA02-DFA0A04FC94B}">
+              <ma14:wrappingTextBoxFlag xmlns:ma14="http://schemas.microsoft.com/office/mac/drawingml/2011/main" xmlns:a14="http://schemas.microsoft.com/office/drawing/2010/main" xmlns:m="http://schemas.openxmlformats.org/officeDocument/2006/math" xmlns="" val="1"/>
+            </a:ext>
+          </a:extLst>
+        </p:spPr>
+        <p:txBody>
+          <a:bodyPr lIns="50800" tIns="50800" rIns="50800" bIns="50800" anchor="ctr"/>
+          <a:lstStyle/>
+          <a:p>
+            <a:pPr lvl="2" algn="l" defTabSz="825500">
+              <a:defRPr sz="3200">
+                <a:solidFill>
+                  <a:srgbClr val="FFFFFF"/>
+                </a:solidFill>
+                <a:latin typeface="Helvetica Neue Medium"/>
+                <a:ea typeface="Helvetica Neue Medium"/>
+                <a:cs typeface="Helvetica Neue Medium"/>
+                <a:sym typeface="Helvetica Neue Medium"/>
+              </a:defRPr>
+            </a:pPr>
+            <a:r>
+              <a:rPr lang="de-DE" dirty="0"/>
+              <a:t>Softwareplanung</a:t>
+            </a:r>
+          </a:p>
+        </p:txBody>
+      </p:sp>
+      <p:sp>
+        <p:nvSpPr>
+          <p:cNvPr id="220" name="Slide Number"/>
+          <p:cNvSpPr txBox="1">
+            <a:spLocks noGrp="1"/>
+          </p:cNvSpPr>
+          <p:nvPr>
+            <p:ph type="sldNum" sz="quarter" idx="4294967295"/>
+          </p:nvPr>
+        </p:nvSpPr>
+        <p:spPr>
+          <a:prstGeom prst="rect">
+            <a:avLst/>
+          </a:prstGeom>
+          <a:extLst>
+            <a:ext uri="{C572A759-6A51-4108-AA02-DFA0A04FC94B}">
+              <ma14:wrappingTextBoxFlag xmlns:ma14="http://schemas.microsoft.com/office/mac/drawingml/2011/main" xmlns:a14="http://schemas.microsoft.com/office/drawing/2010/main" xmlns:m="http://schemas.openxmlformats.org/officeDocument/2006/math" xmlns="" val="1"/>
+            </a:ext>
+          </a:extLst>
+        </p:spPr>
+        <p:txBody>
+          <a:bodyPr/>
+          <a:lstStyle/>
+          <a:p>
+            <a:fld id="{86CB4B4D-7CA3-9044-876B-883B54F8677D}" type="slidenum">
+              <a:t>17</a:t>
+            </a:fld>
+            <a:endParaRPr/>
+          </a:p>
+        </p:txBody>
+      </p:sp>
+      <p:sp>
+        <p:nvSpPr>
+          <p:cNvPr id="3" name="Hier ist eine Teilansicht aus der vorherigen Folien, aber hier wurde ein Thema selektiert">
+            <a:extLst>
+              <a:ext uri="{FF2B5EF4-FFF2-40B4-BE49-F238E27FC236}">
+                <a16:creationId xmlns:a16="http://schemas.microsoft.com/office/drawing/2014/main" id="{7273EAC0-79B3-4995-95CB-5617A41642B1}"/>
+              </a:ext>
+            </a:extLst>
+          </p:cNvPr>
+          <p:cNvSpPr/>
+          <p:nvPr/>
+        </p:nvSpPr>
+        <p:spPr>
+          <a:xfrm>
+            <a:off x="875602" y="1325167"/>
+            <a:ext cx="21755446" cy="945970"/>
+          </a:xfrm>
+          <a:prstGeom prst="rect">
+            <a:avLst/>
+          </a:prstGeom>
+          <a:solidFill>
+            <a:srgbClr val="D5D5D5"/>
+          </a:solidFill>
+          <a:ln w="12700">
+            <a:miter lim="400000"/>
+          </a:ln>
+          <a:extLst>
+            <a:ext uri="{C572A759-6A51-4108-AA02-DFA0A04FC94B}">
+              <ma14:wrappingTextBoxFlag xmlns:ma14="http://schemas.microsoft.com/office/mac/drawingml/2011/main" xmlns:a14="http://schemas.microsoft.com/office/drawing/2010/main" xmlns:m="http://schemas.openxmlformats.org/officeDocument/2006/math" xmlns="" val="1"/>
+            </a:ext>
+          </a:extLst>
+        </p:spPr>
+        <p:txBody>
+          <a:bodyPr lIns="50800" tIns="50800" rIns="50800" bIns="50800" anchor="ctr"/>
+          <a:lstStyle>
+            <a:lvl1pPr defTabSz="825500">
+              <a:defRPr sz="3200">
+                <a:solidFill>
+                  <a:srgbClr val="000000"/>
+                </a:solidFill>
+                <a:latin typeface="Helvetica Neue Medium"/>
+                <a:ea typeface="Helvetica Neue Medium"/>
+                <a:cs typeface="Helvetica Neue Medium"/>
+                <a:sym typeface="Helvetica Neue Medium"/>
+              </a:defRPr>
+            </a:lvl1pPr>
+          </a:lstStyle>
+          <a:p>
+            <a:r>
+              <a:rPr lang="de-DE" dirty="0"/>
+              <a:t>Softwarearchitektur - Viewer</a:t>
+            </a:r>
+          </a:p>
+        </p:txBody>
+      </p:sp>
+      <p:sp>
+        <p:nvSpPr>
+          <p:cNvPr id="4" name="Textfeld 3">
+            <a:extLst>
+              <a:ext uri="{FF2B5EF4-FFF2-40B4-BE49-F238E27FC236}">
+                <a16:creationId xmlns:a16="http://schemas.microsoft.com/office/drawing/2014/main" id="{D0C3A541-5009-4694-A1C9-E5298C9A040D}"/>
+              </a:ext>
+            </a:extLst>
+          </p:cNvPr>
+          <p:cNvSpPr txBox="1"/>
+          <p:nvPr/>
+        </p:nvSpPr>
+        <p:spPr>
+          <a:xfrm>
+            <a:off x="880490" y="3621838"/>
+            <a:ext cx="21058908" cy="4411464"/>
+          </a:xfrm>
+          <a:prstGeom prst="rect">
+            <a:avLst/>
+          </a:prstGeom>
+          <a:noFill/>
+          <a:ln w="12700" cap="flat">
+            <a:noFill/>
+            <a:miter lim="400000"/>
+          </a:ln>
+          <a:effectLst/>
+          <a:sp3d/>
+        </p:spPr>
+        <p:style>
+          <a:lnRef idx="0">
+            <a:scrgbClr r="0" g="0" b="0"/>
+          </a:lnRef>
+          <a:fillRef idx="0">
+            <a:scrgbClr r="0" g="0" b="0"/>
+          </a:fillRef>
+          <a:effectRef idx="0">
+            <a:scrgbClr r="0" g="0" b="0"/>
+          </a:effectRef>
+          <a:fontRef idx="none"/>
+        </p:style>
+        <p:txBody>
+          <a:bodyPr rot="0" spcFirstLastPara="1" vertOverflow="overflow" horzOverflow="overflow" vert="horz" wrap="square" lIns="50800" tIns="50800" rIns="50800" bIns="50800" numCol="1" spcCol="38100" rtlCol="0" fromWordArt="0" anchor="ctr" anchorCtr="0" forceAA="0" compatLnSpc="1">
+            <a:prstTxWarp prst="textNoShape">
+              <a:avLst/>
+            </a:prstTxWarp>
+            <a:spAutoFit/>
+          </a:bodyPr>
+          <a:lstStyle/>
+          <a:p>
+            <a:pPr algn="l"/>
+            <a:r>
+              <a:rPr lang="en-US" sz="4000" dirty="0">
+                <a:latin typeface="Arial"/>
+                <a:ea typeface="+mn-lt"/>
+                <a:cs typeface="+mn-lt"/>
+              </a:rPr>
+              <a:t>Die View besteht aus der HTML Grundlage und dem Angular basierten Javascript Backend. Die Aufgabe von Angular in dieser Anwendung ist es, die vom Parser übergebenen Daten in einer aufbereiteten Form darzustellen. Hierzu muss via Javascript der Inhalt einiger Bereiche der HTML Seite modifiziert werden. Die Daten, die an die </a:t>
+            </a:r>
+            <a:r>
+              <a:rPr lang="en-US" sz="4000" dirty="0" err="1">
+                <a:latin typeface="Arial"/>
+                <a:ea typeface="+mn-lt"/>
+                <a:cs typeface="+mn-lt"/>
+              </a:rPr>
+              <a:t>Viewkomponente</a:t>
+            </a:r>
+            <a:r>
+              <a:rPr lang="en-US" sz="4000" dirty="0">
+                <a:latin typeface="Arial"/>
+                <a:ea typeface="+mn-lt"/>
+                <a:cs typeface="+mn-lt"/>
+              </a:rPr>
+              <a:t> </a:t>
+            </a:r>
+            <a:r>
+              <a:rPr lang="en-US" sz="4000" dirty="0" err="1">
+                <a:latin typeface="Arial"/>
+                <a:ea typeface="+mn-lt"/>
+                <a:cs typeface="+mn-lt"/>
+              </a:rPr>
+              <a:t>übergeben</a:t>
+            </a:r>
+            <a:r>
+              <a:rPr lang="en-US" sz="4000" dirty="0">
+                <a:latin typeface="Arial"/>
+                <a:ea typeface="+mn-lt"/>
+                <a:cs typeface="+mn-lt"/>
+              </a:rPr>
+              <a:t> </a:t>
+            </a:r>
+            <a:r>
+              <a:rPr lang="en-US" sz="4000" dirty="0" err="1">
+                <a:latin typeface="Arial"/>
+                <a:ea typeface="+mn-lt"/>
+                <a:cs typeface="+mn-lt"/>
+              </a:rPr>
+              <a:t>werden</a:t>
+            </a:r>
+            <a:r>
+              <a:rPr lang="en-US" sz="4000" dirty="0">
+                <a:latin typeface="Arial"/>
+                <a:ea typeface="+mn-lt"/>
+                <a:cs typeface="+mn-lt"/>
+              </a:rPr>
+              <a:t>, </a:t>
+            </a:r>
+            <a:r>
+              <a:rPr lang="en-US" sz="4000" dirty="0" err="1">
+                <a:latin typeface="Arial"/>
+                <a:ea typeface="+mn-lt"/>
+                <a:cs typeface="+mn-lt"/>
+              </a:rPr>
+              <a:t>werden</a:t>
+            </a:r>
+            <a:r>
+              <a:rPr lang="en-US" sz="4000" dirty="0">
+                <a:latin typeface="Arial"/>
+                <a:ea typeface="+mn-lt"/>
+                <a:cs typeface="+mn-lt"/>
+              </a:rPr>
+              <a:t> so </a:t>
+            </a:r>
+            <a:r>
+              <a:rPr lang="en-US" sz="4000" dirty="0" err="1">
+                <a:latin typeface="Arial"/>
+                <a:ea typeface="+mn-lt"/>
+                <a:cs typeface="+mn-lt"/>
+              </a:rPr>
+              <a:t>vorbereitet</a:t>
+            </a:r>
+            <a:r>
+              <a:rPr lang="en-US" sz="4000" dirty="0">
+                <a:latin typeface="Arial"/>
+                <a:ea typeface="+mn-lt"/>
+                <a:cs typeface="+mn-lt"/>
+              </a:rPr>
+              <a:t>, </a:t>
+            </a:r>
+            <a:r>
+              <a:rPr lang="en-US" sz="4000" dirty="0" err="1">
+                <a:latin typeface="Arial"/>
+                <a:ea typeface="+mn-lt"/>
+                <a:cs typeface="+mn-lt"/>
+              </a:rPr>
+              <a:t>dass</a:t>
+            </a:r>
+            <a:r>
+              <a:rPr lang="en-US" sz="4000" dirty="0">
+                <a:latin typeface="Arial"/>
+                <a:ea typeface="+mn-lt"/>
+                <a:cs typeface="+mn-lt"/>
+              </a:rPr>
+              <a:t> </a:t>
+            </a:r>
+            <a:r>
+              <a:rPr lang="en-US" sz="4000" dirty="0" err="1">
+                <a:latin typeface="Arial"/>
+                <a:ea typeface="+mn-lt"/>
+                <a:cs typeface="+mn-lt"/>
+              </a:rPr>
+              <a:t>sie</a:t>
+            </a:r>
+            <a:r>
+              <a:rPr lang="en-US" sz="4000" dirty="0">
+                <a:latin typeface="Arial"/>
+                <a:ea typeface="+mn-lt"/>
+                <a:cs typeface="+mn-lt"/>
+              </a:rPr>
+              <a:t> </a:t>
+            </a:r>
+            <a:r>
+              <a:rPr lang="en-US" sz="4000" dirty="0" err="1">
+                <a:latin typeface="Arial"/>
+                <a:ea typeface="+mn-lt"/>
+                <a:cs typeface="+mn-lt"/>
+              </a:rPr>
+              <a:t>möglichst</a:t>
+            </a:r>
+            <a:r>
+              <a:rPr lang="en-US" sz="4000" dirty="0">
+                <a:latin typeface="Arial"/>
+                <a:ea typeface="+mn-lt"/>
+                <a:cs typeface="+mn-lt"/>
+              </a:rPr>
+              <a:t> </a:t>
+            </a:r>
+            <a:r>
+              <a:rPr lang="en-US" sz="4000" dirty="0" err="1">
+                <a:latin typeface="Arial"/>
+                <a:ea typeface="+mn-lt"/>
+                <a:cs typeface="+mn-lt"/>
+              </a:rPr>
+              <a:t>effizient</a:t>
+            </a:r>
+            <a:r>
+              <a:rPr lang="en-US" sz="4000" dirty="0">
+                <a:latin typeface="Arial"/>
+                <a:ea typeface="+mn-lt"/>
+                <a:cs typeface="+mn-lt"/>
+              </a:rPr>
+              <a:t> in das </a:t>
+            </a:r>
+            <a:r>
+              <a:rPr lang="en-US" sz="4000" dirty="0" err="1">
+                <a:latin typeface="Arial"/>
+                <a:ea typeface="+mn-lt"/>
+                <a:cs typeface="+mn-lt"/>
+              </a:rPr>
+              <a:t>Zielformat</a:t>
+            </a:r>
+            <a:r>
+              <a:rPr lang="en-US" sz="4000" dirty="0">
+                <a:latin typeface="Arial"/>
+                <a:ea typeface="+mn-lt"/>
+                <a:cs typeface="+mn-lt"/>
+              </a:rPr>
+              <a:t> </a:t>
+            </a:r>
+            <a:r>
+              <a:rPr lang="en-US" sz="4000" dirty="0" err="1">
+                <a:latin typeface="Arial"/>
+                <a:ea typeface="+mn-lt"/>
+                <a:cs typeface="+mn-lt"/>
+              </a:rPr>
+              <a:t>transferiert</a:t>
+            </a:r>
+            <a:r>
+              <a:rPr lang="en-US" sz="4000" dirty="0">
+                <a:latin typeface="Arial"/>
+                <a:ea typeface="+mn-lt"/>
+                <a:cs typeface="+mn-lt"/>
+              </a:rPr>
+              <a:t> </a:t>
+            </a:r>
+            <a:r>
+              <a:rPr lang="en-US" sz="4000" dirty="0" err="1">
+                <a:latin typeface="Arial"/>
+                <a:ea typeface="+mn-lt"/>
+                <a:cs typeface="+mn-lt"/>
+              </a:rPr>
+              <a:t>werden</a:t>
+            </a:r>
+            <a:r>
+              <a:rPr lang="en-US" sz="4000" dirty="0">
+                <a:latin typeface="Arial"/>
+                <a:ea typeface="+mn-lt"/>
+                <a:cs typeface="+mn-lt"/>
+              </a:rPr>
+              <a:t> </a:t>
+            </a:r>
+            <a:r>
+              <a:rPr lang="en-US" sz="4000" dirty="0" err="1">
+                <a:latin typeface="Arial"/>
+                <a:ea typeface="+mn-lt"/>
+                <a:cs typeface="+mn-lt"/>
+              </a:rPr>
+              <a:t>können</a:t>
+            </a:r>
+            <a:r>
+              <a:rPr lang="en-US" sz="4000" dirty="0">
+                <a:latin typeface="Arial"/>
+                <a:ea typeface="+mn-lt"/>
+                <a:cs typeface="+mn-lt"/>
+              </a:rPr>
+              <a:t>. Da die View für das User Interface zuständig ist, müssen </a:t>
+            </a:r>
+            <a:r>
+              <a:rPr lang="en-US" sz="4000" dirty="0" err="1">
+                <a:latin typeface="Arial"/>
+                <a:ea typeface="+mn-lt"/>
+                <a:cs typeface="+mn-lt"/>
+              </a:rPr>
+              <a:t>Elemente</a:t>
+            </a:r>
+            <a:r>
+              <a:rPr lang="en-US" sz="4000" dirty="0">
+                <a:latin typeface="Arial"/>
+                <a:ea typeface="+mn-lt"/>
+                <a:cs typeface="+mn-lt"/>
+              </a:rPr>
+              <a:t> </a:t>
+            </a:r>
+            <a:r>
+              <a:rPr lang="en-US" sz="4000" dirty="0" err="1">
+                <a:latin typeface="Arial"/>
+                <a:ea typeface="+mn-lt"/>
+                <a:cs typeface="+mn-lt"/>
+              </a:rPr>
+              <a:t>zur</a:t>
+            </a:r>
+            <a:r>
+              <a:rPr lang="en-US" sz="4000" dirty="0">
+                <a:latin typeface="Arial"/>
+                <a:ea typeface="+mn-lt"/>
+                <a:cs typeface="+mn-lt"/>
+              </a:rPr>
+              <a:t> </a:t>
+            </a:r>
+            <a:r>
+              <a:rPr lang="en-US" sz="4000" dirty="0" err="1">
+                <a:latin typeface="Arial"/>
+                <a:ea typeface="+mn-lt"/>
+                <a:cs typeface="+mn-lt"/>
+              </a:rPr>
+              <a:t>Nutzerinteraktion</a:t>
+            </a:r>
+            <a:r>
+              <a:rPr lang="en-US" sz="4000" dirty="0">
+                <a:latin typeface="Arial"/>
+                <a:ea typeface="+mn-lt"/>
+                <a:cs typeface="+mn-lt"/>
+              </a:rPr>
+              <a:t> </a:t>
+            </a:r>
+            <a:r>
+              <a:rPr lang="en-US" sz="4000" dirty="0" err="1">
+                <a:latin typeface="Arial"/>
+                <a:ea typeface="+mn-lt"/>
+                <a:cs typeface="+mn-lt"/>
+              </a:rPr>
+              <a:t>integriert</a:t>
+            </a:r>
+            <a:r>
+              <a:rPr lang="en-US" sz="4000" dirty="0">
+                <a:latin typeface="Arial"/>
+                <a:ea typeface="+mn-lt"/>
+                <a:cs typeface="+mn-lt"/>
+              </a:rPr>
+              <a:t> sein, die es </a:t>
+            </a:r>
+            <a:r>
+              <a:rPr lang="en-US" sz="4000" dirty="0" err="1">
+                <a:latin typeface="Arial"/>
+                <a:ea typeface="+mn-lt"/>
+                <a:cs typeface="+mn-lt"/>
+              </a:rPr>
+              <a:t>ermöglichen</a:t>
+            </a:r>
+            <a:r>
+              <a:rPr lang="en-US" sz="4000" dirty="0">
+                <a:latin typeface="Arial"/>
+                <a:ea typeface="+mn-lt"/>
+                <a:cs typeface="+mn-lt"/>
+              </a:rPr>
+              <a:t>, </a:t>
+            </a:r>
+            <a:r>
+              <a:rPr lang="en-US" sz="4000" dirty="0" err="1">
+                <a:latin typeface="Arial"/>
+                <a:ea typeface="+mn-lt"/>
+                <a:cs typeface="+mn-lt"/>
+              </a:rPr>
+              <a:t>Prozeduren</a:t>
+            </a:r>
+            <a:r>
+              <a:rPr lang="en-US" sz="4000" dirty="0">
+                <a:latin typeface="Arial"/>
+                <a:ea typeface="+mn-lt"/>
+                <a:cs typeface="+mn-lt"/>
+              </a:rPr>
+              <a:t> des Controllers </a:t>
+            </a:r>
+            <a:r>
+              <a:rPr lang="en-US" sz="4000" dirty="0" err="1">
+                <a:latin typeface="Arial"/>
+                <a:ea typeface="+mn-lt"/>
+                <a:cs typeface="+mn-lt"/>
+              </a:rPr>
+              <a:t>zu</a:t>
+            </a:r>
+            <a:r>
+              <a:rPr lang="en-US" sz="4000" dirty="0">
+                <a:latin typeface="Arial"/>
+                <a:ea typeface="+mn-lt"/>
+                <a:cs typeface="+mn-lt"/>
+              </a:rPr>
+              <a:t> </a:t>
+            </a:r>
+            <a:r>
+              <a:rPr lang="en-US" sz="4000" dirty="0" err="1">
+                <a:latin typeface="Arial"/>
+                <a:ea typeface="+mn-lt"/>
+                <a:cs typeface="+mn-lt"/>
+              </a:rPr>
+              <a:t>starten</a:t>
+            </a:r>
+            <a:r>
+              <a:rPr lang="en-US" sz="4000" dirty="0">
+                <a:latin typeface="Arial"/>
+                <a:ea typeface="+mn-lt"/>
+                <a:cs typeface="+mn-lt"/>
+              </a:rPr>
+              <a:t>.</a:t>
+            </a:r>
+            <a:endParaRPr lang="de-DE" sz="4000">
+              <a:latin typeface="Arial"/>
+              <a:ea typeface="+mn-lt"/>
+              <a:cs typeface="+mn-lt"/>
+            </a:endParaRPr>
+          </a:p>
+        </p:txBody>
+      </p:sp>
+    </p:spTree>
+    <p:extLst>
+      <p:ext uri="{BB962C8B-B14F-4D97-AF65-F5344CB8AC3E}">
+        <p14:creationId xmlns:p14="http://schemas.microsoft.com/office/powerpoint/2010/main" val="2148483937"/>
+      </p:ext>
+    </p:extLst>
+  </p:cSld>
+  <p:clrMapOvr>
+    <a:masterClrMapping/>
+  </p:clrMapOvr>
+  <p:transition spd="med"/>
+</p:sld>
+</file>
+
+<file path=ppt/slides/slide18.xml><?xml version="1.0" encoding="utf-8"?>
+<p:sld xmlns:a="http://schemas.openxmlformats.org/drawingml/2006/main" xmlns:r="http://schemas.openxmlformats.org/officeDocument/2006/relationships" xmlns:p="http://schemas.openxmlformats.org/presentationml/2006/main">
+  <p:cSld>
+    <p:spTree>
+      <p:nvGrpSpPr>
+        <p:cNvPr id="1" name=""/>
+        <p:cNvGrpSpPr/>
+        <p:nvPr/>
+      </p:nvGrpSpPr>
+      <p:grpSpPr>
+        <a:xfrm>
+          <a:off x="0" y="0"/>
+          <a:ext cx="0" cy="0"/>
+          <a:chOff x="0" y="0"/>
+          <a:chExt cx="0" cy="0"/>
+        </a:xfrm>
+      </p:grpSpPr>
+      <p:sp>
+        <p:nvSpPr>
+          <p:cNvPr id="214" name="Klick auf Arbeitsthema =&gt; Popup zeigt weitere Infos wie Url, Tags, Beschreibung, etc…"/>
+          <p:cNvSpPr/>
+          <p:nvPr/>
+        </p:nvSpPr>
+        <p:spPr>
+          <a:xfrm>
+            <a:off x="13776856" y="2532998"/>
+            <a:ext cx="10398211" cy="5454367"/>
+          </a:xfrm>
+          <a:prstGeom prst="rect">
+            <a:avLst/>
+          </a:prstGeom>
+          <a:solidFill>
+            <a:srgbClr val="60D937"/>
+          </a:solidFill>
+          <a:ln w="12700">
+            <a:miter lim="400000"/>
+          </a:ln>
+          <a:extLst>
+            <a:ext uri="{C572A759-6A51-4108-AA02-DFA0A04FC94B}">
+              <ma14:wrappingTextBoxFlag xmlns="" xmlns:m="http://schemas.openxmlformats.org/officeDocument/2006/math" xmlns:a14="http://schemas.microsoft.com/office/drawing/2010/main" xmlns:ma14="http://schemas.microsoft.com/office/mac/drawingml/2011/main" val="1"/>
+            </a:ext>
+          </a:extLst>
+        </p:spPr>
+        <p:txBody>
+          <a:bodyPr lIns="50800" tIns="50800" rIns="50800" bIns="50800" anchor="t"/>
+          <a:lstStyle/>
+          <a:p>
+            <a:pPr algn="l" defTabSz="825500">
+              <a:lnSpc>
+                <a:spcPct val="150000"/>
+              </a:lnSpc>
+              <a:defRPr sz="3200">
+                <a:solidFill>
+                  <a:srgbClr val="000000"/>
+                </a:solidFill>
+                <a:latin typeface="Helvetica Neue Medium"/>
+                <a:ea typeface="Helvetica Neue Medium"/>
+                <a:cs typeface="Helvetica Neue Medium"/>
+                <a:sym typeface="Helvetica Neue Medium"/>
+              </a:defRPr>
+            </a:pPr>
+            <a:endParaRPr/>
+          </a:p>
+          <a:p>
+            <a:pPr marL="1481455" lvl="1" indent="-592455" algn="l" defTabSz="825500">
+              <a:lnSpc>
+                <a:spcPct val="150000"/>
+              </a:lnSpc>
+              <a:buSzPct val="100000"/>
+              <a:buAutoNum type="arabicPeriod"/>
+              <a:defRPr sz="3200">
+                <a:solidFill>
+                  <a:srgbClr val="000000"/>
+                </a:solidFill>
+                <a:latin typeface="Helvetica Neue Medium"/>
+                <a:ea typeface="Helvetica Neue Medium"/>
+                <a:cs typeface="Helvetica Neue Medium"/>
+                <a:sym typeface="Helvetica Neue Medium"/>
+              </a:defRPr>
+            </a:pPr>
+            <a:r>
+              <a:rPr lang="de-DE" dirty="0"/>
+              <a:t>Controller enthält Funktionen zur Interaktion mit dem Model</a:t>
+            </a:r>
+          </a:p>
+          <a:p>
+            <a:pPr marL="1481455" lvl="1" indent="-592455" algn="l" defTabSz="825500">
+              <a:lnSpc>
+                <a:spcPct val="150000"/>
+              </a:lnSpc>
+              <a:buSzPct val="100000"/>
+              <a:buAutoNum type="arabicPeriod"/>
+              <a:defRPr sz="3200">
+                <a:solidFill>
+                  <a:srgbClr val="000000"/>
+                </a:solidFill>
+                <a:latin typeface="Helvetica Neue Medium"/>
+                <a:ea typeface="Helvetica Neue Medium"/>
+                <a:cs typeface="Helvetica Neue Medium"/>
+                <a:sym typeface="Helvetica Neue Medium"/>
+              </a:defRPr>
+            </a:pPr>
+            <a:r>
+              <a:rPr lang="de-DE" dirty="0"/>
+              <a:t>Nutzerinteraktion kann </a:t>
+            </a:r>
+            <a:r>
+              <a:rPr lang="de-DE" dirty="0" err="1"/>
+              <a:t>prozeduren</a:t>
+            </a:r>
+            <a:r>
+              <a:rPr lang="de-DE" dirty="0"/>
+              <a:t> Starten, die durch den Controller gesteuert werden</a:t>
+            </a:r>
+          </a:p>
+          <a:p>
+            <a:pPr marL="1481455" lvl="1" indent="-592455" algn="l" defTabSz="825500">
+              <a:lnSpc>
+                <a:spcPct val="150000"/>
+              </a:lnSpc>
+              <a:buSzPct val="100000"/>
+              <a:buAutoNum type="arabicPeriod"/>
+              <a:defRPr sz="3200">
+                <a:solidFill>
+                  <a:srgbClr val="000000"/>
+                </a:solidFill>
+                <a:latin typeface="Helvetica Neue Medium"/>
+                <a:ea typeface="Helvetica Neue Medium"/>
+                <a:cs typeface="Helvetica Neue Medium"/>
+                <a:sym typeface="Helvetica Neue Medium"/>
+              </a:defRPr>
+            </a:pPr>
+            <a:r>
+              <a:rPr lang="de-DE" dirty="0"/>
+              <a:t>Modularer Aufbau für leichtes Erweitern in der Zukunft</a:t>
+            </a:r>
+          </a:p>
+          <a:p>
+            <a:pPr marL="1481455" lvl="1" indent="-592455" algn="l" defTabSz="825500">
+              <a:lnSpc>
+                <a:spcPct val="150000"/>
+              </a:lnSpc>
+              <a:buSzPct val="100000"/>
+              <a:buAutoNum type="arabicPeriod"/>
+              <a:defRPr sz="3200">
+                <a:solidFill>
+                  <a:srgbClr val="000000"/>
+                </a:solidFill>
+                <a:latin typeface="Helvetica Neue Medium"/>
+                <a:ea typeface="Helvetica Neue Medium"/>
+                <a:cs typeface="Helvetica Neue Medium"/>
+                <a:sym typeface="Helvetica Neue Medium"/>
+              </a:defRPr>
+            </a:pPr>
+            <a:endParaRPr lang="de-DE" dirty="0"/>
+          </a:p>
+          <a:p>
+            <a:pPr algn="l" defTabSz="825500">
+              <a:lnSpc>
+                <a:spcPct val="200000"/>
+              </a:lnSpc>
+              <a:defRPr sz="3200">
+                <a:solidFill>
+                  <a:srgbClr val="000000"/>
+                </a:solidFill>
+                <a:latin typeface="Helvetica Neue Medium"/>
+                <a:ea typeface="Helvetica Neue Medium"/>
+                <a:cs typeface="Helvetica Neue Medium"/>
+                <a:sym typeface="Helvetica Neue Medium"/>
+              </a:defRPr>
+            </a:pPr>
+            <a:endParaRPr lang="de-DE"/>
+          </a:p>
+        </p:txBody>
+      </p:sp>
+      <p:sp>
+        <p:nvSpPr>
+          <p:cNvPr id="219" name="Wireframes und Funktionalitäten"/>
+          <p:cNvSpPr/>
+          <p:nvPr/>
+        </p:nvSpPr>
+        <p:spPr>
+          <a:xfrm>
+            <a:off x="-80276" y="-83428"/>
+            <a:ext cx="15621561" cy="936090"/>
+          </a:xfrm>
+          <a:prstGeom prst="rect">
+            <a:avLst/>
+          </a:prstGeom>
+          <a:solidFill>
+            <a:srgbClr val="8D52FD">
+              <a:alpha val="45123"/>
+            </a:srgbClr>
+          </a:solidFill>
+          <a:ln w="12700">
+            <a:miter lim="400000"/>
+          </a:ln>
+          <a:extLst>
+            <a:ext uri="{C572A759-6A51-4108-AA02-DFA0A04FC94B}">
+              <ma14:wrappingTextBoxFlag xmlns="" xmlns:m="http://schemas.openxmlformats.org/officeDocument/2006/math" xmlns:a14="http://schemas.microsoft.com/office/drawing/2010/main" xmlns:ma14="http://schemas.microsoft.com/office/mac/drawingml/2011/main" val="1"/>
+            </a:ext>
+          </a:extLst>
+        </p:spPr>
+        <p:txBody>
+          <a:bodyPr lIns="50800" tIns="50800" rIns="50800" bIns="50800" anchor="ctr"/>
+          <a:lstStyle/>
+          <a:p>
+            <a:pPr lvl="2" algn="l" defTabSz="825500">
+              <a:defRPr sz="3200">
+                <a:solidFill>
+                  <a:srgbClr val="FFFFFF"/>
+                </a:solidFill>
+                <a:latin typeface="Helvetica Neue Medium"/>
+                <a:ea typeface="Helvetica Neue Medium"/>
+                <a:cs typeface="Helvetica Neue Medium"/>
+                <a:sym typeface="Helvetica Neue Medium"/>
+              </a:defRPr>
+            </a:pPr>
+            <a:r>
+              <a:rPr lang="de-DE" dirty="0"/>
+              <a:t>Softwareplanung</a:t>
+            </a:r>
+          </a:p>
+        </p:txBody>
+      </p:sp>
+      <p:sp>
+        <p:nvSpPr>
+          <p:cNvPr id="220" name="Slide Number"/>
+          <p:cNvSpPr txBox="1">
+            <a:spLocks noGrp="1"/>
+          </p:cNvSpPr>
+          <p:nvPr>
+            <p:ph type="sldNum" sz="quarter" idx="4294967295"/>
+          </p:nvPr>
+        </p:nvSpPr>
+        <p:spPr>
+          <a:prstGeom prst="rect">
+            <a:avLst/>
+          </a:prstGeom>
+          <a:extLst>
+            <a:ext uri="{C572A759-6A51-4108-AA02-DFA0A04FC94B}">
+              <ma14:wrappingTextBoxFlag xmlns="" xmlns:m="http://schemas.openxmlformats.org/officeDocument/2006/math" xmlns:a14="http://schemas.microsoft.com/office/drawing/2010/main" xmlns:ma14="http://schemas.microsoft.com/office/mac/drawingml/2011/main" val="1"/>
+            </a:ext>
+          </a:extLst>
+        </p:spPr>
+        <p:txBody>
+          <a:bodyPr/>
+          <a:lstStyle/>
+          <a:p>
+            <a:fld id="{86CB4B4D-7CA3-9044-876B-883B54F8677D}" type="slidenum">
+              <a:t>18</a:t>
+            </a:fld>
+            <a:endParaRPr/>
+          </a:p>
+        </p:txBody>
+      </p:sp>
+      <p:sp>
+        <p:nvSpPr>
+          <p:cNvPr id="3" name="Hier ist eine Teilansicht aus der vorherigen Folien, aber hier wurde ein Thema selektiert">
+            <a:extLst>
+              <a:ext uri="{FF2B5EF4-FFF2-40B4-BE49-F238E27FC236}">
+                <a16:creationId xmlns:a16="http://schemas.microsoft.com/office/drawing/2014/main" id="{7273EAC0-79B3-4995-95CB-5617A41642B1}"/>
+              </a:ext>
+            </a:extLst>
+          </p:cNvPr>
+          <p:cNvSpPr/>
+          <p:nvPr/>
+        </p:nvSpPr>
+        <p:spPr>
+          <a:xfrm>
+            <a:off x="875602" y="1325167"/>
+            <a:ext cx="21755446" cy="945970"/>
+          </a:xfrm>
+          <a:prstGeom prst="rect">
+            <a:avLst/>
+          </a:prstGeom>
+          <a:solidFill>
+            <a:srgbClr val="D5D5D5"/>
+          </a:solidFill>
+          <a:ln w="12700">
+            <a:miter lim="400000"/>
+          </a:ln>
+          <a:extLst>
+            <a:ext uri="{C572A759-6A51-4108-AA02-DFA0A04FC94B}">
+              <ma14:wrappingTextBoxFlag xmlns="" xmlns:m="http://schemas.openxmlformats.org/officeDocument/2006/math" xmlns:a14="http://schemas.microsoft.com/office/drawing/2010/main" xmlns:ma14="http://schemas.microsoft.com/office/mac/drawingml/2011/main" val="1"/>
+            </a:ext>
+          </a:extLst>
+        </p:spPr>
+        <p:txBody>
+          <a:bodyPr lIns="50800" tIns="50800" rIns="50800" bIns="50800" anchor="ctr"/>
+          <a:lstStyle>
+            <a:lvl1pPr defTabSz="825500">
+              <a:defRPr sz="3200">
+                <a:solidFill>
+                  <a:srgbClr val="000000"/>
+                </a:solidFill>
+                <a:latin typeface="Helvetica Neue Medium"/>
+                <a:ea typeface="Helvetica Neue Medium"/>
+                <a:cs typeface="Helvetica Neue Medium"/>
+                <a:sym typeface="Helvetica Neue Medium"/>
+              </a:defRPr>
+            </a:lvl1pPr>
+          </a:lstStyle>
+          <a:p>
+            <a:r>
+              <a:rPr lang="de-DE" dirty="0"/>
+              <a:t>Softwarearchitektur - Controller</a:t>
+            </a:r>
+          </a:p>
+        </p:txBody>
+      </p:sp>
+      <p:pic>
+        <p:nvPicPr>
+          <p:cNvPr id="2" name="Grafik 4">
+            <a:extLst>
+              <a:ext uri="{FF2B5EF4-FFF2-40B4-BE49-F238E27FC236}">
+                <a16:creationId xmlns:a16="http://schemas.microsoft.com/office/drawing/2014/main" id="{BF05274D-257C-4EE1-A8E3-5645214EF21E}"/>
+              </a:ext>
+            </a:extLst>
+          </p:cNvPr>
+          <p:cNvPicPr>
+            <a:picLocks noChangeAspect="1"/>
+          </p:cNvPicPr>
+          <p:nvPr/>
+        </p:nvPicPr>
+        <p:blipFill>
+          <a:blip r:embed="rId2"/>
+          <a:stretch>
+            <a:fillRect/>
+          </a:stretch>
+        </p:blipFill>
+        <p:spPr>
+          <a:xfrm>
+            <a:off x="495727" y="3846746"/>
+            <a:ext cx="13310821" cy="7503271"/>
+          </a:xfrm>
+          <a:prstGeom prst="rect">
+            <a:avLst/>
+          </a:prstGeom>
+        </p:spPr>
+      </p:pic>
+    </p:spTree>
+    <p:extLst>
+      <p:ext uri="{BB962C8B-B14F-4D97-AF65-F5344CB8AC3E}">
+        <p14:creationId xmlns:p14="http://schemas.microsoft.com/office/powerpoint/2010/main" val="1685182584"/>
+      </p:ext>
+    </p:extLst>
+  </p:cSld>
+  <p:clrMapOvr>
+    <a:masterClrMapping/>
+  </p:clrMapOvr>
+  <p:transition spd="med"/>
+</p:sld>
+</file>
+
+<file path=ppt/slides/slide19.xml><?xml version="1.0" encoding="utf-8"?>
+<p:sld xmlns:a="http://schemas.openxmlformats.org/drawingml/2006/main" xmlns:r="http://schemas.openxmlformats.org/officeDocument/2006/relationships" xmlns:p="http://schemas.openxmlformats.org/presentationml/2006/main">
+  <p:cSld>
+    <p:spTree>
+      <p:nvGrpSpPr>
+        <p:cNvPr id="1" name=""/>
+        <p:cNvGrpSpPr/>
+        <p:nvPr/>
+      </p:nvGrpSpPr>
+      <p:grpSpPr>
+        <a:xfrm>
+          <a:off x="0" y="0"/>
+          <a:ext cx="0" cy="0"/>
+          <a:chOff x="0" y="0"/>
+          <a:chExt cx="0" cy="0"/>
+        </a:xfrm>
+      </p:grpSpPr>
+      <p:sp>
+        <p:nvSpPr>
+          <p:cNvPr id="219" name="Wireframes und Funktionalitäten"/>
+          <p:cNvSpPr/>
+          <p:nvPr/>
+        </p:nvSpPr>
+        <p:spPr>
+          <a:xfrm>
+            <a:off x="-80276" y="-83428"/>
+            <a:ext cx="15621561" cy="936090"/>
+          </a:xfrm>
+          <a:prstGeom prst="rect">
+            <a:avLst/>
+          </a:prstGeom>
+          <a:solidFill>
+            <a:srgbClr val="8D52FD">
+              <a:alpha val="45123"/>
+            </a:srgbClr>
+          </a:solidFill>
+          <a:ln w="12700">
+            <a:miter lim="400000"/>
+          </a:ln>
+          <a:extLst>
+            <a:ext uri="{C572A759-6A51-4108-AA02-DFA0A04FC94B}">
+              <ma14:wrappingTextBoxFlag xmlns="" xmlns:m="http://schemas.openxmlformats.org/officeDocument/2006/math" xmlns:a14="http://schemas.microsoft.com/office/drawing/2010/main" xmlns:ma14="http://schemas.microsoft.com/office/mac/drawingml/2011/main" val="1"/>
+            </a:ext>
+          </a:extLst>
+        </p:spPr>
+        <p:txBody>
+          <a:bodyPr lIns="50800" tIns="50800" rIns="50800" bIns="50800" anchor="ctr"/>
+          <a:lstStyle/>
+          <a:p>
+            <a:pPr lvl="2" algn="l" defTabSz="825500">
+              <a:defRPr sz="3200">
+                <a:solidFill>
+                  <a:srgbClr val="FFFFFF"/>
+                </a:solidFill>
+                <a:latin typeface="Helvetica Neue Medium"/>
+                <a:ea typeface="Helvetica Neue Medium"/>
+                <a:cs typeface="Helvetica Neue Medium"/>
+                <a:sym typeface="Helvetica Neue Medium"/>
+              </a:defRPr>
+            </a:pPr>
+            <a:r>
+              <a:rPr lang="de-DE" dirty="0"/>
+              <a:t>Softwareplanung</a:t>
+            </a:r>
+          </a:p>
+        </p:txBody>
+      </p:sp>
+      <p:sp>
+        <p:nvSpPr>
+          <p:cNvPr id="220" name="Slide Number"/>
+          <p:cNvSpPr txBox="1">
+            <a:spLocks noGrp="1"/>
+          </p:cNvSpPr>
+          <p:nvPr>
+            <p:ph type="sldNum" sz="quarter" idx="4294967295"/>
+          </p:nvPr>
+        </p:nvSpPr>
+        <p:spPr>
+          <a:prstGeom prst="rect">
+            <a:avLst/>
+          </a:prstGeom>
+          <a:extLst>
+            <a:ext uri="{C572A759-6A51-4108-AA02-DFA0A04FC94B}">
+              <ma14:wrappingTextBoxFlag xmlns="" xmlns:m="http://schemas.openxmlformats.org/officeDocument/2006/math" xmlns:a14="http://schemas.microsoft.com/office/drawing/2010/main" xmlns:ma14="http://schemas.microsoft.com/office/mac/drawingml/2011/main" val="1"/>
+            </a:ext>
+          </a:extLst>
+        </p:spPr>
+        <p:txBody>
+          <a:bodyPr/>
+          <a:lstStyle/>
+          <a:p>
+            <a:fld id="{86CB4B4D-7CA3-9044-876B-883B54F8677D}" type="slidenum">
+              <a:t>19</a:t>
+            </a:fld>
+            <a:endParaRPr/>
+          </a:p>
+        </p:txBody>
+      </p:sp>
+      <p:sp>
+        <p:nvSpPr>
+          <p:cNvPr id="3" name="Hier ist eine Teilansicht aus der vorherigen Folien, aber hier wurde ein Thema selektiert">
+            <a:extLst>
+              <a:ext uri="{FF2B5EF4-FFF2-40B4-BE49-F238E27FC236}">
+                <a16:creationId xmlns:a16="http://schemas.microsoft.com/office/drawing/2014/main" id="{7273EAC0-79B3-4995-95CB-5617A41642B1}"/>
+              </a:ext>
+            </a:extLst>
+          </p:cNvPr>
+          <p:cNvSpPr/>
+          <p:nvPr/>
+        </p:nvSpPr>
+        <p:spPr>
+          <a:xfrm>
+            <a:off x="875602" y="1325167"/>
+            <a:ext cx="21755446" cy="945970"/>
+          </a:xfrm>
+          <a:prstGeom prst="rect">
+            <a:avLst/>
+          </a:prstGeom>
+          <a:solidFill>
+            <a:srgbClr val="D5D5D5"/>
+          </a:solidFill>
+          <a:ln w="12700">
+            <a:miter lim="400000"/>
+          </a:ln>
+          <a:extLst>
+            <a:ext uri="{C572A759-6A51-4108-AA02-DFA0A04FC94B}">
+              <ma14:wrappingTextBoxFlag xmlns="" xmlns:m="http://schemas.openxmlformats.org/officeDocument/2006/math" xmlns:a14="http://schemas.microsoft.com/office/drawing/2010/main" xmlns:ma14="http://schemas.microsoft.com/office/mac/drawingml/2011/main" val="1"/>
+            </a:ext>
+          </a:extLst>
+        </p:spPr>
+        <p:txBody>
+          <a:bodyPr lIns="50800" tIns="50800" rIns="50800" bIns="50800" anchor="ctr"/>
+          <a:lstStyle>
+            <a:lvl1pPr defTabSz="825500">
+              <a:defRPr sz="3200">
+                <a:solidFill>
+                  <a:srgbClr val="000000"/>
+                </a:solidFill>
+                <a:latin typeface="Helvetica Neue Medium"/>
+                <a:ea typeface="Helvetica Neue Medium"/>
+                <a:cs typeface="Helvetica Neue Medium"/>
+                <a:sym typeface="Helvetica Neue Medium"/>
+              </a:defRPr>
+            </a:lvl1pPr>
+          </a:lstStyle>
+          <a:p>
+            <a:r>
+              <a:rPr lang="de-DE" dirty="0"/>
+              <a:t>Softwarearchitektur - Controller</a:t>
+            </a:r>
+          </a:p>
+        </p:txBody>
+      </p:sp>
+      <p:sp>
+        <p:nvSpPr>
+          <p:cNvPr id="4" name="Textfeld 3">
+            <a:extLst>
+              <a:ext uri="{FF2B5EF4-FFF2-40B4-BE49-F238E27FC236}">
+                <a16:creationId xmlns:a16="http://schemas.microsoft.com/office/drawing/2014/main" id="{D0C3A541-5009-4694-A1C9-E5298C9A040D}"/>
+              </a:ext>
+            </a:extLst>
+          </p:cNvPr>
+          <p:cNvSpPr txBox="1"/>
+          <p:nvPr/>
+        </p:nvSpPr>
+        <p:spPr>
+          <a:xfrm>
+            <a:off x="880490" y="3006285"/>
+            <a:ext cx="21058908" cy="5642570"/>
+          </a:xfrm>
+          <a:prstGeom prst="rect">
+            <a:avLst/>
+          </a:prstGeom>
+          <a:noFill/>
+          <a:ln w="12700" cap="flat">
+            <a:noFill/>
+            <a:miter lim="400000"/>
+          </a:ln>
+          <a:effectLst/>
+          <a:sp3d/>
+        </p:spPr>
+        <p:style>
+          <a:lnRef idx="0">
+            <a:scrgbClr r="0" g="0" b="0"/>
+          </a:lnRef>
+          <a:fillRef idx="0">
+            <a:scrgbClr r="0" g="0" b="0"/>
+          </a:fillRef>
+          <a:effectRef idx="0">
+            <a:scrgbClr r="0" g="0" b="0"/>
+          </a:effectRef>
+          <a:fontRef idx="none"/>
+        </p:style>
+        <p:txBody>
+          <a:bodyPr rot="0" spcFirstLastPara="1" vertOverflow="overflow" horzOverflow="overflow" vert="horz" wrap="square" lIns="50800" tIns="50800" rIns="50800" bIns="50800" numCol="1" spcCol="38100" rtlCol="0" fromWordArt="0" anchor="ctr" anchorCtr="0" forceAA="0" compatLnSpc="1">
+            <a:prstTxWarp prst="textNoShape">
+              <a:avLst/>
+            </a:prstTxWarp>
+            <a:spAutoFit/>
+          </a:bodyPr>
+          <a:lstStyle/>
+          <a:p>
+            <a:pPr algn="l"/>
+            <a:r>
+              <a:rPr lang="en-US" sz="4000" dirty="0">
+                <a:latin typeface="Arial"/>
+                <a:ea typeface="+mn-lt"/>
+                <a:cs typeface="+mn-lt"/>
+              </a:rPr>
+              <a:t>Der Controller steuert die Anwendungen. Ereignisse in der Anwendung werden vom Controller verarbeitet. Der Controller kann mit dem Model interagieren, um beispielsweise die Datenverarbeitung zu starten oder für besonderer Daten vom Model abzufragen. Um die Skalierbarkeit der Anwendung zu sichern, werden die Funktionalitäten unabhängig voneinander in der Form von Modulen geschrieben, sodass Teile des Controllers ohne Probleme erweitert oder ausgetauscht werden können. Hierbei soll eine zentrale Verwaltungseinheit eine Referenz zu den jeweiligen Modulen enthalten. Die Beschreibung weiterer Funktionaltitäten, die durch den Controller umgesetzt werden, sind in der ./</a:t>
+            </a:r>
+            <a:r>
+              <a:rPr lang="en-US" sz="4000" dirty="0" err="1">
+                <a:latin typeface="Arial"/>
+                <a:ea typeface="+mn-lt"/>
+                <a:cs typeface="+mn-lt"/>
+              </a:rPr>
+              <a:t>Funktionalitäten.key</a:t>
+            </a:r>
+            <a:r>
+              <a:rPr lang="en-US" sz="4000" dirty="0">
+                <a:latin typeface="Arial"/>
+                <a:ea typeface="+mn-lt"/>
+                <a:cs typeface="+mn-lt"/>
+              </a:rPr>
+              <a:t> </a:t>
+            </a:r>
+            <a:r>
+              <a:rPr lang="en-US" sz="4000" dirty="0" err="1">
+                <a:latin typeface="Arial"/>
+                <a:ea typeface="+mn-lt"/>
+                <a:cs typeface="+mn-lt"/>
+              </a:rPr>
+              <a:t>beschrieben</a:t>
+            </a:r>
+            <a:r>
+              <a:rPr lang="en-US" sz="4000" dirty="0">
+                <a:latin typeface="Arial"/>
+                <a:ea typeface="+mn-lt"/>
+                <a:cs typeface="+mn-lt"/>
+              </a:rPr>
+              <a:t>.</a:t>
+            </a:r>
+            <a:endParaRPr lang="de-DE" sz="4000" dirty="0">
+              <a:latin typeface="Arial"/>
+              <a:ea typeface="+mn-lt"/>
+              <a:cs typeface="+mn-lt"/>
+            </a:endParaRPr>
+          </a:p>
+        </p:txBody>
+      </p:sp>
+    </p:spTree>
+    <p:extLst>
+      <p:ext uri="{BB962C8B-B14F-4D97-AF65-F5344CB8AC3E}">
+        <p14:creationId xmlns:p14="http://schemas.microsoft.com/office/powerpoint/2010/main" val="3842822656"/>
+      </p:ext>
+    </p:extLst>
+  </p:cSld>
+  <p:clrMapOvr>
+    <a:masterClrMapping/>
+  </p:clrMapOvr>
+  <p:transition spd="med"/>
+</p:sld>
+</file>
+
+<file path=ppt/slides/slide2.xml><?xml version="1.0" encoding="utf-8"?>
+<p:sld xmlns:a="http://schemas.openxmlformats.org/drawingml/2006/main" xmlns:r="http://schemas.openxmlformats.org/officeDocument/2006/relationships" xmlns:p="http://schemas.openxmlformats.org/presentationml/2006/main">
+  <p:cSld>
+    <p:spTree>
+      <p:nvGrpSpPr>
+        <p:cNvPr id="1" name=""/>
+        <p:cNvGrpSpPr/>
+        <p:nvPr/>
+      </p:nvGrpSpPr>
+      <p:grpSpPr>
+        <a:xfrm>
+          <a:off x="0" y="0"/>
+          <a:ext cx="0" cy="0"/>
+          <a:chOff x="0" y="0"/>
+          <a:chExt cx="0" cy="0"/>
+        </a:xfrm>
+      </p:grpSpPr>
+      <p:sp>
+        <p:nvSpPr>
+          <p:cNvPr id="160" name="Rectangle"/>
+          <p:cNvSpPr/>
+          <p:nvPr/>
+        </p:nvSpPr>
+        <p:spPr>
+          <a:xfrm>
+            <a:off x="6245036" y="2286500"/>
+            <a:ext cx="18159049" cy="9572094"/>
+          </a:xfrm>
+          <a:prstGeom prst="rect">
+            <a:avLst/>
+          </a:prstGeom>
+          <a:solidFill>
+            <a:srgbClr val="D5D5D5"/>
+          </a:solidFill>
+          <a:ln w="12700">
+            <a:miter lim="400000"/>
+          </a:ln>
+        </p:spPr>
+        <p:txBody>
+          <a:bodyPr lIns="50800" tIns="50800" rIns="50800" bIns="50800" anchor="ctr"/>
+          <a:lstStyle/>
+          <a:p>
+            <a:pPr defTabSz="825500">
+              <a:defRPr sz="3200">
+                <a:solidFill>
+                  <a:srgbClr val="FFFFFF"/>
+                </a:solidFill>
+                <a:latin typeface="Helvetica Neue Medium"/>
+                <a:ea typeface="Helvetica Neue Medium"/>
+                <a:cs typeface="Helvetica Neue Medium"/>
+                <a:sym typeface="Helvetica Neue Medium"/>
+              </a:defRPr>
+            </a:pPr>
+            <a:endParaRPr/>
+          </a:p>
+        </p:txBody>
+      </p:sp>
+      <p:sp>
+        <p:nvSpPr>
+          <p:cNvPr id="161" name="Slide Number"/>
+          <p:cNvSpPr txBox="1">
+            <a:spLocks noGrp="1"/>
+          </p:cNvSpPr>
+          <p:nvPr>
+            <p:ph type="sldNum" sz="quarter" idx="4294967295"/>
+          </p:nvPr>
+        </p:nvSpPr>
+        <p:spPr>
+          <a:xfrm>
+            <a:off x="12065050" y="13080999"/>
+            <a:ext cx="241403" cy="374600"/>
+          </a:xfrm>
+          <a:prstGeom prst="rect">
+            <a:avLst/>
+          </a:prstGeom>
+          <a:extLst>
+            <a:ext uri="{C572A759-6A51-4108-AA02-DFA0A04FC94B}">
+              <ma14:wrappingTextBoxFlag xmlns:ma14="http://schemas.microsoft.com/office/mac/drawingml/2011/main" xmlns:a14="http://schemas.microsoft.com/office/drawing/2010/main" xmlns:m="http://schemas.openxmlformats.org/officeDocument/2006/math" xmlns="" val="1"/>
+            </a:ext>
+          </a:extLst>
+        </p:spPr>
+        <p:txBody>
+          <a:bodyPr/>
+          <a:lstStyle/>
+          <a:p>
+            <a:fld id="{86CB4B4D-7CA3-9044-876B-883B54F8677D}" type="slidenum">
+              <a:t>2</a:t>
+            </a:fld>
+            <a:endParaRPr/>
+          </a:p>
+        </p:txBody>
+      </p:sp>
+      <p:sp>
+        <p:nvSpPr>
+          <p:cNvPr id="162" name="Rectangle"/>
+          <p:cNvSpPr/>
+          <p:nvPr/>
+        </p:nvSpPr>
+        <p:spPr>
+          <a:xfrm>
+            <a:off x="-10592" y="2308642"/>
+            <a:ext cx="6356273" cy="10188365"/>
+          </a:xfrm>
+          <a:prstGeom prst="rect">
+            <a:avLst/>
+          </a:prstGeom>
+          <a:solidFill>
+            <a:schemeClr val="accent1">
+              <a:lumOff val="-13575"/>
+            </a:schemeClr>
+          </a:solidFill>
+          <a:ln w="12700">
+            <a:miter lim="400000"/>
+          </a:ln>
+        </p:spPr>
+        <p:txBody>
+          <a:bodyPr lIns="50800" tIns="50800" rIns="50800" bIns="50800" anchor="ctr"/>
+          <a:lstStyle/>
+          <a:p>
+            <a:pPr defTabSz="825500">
+              <a:defRPr sz="3200">
+                <a:solidFill>
+                  <a:srgbClr val="FFFFFF"/>
+                </a:solidFill>
+                <a:latin typeface="Helvetica Neue Medium"/>
+                <a:ea typeface="Helvetica Neue Medium"/>
+                <a:cs typeface="Helvetica Neue Medium"/>
+                <a:sym typeface="Helvetica Neue Medium"/>
+              </a:defRPr>
+            </a:pPr>
+            <a:endParaRPr/>
+          </a:p>
+        </p:txBody>
+      </p:sp>
+      <p:sp>
+        <p:nvSpPr>
+          <p:cNvPr id="163" name="Inhalt"/>
+          <p:cNvSpPr txBox="1"/>
+          <p:nvPr/>
+        </p:nvSpPr>
+        <p:spPr>
+          <a:xfrm>
+            <a:off x="1624780" y="3291433"/>
+            <a:ext cx="2598421" cy="1279654"/>
+          </a:xfrm>
+          <a:prstGeom prst="rect">
+            <a:avLst/>
+          </a:prstGeom>
+          <a:ln w="12700">
+            <a:miter lim="400000"/>
+          </a:ln>
+          <a:extLst>
+            <a:ext uri="{C572A759-6A51-4108-AA02-DFA0A04FC94B}">
+              <ma14:wrappingTextBoxFlag xmlns:ma14="http://schemas.microsoft.com/office/mac/drawingml/2011/main" xmlns:a14="http://schemas.microsoft.com/office/drawing/2010/main" xmlns:m="http://schemas.openxmlformats.org/officeDocument/2006/math" xmlns="" val="1"/>
+            </a:ext>
+          </a:extLst>
+        </p:spPr>
+        <p:txBody>
+          <a:bodyPr wrap="none" lIns="50800" tIns="50800" rIns="50800" bIns="50800" anchor="ctr">
+            <a:spAutoFit/>
+          </a:bodyPr>
+          <a:lstStyle>
+            <a:lvl1pPr>
+              <a:defRPr sz="8000">
+                <a:solidFill>
+                  <a:srgbClr val="FFFFFF"/>
+                </a:solidFill>
+              </a:defRPr>
+            </a:lvl1pPr>
+          </a:lstStyle>
+          <a:p>
+            <a:r>
+              <a:t>Inhalt</a:t>
+            </a:r>
+          </a:p>
+        </p:txBody>
+      </p:sp>
+      <p:graphicFrame>
+        <p:nvGraphicFramePr>
+          <p:cNvPr id="164" name="Table"/>
+          <p:cNvGraphicFramePr/>
+          <p:nvPr/>
+        </p:nvGraphicFramePr>
+        <p:xfrm>
+          <a:off x="7514560" y="3113322"/>
+          <a:ext cx="15620000" cy="7918449"/>
+        </p:xfrm>
+        <a:graphic>
+          <a:graphicData uri="http://schemas.openxmlformats.org/drawingml/2006/table">
+            <a:tbl>
+              <a:tblPr>
+                <a:tableStyleId>{4C3C2611-4C71-4FC5-86AE-919BDF0F9419}</a:tableStyleId>
+              </a:tblPr>
+              <a:tblGrid>
+                <a:gridCol w="15620000">
+                  <a:extLst>
+                    <a:ext uri="{9D8B030D-6E8A-4147-A177-3AD203B41FA5}">
+                      <a16:colId xmlns:a16="http://schemas.microsoft.com/office/drawing/2014/main" val="20000"/>
+                    </a:ext>
+                  </a:extLst>
+                </a:gridCol>
+              </a:tblGrid>
+              <a:tr h="2639483">
+                <a:tc>
+                  <a:txBody>
+                    <a:bodyPr/>
+                    <a:lstStyle/>
+                    <a:p>
+                      <a:pPr algn="l" defTabSz="914400"/>
+                      <a:r>
+                        <a:rPr sz="6800"/>
+                        <a:t>1. Zielgruppen</a:t>
+                      </a:r>
+                    </a:p>
+                  </a:txBody>
+                  <a:tcPr marL="50800" marR="50800" marT="50800" marB="50800" anchor="ctr" horzOverflow="overflow">
+                    <a:lnL w="0">
+                      <a:miter lim="400000"/>
+                    </a:lnL>
+                    <a:lnR w="0">
+                      <a:miter lim="400000"/>
+                    </a:lnR>
+                    <a:lnT w="0">
+                      <a:miter lim="400000"/>
+                    </a:lnT>
+                    <a:lnB w="0">
+                      <a:miter lim="400000"/>
+                    </a:lnB>
+                  </a:tcPr>
+                </a:tc>
+                <a:extLst>
+                  <a:ext uri="{0D108BD9-81ED-4DB2-BD59-A6C34878D82A}">
+                    <a16:rowId xmlns:a16="http://schemas.microsoft.com/office/drawing/2014/main" val="10000"/>
+                  </a:ext>
+                </a:extLst>
+              </a:tr>
+              <a:tr h="2639483">
+                <a:tc>
+                  <a:txBody>
+                    <a:bodyPr/>
+                    <a:lstStyle/>
+                    <a:p>
+                      <a:pPr algn="l" defTabSz="914400"/>
+                      <a:r>
+                        <a:rPr sz="6800"/>
+                        <a:t>2. Wireframes und Funktionalitäten</a:t>
+                      </a:r>
+                    </a:p>
+                  </a:txBody>
+                  <a:tcPr marL="50800" marR="50800" marT="50800" marB="50800" anchor="ctr" horzOverflow="overflow">
+                    <a:lnL w="0">
+                      <a:miter lim="400000"/>
+                    </a:lnL>
+                    <a:lnR w="0">
+                      <a:miter lim="400000"/>
+                    </a:lnR>
+                    <a:lnT w="0">
+                      <a:miter lim="400000"/>
+                    </a:lnT>
+                    <a:lnB w="0">
+                      <a:miter lim="400000"/>
+                    </a:lnB>
+                  </a:tcPr>
+                </a:tc>
+                <a:extLst>
+                  <a:ext uri="{0D108BD9-81ED-4DB2-BD59-A6C34878D82A}">
+                    <a16:rowId xmlns:a16="http://schemas.microsoft.com/office/drawing/2014/main" val="10001"/>
+                  </a:ext>
+                </a:extLst>
+              </a:tr>
+              <a:tr h="2639483">
+                <a:tc>
+                  <a:txBody>
+                    <a:bodyPr/>
+                    <a:lstStyle/>
+                    <a:p>
+                      <a:pPr algn="l" defTabSz="914400"/>
+                      <a:r>
+                        <a:rPr sz="6800"/>
+                        <a:t>3. Anwendungsstruktur</a:t>
+                      </a:r>
+                    </a:p>
+                  </a:txBody>
+                  <a:tcPr marL="50800" marR="50800" marT="50800" marB="50800" anchor="ctr" horzOverflow="overflow">
+                    <a:lnL w="0">
+                      <a:miter lim="400000"/>
+                    </a:lnL>
+                    <a:lnR w="0">
+                      <a:miter lim="400000"/>
+                    </a:lnR>
+                    <a:lnT w="0">
+                      <a:miter lim="400000"/>
+                    </a:lnT>
+                    <a:lnB w="0">
+                      <a:miter lim="400000"/>
+                    </a:lnB>
+                  </a:tcPr>
+                </a:tc>
+                <a:extLst>
+                  <a:ext uri="{0D108BD9-81ED-4DB2-BD59-A6C34878D82A}">
+                    <a16:rowId xmlns:a16="http://schemas.microsoft.com/office/drawing/2014/main" val="10002"/>
+                  </a:ext>
+                </a:extLst>
+              </a:tr>
+            </a:tbl>
+          </a:graphicData>
+        </a:graphic>
+      </p:graphicFrame>
+      <p:sp>
+        <p:nvSpPr>
+          <p:cNvPr id="165" name="Konzept für JavaScript-basierte Lösung (Angular) zum Thema Verbesserung für Ankündigungen von Abschlussarbeiten"/>
+          <p:cNvSpPr txBox="1"/>
+          <p:nvPr/>
+        </p:nvSpPr>
+        <p:spPr>
+          <a:xfrm>
+            <a:off x="637934" y="168013"/>
+            <a:ext cx="23108131" cy="2672140"/>
+          </a:xfrm>
+          <a:prstGeom prst="rect">
+            <a:avLst/>
+          </a:prstGeom>
+          <a:ln w="12700">
+            <a:miter lim="400000"/>
+          </a:ln>
+          <a:extLst>
+            <a:ext uri="{C572A759-6A51-4108-AA02-DFA0A04FC94B}">
+              <ma14:wrappingTextBoxFlag xmlns:ma14="http://schemas.microsoft.com/office/mac/drawingml/2011/main" xmlns:a14="http://schemas.microsoft.com/office/drawing/2010/main" xmlns:m="http://schemas.openxmlformats.org/officeDocument/2006/math" xmlns="" val="1"/>
+            </a:ext>
+          </a:extLst>
+        </p:spPr>
+        <p:txBody>
+          <a:bodyPr lIns="50800" tIns="50800" rIns="50800" bIns="50800" anchor="ctr">
+            <a:spAutoFit/>
+          </a:bodyPr>
+          <a:lstStyle>
+            <a:lvl1pPr algn="l" defTabSz="457200">
+              <a:defRPr sz="5500" b="1">
+                <a:solidFill>
+                  <a:srgbClr val="333333"/>
+                </a:solidFill>
+              </a:defRPr>
+            </a:lvl1pPr>
+          </a:lstStyle>
+          <a:p>
+            <a:r>
+              <a:t>Konzept für JavaScript-basierte Lösung (Angular) zum Thema Verbesserung für Ankündigungen von Abschlussarbeiten</a:t>
+            </a:r>
+          </a:p>
+        </p:txBody>
+      </p:sp>
+    </p:spTree>
+  </p:cSld>
+  <p:clrMapOvr>
+    <a:masterClrMapping/>
+  </p:clrMapOvr>
+  <p:transition spd="med"/>
+</p:sld>
+</file>
+
+<file path=ppt/slides/slide3.xml><?xml version="1.0" encoding="utf-8"?>
+<p:sld xmlns:a="http://schemas.openxmlformats.org/drawingml/2006/main" xmlns:r="http://schemas.openxmlformats.org/officeDocument/2006/relationships" xmlns:p="http://schemas.openxmlformats.org/presentationml/2006/main">
+  <p:cSld>
+    <p:spTree>
+      <p:nvGrpSpPr>
+        <p:cNvPr id="1" name=""/>
+        <p:cNvGrpSpPr/>
+        <p:nvPr/>
+      </p:nvGrpSpPr>
+      <p:grpSpPr>
+        <a:xfrm>
+          <a:off x="0" y="0"/>
+          <a:ext cx="0" cy="0"/>
+          <a:chOff x="0" y="0"/>
+          <a:chExt cx="0" cy="0"/>
+        </a:xfrm>
+      </p:grpSpPr>
+      <p:sp>
+        <p:nvSpPr>
+          <p:cNvPr id="167" name="Slide Number"/>
+          <p:cNvSpPr txBox="1">
+            <a:spLocks noGrp="1"/>
+          </p:cNvSpPr>
+          <p:nvPr>
+            <p:ph type="sldNum" sz="quarter" idx="4294967295"/>
+          </p:nvPr>
+        </p:nvSpPr>
+        <p:spPr>
+          <a:xfrm>
+            <a:off x="12065050" y="13080999"/>
+            <a:ext cx="241403" cy="374600"/>
+          </a:xfrm>
+          <a:prstGeom prst="rect">
+            <a:avLst/>
+          </a:prstGeom>
+          <a:extLst>
+            <a:ext uri="{C572A759-6A51-4108-AA02-DFA0A04FC94B}">
+              <ma14:wrappingTextBoxFlag xmlns:ma14="http://schemas.microsoft.com/office/mac/drawingml/2011/main" xmlns:a14="http://schemas.microsoft.com/office/drawing/2010/main" xmlns:m="http://schemas.openxmlformats.org/officeDocument/2006/math" xmlns="" val="1"/>
+            </a:ext>
+          </a:extLst>
+        </p:spPr>
+        <p:txBody>
+          <a:bodyPr/>
+          <a:lstStyle/>
+          <a:p>
+            <a:fld id="{86CB4B4D-7CA3-9044-876B-883B54F8677D}" type="slidenum">
+              <a:t>3</a:t>
+            </a:fld>
+            <a:endParaRPr/>
+          </a:p>
+        </p:txBody>
+      </p:sp>
+      <p:sp>
+        <p:nvSpPr>
+          <p:cNvPr id="168" name="Rectangle"/>
+          <p:cNvSpPr/>
+          <p:nvPr/>
+        </p:nvSpPr>
+        <p:spPr>
+          <a:xfrm>
+            <a:off x="-10592" y="-25781"/>
+            <a:ext cx="24405184" cy="13767562"/>
+          </a:xfrm>
+          <a:prstGeom prst="rect">
+            <a:avLst/>
+          </a:prstGeom>
+          <a:solidFill>
+            <a:schemeClr val="accent1">
+              <a:lumOff val="-13575"/>
+            </a:schemeClr>
+          </a:solidFill>
+          <a:ln w="12700">
+            <a:miter lim="400000"/>
+          </a:ln>
+        </p:spPr>
+        <p:txBody>
+          <a:bodyPr lIns="50800" tIns="50800" rIns="50800" bIns="50800" anchor="ctr"/>
+          <a:lstStyle/>
+          <a:p>
+            <a:pPr defTabSz="825500">
+              <a:defRPr sz="3200">
+                <a:solidFill>
+                  <a:srgbClr val="FFFFFF"/>
+                </a:solidFill>
+                <a:latin typeface="Helvetica Neue Medium"/>
+                <a:ea typeface="Helvetica Neue Medium"/>
+                <a:cs typeface="Helvetica Neue Medium"/>
+                <a:sym typeface="Helvetica Neue Medium"/>
+              </a:defRPr>
+            </a:pPr>
+            <a:endParaRPr/>
+          </a:p>
+        </p:txBody>
+      </p:sp>
+      <p:sp>
+        <p:nvSpPr>
+          <p:cNvPr id="169" name="1. Zielgruppen"/>
+          <p:cNvSpPr txBox="1"/>
+          <p:nvPr/>
+        </p:nvSpPr>
+        <p:spPr>
+          <a:xfrm>
+            <a:off x="719277" y="3095261"/>
+            <a:ext cx="22756808" cy="1726185"/>
+          </a:xfrm>
+          <a:prstGeom prst="rect">
+            <a:avLst/>
+          </a:prstGeom>
+          <a:ln w="12700">
+            <a:miter lim="400000"/>
+          </a:ln>
+          <a:extLst>
+            <a:ext uri="{C572A759-6A51-4108-AA02-DFA0A04FC94B}">
+              <ma14:wrappingTextBoxFlag xmlns:ma14="http://schemas.microsoft.com/office/mac/drawingml/2011/main" xmlns:a14="http://schemas.microsoft.com/office/drawing/2010/main" xmlns:m="http://schemas.openxmlformats.org/officeDocument/2006/math" xmlns="" val="1"/>
+            </a:ext>
+          </a:extLst>
+        </p:spPr>
+        <p:txBody>
+          <a:bodyPr lIns="50800" tIns="50800" rIns="50800" bIns="50800" anchor="ctr">
+            <a:spAutoFit/>
+          </a:bodyPr>
+          <a:lstStyle>
+            <a:lvl1pPr algn="l">
+              <a:defRPr sz="11000">
+                <a:solidFill>
+                  <a:srgbClr val="FFFFFF"/>
+                </a:solidFill>
+              </a:defRPr>
+            </a:lvl1pPr>
+          </a:lstStyle>
+          <a:p>
+            <a:r>
+              <a:t>1. Zielgruppen</a:t>
+            </a:r>
+          </a:p>
+        </p:txBody>
+      </p:sp>
+    </p:spTree>
+  </p:cSld>
+  <p:clrMapOvr>
+    <a:masterClrMapping/>
+  </p:clrMapOvr>
+  <p:transition spd="med"/>
+</p:sld>
+</file>
+
+<file path=ppt/slides/slide4.xml><?xml version="1.0" encoding="utf-8"?>
+<p:sld xmlns:a="http://schemas.openxmlformats.org/drawingml/2006/main" xmlns:r="http://schemas.openxmlformats.org/officeDocument/2006/relationships" xmlns:p="http://schemas.openxmlformats.org/presentationml/2006/main">
+  <p:cSld>
+    <p:spTree>
+      <p:nvGrpSpPr>
+        <p:cNvPr id="1" name=""/>
+        <p:cNvGrpSpPr/>
+        <p:nvPr/>
+      </p:nvGrpSpPr>
+      <p:grpSpPr>
+        <a:xfrm>
+          <a:off x="0" y="0"/>
+          <a:ext cx="0" cy="0"/>
+          <a:chOff x="0" y="0"/>
+          <a:chExt cx="0" cy="0"/>
+        </a:xfrm>
+      </p:grpSpPr>
+      <p:sp>
+        <p:nvSpPr>
+          <p:cNvPr id="171" name="Zielgruppen"/>
+          <p:cNvSpPr/>
+          <p:nvPr/>
+        </p:nvSpPr>
+        <p:spPr>
+          <a:xfrm>
+            <a:off x="-80276" y="-83428"/>
+            <a:ext cx="15621561" cy="936090"/>
+          </a:xfrm>
+          <a:prstGeom prst="rect">
+            <a:avLst/>
+          </a:prstGeom>
+          <a:solidFill>
+            <a:srgbClr val="8D52FD">
+              <a:alpha val="45123"/>
+            </a:srgbClr>
+          </a:solidFill>
+          <a:ln w="12700">
+            <a:miter lim="400000"/>
+          </a:ln>
+          <a:extLst>
+            <a:ext uri="{C572A759-6A51-4108-AA02-DFA0A04FC94B}">
+              <ma14:wrappingTextBoxFlag xmlns:ma14="http://schemas.microsoft.com/office/mac/drawingml/2011/main" xmlns:a14="http://schemas.microsoft.com/office/drawing/2010/main" xmlns:m="http://schemas.openxmlformats.org/officeDocument/2006/math" xmlns="" val="1"/>
+            </a:ext>
+          </a:extLst>
+        </p:spPr>
+        <p:txBody>
+          <a:bodyPr lIns="50800" tIns="50800" rIns="50800" bIns="50800" anchor="ctr"/>
+          <a:lstStyle/>
+          <a:p>
+            <a:pPr lvl="2" algn="l" defTabSz="825500">
+              <a:defRPr sz="3200">
+                <a:solidFill>
+                  <a:srgbClr val="FFFFFF"/>
+                </a:solidFill>
+                <a:latin typeface="Helvetica Neue Medium"/>
+                <a:ea typeface="Helvetica Neue Medium"/>
+                <a:cs typeface="Helvetica Neue Medium"/>
+                <a:sym typeface="Helvetica Neue Medium"/>
+              </a:defRPr>
+            </a:pPr>
+            <a:r>
+              <a:t>Zielgruppen</a:t>
+            </a:r>
+          </a:p>
+        </p:txBody>
+      </p:sp>
+      <p:sp>
+        <p:nvSpPr>
+          <p:cNvPr id="172" name="Bei Thema der Abschlussarbeiten sind die möglichen Nutzer entweder Studierende die nach einer Abschlussarbeit suchen, oder verschiedene Interessierte wie etwa Professoren, potentielle Studierende, oder auch andere Studenten, die aus Neugier das Angebot s"/>
+          <p:cNvSpPr txBox="1"/>
+          <p:nvPr/>
+        </p:nvSpPr>
+        <p:spPr>
+          <a:xfrm>
+            <a:off x="244723" y="1177178"/>
+            <a:ext cx="23894554" cy="12242801"/>
+          </a:xfrm>
+          <a:prstGeom prst="rect">
+            <a:avLst/>
+          </a:prstGeom>
+          <a:ln w="12700">
+            <a:miter lim="400000"/>
+          </a:ln>
+          <a:extLst>
+            <a:ext uri="{C572A759-6A51-4108-AA02-DFA0A04FC94B}">
+              <ma14:wrappingTextBoxFlag xmlns:ma14="http://schemas.microsoft.com/office/mac/drawingml/2011/main" xmlns:a14="http://schemas.microsoft.com/office/drawing/2010/main" xmlns:m="http://schemas.openxmlformats.org/officeDocument/2006/math" xmlns="" val="1"/>
+            </a:ext>
+          </a:extLst>
+        </p:spPr>
+        <p:txBody>
+          <a:bodyPr lIns="50800" tIns="50800" rIns="50800" bIns="50800" anchor="ctr">
+            <a:spAutoFit/>
+          </a:bodyPr>
+          <a:lstStyle/>
+          <a:p>
+            <a:pPr algn="l" defTabSz="457200">
+              <a:spcBef>
+                <a:spcPts val="1600"/>
+              </a:spcBef>
+              <a:defRPr sz="3000">
+                <a:solidFill>
+                  <a:srgbClr val="24292E"/>
+                </a:solidFill>
+                <a:latin typeface="Helvetica"/>
+                <a:ea typeface="Helvetica"/>
+                <a:cs typeface="Helvetica"/>
+                <a:sym typeface="Helvetica"/>
+              </a:defRPr>
+            </a:pPr>
+            <a:r>
+              <a:t>Bei Thema der Abschlussarbeiten sind die möglichen Nutzer entweder Studierende die nach einer Abschlussarbeit suchen, oder verschiedene Interessierte wie etwa Professoren, potentielle Studierende, oder auch andere Studenten, die aus Neugier das Angebot sich anschauen möchten. Allerdings sind der </a:t>
+            </a:r>
+            <a:r>
+              <a:rPr b="1"/>
+              <a:t>Hauptfokus die Studierende, die nach einer Abschlussarbeit suchen bzw. sich über das Angebot informieren wollen</a:t>
+            </a:r>
+            <a:r>
+              <a:t>.</a:t>
+            </a:r>
+          </a:p>
+          <a:p>
+            <a:pPr algn="l" defTabSz="457200">
+              <a:lnSpc>
+                <a:spcPts val="5100"/>
+              </a:lnSpc>
+              <a:defRPr sz="3000" b="1">
+                <a:solidFill>
+                  <a:srgbClr val="24292E"/>
+                </a:solidFill>
+                <a:latin typeface="Helvetica"/>
+                <a:ea typeface="Helvetica"/>
+                <a:cs typeface="Helvetica"/>
+                <a:sym typeface="Helvetica"/>
+              </a:defRPr>
+            </a:pPr>
+            <a:endParaRPr/>
+          </a:p>
+          <a:p>
+            <a:pPr algn="l" defTabSz="457200">
+              <a:lnSpc>
+                <a:spcPts val="5800"/>
+              </a:lnSpc>
+              <a:spcBef>
+                <a:spcPts val="1600"/>
+              </a:spcBef>
+              <a:defRPr sz="3400" b="1">
+                <a:solidFill>
+                  <a:srgbClr val="24292E"/>
+                </a:solidFill>
+                <a:latin typeface="Helvetica"/>
+                <a:ea typeface="Helvetica"/>
+                <a:cs typeface="Helvetica"/>
+                <a:sym typeface="Helvetica"/>
+              </a:defRPr>
+            </a:pPr>
+            <a:r>
+              <a:t>1. Student ohne Präferenzen</a:t>
+            </a:r>
+          </a:p>
+          <a:p>
+            <a:pPr algn="l" defTabSz="457200">
+              <a:spcBef>
+                <a:spcPts val="1600"/>
+              </a:spcBef>
+              <a:defRPr sz="3000">
+                <a:solidFill>
+                  <a:srgbClr val="24292E"/>
+                </a:solidFill>
+                <a:latin typeface="Helvetica"/>
+                <a:ea typeface="Helvetica"/>
+                <a:cs typeface="Helvetica"/>
+                <a:sym typeface="Helvetica"/>
+              </a:defRPr>
+            </a:pPr>
+            <a:r>
+              <a:t>Der übliche Student, der nach einer Abschlussarbeit suchen wird, wird alles </a:t>
+            </a:r>
+            <a:r>
+              <a:rPr b="1"/>
+              <a:t>schnell</a:t>
+            </a:r>
+            <a:r>
+              <a:t> und </a:t>
+            </a:r>
+            <a:r>
+              <a:rPr b="1"/>
+              <a:t>übersichtlich</a:t>
+            </a:r>
+            <a:r>
+              <a:t> dargestellt haben wollen, damit er etwa die </a:t>
+            </a:r>
+            <a:r>
+              <a:rPr b="1"/>
+              <a:t>Gesamtheit des Angebots sehen kann</a:t>
+            </a:r>
+            <a:r>
+              <a:t>, aber auch </a:t>
+            </a:r>
+            <a:r>
+              <a:rPr b="1"/>
+              <a:t>schnell an die Informationen der einzelenen Themen und Bereiche kommen kann</a:t>
+            </a:r>
+            <a:r>
+              <a:t>.</a:t>
+            </a:r>
+          </a:p>
+          <a:p>
+            <a:pPr algn="l" defTabSz="457200">
+              <a:lnSpc>
+                <a:spcPts val="5100"/>
+              </a:lnSpc>
+              <a:defRPr sz="3000" b="1">
+                <a:solidFill>
+                  <a:srgbClr val="24292E"/>
+                </a:solidFill>
+                <a:latin typeface="Helvetica"/>
+                <a:ea typeface="Helvetica"/>
+                <a:cs typeface="Helvetica"/>
+                <a:sym typeface="Helvetica"/>
+              </a:defRPr>
+            </a:pPr>
+            <a:endParaRPr/>
+          </a:p>
+          <a:p>
+            <a:pPr algn="l" defTabSz="457200">
+              <a:lnSpc>
+                <a:spcPts val="5800"/>
+              </a:lnSpc>
+              <a:spcBef>
+                <a:spcPts val="1600"/>
+              </a:spcBef>
+              <a:defRPr sz="3400" b="1">
+                <a:solidFill>
+                  <a:srgbClr val="24292E"/>
+                </a:solidFill>
+                <a:latin typeface="Helvetica"/>
+                <a:ea typeface="Helvetica"/>
+                <a:cs typeface="Helvetica"/>
+                <a:sym typeface="Helvetica"/>
+              </a:defRPr>
+            </a:pPr>
+            <a:r>
+              <a:t>2. Student mit (fach-)spezifische Präferenzen</a:t>
+            </a:r>
+          </a:p>
+          <a:p>
+            <a:pPr algn="l" defTabSz="457200">
+              <a:spcBef>
+                <a:spcPts val="1600"/>
+              </a:spcBef>
+              <a:defRPr sz="3000">
+                <a:solidFill>
+                  <a:srgbClr val="24292E"/>
+                </a:solidFill>
+                <a:latin typeface="Helvetica"/>
+                <a:ea typeface="Helvetica"/>
+                <a:cs typeface="Helvetica"/>
+                <a:sym typeface="Helvetica"/>
+              </a:defRPr>
+            </a:pPr>
+            <a:r>
+              <a:t>Dieser Student hat besondere Interessen und möchte erstmals </a:t>
+            </a:r>
+            <a:r>
+              <a:rPr b="1"/>
+              <a:t>gezielt nach einem Thema suchen</a:t>
+            </a:r>
+            <a:r>
+              <a:t>, der seiner Präferenz entspricht. Z.B. könnte er ein besonderes Interesse am Thema K.I. haben. Somit möchte er </a:t>
+            </a:r>
+            <a:r>
+              <a:rPr b="1"/>
+              <a:t>nach tags oder keywords(Schlüßelwörter) filtern können</a:t>
+            </a:r>
+            <a:r>
+              <a:t>.</a:t>
+            </a:r>
+          </a:p>
+          <a:p>
+            <a:pPr algn="l" defTabSz="457200">
+              <a:lnSpc>
+                <a:spcPts val="5100"/>
+              </a:lnSpc>
+              <a:defRPr sz="3000" b="1">
+                <a:solidFill>
+                  <a:srgbClr val="24292E"/>
+                </a:solidFill>
+                <a:latin typeface="Helvetica"/>
+                <a:ea typeface="Helvetica"/>
+                <a:cs typeface="Helvetica"/>
+                <a:sym typeface="Helvetica"/>
+              </a:defRPr>
+            </a:pPr>
+            <a:endParaRPr/>
+          </a:p>
+          <a:p>
+            <a:pPr algn="l" defTabSz="457200">
+              <a:lnSpc>
+                <a:spcPts val="5800"/>
+              </a:lnSpc>
+              <a:spcBef>
+                <a:spcPts val="1600"/>
+              </a:spcBef>
+              <a:defRPr sz="3400" b="1">
+                <a:solidFill>
+                  <a:srgbClr val="24292E"/>
+                </a:solidFill>
+                <a:latin typeface="Helvetica"/>
+                <a:ea typeface="Helvetica"/>
+                <a:cs typeface="Helvetica"/>
+                <a:sym typeface="Helvetica"/>
+              </a:defRPr>
+            </a:pPr>
+            <a:r>
+              <a:t>3. Student der nach Betreuer suchen möchte</a:t>
+            </a:r>
+          </a:p>
+          <a:p>
+            <a:pPr algn="l" defTabSz="457200">
+              <a:spcBef>
+                <a:spcPts val="1600"/>
+              </a:spcBef>
+              <a:defRPr sz="3000" b="1">
+                <a:solidFill>
+                  <a:srgbClr val="24292E"/>
+                </a:solidFill>
+                <a:latin typeface="Helvetica"/>
+                <a:ea typeface="Helvetica"/>
+                <a:cs typeface="Helvetica"/>
+                <a:sym typeface="Helvetica"/>
+              </a:defRPr>
+            </a:pPr>
+            <a:r>
+              <a:rPr b="0"/>
+              <a:t>Dieser Nutzer möchte die </a:t>
+            </a:r>
+            <a:r>
+              <a:t>Themen und Abschlussarbeiten finden, die von einem bestimmten Betreuer angeboten werden</a:t>
+            </a:r>
+            <a:r>
+              <a:rPr b="0"/>
+              <a:t>.</a:t>
+            </a:r>
+          </a:p>
+          <a:p>
+            <a:pPr algn="l" defTabSz="457200">
+              <a:lnSpc>
+                <a:spcPts val="5100"/>
+              </a:lnSpc>
+              <a:defRPr sz="3000" b="1">
+                <a:solidFill>
+                  <a:srgbClr val="24292E"/>
+                </a:solidFill>
+                <a:latin typeface="Helvetica"/>
+                <a:ea typeface="Helvetica"/>
+                <a:cs typeface="Helvetica"/>
+                <a:sym typeface="Helvetica"/>
+              </a:defRPr>
+            </a:pPr>
+            <a:endParaRPr b="0"/>
+          </a:p>
+          <a:p>
+            <a:pPr algn="l" defTabSz="457200">
+              <a:lnSpc>
+                <a:spcPts val="5800"/>
+              </a:lnSpc>
+              <a:spcBef>
+                <a:spcPts val="1600"/>
+              </a:spcBef>
+              <a:defRPr sz="3400" b="1">
+                <a:solidFill>
+                  <a:srgbClr val="24292E"/>
+                </a:solidFill>
+                <a:latin typeface="Helvetica"/>
+                <a:ea typeface="Helvetica"/>
+                <a:cs typeface="Helvetica"/>
+                <a:sym typeface="Helvetica"/>
+              </a:defRPr>
+            </a:pPr>
+            <a:r>
+              <a:t>4. Nutzer, der keine Abschlussarbeit benötigt</a:t>
+            </a:r>
+          </a:p>
+          <a:p>
+            <a:pPr algn="l" defTabSz="457200">
+              <a:spcBef>
+                <a:spcPts val="1600"/>
+              </a:spcBef>
+              <a:defRPr sz="3000">
+                <a:solidFill>
+                  <a:srgbClr val="24292E"/>
+                </a:solidFill>
+                <a:latin typeface="Helvetica"/>
+                <a:ea typeface="Helvetica"/>
+                <a:cs typeface="Helvetica"/>
+                <a:sym typeface="Helvetica"/>
+              </a:defRPr>
+            </a:pPr>
+            <a:r>
+              <a:t>Sei es ein Professor, ein Student im Anfang vom Studium, jemand der kein Student ist, aber sich überlegt ein Studium anzufangen oder ein sonstiger ähnlicher Nutzer: eine </a:t>
+            </a:r>
+            <a:r>
+              <a:rPr b="1"/>
+              <a:t>übersichtliche und visuell ansprechende Darstellung sind von wichtigkeit</a:t>
+            </a:r>
+            <a:r>
+              <a:t> (zum Teil aus Werbegründen für die Unibw).</a:t>
+            </a:r>
+          </a:p>
+        </p:txBody>
+      </p:sp>
+    </p:spTree>
+  </p:cSld>
+  <p:clrMapOvr>
+    <a:masterClrMapping/>
+  </p:clrMapOvr>
+  <p:transition spd="med"/>
+</p:sld>
+</file>
+
+<file path=ppt/slides/slide5.xml><?xml version="1.0" encoding="utf-8"?>
+<p:sld xmlns:a="http://schemas.openxmlformats.org/drawingml/2006/main" xmlns:r="http://schemas.openxmlformats.org/officeDocument/2006/relationships" xmlns:p="http://schemas.openxmlformats.org/presentationml/2006/main">
+  <p:cSld>
+    <p:spTree>
+      <p:nvGrpSpPr>
+        <p:cNvPr id="1" name=""/>
+        <p:cNvGrpSpPr/>
+        <p:nvPr/>
+      </p:nvGrpSpPr>
+      <p:grpSpPr>
+        <a:xfrm>
+          <a:off x="0" y="0"/>
+          <a:ext cx="0" cy="0"/>
+          <a:chOff x="0" y="0"/>
+          <a:chExt cx="0" cy="0"/>
+        </a:xfrm>
+      </p:grpSpPr>
+      <p:sp>
+        <p:nvSpPr>
+          <p:cNvPr id="174" name="Zielgruppen"/>
+          <p:cNvSpPr/>
+          <p:nvPr/>
+        </p:nvSpPr>
+        <p:spPr>
+          <a:xfrm>
+            <a:off x="-80276" y="-83428"/>
+            <a:ext cx="15621561" cy="936090"/>
+          </a:xfrm>
+          <a:prstGeom prst="rect">
+            <a:avLst/>
+          </a:prstGeom>
+          <a:solidFill>
+            <a:srgbClr val="8D52FD">
+              <a:alpha val="45123"/>
+            </a:srgbClr>
+          </a:solidFill>
+          <a:ln w="12700">
+            <a:miter lim="400000"/>
+          </a:ln>
+          <a:extLst>
+            <a:ext uri="{C572A759-6A51-4108-AA02-DFA0A04FC94B}">
+              <ma14:wrappingTextBoxFlag xmlns:ma14="http://schemas.microsoft.com/office/mac/drawingml/2011/main" xmlns:a14="http://schemas.microsoft.com/office/drawing/2010/main" xmlns:m="http://schemas.openxmlformats.org/officeDocument/2006/math" xmlns="" val="1"/>
+            </a:ext>
+          </a:extLst>
+        </p:spPr>
+        <p:txBody>
+          <a:bodyPr lIns="50800" tIns="50800" rIns="50800" bIns="50800" anchor="ctr"/>
+          <a:lstStyle/>
+          <a:p>
+            <a:pPr lvl="2" algn="l" defTabSz="825500">
+              <a:defRPr sz="3200">
+                <a:solidFill>
+                  <a:srgbClr val="FFFFFF"/>
+                </a:solidFill>
+                <a:latin typeface="Helvetica Neue Medium"/>
+                <a:ea typeface="Helvetica Neue Medium"/>
+                <a:cs typeface="Helvetica Neue Medium"/>
+                <a:sym typeface="Helvetica Neue Medium"/>
+              </a:defRPr>
+            </a:pPr>
+            <a:r>
               <a:t>Zielgruppen</a:t>
             </a:r>
           </a:p>
@@ -5664,20 +8720,50 @@
         </p:nvGraphicFramePr>
         <p:xfrm>
           <a:off x="361889" y="2321836"/>
-          <a:ext cx="23672922" cy="10010246"/>
+          <a:ext cx="23660220" cy="9997542"/>
         </p:xfrm>
-        <a:graphic xmlns:a="http://schemas.openxmlformats.org/drawingml/2006/main">
+        <a:graphic>
           <a:graphicData uri="http://schemas.openxmlformats.org/drawingml/2006/table">
             <a:tbl>
-              <a:tblPr firstCol="1" firstRow="1" lastCol="0" lastRow="0" bandCol="0" bandRow="0" rtl="0">
+              <a:tblPr firstRow="1" firstCol="1">
                 <a:tableStyleId>{EEE7283C-3CF3-47DC-8721-378D4A62B228}</a:tableStyleId>
               </a:tblPr>
               <a:tblGrid>
-                <a:gridCol w="4732044"/>
-                <a:gridCol w="4732044"/>
-                <a:gridCol w="4732044"/>
-                <a:gridCol w="4732044"/>
-                <a:gridCol w="4732044"/>
+                <a:gridCol w="4732044">
+                  <a:extLst>
+                    <a:ext uri="{9D8B030D-6E8A-4147-A177-3AD203B41FA5}">
+                      <a16:colId xmlns:a16="http://schemas.microsoft.com/office/drawing/2014/main" val="20000"/>
+                    </a:ext>
+                  </a:extLst>
+                </a:gridCol>
+                <a:gridCol w="4732044">
+                  <a:extLst>
+                    <a:ext uri="{9D8B030D-6E8A-4147-A177-3AD203B41FA5}">
+                      <a16:colId xmlns:a16="http://schemas.microsoft.com/office/drawing/2014/main" val="20001"/>
+                    </a:ext>
+                  </a:extLst>
+                </a:gridCol>
+                <a:gridCol w="4732044">
+                  <a:extLst>
+                    <a:ext uri="{9D8B030D-6E8A-4147-A177-3AD203B41FA5}">
+                      <a16:colId xmlns:a16="http://schemas.microsoft.com/office/drawing/2014/main" val="20002"/>
+                    </a:ext>
+                  </a:extLst>
+                </a:gridCol>
+                <a:gridCol w="4732044">
+                  <a:extLst>
+                    <a:ext uri="{9D8B030D-6E8A-4147-A177-3AD203B41FA5}">
+                      <a16:colId xmlns:a16="http://schemas.microsoft.com/office/drawing/2014/main" val="20003"/>
+                    </a:ext>
+                  </a:extLst>
+                </a:gridCol>
+                <a:gridCol w="4732044">
+                  <a:extLst>
+                    <a:ext uri="{9D8B030D-6E8A-4147-A177-3AD203B41FA5}">
+                      <a16:colId xmlns:a16="http://schemas.microsoft.com/office/drawing/2014/main" val="20004"/>
+                    </a:ext>
+                  </a:extLst>
+                </a:gridCol>
               </a:tblGrid>
               <a:tr h="1666257">
                 <a:tc>
@@ -5693,9 +8779,10 @@
                           <a:sym typeface="Helvetica Neue Medium"/>
                         </a:defRPr>
                       </a:pPr>
+                      <a:endParaRPr/>
                     </a:p>
                   </a:txBody>
-                  <a:tcPr marL="50800" marR="50800" marT="50800" marB="50800" anchor="ctr" anchorCtr="0" horzOverflow="overflow">
+                  <a:tcPr marL="50800" marR="50800" marT="50800" marB="50800" anchor="ctr" horzOverflow="overflow">
                     <a:lnL w="0">
                       <a:miter lim="400000"/>
                     </a:lnL>
@@ -5723,7 +8810,7 @@
                       </a:r>
                     </a:p>
                   </a:txBody>
-                  <a:tcPr marL="50800" marR="50800" marT="50800" marB="50800" anchor="t" anchorCtr="0" horzOverflow="overflow">
+                  <a:tcPr marL="50800" marR="50800" marT="50800" marB="50800" horzOverflow="overflow">
                     <a:solidFill>
                       <a:srgbClr val="9ECAFF"/>
                     </a:solidFill>
@@ -5747,7 +8834,7 @@
                       </a:r>
                     </a:p>
                   </a:txBody>
-                  <a:tcPr marL="50800" marR="50800" marT="50800" marB="50800" anchor="t" anchorCtr="0" horzOverflow="overflow">
+                  <a:tcPr marL="50800" marR="50800" marT="50800" marB="50800" horzOverflow="overflow">
                     <a:solidFill>
                       <a:srgbClr val="9ECAFF"/>
                     </a:solidFill>
@@ -5771,7 +8858,7 @@
                       </a:r>
                     </a:p>
                   </a:txBody>
-                  <a:tcPr marL="50800" marR="50800" marT="50800" marB="50800" anchor="t" anchorCtr="0" horzOverflow="overflow">
+                  <a:tcPr marL="50800" marR="50800" marT="50800" marB="50800" horzOverflow="overflow">
                     <a:solidFill>
                       <a:srgbClr val="9ECAFF"/>
                     </a:solidFill>
@@ -5795,12 +8882,17 @@
                       </a:r>
                     </a:p>
                   </a:txBody>
-                  <a:tcPr marL="50800" marR="50800" marT="50800" marB="50800" anchor="t" anchorCtr="0" horzOverflow="overflow">
+                  <a:tcPr marL="50800" marR="50800" marT="50800" marB="50800" horzOverflow="overflow">
                     <a:solidFill>
                       <a:srgbClr val="9ECAFF"/>
                     </a:solidFill>
                   </a:tcPr>
                 </a:tc>
+                <a:extLst>
+                  <a:ext uri="{0D108BD9-81ED-4DB2-BD59-A6C34878D82A}">
+                    <a16:rowId xmlns:a16="http://schemas.microsoft.com/office/drawing/2014/main" val="10000"/>
+                  </a:ext>
+                </a:extLst>
               </a:tr>
               <a:tr h="1666257">
                 <a:tc>
@@ -5821,7 +8913,7 @@
                       </a:r>
                     </a:p>
                   </a:txBody>
-                  <a:tcPr marL="50800" marR="50800" marT="50800" marB="50800" anchor="ctr" anchorCtr="0" horzOverflow="overflow">
+                  <a:tcPr marL="50800" marR="50800" marT="50800" marB="50800" anchor="ctr" horzOverflow="overflow">
                     <a:solidFill>
                       <a:srgbClr val="EAEAEA"/>
                     </a:solidFill>
@@ -5839,7 +8931,7 @@
                       </a:r>
                     </a:p>
                   </a:txBody>
-                  <a:tcPr marL="50800" marR="50800" marT="50800" marB="50800" anchor="ctr" anchorCtr="0" horzOverflow="overflow"/>
+                  <a:tcPr marL="50800" marR="50800" marT="50800" marB="50800" anchor="ctr" horzOverflow="overflow"/>
                 </a:tc>
                 <a:tc>
                   <a:txBody>
@@ -5853,7 +8945,7 @@
                       </a:r>
                     </a:p>
                   </a:txBody>
-                  <a:tcPr marL="50800" marR="50800" marT="50800" marB="50800" anchor="ctr" anchorCtr="0" horzOverflow="overflow"/>
+                  <a:tcPr marL="50800" marR="50800" marT="50800" marB="50800" anchor="ctr" horzOverflow="overflow"/>
                 </a:tc>
                 <a:tc>
                   <a:txBody>
@@ -5867,7 +8959,7 @@
                       </a:r>
                     </a:p>
                   </a:txBody>
-                  <a:tcPr marL="50800" marR="50800" marT="50800" marB="50800" anchor="ctr" anchorCtr="0" horzOverflow="overflow"/>
+                  <a:tcPr marL="50800" marR="50800" marT="50800" marB="50800" anchor="ctr" horzOverflow="overflow"/>
                 </a:tc>
                 <a:tc>
                   <a:txBody>
@@ -5881,7 +8973,7 @@
                       </a:r>
                     </a:p>
                   </a:txBody>
-                  <a:tcPr marL="50800" marR="50800" marT="50800" marB="50800" anchor="ctr" anchorCtr="0" horzOverflow="overflow">
+                  <a:tcPr marL="50800" marR="50800" marT="50800" marB="50800" anchor="ctr" horzOverflow="overflow">
                     <a:lnR w="12700">
                       <a:solidFill>
                         <a:srgbClr val="4D4D4D"/>
@@ -5890,6 +8982,11 @@
                     </a:lnR>
                   </a:tcPr>
                 </a:tc>
+                <a:extLst>
+                  <a:ext uri="{0D108BD9-81ED-4DB2-BD59-A6C34878D82A}">
+                    <a16:rowId xmlns:a16="http://schemas.microsoft.com/office/drawing/2014/main" val="10001"/>
+                  </a:ext>
+                </a:extLst>
               </a:tr>
               <a:tr h="1666257">
                 <a:tc>
@@ -5910,7 +9007,7 @@
                       </a:r>
                     </a:p>
                   </a:txBody>
-                  <a:tcPr marL="50800" marR="50800" marT="50800" marB="50800" anchor="ctr" anchorCtr="0" horzOverflow="overflow">
+                  <a:tcPr marL="50800" marR="50800" marT="50800" marB="50800" anchor="ctr" horzOverflow="overflow">
                     <a:solidFill>
                       <a:srgbClr val="EAEAEA"/>
                     </a:solidFill>
@@ -5928,7 +9025,7 @@
                       </a:r>
                     </a:p>
                   </a:txBody>
-                  <a:tcPr marL="50800" marR="50800" marT="50800" marB="50800" anchor="ctr" anchorCtr="0" horzOverflow="overflow"/>
+                  <a:tcPr marL="50800" marR="50800" marT="50800" marB="50800" anchor="ctr" horzOverflow="overflow"/>
                 </a:tc>
                 <a:tc>
                   <a:txBody>
@@ -5942,7 +9039,7 @@
                       </a:r>
                     </a:p>
                   </a:txBody>
-                  <a:tcPr marL="50800" marR="50800" marT="50800" marB="50800" anchor="ctr" anchorCtr="0" horzOverflow="overflow"/>
+                  <a:tcPr marL="50800" marR="50800" marT="50800" marB="50800" anchor="ctr" horzOverflow="overflow"/>
                 </a:tc>
                 <a:tc>
                   <a:txBody>
@@ -5956,7 +9053,7 @@
                       </a:r>
                     </a:p>
                   </a:txBody>
-                  <a:tcPr marL="50800" marR="50800" marT="50800" marB="50800" anchor="ctr" anchorCtr="0" horzOverflow="overflow"/>
+                  <a:tcPr marL="50800" marR="50800" marT="50800" marB="50800" anchor="ctr" horzOverflow="overflow"/>
                 </a:tc>
                 <a:tc>
                   <a:txBody>
@@ -5970,7 +9067,7 @@
                       </a:r>
                     </a:p>
                   </a:txBody>
-                  <a:tcPr marL="50800" marR="50800" marT="50800" marB="50800" anchor="ctr" anchorCtr="0" horzOverflow="overflow">
+                  <a:tcPr marL="50800" marR="50800" marT="50800" marB="50800" anchor="ctr" horzOverflow="overflow">
                     <a:lnR w="12700">
                       <a:solidFill>
                         <a:srgbClr val="4D4D4D"/>
@@ -5979,6 +9076,11 @@
                     </a:lnR>
                   </a:tcPr>
                 </a:tc>
+                <a:extLst>
+                  <a:ext uri="{0D108BD9-81ED-4DB2-BD59-A6C34878D82A}">
+                    <a16:rowId xmlns:a16="http://schemas.microsoft.com/office/drawing/2014/main" val="10002"/>
+                  </a:ext>
+                </a:extLst>
               </a:tr>
               <a:tr h="1666257">
                 <a:tc>
@@ -5999,7 +9101,7 @@
                       </a:r>
                     </a:p>
                   </a:txBody>
-                  <a:tcPr marL="50800" marR="50800" marT="50800" marB="50800" anchor="ctr" anchorCtr="0" horzOverflow="overflow">
+                  <a:tcPr marL="50800" marR="50800" marT="50800" marB="50800" anchor="ctr" horzOverflow="overflow">
                     <a:solidFill>
                       <a:srgbClr val="EAEAEA"/>
                     </a:solidFill>
@@ -6017,7 +9119,7 @@
                       </a:r>
                     </a:p>
                   </a:txBody>
-                  <a:tcPr marL="50800" marR="50800" marT="50800" marB="50800" anchor="ctr" anchorCtr="0" horzOverflow="overflow"/>
+                  <a:tcPr marL="50800" marR="50800" marT="50800" marB="50800" anchor="ctr" horzOverflow="overflow"/>
                 </a:tc>
                 <a:tc>
                   <a:txBody>
@@ -6031,7 +9133,7 @@
                       </a:r>
                     </a:p>
                   </a:txBody>
-                  <a:tcPr marL="50800" marR="50800" marT="50800" marB="50800" anchor="ctr" anchorCtr="0" horzOverflow="overflow"/>
+                  <a:tcPr marL="50800" marR="50800" marT="50800" marB="50800" anchor="ctr" horzOverflow="overflow"/>
                 </a:tc>
                 <a:tc>
                   <a:txBody>
@@ -6045,7 +9147,7 @@
                       </a:r>
                     </a:p>
                   </a:txBody>
-                  <a:tcPr marL="50800" marR="50800" marT="50800" marB="50800" anchor="ctr" anchorCtr="0" horzOverflow="overflow"/>
+                  <a:tcPr marL="50800" marR="50800" marT="50800" marB="50800" anchor="ctr" horzOverflow="overflow"/>
                 </a:tc>
                 <a:tc>
                   <a:txBody>
@@ -6059,7 +9161,7 @@
                       </a:r>
                     </a:p>
                   </a:txBody>
-                  <a:tcPr marL="50800" marR="50800" marT="50800" marB="50800" anchor="ctr" anchorCtr="0" horzOverflow="overflow">
+                  <a:tcPr marL="50800" marR="50800" marT="50800" marB="50800" anchor="ctr" horzOverflow="overflow">
                     <a:lnR w="12700">
                       <a:solidFill>
                         <a:srgbClr val="4D4D4D"/>
@@ -6068,6 +9170,11 @@
                     </a:lnR>
                   </a:tcPr>
                 </a:tc>
+                <a:extLst>
+                  <a:ext uri="{0D108BD9-81ED-4DB2-BD59-A6C34878D82A}">
+                    <a16:rowId xmlns:a16="http://schemas.microsoft.com/office/drawing/2014/main" val="10003"/>
+                  </a:ext>
+                </a:extLst>
               </a:tr>
               <a:tr h="1666257">
                 <a:tc>
@@ -6088,7 +9195,7 @@
                       </a:r>
                     </a:p>
                   </a:txBody>
-                  <a:tcPr marL="50800" marR="50800" marT="50800" marB="50800" anchor="ctr" anchorCtr="0" horzOverflow="overflow">
+                  <a:tcPr marL="50800" marR="50800" marT="50800" marB="50800" anchor="ctr" horzOverflow="overflow">
                     <a:solidFill>
                       <a:srgbClr val="EAEAEA"/>
                     </a:solidFill>
@@ -6106,7 +9213,7 @@
                       </a:r>
                     </a:p>
                   </a:txBody>
-                  <a:tcPr marL="50800" marR="50800" marT="50800" marB="50800" anchor="ctr" anchorCtr="0" horzOverflow="overflow"/>
+                  <a:tcPr marL="50800" marR="50800" marT="50800" marB="50800" anchor="ctr" horzOverflow="overflow"/>
                 </a:tc>
                 <a:tc>
                   <a:txBody>
@@ -6120,7 +9227,7 @@
                       </a:r>
                     </a:p>
                   </a:txBody>
-                  <a:tcPr marL="50800" marR="50800" marT="50800" marB="50800" anchor="ctr" anchorCtr="0" horzOverflow="overflow"/>
+                  <a:tcPr marL="50800" marR="50800" marT="50800" marB="50800" anchor="ctr" horzOverflow="overflow"/>
                 </a:tc>
                 <a:tc>
                   <a:txBody>
@@ -6134,7 +9241,7 @@
                       </a:r>
                     </a:p>
                   </a:txBody>
-                  <a:tcPr marL="50800" marR="50800" marT="50800" marB="50800" anchor="ctr" anchorCtr="0" horzOverflow="overflow"/>
+                  <a:tcPr marL="50800" marR="50800" marT="50800" marB="50800" anchor="ctr" horzOverflow="overflow"/>
                 </a:tc>
                 <a:tc>
                   <a:txBody>
@@ -6148,7 +9255,7 @@
                       </a:r>
                     </a:p>
                   </a:txBody>
-                  <a:tcPr marL="50800" marR="50800" marT="50800" marB="50800" anchor="ctr" anchorCtr="0" horzOverflow="overflow">
+                  <a:tcPr marL="50800" marR="50800" marT="50800" marB="50800" anchor="ctr" horzOverflow="overflow">
                     <a:lnR w="12700">
                       <a:solidFill>
                         <a:srgbClr val="4D4D4D"/>
@@ -6157,6 +9264,11 @@
                     </a:lnR>
                   </a:tcPr>
                 </a:tc>
+                <a:extLst>
+                  <a:ext uri="{0D108BD9-81ED-4DB2-BD59-A6C34878D82A}">
+                    <a16:rowId xmlns:a16="http://schemas.microsoft.com/office/drawing/2014/main" val="10004"/>
+                  </a:ext>
+                </a:extLst>
               </a:tr>
               <a:tr h="1666257">
                 <a:tc>
@@ -6177,7 +9289,7 @@
                       </a:r>
                     </a:p>
                   </a:txBody>
-                  <a:tcPr marL="50800" marR="50800" marT="50800" marB="50800" anchor="ctr" anchorCtr="0" horzOverflow="overflow">
+                  <a:tcPr marL="50800" marR="50800" marT="50800" marB="50800" anchor="ctr" horzOverflow="overflow">
                     <a:lnB w="12700">
                       <a:solidFill>
                         <a:srgbClr val="4D4D4D"/>
@@ -6201,7 +9313,7 @@
                       </a:r>
                     </a:p>
                   </a:txBody>
-                  <a:tcPr marL="50800" marR="50800" marT="50800" marB="50800" anchor="ctr" anchorCtr="0" horzOverflow="overflow">
+                  <a:tcPr marL="50800" marR="50800" marT="50800" marB="50800" anchor="ctr" horzOverflow="overflow">
                     <a:lnB w="12700">
                       <a:solidFill>
                         <a:srgbClr val="4D4D4D"/>
@@ -6222,7 +9334,7 @@
                       </a:r>
                     </a:p>
                   </a:txBody>
-                  <a:tcPr marL="50800" marR="50800" marT="50800" marB="50800" anchor="ctr" anchorCtr="0" horzOverflow="overflow">
+                  <a:tcPr marL="50800" marR="50800" marT="50800" marB="50800" anchor="ctr" horzOverflow="overflow">
                     <a:lnB w="12700">
                       <a:solidFill>
                         <a:srgbClr val="4D4D4D"/>
@@ -6243,7 +9355,7 @@
                       </a:r>
                     </a:p>
                   </a:txBody>
-                  <a:tcPr marL="50800" marR="50800" marT="50800" marB="50800" anchor="ctr" anchorCtr="0" horzOverflow="overflow">
+                  <a:tcPr marL="50800" marR="50800" marT="50800" marB="50800" anchor="ctr" horzOverflow="overflow">
                     <a:lnB w="12700">
                       <a:solidFill>
                         <a:srgbClr val="4D4D4D"/>
@@ -6264,7 +9376,7 @@
                       </a:r>
                     </a:p>
                   </a:txBody>
-                  <a:tcPr marL="50800" marR="50800" marT="50800" marB="50800" anchor="ctr" anchorCtr="0" horzOverflow="overflow">
+                  <a:tcPr marL="50800" marR="50800" marT="50800" marB="50800" anchor="ctr" horzOverflow="overflow">
                     <a:lnR w="12700">
                       <a:solidFill>
                         <a:srgbClr val="4D4D4D"/>
@@ -6279,6 +9391,11 @@
                     </a:lnB>
                   </a:tcPr>
                 </a:tc>
+                <a:extLst>
+                  <a:ext uri="{0D108BD9-81ED-4DB2-BD59-A6C34878D82A}">
+                    <a16:rowId xmlns:a16="http://schemas.microsoft.com/office/drawing/2014/main" val="10005"/>
+                  </a:ext>
+                </a:extLst>
               </a:tr>
             </a:tbl>
           </a:graphicData>
@@ -6303,7 +9420,7 @@
           </a:ln>
           <a:extLst>
             <a:ext uri="{C572A759-6A51-4108-AA02-DFA0A04FC94B}">
-              <ma14:wrappingTextBoxFlag xmlns:ma14="http://schemas.microsoft.com/office/mac/drawingml/2011/main" val="1"/>
+              <ma14:wrappingTextBoxFlag xmlns:ma14="http://schemas.microsoft.com/office/mac/drawingml/2011/main" xmlns:a14="http://schemas.microsoft.com/office/drawing/2010/main" xmlns:m="http://schemas.openxmlformats.org/officeDocument/2006/math" xmlns="" val="1"/>
             </a:ext>
           </a:extLst>
         </p:spPr>
@@ -6313,11 +9430,10 @@
           </a:bodyPr>
           <a:lstStyle>
             <a:lvl1pPr>
-              <a:defRPr b="1" sz="4000"/>
+              <a:defRPr sz="4000" b="1"/>
             </a:lvl1pPr>
           </a:lstStyle>
           <a:p>
-            <a:pPr/>
             <a:r>
               <a:t>Auswertung der Features nach Relevanz für Nutzerprofile (Nutzerprofil 1 am wichtigsten).</a:t>
             </a:r>
@@ -6329,12 +9445,12 @@
   <p:clrMapOvr>
     <a:masterClrMapping/>
   </p:clrMapOvr>
-  <p:transition xmlns:p14="http://schemas.microsoft.com/office/powerpoint/2010/main" spd="med" advClick="1"/>
+  <p:transition spd="med"/>
 </p:sld>
 </file>
 
 <file path=ppt/slides/slide6.xml><?xml version="1.0" encoding="utf-8"?>
-<p:sld xmlns:a="http://schemas.openxmlformats.org/drawingml/2006/main" xmlns:r="http://schemas.openxmlformats.org/officeDocument/2006/relationships" xmlns:p="http://schemas.openxmlformats.org/presentationml/2006/main" xmlns:m="http://schemas.openxmlformats.org/officeDocument/2006/math" xmlns:a14="http://schemas.microsoft.com/office/drawing/2010/main" showMasterSp="1" showMasterPhAnim="1">
+<p:sld xmlns:a="http://schemas.openxmlformats.org/drawingml/2006/main" xmlns:r="http://schemas.openxmlformats.org/officeDocument/2006/relationships" xmlns:p="http://schemas.openxmlformats.org/presentationml/2006/main">
   <p:cSld>
     <p:spTree>
       <p:nvGrpSpPr>
@@ -6353,7 +9469,9 @@
       <p:sp>
         <p:nvSpPr>
           <p:cNvPr id="178" name="Slide Number"/>
-          <p:cNvSpPr txBox="1"/>
+          <p:cNvSpPr txBox="1">
+            <a:spLocks noGrp="1"/>
+          </p:cNvSpPr>
           <p:nvPr>
             <p:ph type="sldNum" sz="quarter" idx="4294967295"/>
           </p:nvPr>
@@ -6368,7 +9486,7 @@
           </a:prstGeom>
           <a:extLst>
             <a:ext uri="{C572A759-6A51-4108-AA02-DFA0A04FC94B}">
-              <ma14:wrappingTextBoxFlag xmlns:ma14="http://schemas.microsoft.com/office/mac/drawingml/2011/main" val="1"/>
+              <ma14:wrappingTextBoxFlag xmlns:ma14="http://schemas.microsoft.com/office/mac/drawingml/2011/main" xmlns:a14="http://schemas.microsoft.com/office/drawing/2010/main" xmlns:m="http://schemas.openxmlformats.org/officeDocument/2006/math" xmlns="" val="1"/>
             </a:ext>
           </a:extLst>
         </p:spPr>
@@ -6376,8 +9494,10 @@
           <a:bodyPr/>
           <a:lstStyle/>
           <a:p>
-            <a:pPr/>
-            <a:fld id="{86CB4B4D-7CA3-9044-876B-883B54F8677D}" type="slidenum"/>
+            <a:fld id="{86CB4B4D-7CA3-9044-876B-883B54F8677D}" type="slidenum">
+              <a:t>6</a:t>
+            </a:fld>
+            <a:endParaRPr/>
           </a:p>
         </p:txBody>
       </p:sp>
@@ -6419,6 +9539,7 @@
                 <a:sym typeface="Helvetica Neue Medium"/>
               </a:defRPr>
             </a:pPr>
+            <a:endParaRPr/>
           </a:p>
         </p:txBody>
       </p:sp>
@@ -6441,7 +9562,7 @@
           </a:ln>
           <a:extLst>
             <a:ext uri="{C572A759-6A51-4108-AA02-DFA0A04FC94B}">
-              <ma14:wrappingTextBoxFlag xmlns:ma14="http://schemas.microsoft.com/office/mac/drawingml/2011/main" val="1"/>
+              <ma14:wrappingTextBoxFlag xmlns:ma14="http://schemas.microsoft.com/office/mac/drawingml/2011/main" xmlns:a14="http://schemas.microsoft.com/office/drawing/2010/main" xmlns:m="http://schemas.openxmlformats.org/officeDocument/2006/math" xmlns="" val="1"/>
             </a:ext>
           </a:extLst>
         </p:spPr>
@@ -6459,7 +9580,6 @@
             </a:lvl1pPr>
           </a:lstStyle>
           <a:p>
-            <a:pPr/>
             <a:r>
               <a:t>2. Wireframes und Funktionalitäten</a:t>
             </a:r>
@@ -6471,12 +9591,12 @@
   <p:clrMapOvr>
     <a:masterClrMapping/>
   </p:clrMapOvr>
-  <p:transition xmlns:p14="http://schemas.microsoft.com/office/powerpoint/2010/main" spd="med" advClick="1"/>
+  <p:transition spd="med"/>
 </p:sld>
 </file>
 
 <file path=ppt/slides/slide7.xml><?xml version="1.0" encoding="utf-8"?>
-<p:sld xmlns:a="http://schemas.openxmlformats.org/drawingml/2006/main" xmlns:r="http://schemas.openxmlformats.org/officeDocument/2006/relationships" xmlns:p="http://schemas.openxmlformats.org/presentationml/2006/main" xmlns:m="http://schemas.openxmlformats.org/officeDocument/2006/math" xmlns:a14="http://schemas.microsoft.com/office/drawing/2010/main" showMasterSp="1" showMasterPhAnim="1">
+<p:sld xmlns:a="http://schemas.openxmlformats.org/drawingml/2006/main" xmlns:r="http://schemas.openxmlformats.org/officeDocument/2006/relationships" xmlns:p="http://schemas.openxmlformats.org/presentationml/2006/main">
   <p:cSld>
     <p:spTree>
       <p:nvGrpSpPr>
@@ -6501,9 +9621,7 @@
           <p:nvPr/>
         </p:nvPicPr>
         <p:blipFill>
-          <a:blip r:embed="rId2">
-            <a:extLst/>
-          </a:blip>
+          <a:blip r:embed="rId2"/>
           <a:stretch>
             <a:fillRect/>
           </a:stretch>
@@ -6543,7 +9661,7 @@
           </a:ln>
           <a:extLst>
             <a:ext uri="{C572A759-6A51-4108-AA02-DFA0A04FC94B}">
-              <ma14:wrappingTextBoxFlag xmlns:ma14="http://schemas.microsoft.com/office/mac/drawingml/2011/main" val="1"/>
+              <ma14:wrappingTextBoxFlag xmlns:ma14="http://schemas.microsoft.com/office/mac/drawingml/2011/main" xmlns:a14="http://schemas.microsoft.com/office/drawing/2010/main" xmlns:m="http://schemas.openxmlformats.org/officeDocument/2006/math" xmlns="" val="1"/>
             </a:ext>
           </a:extLst>
         </p:spPr>
@@ -6563,7 +9681,6 @@
             </a:lvl1pPr>
           </a:lstStyle>
           <a:p>
-            <a:pPr/>
             <a:r>
               <a:t>Die Arbeitsthemen sind nach Institut und danach nach Professur sortiert (anschließend alphabetisch)</a:t>
             </a:r>
@@ -6594,7 +9711,7 @@
           </a:ln>
           <a:extLst>
             <a:ext uri="{C572A759-6A51-4108-AA02-DFA0A04FC94B}">
-              <ma14:wrappingTextBoxFlag xmlns:ma14="http://schemas.microsoft.com/office/mac/drawingml/2011/main" val="1"/>
+              <ma14:wrappingTextBoxFlag xmlns:ma14="http://schemas.microsoft.com/office/mac/drawingml/2011/main" xmlns:a14="http://schemas.microsoft.com/office/drawing/2010/main" xmlns:m="http://schemas.openxmlformats.org/officeDocument/2006/math" xmlns="" val="1"/>
             </a:ext>
           </a:extLst>
         </p:spPr>
@@ -6602,12 +9719,12 @@
           <a:bodyPr lIns="50800" tIns="50800" rIns="50800" bIns="50800"/>
           <a:lstStyle/>
           <a:p>
-            <a:pPr lvl="1" marL="1481666" indent="-592666" algn="l" defTabSz="825500">
+            <a:pPr marL="1481666" lvl="1" indent="-592666" algn="l" defTabSz="825500">
               <a:lnSpc>
                 <a:spcPct val="200000"/>
               </a:lnSpc>
               <a:buSzPct val="100000"/>
-              <a:buAutoNum type="arabicPeriod" startAt="1"/>
+              <a:buAutoNum type="arabicPeriod"/>
               <a:defRPr sz="3200">
                 <a:solidFill>
                   <a:srgbClr val="000000"/>
@@ -6623,12 +9740,12 @@
             </a:r>
           </a:p>
           <a:p>
-            <a:pPr lvl="1" marL="1481666" indent="-592666" algn="l" defTabSz="825500">
+            <a:pPr marL="1481666" lvl="1" indent="-592666" algn="l" defTabSz="825500">
               <a:lnSpc>
                 <a:spcPct val="200000"/>
               </a:lnSpc>
               <a:buSzPct val="100000"/>
-              <a:buAutoNum type="arabicPeriod" startAt="1"/>
+              <a:buAutoNum type="arabicPeriod"/>
               <a:defRPr sz="3200">
                 <a:solidFill>
                   <a:srgbClr val="000000"/>
@@ -6644,12 +9761,12 @@
             </a:r>
           </a:p>
           <a:p>
-            <a:pPr lvl="1" marL="1481666" indent="-592666" algn="l" defTabSz="825500">
+            <a:pPr marL="1481666" lvl="1" indent="-592666" algn="l" defTabSz="825500">
               <a:lnSpc>
                 <a:spcPct val="200000"/>
               </a:lnSpc>
               <a:buSzPct val="100000"/>
-              <a:buAutoNum type="arabicPeriod" startAt="1"/>
+              <a:buAutoNum type="arabicPeriod"/>
               <a:defRPr sz="3200">
                 <a:solidFill>
                   <a:srgbClr val="000000"/>
@@ -6665,12 +9782,12 @@
             </a:r>
           </a:p>
           <a:p>
-            <a:pPr lvl="1" marL="1481666" indent="-592666" algn="l" defTabSz="825500">
+            <a:pPr marL="1481666" lvl="1" indent="-592666" algn="l" defTabSz="825500">
               <a:lnSpc>
                 <a:spcPct val="200000"/>
               </a:lnSpc>
               <a:buSzPct val="100000"/>
-              <a:buAutoNum type="arabicPeriod" startAt="1"/>
+              <a:buAutoNum type="arabicPeriod"/>
               <a:defRPr sz="3200">
                 <a:solidFill>
                   <a:srgbClr val="000000"/>
@@ -6686,12 +9803,12 @@
             </a:r>
           </a:p>
           <a:p>
-            <a:pPr lvl="1" marL="1481666" indent="-592666" algn="l" defTabSz="825500">
+            <a:pPr marL="1481666" lvl="1" indent="-592666" algn="l" defTabSz="825500">
               <a:lnSpc>
                 <a:spcPct val="200000"/>
               </a:lnSpc>
               <a:buSzPct val="100000"/>
-              <a:buAutoNum type="arabicPeriod" startAt="1"/>
+              <a:buAutoNum type="arabicPeriod"/>
               <a:defRPr sz="3200">
                 <a:solidFill>
                   <a:srgbClr val="000000"/>
@@ -6730,7 +9847,7 @@
           </a:ln>
           <a:extLst>
             <a:ext uri="{C572A759-6A51-4108-AA02-DFA0A04FC94B}">
-              <ma14:wrappingTextBoxFlag xmlns:ma14="http://schemas.microsoft.com/office/mac/drawingml/2011/main" val="1"/>
+              <ma14:wrappingTextBoxFlag xmlns:ma14="http://schemas.microsoft.com/office/mac/drawingml/2011/main" xmlns:a14="http://schemas.microsoft.com/office/drawing/2010/main" xmlns:m="http://schemas.openxmlformats.org/officeDocument/2006/math" xmlns="" val="1"/>
             </a:ext>
           </a:extLst>
         </p:spPr>
@@ -6738,7 +9855,7 @@
           <a:bodyPr lIns="50800" tIns="50800" rIns="50800" bIns="50800" anchor="ctr"/>
           <a:lstStyle>
             <a:lvl1pPr defTabSz="825500">
-              <a:defRPr b="1" sz="3700">
+              <a:defRPr sz="3700" b="1">
                 <a:solidFill>
                   <a:srgbClr val="000000"/>
                 </a:solidFill>
@@ -6746,7 +9863,6 @@
             </a:lvl1pPr>
           </a:lstStyle>
           <a:p>
-            <a:pPr/>
             <a:r>
               <a:t>1</a:t>
             </a:r>
@@ -6775,7 +9891,7 @@
           </a:ln>
           <a:extLst>
             <a:ext uri="{C572A759-6A51-4108-AA02-DFA0A04FC94B}">
-              <ma14:wrappingTextBoxFlag xmlns:ma14="http://schemas.microsoft.com/office/mac/drawingml/2011/main" val="1"/>
+              <ma14:wrappingTextBoxFlag xmlns:ma14="http://schemas.microsoft.com/office/mac/drawingml/2011/main" xmlns:a14="http://schemas.microsoft.com/office/drawing/2010/main" xmlns:m="http://schemas.openxmlformats.org/officeDocument/2006/math" xmlns="" val="1"/>
             </a:ext>
           </a:extLst>
         </p:spPr>
@@ -6783,7 +9899,7 @@
           <a:bodyPr lIns="50800" tIns="50800" rIns="50800" bIns="50800" anchor="ctr"/>
           <a:lstStyle>
             <a:lvl1pPr defTabSz="825500">
-              <a:defRPr b="1" sz="3700">
+              <a:defRPr sz="3700" b="1">
                 <a:solidFill>
                   <a:srgbClr val="000000"/>
                 </a:solidFill>
@@ -6791,7 +9907,6 @@
             </a:lvl1pPr>
           </a:lstStyle>
           <a:p>
-            <a:pPr/>
             <a:r>
               <a:t>2</a:t>
             </a:r>
@@ -6820,7 +9935,7 @@
           </a:ln>
           <a:extLst>
             <a:ext uri="{C572A759-6A51-4108-AA02-DFA0A04FC94B}">
-              <ma14:wrappingTextBoxFlag xmlns:ma14="http://schemas.microsoft.com/office/mac/drawingml/2011/main" val="1"/>
+              <ma14:wrappingTextBoxFlag xmlns:ma14="http://schemas.microsoft.com/office/mac/drawingml/2011/main" xmlns:a14="http://schemas.microsoft.com/office/drawing/2010/main" xmlns:m="http://schemas.openxmlformats.org/officeDocument/2006/math" xmlns="" val="1"/>
             </a:ext>
           </a:extLst>
         </p:spPr>
@@ -6828,7 +9943,7 @@
           <a:bodyPr lIns="50800" tIns="50800" rIns="50800" bIns="50800" anchor="ctr"/>
           <a:lstStyle>
             <a:lvl1pPr defTabSz="825500">
-              <a:defRPr b="1" sz="3700">
+              <a:defRPr sz="3700" b="1">
                 <a:solidFill>
                   <a:srgbClr val="000000"/>
                 </a:solidFill>
@@ -6836,7 +9951,6 @@
             </a:lvl1pPr>
           </a:lstStyle>
           <a:p>
-            <a:pPr/>
             <a:r>
               <a:t>3</a:t>
             </a:r>
@@ -6865,7 +9979,7 @@
           </a:ln>
           <a:extLst>
             <a:ext uri="{C572A759-6A51-4108-AA02-DFA0A04FC94B}">
-              <ma14:wrappingTextBoxFlag xmlns:ma14="http://schemas.microsoft.com/office/mac/drawingml/2011/main" val="1"/>
+              <ma14:wrappingTextBoxFlag xmlns:ma14="http://schemas.microsoft.com/office/mac/drawingml/2011/main" xmlns:a14="http://schemas.microsoft.com/office/drawing/2010/main" xmlns:m="http://schemas.openxmlformats.org/officeDocument/2006/math" xmlns="" val="1"/>
             </a:ext>
           </a:extLst>
         </p:spPr>
@@ -6873,7 +9987,7 @@
           <a:bodyPr lIns="50800" tIns="50800" rIns="50800" bIns="50800" anchor="ctr"/>
           <a:lstStyle>
             <a:lvl1pPr defTabSz="825500">
-              <a:defRPr b="1" sz="3700">
+              <a:defRPr sz="3700" b="1">
                 <a:solidFill>
                   <a:srgbClr val="000000"/>
                 </a:solidFill>
@@ -6881,7 +9995,6 @@
             </a:lvl1pPr>
           </a:lstStyle>
           <a:p>
-            <a:pPr/>
             <a:r>
               <a:t>4</a:t>
             </a:r>
@@ -6910,7 +10023,7 @@
           </a:ln>
           <a:extLst>
             <a:ext uri="{C572A759-6A51-4108-AA02-DFA0A04FC94B}">
-              <ma14:wrappingTextBoxFlag xmlns:ma14="http://schemas.microsoft.com/office/mac/drawingml/2011/main" val="1"/>
+              <ma14:wrappingTextBoxFlag xmlns:ma14="http://schemas.microsoft.com/office/mac/drawingml/2011/main" xmlns:a14="http://schemas.microsoft.com/office/drawing/2010/main" xmlns:m="http://schemas.openxmlformats.org/officeDocument/2006/math" xmlns="" val="1"/>
             </a:ext>
           </a:extLst>
         </p:spPr>
@@ -6918,7 +10031,7 @@
           <a:bodyPr lIns="50800" tIns="50800" rIns="50800" bIns="50800" anchor="ctr"/>
           <a:lstStyle>
             <a:lvl1pPr defTabSz="825500">
-              <a:defRPr b="1" sz="3700">
+              <a:defRPr sz="3700" b="1">
                 <a:solidFill>
                   <a:srgbClr val="000000"/>
                 </a:solidFill>
@@ -6926,7 +10039,6 @@
             </a:lvl1pPr>
           </a:lstStyle>
           <a:p>
-            <a:pPr/>
             <a:r>
               <a:t>5</a:t>
             </a:r>
@@ -6936,7 +10048,9 @@
       <p:sp>
         <p:nvSpPr>
           <p:cNvPr id="190" name="Slide Number"/>
-          <p:cNvSpPr txBox="1"/>
+          <p:cNvSpPr txBox="1">
+            <a:spLocks noGrp="1"/>
+          </p:cNvSpPr>
           <p:nvPr>
             <p:ph type="sldNum" sz="quarter" idx="4294967295"/>
           </p:nvPr>
@@ -6951,7 +10065,7 @@
           </a:prstGeom>
           <a:extLst>
             <a:ext uri="{C572A759-6A51-4108-AA02-DFA0A04FC94B}">
-              <ma14:wrappingTextBoxFlag xmlns:ma14="http://schemas.microsoft.com/office/mac/drawingml/2011/main" val="1"/>
+              <ma14:wrappingTextBoxFlag xmlns:ma14="http://schemas.microsoft.com/office/mac/drawingml/2011/main" xmlns:a14="http://schemas.microsoft.com/office/drawing/2010/main" xmlns:m="http://schemas.openxmlformats.org/officeDocument/2006/math" xmlns="" val="1"/>
             </a:ext>
           </a:extLst>
         </p:spPr>
@@ -6959,8 +10073,10 @@
           <a:bodyPr/>
           <a:lstStyle/>
           <a:p>
-            <a:pPr/>
-            <a:fld id="{86CB4B4D-7CA3-9044-876B-883B54F8677D}" type="slidenum"/>
+            <a:fld id="{86CB4B4D-7CA3-9044-876B-883B54F8677D}" type="slidenum">
+              <a:t>7</a:t>
+            </a:fld>
+            <a:endParaRPr/>
           </a:p>
         </p:txBody>
       </p:sp>
@@ -6988,7 +10104,7 @@
           </a:ln>
           <a:extLst>
             <a:ext uri="{C572A759-6A51-4108-AA02-DFA0A04FC94B}">
-              <ma14:wrappingTextBoxFlag xmlns:ma14="http://schemas.microsoft.com/office/mac/drawingml/2011/main" val="1"/>
+              <ma14:wrappingTextBoxFlag xmlns:ma14="http://schemas.microsoft.com/office/mac/drawingml/2011/main" xmlns:a14="http://schemas.microsoft.com/office/drawing/2010/main" xmlns:m="http://schemas.openxmlformats.org/officeDocument/2006/math" xmlns="" val="1"/>
             </a:ext>
           </a:extLst>
         </p:spPr>
@@ -7018,12 +10134,12 @@
   <p:clrMapOvr>
     <a:masterClrMapping/>
   </p:clrMapOvr>
-  <p:transition xmlns:p14="http://schemas.microsoft.com/office/powerpoint/2010/main" spd="med" advClick="1"/>
+  <p:transition spd="med"/>
 </p:sld>
 </file>
 
 <file path=ppt/slides/slide8.xml><?xml version="1.0" encoding="utf-8"?>
-<p:sld xmlns:a="http://schemas.openxmlformats.org/drawingml/2006/main" xmlns:r="http://schemas.openxmlformats.org/officeDocument/2006/relationships" xmlns:p="http://schemas.openxmlformats.org/presentationml/2006/main" xmlns:m="http://schemas.openxmlformats.org/officeDocument/2006/math" xmlns:a14="http://schemas.microsoft.com/office/drawing/2010/main" showMasterSp="1" showMasterPhAnim="1">
+<p:sld xmlns:a="http://schemas.openxmlformats.org/drawingml/2006/main" xmlns:r="http://schemas.openxmlformats.org/officeDocument/2006/relationships" xmlns:p="http://schemas.openxmlformats.org/presentationml/2006/main">
   <p:cSld>
     <p:spTree>
       <p:nvGrpSpPr>
@@ -7061,7 +10177,7 @@
           </a:ln>
           <a:extLst>
             <a:ext uri="{C572A759-6A51-4108-AA02-DFA0A04FC94B}">
-              <ma14:wrappingTextBoxFlag xmlns:ma14="http://schemas.microsoft.com/office/mac/drawingml/2011/main" val="1"/>
+              <ma14:wrappingTextBoxFlag xmlns:ma14="http://schemas.microsoft.com/office/mac/drawingml/2011/main" xmlns:a14="http://schemas.microsoft.com/office/drawing/2010/main" xmlns:m="http://schemas.openxmlformats.org/officeDocument/2006/math" xmlns="" val="1"/>
             </a:ext>
           </a:extLst>
         </p:spPr>
@@ -7081,7 +10197,6 @@
             </a:lvl1pPr>
           </a:lstStyle>
           <a:p>
-            <a:pPr/>
             <a:r>
               <a:t>Filtermöglichkeit bei der Ansicht (first draft mock-up)</a:t>
             </a:r>
@@ -7097,9 +10212,7 @@
           <p:nvPr/>
         </p:nvPicPr>
         <p:blipFill>
-          <a:blip r:embed="rId2">
-            <a:extLst/>
-          </a:blip>
+          <a:blip r:embed="rId2"/>
           <a:stretch>
             <a:fillRect/>
           </a:stretch>
@@ -7141,7 +10254,7 @@
           </a:ln>
           <a:extLst>
             <a:ext uri="{C572A759-6A51-4108-AA02-DFA0A04FC94B}">
-              <ma14:wrappingTextBoxFlag xmlns:ma14="http://schemas.microsoft.com/office/mac/drawingml/2011/main" val="1"/>
+              <ma14:wrappingTextBoxFlag xmlns:ma14="http://schemas.microsoft.com/office/mac/drawingml/2011/main" xmlns:a14="http://schemas.microsoft.com/office/drawing/2010/main" xmlns:m="http://schemas.openxmlformats.org/officeDocument/2006/math" xmlns="" val="1"/>
             </a:ext>
           </a:extLst>
         </p:spPr>
@@ -7149,12 +10262,12 @@
           <a:bodyPr lIns="50800" tIns="50800" rIns="50800" bIns="50800"/>
           <a:lstStyle/>
           <a:p>
-            <a:pPr lvl="1" marL="1481666" indent="-592666" algn="l" defTabSz="825500">
+            <a:pPr marL="1481666" lvl="1" indent="-592666" algn="l" defTabSz="825500">
               <a:lnSpc>
                 <a:spcPct val="200000"/>
               </a:lnSpc>
               <a:buSzPct val="100000"/>
-              <a:buAutoNum type="arabicPeriod" startAt="1"/>
+              <a:buAutoNum type="arabicPeriod"/>
               <a:defRPr sz="3200">
                 <a:solidFill>
                   <a:srgbClr val="000000"/>
@@ -7170,12 +10283,12 @@
             </a:r>
           </a:p>
           <a:p>
-            <a:pPr lvl="1" marL="1481666" indent="-592666" algn="l" defTabSz="825500">
+            <a:pPr marL="1481666" lvl="1" indent="-592666" algn="l" defTabSz="825500">
               <a:lnSpc>
                 <a:spcPct val="200000"/>
               </a:lnSpc>
               <a:buSzPct val="100000"/>
-              <a:buAutoNum type="arabicPeriod" startAt="1"/>
+              <a:buAutoNum type="arabicPeriod"/>
               <a:defRPr sz="3200">
                 <a:solidFill>
                   <a:srgbClr val="000000"/>
@@ -7191,12 +10304,12 @@
             </a:r>
           </a:p>
           <a:p>
-            <a:pPr lvl="1" marL="1481666" indent="-592666" algn="l" defTabSz="825500">
+            <a:pPr marL="1481666" lvl="1" indent="-592666" algn="l" defTabSz="825500">
               <a:lnSpc>
                 <a:spcPct val="200000"/>
               </a:lnSpc>
               <a:buSzPct val="100000"/>
-              <a:buAutoNum type="arabicPeriod" startAt="1"/>
+              <a:buAutoNum type="arabicPeriod"/>
               <a:defRPr sz="3200">
                 <a:solidFill>
                   <a:srgbClr val="000000"/>
@@ -7212,12 +10325,12 @@
             </a:r>
           </a:p>
           <a:p>
-            <a:pPr lvl="1" marL="1481666" indent="-592666" algn="l" defTabSz="825500">
+            <a:pPr marL="1481666" lvl="1" indent="-592666" algn="l" defTabSz="825500">
               <a:lnSpc>
                 <a:spcPct val="200000"/>
               </a:lnSpc>
               <a:buSzPct val="100000"/>
-              <a:buAutoNum type="arabicPeriod" startAt="1"/>
+              <a:buAutoNum type="arabicPeriod"/>
               <a:defRPr sz="3200">
                 <a:solidFill>
                   <a:srgbClr val="000000"/>
@@ -7247,6 +10360,7 @@
                 <a:sym typeface="Helvetica Neue Medium"/>
               </a:defRPr>
             </a:pPr>
+            <a:endParaRPr/>
           </a:p>
           <a:p>
             <a:pPr lvl="2" algn="l" defTabSz="825500">
@@ -7268,7 +10382,7 @@
             </a:r>
           </a:p>
           <a:p>
-            <a:pPr lvl="2" marL="1625600" indent="-406400" algn="l" defTabSz="825500">
+            <a:pPr marL="1625600" lvl="2" indent="-406400" algn="l" defTabSz="825500">
               <a:buSzPct val="123000"/>
               <a:buChar char="•"/>
               <a:defRPr sz="3200">
@@ -7286,7 +10400,7 @@
             </a:r>
           </a:p>
           <a:p>
-            <a:pPr lvl="2" marL="1625600" indent="-406400" algn="l" defTabSz="825500">
+            <a:pPr marL="1625600" lvl="2" indent="-406400" algn="l" defTabSz="825500">
               <a:buSzPct val="123000"/>
               <a:buChar char="•"/>
               <a:defRPr sz="3200">
@@ -7327,7 +10441,7 @@
           </a:ln>
           <a:extLst>
             <a:ext uri="{C572A759-6A51-4108-AA02-DFA0A04FC94B}">
-              <ma14:wrappingTextBoxFlag xmlns:ma14="http://schemas.microsoft.com/office/mac/drawingml/2011/main" val="1"/>
+              <ma14:wrappingTextBoxFlag xmlns:ma14="http://schemas.microsoft.com/office/mac/drawingml/2011/main" xmlns:a14="http://schemas.microsoft.com/office/drawing/2010/main" xmlns:m="http://schemas.openxmlformats.org/officeDocument/2006/math" xmlns="" val="1"/>
             </a:ext>
           </a:extLst>
         </p:spPr>
@@ -7335,7 +10449,7 @@
           <a:bodyPr lIns="50800" tIns="50800" rIns="50800" bIns="50800" anchor="ctr"/>
           <a:lstStyle>
             <a:lvl1pPr defTabSz="825500">
-              <a:defRPr b="1" sz="3700">
+              <a:defRPr sz="3700" b="1">
                 <a:solidFill>
                   <a:srgbClr val="000000"/>
                 </a:solidFill>
@@ -7343,7 +10457,6 @@
             </a:lvl1pPr>
           </a:lstStyle>
           <a:p>
-            <a:pPr/>
             <a:r>
               <a:t>1</a:t>
             </a:r>
@@ -7372,7 +10485,7 @@
           </a:ln>
           <a:extLst>
             <a:ext uri="{C572A759-6A51-4108-AA02-DFA0A04FC94B}">
-              <ma14:wrappingTextBoxFlag xmlns:ma14="http://schemas.microsoft.com/office/mac/drawingml/2011/main" val="1"/>
+              <ma14:wrappingTextBoxFlag xmlns:ma14="http://schemas.microsoft.com/office/mac/drawingml/2011/main" xmlns:a14="http://schemas.microsoft.com/office/drawing/2010/main" xmlns:m="http://schemas.openxmlformats.org/officeDocument/2006/math" xmlns="" val="1"/>
             </a:ext>
           </a:extLst>
         </p:spPr>
@@ -7380,7 +10493,7 @@
           <a:bodyPr lIns="50800" tIns="50800" rIns="50800" bIns="50800" anchor="ctr"/>
           <a:lstStyle>
             <a:lvl1pPr defTabSz="825500">
-              <a:defRPr b="1" sz="3700">
+              <a:defRPr sz="3700" b="1">
                 <a:solidFill>
                   <a:srgbClr val="000000"/>
                 </a:solidFill>
@@ -7388,7 +10501,6 @@
             </a:lvl1pPr>
           </a:lstStyle>
           <a:p>
-            <a:pPr/>
             <a:r>
               <a:t>2</a:t>
             </a:r>
@@ -7417,7 +10529,7 @@
           </a:ln>
           <a:extLst>
             <a:ext uri="{C572A759-6A51-4108-AA02-DFA0A04FC94B}">
-              <ma14:wrappingTextBoxFlag xmlns:ma14="http://schemas.microsoft.com/office/mac/drawingml/2011/main" val="1"/>
+              <ma14:wrappingTextBoxFlag xmlns:ma14="http://schemas.microsoft.com/office/mac/drawingml/2011/main" xmlns:a14="http://schemas.microsoft.com/office/drawing/2010/main" xmlns:m="http://schemas.openxmlformats.org/officeDocument/2006/math" xmlns="" val="1"/>
             </a:ext>
           </a:extLst>
         </p:spPr>
@@ -7425,7 +10537,7 @@
           <a:bodyPr lIns="50800" tIns="50800" rIns="50800" bIns="50800" anchor="ctr"/>
           <a:lstStyle>
             <a:lvl1pPr defTabSz="825500">
-              <a:defRPr b="1" sz="3700">
+              <a:defRPr sz="3700" b="1">
                 <a:solidFill>
                   <a:srgbClr val="000000"/>
                 </a:solidFill>
@@ -7433,7 +10545,6 @@
             </a:lvl1pPr>
           </a:lstStyle>
           <a:p>
-            <a:pPr/>
             <a:r>
               <a:t>3</a:t>
             </a:r>
@@ -7462,7 +10573,7 @@
           </a:ln>
           <a:extLst>
             <a:ext uri="{C572A759-6A51-4108-AA02-DFA0A04FC94B}">
-              <ma14:wrappingTextBoxFlag xmlns:ma14="http://schemas.microsoft.com/office/mac/drawingml/2011/main" val="1"/>
+              <ma14:wrappingTextBoxFlag xmlns:ma14="http://schemas.microsoft.com/office/mac/drawingml/2011/main" xmlns:a14="http://schemas.microsoft.com/office/drawing/2010/main" xmlns:m="http://schemas.openxmlformats.org/officeDocument/2006/math" xmlns="" val="1"/>
             </a:ext>
           </a:extLst>
         </p:spPr>
@@ -7470,7 +10581,7 @@
           <a:bodyPr lIns="50800" tIns="50800" rIns="50800" bIns="50800" anchor="ctr"/>
           <a:lstStyle>
             <a:lvl1pPr defTabSz="825500">
-              <a:defRPr b="1" sz="3700">
+              <a:defRPr sz="3700" b="1">
                 <a:solidFill>
                   <a:srgbClr val="000000"/>
                 </a:solidFill>
@@ -7478,7 +10589,6 @@
             </a:lvl1pPr>
           </a:lstStyle>
           <a:p>
-            <a:pPr/>
             <a:r>
               <a:t>4</a:t>
             </a:r>
@@ -7488,7 +10598,9 @@
       <p:sp>
         <p:nvSpPr>
           <p:cNvPr id="200" name="Slide Number"/>
-          <p:cNvSpPr txBox="1"/>
+          <p:cNvSpPr txBox="1">
+            <a:spLocks noGrp="1"/>
+          </p:cNvSpPr>
           <p:nvPr>
             <p:ph type="sldNum" sz="quarter" idx="4294967295"/>
           </p:nvPr>
@@ -7503,7 +10615,7 @@
           </a:prstGeom>
           <a:extLst>
             <a:ext uri="{C572A759-6A51-4108-AA02-DFA0A04FC94B}">
-              <ma14:wrappingTextBoxFlag xmlns:ma14="http://schemas.microsoft.com/office/mac/drawingml/2011/main" val="1"/>
+              <ma14:wrappingTextBoxFlag xmlns:ma14="http://schemas.microsoft.com/office/mac/drawingml/2011/main" xmlns:a14="http://schemas.microsoft.com/office/drawing/2010/main" xmlns:m="http://schemas.openxmlformats.org/officeDocument/2006/math" xmlns="" val="1"/>
             </a:ext>
           </a:extLst>
         </p:spPr>
@@ -7511,8 +10623,10 @@
           <a:bodyPr/>
           <a:lstStyle/>
           <a:p>
-            <a:pPr/>
-            <a:fld id="{86CB4B4D-7CA3-9044-876B-883B54F8677D}" type="slidenum"/>
+            <a:fld id="{86CB4B4D-7CA3-9044-876B-883B54F8677D}" type="slidenum">
+              <a:t>8</a:t>
+            </a:fld>
+            <a:endParaRPr/>
           </a:p>
         </p:txBody>
       </p:sp>
@@ -7540,7 +10654,7 @@
           </a:ln>
           <a:extLst>
             <a:ext uri="{C572A759-6A51-4108-AA02-DFA0A04FC94B}">
-              <ma14:wrappingTextBoxFlag xmlns:ma14="http://schemas.microsoft.com/office/mac/drawingml/2011/main" val="1"/>
+              <ma14:wrappingTextBoxFlag xmlns:ma14="http://schemas.microsoft.com/office/mac/drawingml/2011/main" xmlns:a14="http://schemas.microsoft.com/office/drawing/2010/main" xmlns:m="http://schemas.openxmlformats.org/officeDocument/2006/math" xmlns="" val="1"/>
             </a:ext>
           </a:extLst>
         </p:spPr>
@@ -7570,12 +10684,12 @@
   <p:clrMapOvr>
     <a:masterClrMapping/>
   </p:clrMapOvr>
-  <p:transition xmlns:p14="http://schemas.microsoft.com/office/powerpoint/2010/main" spd="med" advClick="1"/>
+  <p:transition spd="med"/>
 </p:sld>
 </file>
 
 <file path=ppt/slides/slide9.xml><?xml version="1.0" encoding="utf-8"?>
-<p:sld xmlns:a="http://schemas.openxmlformats.org/drawingml/2006/main" xmlns:r="http://schemas.openxmlformats.org/officeDocument/2006/relationships" xmlns:p="http://schemas.openxmlformats.org/presentationml/2006/main" xmlns:m="http://schemas.openxmlformats.org/officeDocument/2006/math" xmlns:a14="http://schemas.microsoft.com/office/drawing/2010/main" showMasterSp="1" showMasterPhAnim="1">
+<p:sld xmlns:a="http://schemas.openxmlformats.org/drawingml/2006/main" xmlns:r="http://schemas.openxmlformats.org/officeDocument/2006/relationships" xmlns:p="http://schemas.openxmlformats.org/presentationml/2006/main">
   <p:cSld>
     <p:spTree>
       <p:nvGrpSpPr>
@@ -7594,7 +10708,9 @@
       <p:sp>
         <p:nvSpPr>
           <p:cNvPr id="203" name="Slide Number"/>
-          <p:cNvSpPr txBox="1"/>
+          <p:cNvSpPr txBox="1">
+            <a:spLocks noGrp="1"/>
+          </p:cNvSpPr>
           <p:nvPr>
             <p:ph type="sldNum" sz="quarter" idx="4294967295"/>
           </p:nvPr>
@@ -7609,7 +10725,7 @@
           </a:prstGeom>
           <a:extLst>
             <a:ext uri="{C572A759-6A51-4108-AA02-DFA0A04FC94B}">
-              <ma14:wrappingTextBoxFlag xmlns:ma14="http://schemas.microsoft.com/office/mac/drawingml/2011/main" val="1"/>
+              <ma14:wrappingTextBoxFlag xmlns:ma14="http://schemas.microsoft.com/office/mac/drawingml/2011/main" xmlns:a14="http://schemas.microsoft.com/office/drawing/2010/main" xmlns:m="http://schemas.openxmlformats.org/officeDocument/2006/math" xmlns="" val="1"/>
             </a:ext>
           </a:extLst>
         </p:spPr>
@@ -7617,8 +10733,10 @@
           <a:bodyPr/>
           <a:lstStyle/>
           <a:p>
-            <a:pPr/>
-            <a:fld id="{86CB4B4D-7CA3-9044-876B-883B54F8677D}" type="slidenum"/>
+            <a:fld id="{86CB4B4D-7CA3-9044-876B-883B54F8677D}" type="slidenum">
+              <a:t>9</a:t>
+            </a:fld>
+            <a:endParaRPr/>
           </a:p>
         </p:txBody>
       </p:sp>
@@ -7631,9 +10749,7 @@
           <p:nvPr/>
         </p:nvPicPr>
         <p:blipFill>
-          <a:blip r:embed="rId2">
-            <a:extLst/>
-          </a:blip>
+          <a:blip r:embed="rId2"/>
           <a:stretch>
             <a:fillRect/>
           </a:stretch>
@@ -7673,7 +10789,7 @@
           </a:ln>
           <a:extLst>
             <a:ext uri="{C572A759-6A51-4108-AA02-DFA0A04FC94B}">
-              <ma14:wrappingTextBoxFlag xmlns:ma14="http://schemas.microsoft.com/office/mac/drawingml/2011/main" val="1"/>
+              <ma14:wrappingTextBoxFlag xmlns:ma14="http://schemas.microsoft.com/office/mac/drawingml/2011/main" xmlns:a14="http://schemas.microsoft.com/office/drawing/2010/main" xmlns:m="http://schemas.openxmlformats.org/officeDocument/2006/math" xmlns="" val="1"/>
             </a:ext>
           </a:extLst>
         </p:spPr>
@@ -7681,12 +10797,12 @@
           <a:bodyPr lIns="50800" tIns="50800" rIns="50800" bIns="50800"/>
           <a:lstStyle/>
           <a:p>
-            <a:pPr lvl="1" marL="1481666" indent="-592666" algn="l" defTabSz="825500">
+            <a:pPr marL="1481666" lvl="1" indent="-592666" algn="l" defTabSz="825500">
               <a:lnSpc>
                 <a:spcPct val="150000"/>
               </a:lnSpc>
               <a:buSzPct val="100000"/>
-              <a:buAutoNum type="arabicPeriod" startAt="1"/>
+              <a:buAutoNum type="arabicPeriod"/>
               <a:defRPr sz="3200">
                 <a:solidFill>
                   <a:srgbClr val="000000"/>
@@ -7702,12 +10818,12 @@
             </a:r>
           </a:p>
           <a:p>
-            <a:pPr lvl="1" marL="1481666" indent="-592666" algn="l" defTabSz="825500">
+            <a:pPr marL="1481666" lvl="1" indent="-592666" algn="l" defTabSz="825500">
               <a:lnSpc>
                 <a:spcPct val="150000"/>
               </a:lnSpc>
               <a:buSzPct val="100000"/>
-              <a:buAutoNum type="arabicPeriod" startAt="1"/>
+              <a:buAutoNum type="arabicPeriod"/>
               <a:defRPr sz="3200">
                 <a:solidFill>
                   <a:srgbClr val="000000"/>
@@ -7723,12 +10839,12 @@
             </a:r>
           </a:p>
           <a:p>
-            <a:pPr lvl="1" marL="1481666" indent="-592666" algn="l" defTabSz="825500">
+            <a:pPr marL="1481666" lvl="1" indent="-592666" algn="l" defTabSz="825500">
               <a:lnSpc>
                 <a:spcPct val="150000"/>
               </a:lnSpc>
               <a:buSzPct val="100000"/>
-              <a:buAutoNum type="arabicPeriod" startAt="1"/>
+              <a:buAutoNum type="arabicPeriod"/>
               <a:defRPr sz="3200">
                 <a:solidFill>
                   <a:srgbClr val="000000"/>
@@ -7744,12 +10860,12 @@
             </a:r>
           </a:p>
           <a:p>
-            <a:pPr lvl="1" marL="1481666" indent="-592666" algn="l" defTabSz="825500">
+            <a:pPr marL="1481666" lvl="1" indent="-592666" algn="l" defTabSz="825500">
               <a:lnSpc>
                 <a:spcPct val="150000"/>
               </a:lnSpc>
               <a:buSzPct val="100000"/>
-              <a:buAutoNum type="arabicPeriod" startAt="1"/>
+              <a:buAutoNum type="arabicPeriod"/>
               <a:defRPr sz="3200">
                 <a:solidFill>
                   <a:srgbClr val="000000"/>
@@ -7779,6 +10895,7 @@
                 <a:sym typeface="Helvetica Neue Medium"/>
               </a:defRPr>
             </a:pPr>
+            <a:endParaRPr/>
           </a:p>
           <a:p>
             <a:pPr algn="l" defTabSz="825500">
@@ -7795,6 +10912,7 @@
                 <a:sym typeface="Helvetica Neue Medium"/>
               </a:defRPr>
             </a:pPr>
+            <a:endParaRPr/>
           </a:p>
           <a:p>
             <a:pPr lvl="2" algn="l" defTabSz="825500">
@@ -7813,7 +10931,7 @@
             </a:r>
           </a:p>
           <a:p>
-            <a:pPr lvl="2" marL="1625600" indent="-406400" algn="l" defTabSz="825500">
+            <a:pPr marL="1625600" lvl="2" indent="-406400" algn="l" defTabSz="825500">
               <a:buSzPct val="123000"/>
               <a:buChar char="•"/>
               <a:defRPr sz="3200">
@@ -7831,7 +10949,7 @@
             </a:r>
           </a:p>
           <a:p>
-            <a:pPr lvl="2" marL="1625600" indent="-406400" algn="l" defTabSz="825500">
+            <a:pPr marL="1625600" lvl="2" indent="-406400" algn="l" defTabSz="825500">
               <a:buSzPct val="123000"/>
               <a:buChar char="•"/>
               <a:defRPr sz="3200">
@@ -7872,7 +10990,7 @@
           </a:ln>
           <a:extLst>
             <a:ext uri="{C572A759-6A51-4108-AA02-DFA0A04FC94B}">
-              <ma14:wrappingTextBoxFlag xmlns:ma14="http://schemas.microsoft.com/office/mac/drawingml/2011/main" val="1"/>
+              <ma14:wrappingTextBoxFlag xmlns:ma14="http://schemas.microsoft.com/office/mac/drawingml/2011/main" xmlns:a14="http://schemas.microsoft.com/office/drawing/2010/main" xmlns:m="http://schemas.openxmlformats.org/officeDocument/2006/math" xmlns="" val="1"/>
             </a:ext>
           </a:extLst>
         </p:spPr>
@@ -7880,7 +10998,7 @@
           <a:bodyPr lIns="50800" tIns="50800" rIns="50800" bIns="50800" anchor="ctr"/>
           <a:lstStyle>
             <a:lvl1pPr defTabSz="825500">
-              <a:defRPr b="1" sz="3700">
+              <a:defRPr sz="3700" b="1">
                 <a:solidFill>
                   <a:srgbClr val="000000"/>
                 </a:solidFill>
@@ -7888,7 +11006,6 @@
             </a:lvl1pPr>
           </a:lstStyle>
           <a:p>
-            <a:pPr/>
             <a:r>
               <a:t>1</a:t>
             </a:r>
@@ -7917,7 +11034,7 @@
           </a:ln>
           <a:extLst>
             <a:ext uri="{C572A759-6A51-4108-AA02-DFA0A04FC94B}">
-              <ma14:wrappingTextBoxFlag xmlns:ma14="http://schemas.microsoft.com/office/mac/drawingml/2011/main" val="1"/>
+              <ma14:wrappingTextBoxFlag xmlns:ma14="http://schemas.microsoft.com/office/mac/drawingml/2011/main" xmlns:a14="http://schemas.microsoft.com/office/drawing/2010/main" xmlns:m="http://schemas.openxmlformats.org/officeDocument/2006/math" xmlns="" val="1"/>
             </a:ext>
           </a:extLst>
         </p:spPr>
@@ -7925,7 +11042,7 @@
           <a:bodyPr lIns="50800" tIns="50800" rIns="50800" bIns="50800" anchor="ctr"/>
           <a:lstStyle>
             <a:lvl1pPr defTabSz="825500">
-              <a:defRPr b="1" sz="3700">
+              <a:defRPr sz="3700" b="1">
                 <a:solidFill>
                   <a:srgbClr val="000000"/>
                 </a:solidFill>
@@ -7933,7 +11050,6 @@
             </a:lvl1pPr>
           </a:lstStyle>
           <a:p>
-            <a:pPr/>
             <a:r>
               <a:t>2</a:t>
             </a:r>
@@ -7962,7 +11078,7 @@
           </a:ln>
           <a:extLst>
             <a:ext uri="{C572A759-6A51-4108-AA02-DFA0A04FC94B}">
-              <ma14:wrappingTextBoxFlag xmlns:ma14="http://schemas.microsoft.com/office/mac/drawingml/2011/main" val="1"/>
+              <ma14:wrappingTextBoxFlag xmlns:ma14="http://schemas.microsoft.com/office/mac/drawingml/2011/main" xmlns:a14="http://schemas.microsoft.com/office/drawing/2010/main" xmlns:m="http://schemas.openxmlformats.org/officeDocument/2006/math" xmlns="" val="1"/>
             </a:ext>
           </a:extLst>
         </p:spPr>
@@ -7970,7 +11086,7 @@
           <a:bodyPr lIns="50800" tIns="50800" rIns="50800" bIns="50800" anchor="ctr"/>
           <a:lstStyle>
             <a:lvl1pPr defTabSz="825500">
-              <a:defRPr b="1" sz="3700">
+              <a:defRPr sz="3700" b="1">
                 <a:solidFill>
                   <a:srgbClr val="000000"/>
                 </a:solidFill>
@@ -7978,7 +11094,6 @@
             </a:lvl1pPr>
           </a:lstStyle>
           <a:p>
-            <a:pPr/>
             <a:r>
               <a:t>3</a:t>
             </a:r>
@@ -8007,7 +11122,7 @@
           </a:ln>
           <a:extLst>
             <a:ext uri="{C572A759-6A51-4108-AA02-DFA0A04FC94B}">
-              <ma14:wrappingTextBoxFlag xmlns:ma14="http://schemas.microsoft.com/office/mac/drawingml/2011/main" val="1"/>
+              <ma14:wrappingTextBoxFlag xmlns:ma14="http://schemas.microsoft.com/office/mac/drawingml/2011/main" xmlns:a14="http://schemas.microsoft.com/office/drawing/2010/main" xmlns:m="http://schemas.openxmlformats.org/officeDocument/2006/math" xmlns="" val="1"/>
             </a:ext>
           </a:extLst>
         </p:spPr>
@@ -8015,7 +11130,7 @@
           <a:bodyPr lIns="50800" tIns="50800" rIns="50800" bIns="50800" anchor="ctr"/>
           <a:lstStyle>
             <a:lvl1pPr defTabSz="825500">
-              <a:defRPr b="1" sz="3700">
+              <a:defRPr sz="3700" b="1">
                 <a:solidFill>
                   <a:srgbClr val="000000"/>
                 </a:solidFill>
@@ -8023,7 +11138,6 @@
             </a:lvl1pPr>
           </a:lstStyle>
           <a:p>
-            <a:pPr/>
             <a:r>
               <a:t>4</a:t>
             </a:r>
@@ -8052,7 +11166,7 @@
           </a:ln>
           <a:extLst>
             <a:ext uri="{C572A759-6A51-4108-AA02-DFA0A04FC94B}">
-              <ma14:wrappingTextBoxFlag xmlns:ma14="http://schemas.microsoft.com/office/mac/drawingml/2011/main" val="1"/>
+              <ma14:wrappingTextBoxFlag xmlns:ma14="http://schemas.microsoft.com/office/mac/drawingml/2011/main" xmlns:a14="http://schemas.microsoft.com/office/drawing/2010/main" xmlns:m="http://schemas.openxmlformats.org/officeDocument/2006/math" xmlns="" val="1"/>
             </a:ext>
           </a:extLst>
         </p:spPr>
@@ -8072,7 +11186,6 @@
             </a:lvl1pPr>
           </a:lstStyle>
           <a:p>
-            <a:pPr/>
             <a:r>
               <a:t>Diese visuell anspruchsvollere Ansicht ist erstmal ein optionales Feature und funktioniert analog zur normalen Ansicht (genaue visuelle Anforderungen können bei Umsetzung umgeändert/verbessert werden)</a:t>
             </a:r>
@@ -8103,7 +11216,7 @@
           </a:ln>
           <a:extLst>
             <a:ext uri="{C572A759-6A51-4108-AA02-DFA0A04FC94B}">
-              <ma14:wrappingTextBoxFlag xmlns:ma14="http://schemas.microsoft.com/office/mac/drawingml/2011/main" val="1"/>
+              <ma14:wrappingTextBoxFlag xmlns:ma14="http://schemas.microsoft.com/office/mac/drawingml/2011/main" xmlns:a14="http://schemas.microsoft.com/office/drawing/2010/main" xmlns:m="http://schemas.openxmlformats.org/officeDocument/2006/math" xmlns="" val="1"/>
             </a:ext>
           </a:extLst>
         </p:spPr>
@@ -8133,12 +11246,12 @@
   <p:clrMapOvr>
     <a:masterClrMapping/>
   </p:clrMapOvr>
-  <p:transition xmlns:p14="http://schemas.microsoft.com/office/powerpoint/2010/main" spd="med" advClick="1"/>
+  <p:transition spd="med"/>
 </p:sld>
 </file>
 
 <file path=ppt/theme/theme1.xml><?xml version="1.0" encoding="utf-8"?>
-<a:theme xmlns:a="http://schemas.openxmlformats.org/drawingml/2006/main" xmlns:r="http://schemas.openxmlformats.org/officeDocument/2006/relationships" name="21_BasicWhite">
+<a:theme xmlns:a="http://schemas.openxmlformats.org/drawingml/2006/main" name="21_BasicWhite">
   <a:themeElements>
     <a:clrScheme name="21_BasicWhite">
       <a:dk1>
@@ -8337,7 +11450,7 @@
         <a:effectLst/>
         <a:sp3d/>
       </a:spPr>
-      <a:bodyPr rot="0" spcFirstLastPara="1" vertOverflow="overflow" horzOverflow="overflow" vert="horz" wrap="square" lIns="50800" tIns="50800" rIns="50800" bIns="50800" numCol="1" spcCol="38100" rtlCol="0" anchor="ctr" upright="0">
+      <a:bodyPr rot="0" spcFirstLastPara="1" vertOverflow="overflow" horzOverflow="overflow" vert="horz" wrap="square" lIns="50800" tIns="50800" rIns="50800" bIns="50800" numCol="1" spcCol="38100" rtlCol="0" anchor="ctr">
         <a:spAutoFit/>
       </a:bodyPr>
       <a:lstStyle>
@@ -8356,7 +11469,7 @@
           <a:buFontTx/>
           <a:buNone/>
           <a:tabLst/>
-          <a:defRPr b="0" baseline="0" cap="none" i="0" spc="0" strike="noStrike" sz="3200" u="none" kumimoji="0" normalizeH="0">
+          <a:defRPr kumimoji="0" sz="3200" b="0" i="0" u="none" strike="noStrike" cap="none" spc="0" normalizeH="0" baseline="0">
             <a:ln>
               <a:noFill/>
             </a:ln>
@@ -8386,7 +11499,7 @@
           <a:buFontTx/>
           <a:buNone/>
           <a:tabLst/>
-          <a:defRPr b="0" baseline="0" cap="none" i="0" spc="0" strike="noStrike" sz="1800" u="none" kumimoji="0" normalizeH="0">
+          <a:defRPr kumimoji="0" sz="1800" b="0" i="0" u="none" strike="noStrike" cap="none" spc="0" normalizeH="0" baseline="0">
             <a:ln>
               <a:noFill/>
             </a:ln>
@@ -8412,7 +11525,7 @@
           <a:buFontTx/>
           <a:buNone/>
           <a:tabLst/>
-          <a:defRPr b="0" baseline="0" cap="none" i="0" spc="0" strike="noStrike" sz="1800" u="none" kumimoji="0" normalizeH="0">
+          <a:defRPr kumimoji="0" sz="1800" b="0" i="0" u="none" strike="noStrike" cap="none" spc="0" normalizeH="0" baseline="0">
             <a:ln>
               <a:noFill/>
             </a:ln>
@@ -8438,7 +11551,7 @@
           <a:buFontTx/>
           <a:buNone/>
           <a:tabLst/>
-          <a:defRPr b="0" baseline="0" cap="none" i="0" spc="0" strike="noStrike" sz="1800" u="none" kumimoji="0" normalizeH="0">
+          <a:defRPr kumimoji="0" sz="1800" b="0" i="0" u="none" strike="noStrike" cap="none" spc="0" normalizeH="0" baseline="0">
             <a:ln>
               <a:noFill/>
             </a:ln>
@@ -8464,7 +11577,7 @@
           <a:buFontTx/>
           <a:buNone/>
           <a:tabLst/>
-          <a:defRPr b="0" baseline="0" cap="none" i="0" spc="0" strike="noStrike" sz="1800" u="none" kumimoji="0" normalizeH="0">
+          <a:defRPr kumimoji="0" sz="1800" b="0" i="0" u="none" strike="noStrike" cap="none" spc="0" normalizeH="0" baseline="0">
             <a:ln>
               <a:noFill/>
             </a:ln>
@@ -8490,7 +11603,7 @@
           <a:buFontTx/>
           <a:buNone/>
           <a:tabLst/>
-          <a:defRPr b="0" baseline="0" cap="none" i="0" spc="0" strike="noStrike" sz="1800" u="none" kumimoji="0" normalizeH="0">
+          <a:defRPr kumimoji="0" sz="1800" b="0" i="0" u="none" strike="noStrike" cap="none" spc="0" normalizeH="0" baseline="0">
             <a:ln>
               <a:noFill/>
             </a:ln>
@@ -8516,7 +11629,7 @@
           <a:buFontTx/>
           <a:buNone/>
           <a:tabLst/>
-          <a:defRPr b="0" baseline="0" cap="none" i="0" spc="0" strike="noStrike" sz="1800" u="none" kumimoji="0" normalizeH="0">
+          <a:defRPr kumimoji="0" sz="1800" b="0" i="0" u="none" strike="noStrike" cap="none" spc="0" normalizeH="0" baseline="0">
             <a:ln>
               <a:noFill/>
             </a:ln>
@@ -8542,7 +11655,7 @@
           <a:buFontTx/>
           <a:buNone/>
           <a:tabLst/>
-          <a:defRPr b="0" baseline="0" cap="none" i="0" spc="0" strike="noStrike" sz="1800" u="none" kumimoji="0" normalizeH="0">
+          <a:defRPr kumimoji="0" sz="1800" b="0" i="0" u="none" strike="noStrike" cap="none" spc="0" normalizeH="0" baseline="0">
             <a:ln>
               <a:noFill/>
             </a:ln>
@@ -8568,7 +11681,7 @@
           <a:buFontTx/>
           <a:buNone/>
           <a:tabLst/>
-          <a:defRPr b="0" baseline="0" cap="none" i="0" spc="0" strike="noStrike" sz="1800" u="none" kumimoji="0" normalizeH="0">
+          <a:defRPr kumimoji="0" sz="1800" b="0" i="0" u="none" strike="noStrike" cap="none" spc="0" normalizeH="0" baseline="0">
             <a:ln>
               <a:noFill/>
             </a:ln>
@@ -8594,7 +11707,7 @@
           <a:buFontTx/>
           <a:buNone/>
           <a:tabLst/>
-          <a:defRPr b="0" baseline="0" cap="none" i="0" spc="0" strike="noStrike" sz="1800" u="none" kumimoji="0" normalizeH="0">
+          <a:defRPr kumimoji="0" sz="1800" b="0" i="0" u="none" strike="noStrike" cap="none" spc="0" normalizeH="0" baseline="0">
             <a:ln>
               <a:noFill/>
             </a:ln>
@@ -8607,9 +11720,15 @@
         </a:lvl9pPr>
       </a:lstStyle>
       <a:style>
-        <a:lnRef idx="0"/>
-        <a:fillRef idx="0"/>
-        <a:effectRef idx="0"/>
+        <a:lnRef idx="0">
+          <a:scrgbClr r="0" g="0" b="0"/>
+        </a:lnRef>
+        <a:fillRef idx="0">
+          <a:scrgbClr r="0" g="0" b="0"/>
+        </a:fillRef>
+        <a:effectRef idx="0">
+          <a:scrgbClr r="0" g="0" b="0"/>
+        </a:effectRef>
         <a:fontRef idx="none"/>
       </a:style>
     </a:spDef>
@@ -8626,7 +11745,7 @@
         <a:effectLst/>
         <a:sp3d/>
       </a:spPr>
-      <a:bodyPr rot="0" spcFirstLastPara="1" vertOverflow="overflow" horzOverflow="overflow" vert="horz" wrap="square" lIns="91439" tIns="45719" rIns="91439" bIns="45719" numCol="1" spcCol="38100" rtlCol="0" anchor="t" upright="0">
+      <a:bodyPr rot="0" spcFirstLastPara="1" vertOverflow="overflow" horzOverflow="overflow" vert="horz" wrap="square" lIns="91439" tIns="45719" rIns="91439" bIns="45719" numCol="1" spcCol="38100" rtlCol="0" anchor="t">
         <a:noAutofit/>
       </a:bodyPr>
       <a:lstStyle>
@@ -8645,7 +11764,7 @@
           <a:buFontTx/>
           <a:buNone/>
           <a:tabLst/>
-          <a:defRPr b="0" baseline="0" cap="none" i="0" spc="0" strike="noStrike" sz="1800" u="none" kumimoji="0" normalizeH="0">
+          <a:defRPr kumimoji="0" sz="1800" b="0" i="0" u="none" strike="noStrike" cap="none" spc="0" normalizeH="0" baseline="0">
             <a:ln>
               <a:noFill/>
             </a:ln>
@@ -8671,7 +11790,7 @@
           <a:buFontTx/>
           <a:buNone/>
           <a:tabLst/>
-          <a:defRPr b="0" baseline="0" cap="none" i="0" spc="0" strike="noStrike" sz="1800" u="none" kumimoji="0" normalizeH="0">
+          <a:defRPr kumimoji="0" sz="1800" b="0" i="0" u="none" strike="noStrike" cap="none" spc="0" normalizeH="0" baseline="0">
             <a:ln>
               <a:noFill/>
             </a:ln>
@@ -8697,7 +11816,7 @@
           <a:buFontTx/>
           <a:buNone/>
           <a:tabLst/>
-          <a:defRPr b="0" baseline="0" cap="none" i="0" spc="0" strike="noStrike" sz="1800" u="none" kumimoji="0" normalizeH="0">
+          <a:defRPr kumimoji="0" sz="1800" b="0" i="0" u="none" strike="noStrike" cap="none" spc="0" normalizeH="0" baseline="0">
             <a:ln>
               <a:noFill/>
             </a:ln>
@@ -8723,7 +11842,7 @@
           <a:buFontTx/>
           <a:buNone/>
           <a:tabLst/>
-          <a:defRPr b="0" baseline="0" cap="none" i="0" spc="0" strike="noStrike" sz="1800" u="none" kumimoji="0" normalizeH="0">
+          <a:defRPr kumimoji="0" sz="1800" b="0" i="0" u="none" strike="noStrike" cap="none" spc="0" normalizeH="0" baseline="0">
             <a:ln>
               <a:noFill/>
             </a:ln>
@@ -8749,7 +11868,7 @@
           <a:buFontTx/>
           <a:buNone/>
           <a:tabLst/>
-          <a:defRPr b="0" baseline="0" cap="none" i="0" spc="0" strike="noStrike" sz="1800" u="none" kumimoji="0" normalizeH="0">
+          <a:defRPr kumimoji="0" sz="1800" b="0" i="0" u="none" strike="noStrike" cap="none" spc="0" normalizeH="0" baseline="0">
             <a:ln>
               <a:noFill/>
             </a:ln>
@@ -8775,7 +11894,7 @@
           <a:buFontTx/>
           <a:buNone/>
           <a:tabLst/>
-          <a:defRPr b="0" baseline="0" cap="none" i="0" spc="0" strike="noStrike" sz="1800" u="none" kumimoji="0" normalizeH="0">
+          <a:defRPr kumimoji="0" sz="1800" b="0" i="0" u="none" strike="noStrike" cap="none" spc="0" normalizeH="0" baseline="0">
             <a:ln>
               <a:noFill/>
             </a:ln>
@@ -8801,7 +11920,7 @@
           <a:buFontTx/>
           <a:buNone/>
           <a:tabLst/>
-          <a:defRPr b="0" baseline="0" cap="none" i="0" spc="0" strike="noStrike" sz="1800" u="none" kumimoji="0" normalizeH="0">
+          <a:defRPr kumimoji="0" sz="1800" b="0" i="0" u="none" strike="noStrike" cap="none" spc="0" normalizeH="0" baseline="0">
             <a:ln>
               <a:noFill/>
             </a:ln>
@@ -8827,7 +11946,7 @@
           <a:buFontTx/>
           <a:buNone/>
           <a:tabLst/>
-          <a:defRPr b="0" baseline="0" cap="none" i="0" spc="0" strike="noStrike" sz="1800" u="none" kumimoji="0" normalizeH="0">
+          <a:defRPr kumimoji="0" sz="1800" b="0" i="0" u="none" strike="noStrike" cap="none" spc="0" normalizeH="0" baseline="0">
             <a:ln>
               <a:noFill/>
             </a:ln>
@@ -8853,7 +11972,7 @@
           <a:buFontTx/>
           <a:buNone/>
           <a:tabLst/>
-          <a:defRPr b="0" baseline="0" cap="none" i="0" spc="0" strike="noStrike" sz="1800" u="none" kumimoji="0" normalizeH="0">
+          <a:defRPr kumimoji="0" sz="1800" b="0" i="0" u="none" strike="noStrike" cap="none" spc="0" normalizeH="0" baseline="0">
             <a:ln>
               <a:noFill/>
             </a:ln>
@@ -8879,7 +11998,7 @@
           <a:buFontTx/>
           <a:buNone/>
           <a:tabLst/>
-          <a:defRPr b="0" baseline="0" cap="none" i="0" spc="0" strike="noStrike" sz="1800" u="none" kumimoji="0" normalizeH="0">
+          <a:defRPr kumimoji="0" sz="1800" b="0" i="0" u="none" strike="noStrike" cap="none" spc="0" normalizeH="0" baseline="0">
             <a:ln>
               <a:noFill/>
             </a:ln>
@@ -8892,9 +12011,15 @@
         </a:lvl9pPr>
       </a:lstStyle>
       <a:style>
-        <a:lnRef idx="0"/>
-        <a:fillRef idx="0"/>
-        <a:effectRef idx="0"/>
+        <a:lnRef idx="0">
+          <a:scrgbClr r="0" g="0" b="0"/>
+        </a:lnRef>
+        <a:fillRef idx="0">
+          <a:scrgbClr r="0" g="0" b="0"/>
+        </a:fillRef>
+        <a:effectRef idx="0">
+          <a:scrgbClr r="0" g="0" b="0"/>
+        </a:effectRef>
         <a:fontRef idx="none"/>
       </a:style>
     </a:lnDef>
@@ -8908,7 +12033,7 @@
         <a:effectLst/>
         <a:sp3d/>
       </a:spPr>
-      <a:bodyPr rot="0" spcFirstLastPara="1" vertOverflow="overflow" horzOverflow="overflow" vert="horz" wrap="square" lIns="50800" tIns="50800" rIns="50800" bIns="50800" numCol="1" spcCol="38100" rtlCol="0" anchor="ctr" upright="0">
+      <a:bodyPr rot="0" spcFirstLastPara="1" vertOverflow="overflow" horzOverflow="overflow" vert="horz" wrap="square" lIns="50800" tIns="50800" rIns="50800" bIns="50800" numCol="1" spcCol="38100" rtlCol="0" anchor="ctr">
         <a:spAutoFit/>
       </a:bodyPr>
       <a:lstStyle>
@@ -8927,7 +12052,7 @@
           <a:buFontTx/>
           <a:buNone/>
           <a:tabLst/>
-          <a:defRPr b="0" baseline="0" cap="none" i="0" spc="0" strike="noStrike" sz="2400" u="none" kumimoji="0" normalizeH="0">
+          <a:defRPr kumimoji="0" sz="2400" b="0" i="0" u="none" strike="noStrike" cap="none" spc="0" normalizeH="0" baseline="0">
             <a:ln>
               <a:noFill/>
             </a:ln>
@@ -8957,7 +12082,7 @@
           <a:buFontTx/>
           <a:buNone/>
           <a:tabLst/>
-          <a:defRPr b="0" baseline="0" cap="none" i="0" spc="0" strike="noStrike" sz="1800" u="none" kumimoji="0" normalizeH="0">
+          <a:defRPr kumimoji="0" sz="1800" b="0" i="0" u="none" strike="noStrike" cap="none" spc="0" normalizeH="0" baseline="0">
             <a:ln>
               <a:noFill/>
             </a:ln>
@@ -8983,7 +12108,7 @@
           <a:buFontTx/>
           <a:buNone/>
           <a:tabLst/>
-          <a:defRPr b="0" baseline="0" cap="none" i="0" spc="0" strike="noStrike" sz="1800" u="none" kumimoji="0" normalizeH="0">
+          <a:defRPr kumimoji="0" sz="1800" b="0" i="0" u="none" strike="noStrike" cap="none" spc="0" normalizeH="0" baseline="0">
             <a:ln>
               <a:noFill/>
             </a:ln>
@@ -9009,7 +12134,7 @@
           <a:buFontTx/>
           <a:buNone/>
           <a:tabLst/>
-          <a:defRPr b="0" baseline="0" cap="none" i="0" spc="0" strike="noStrike" sz="1800" u="none" kumimoji="0" normalizeH="0">
+          <a:defRPr kumimoji="0" sz="1800" b="0" i="0" u="none" strike="noStrike" cap="none" spc="0" normalizeH="0" baseline="0">
             <a:ln>
               <a:noFill/>
             </a:ln>
@@ -9035,7 +12160,7 @@
           <a:buFontTx/>
           <a:buNone/>
           <a:tabLst/>
-          <a:defRPr b="0" baseline="0" cap="none" i="0" spc="0" strike="noStrike" sz="1800" u="none" kumimoji="0" normalizeH="0">
+          <a:defRPr kumimoji="0" sz="1800" b="0" i="0" u="none" strike="noStrike" cap="none" spc="0" normalizeH="0" baseline="0">
             <a:ln>
               <a:noFill/>
             </a:ln>
@@ -9061,7 +12186,7 @@
           <a:buFontTx/>
           <a:buNone/>
           <a:tabLst/>
-          <a:defRPr b="0" baseline="0" cap="none" i="0" spc="0" strike="noStrike" sz="1800" u="none" kumimoji="0" normalizeH="0">
+          <a:defRPr kumimoji="0" sz="1800" b="0" i="0" u="none" strike="noStrike" cap="none" spc="0" normalizeH="0" baseline="0">
             <a:ln>
               <a:noFill/>
             </a:ln>
@@ -9087,7 +12212,7 @@
           <a:buFontTx/>
           <a:buNone/>
           <a:tabLst/>
-          <a:defRPr b="0" baseline="0" cap="none" i="0" spc="0" strike="noStrike" sz="1800" u="none" kumimoji="0" normalizeH="0">
+          <a:defRPr kumimoji="0" sz="1800" b="0" i="0" u="none" strike="noStrike" cap="none" spc="0" normalizeH="0" baseline="0">
             <a:ln>
               <a:noFill/>
             </a:ln>
@@ -9113,7 +12238,7 @@
           <a:buFontTx/>
           <a:buNone/>
           <a:tabLst/>
-          <a:defRPr b="0" baseline="0" cap="none" i="0" spc="0" strike="noStrike" sz="1800" u="none" kumimoji="0" normalizeH="0">
+          <a:defRPr kumimoji="0" sz="1800" b="0" i="0" u="none" strike="noStrike" cap="none" spc="0" normalizeH="0" baseline="0">
             <a:ln>
               <a:noFill/>
             </a:ln>
@@ -9139,7 +12264,7 @@
           <a:buFontTx/>
           <a:buNone/>
           <a:tabLst/>
-          <a:defRPr b="0" baseline="0" cap="none" i="0" spc="0" strike="noStrike" sz="1800" u="none" kumimoji="0" normalizeH="0">
+          <a:defRPr kumimoji="0" sz="1800" b="0" i="0" u="none" strike="noStrike" cap="none" spc="0" normalizeH="0" baseline="0">
             <a:ln>
               <a:noFill/>
             </a:ln>
@@ -9165,7 +12290,7 @@
           <a:buFontTx/>
           <a:buNone/>
           <a:tabLst/>
-          <a:defRPr b="0" baseline="0" cap="none" i="0" spc="0" strike="noStrike" sz="1800" u="none" kumimoji="0" normalizeH="0">
+          <a:defRPr kumimoji="0" sz="1800" b="0" i="0" u="none" strike="noStrike" cap="none" spc="0" normalizeH="0" baseline="0">
             <a:ln>
               <a:noFill/>
             </a:ln>
@@ -9178,18 +12303,25 @@
         </a:lvl9pPr>
       </a:lstStyle>
       <a:style>
-        <a:lnRef idx="0"/>
-        <a:fillRef idx="0"/>
-        <a:effectRef idx="0"/>
+        <a:lnRef idx="0">
+          <a:scrgbClr r="0" g="0" b="0"/>
+        </a:lnRef>
+        <a:fillRef idx="0">
+          <a:scrgbClr r="0" g="0" b="0"/>
+        </a:fillRef>
+        <a:effectRef idx="0">
+          <a:scrgbClr r="0" g="0" b="0"/>
+        </a:effectRef>
         <a:fontRef idx="none"/>
       </a:style>
     </a:txDef>
   </a:objectDefaults>
+  <a:extraClrSchemeLst/>
 </a:theme>
 </file>
 
 <file path=ppt/theme/theme2.xml><?xml version="1.0" encoding="utf-8"?>
-<a:theme xmlns:a="http://schemas.openxmlformats.org/drawingml/2006/main" xmlns:r="http://schemas.openxmlformats.org/officeDocument/2006/relationships" name="21_BasicWhite">
+<a:theme xmlns:a="http://schemas.openxmlformats.org/drawingml/2006/main" name="21_BasicWhite">
   <a:themeElements>
     <a:clrScheme name="21_BasicWhite">
       <a:dk1>
@@ -9388,7 +12520,7 @@
         <a:effectLst/>
         <a:sp3d/>
       </a:spPr>
-      <a:bodyPr rot="0" spcFirstLastPara="1" vertOverflow="overflow" horzOverflow="overflow" vert="horz" wrap="square" lIns="50800" tIns="50800" rIns="50800" bIns="50800" numCol="1" spcCol="38100" rtlCol="0" anchor="ctr" upright="0">
+      <a:bodyPr rot="0" spcFirstLastPara="1" vertOverflow="overflow" horzOverflow="overflow" vert="horz" wrap="square" lIns="50800" tIns="50800" rIns="50800" bIns="50800" numCol="1" spcCol="38100" rtlCol="0" anchor="ctr">
         <a:spAutoFit/>
       </a:bodyPr>
       <a:lstStyle>
@@ -9407,7 +12539,7 @@
           <a:buFontTx/>
           <a:buNone/>
           <a:tabLst/>
-          <a:defRPr b="0" baseline="0" cap="none" i="0" spc="0" strike="noStrike" sz="3200" u="none" kumimoji="0" normalizeH="0">
+          <a:defRPr kumimoji="0" sz="3200" b="0" i="0" u="none" strike="noStrike" cap="none" spc="0" normalizeH="0" baseline="0">
             <a:ln>
               <a:noFill/>
             </a:ln>
@@ -9437,7 +12569,7 @@
           <a:buFontTx/>
           <a:buNone/>
           <a:tabLst/>
-          <a:defRPr b="0" baseline="0" cap="none" i="0" spc="0" strike="noStrike" sz="1800" u="none" kumimoji="0" normalizeH="0">
+          <a:defRPr kumimoji="0" sz="1800" b="0" i="0" u="none" strike="noStrike" cap="none" spc="0" normalizeH="0" baseline="0">
             <a:ln>
               <a:noFill/>
             </a:ln>
@@ -9463,7 +12595,7 @@
           <a:buFontTx/>
           <a:buNone/>
           <a:tabLst/>
-          <a:defRPr b="0" baseline="0" cap="none" i="0" spc="0" strike="noStrike" sz="1800" u="none" kumimoji="0" normalizeH="0">
+          <a:defRPr kumimoji="0" sz="1800" b="0" i="0" u="none" strike="noStrike" cap="none" spc="0" normalizeH="0" baseline="0">
             <a:ln>
               <a:noFill/>
             </a:ln>
@@ -9489,7 +12621,7 @@
           <a:buFontTx/>
           <a:buNone/>
           <a:tabLst/>
-          <a:defRPr b="0" baseline="0" cap="none" i="0" spc="0" strike="noStrike" sz="1800" u="none" kumimoji="0" normalizeH="0">
+          <a:defRPr kumimoji="0" sz="1800" b="0" i="0" u="none" strike="noStrike" cap="none" spc="0" normalizeH="0" baseline="0">
             <a:ln>
               <a:noFill/>
             </a:ln>
@@ -9515,7 +12647,7 @@
           <a:buFontTx/>
           <a:buNone/>
           <a:tabLst/>
-          <a:defRPr b="0" baseline="0" cap="none" i="0" spc="0" strike="noStrike" sz="1800" u="none" kumimoji="0" normalizeH="0">
+          <a:defRPr kumimoji="0" sz="1800" b="0" i="0" u="none" strike="noStrike" cap="none" spc="0" normalizeH="0" baseline="0">
             <a:ln>
               <a:noFill/>
             </a:ln>
@@ -9541,7 +12673,7 @@
           <a:buFontTx/>
           <a:buNone/>
           <a:tabLst/>
-          <a:defRPr b="0" baseline="0" cap="none" i="0" spc="0" strike="noStrike" sz="1800" u="none" kumimoji="0" normalizeH="0">
+          <a:defRPr kumimoji="0" sz="1800" b="0" i="0" u="none" strike="noStrike" cap="none" spc="0" normalizeH="0" baseline="0">
             <a:ln>
               <a:noFill/>
             </a:ln>
@@ -9567,7 +12699,7 @@
           <a:buFontTx/>
           <a:buNone/>
           <a:tabLst/>
-          <a:defRPr b="0" baseline="0" cap="none" i="0" spc="0" strike="noStrike" sz="1800" u="none" kumimoji="0" normalizeH="0">
+          <a:defRPr kumimoji="0" sz="1800" b="0" i="0" u="none" strike="noStrike" cap="none" spc="0" normalizeH="0" baseline="0">
             <a:ln>
               <a:noFill/>
             </a:ln>
@@ -9593,7 +12725,7 @@
           <a:buFontTx/>
           <a:buNone/>
           <a:tabLst/>
-          <a:defRPr b="0" baseline="0" cap="none" i="0" spc="0" strike="noStrike" sz="1800" u="none" kumimoji="0" normalizeH="0">
+          <a:defRPr kumimoji="0" sz="1800" b="0" i="0" u="none" strike="noStrike" cap="none" spc="0" normalizeH="0" baseline="0">
             <a:ln>
               <a:noFill/>
             </a:ln>
@@ -9619,7 +12751,7 @@
           <a:buFontTx/>
           <a:buNone/>
           <a:tabLst/>
-          <a:defRPr b="0" baseline="0" cap="none" i="0" spc="0" strike="noStrike" sz="1800" u="none" kumimoji="0" normalizeH="0">
+          <a:defRPr kumimoji="0" sz="1800" b="0" i="0" u="none" strike="noStrike" cap="none" spc="0" normalizeH="0" baseline="0">
             <a:ln>
               <a:noFill/>
             </a:ln>
@@ -9645,7 +12777,7 @@
           <a:buFontTx/>
           <a:buNone/>
           <a:tabLst/>
-          <a:defRPr b="0" baseline="0" cap="none" i="0" spc="0" strike="noStrike" sz="1800" u="none" kumimoji="0" normalizeH="0">
+          <a:defRPr kumimoji="0" sz="1800" b="0" i="0" u="none" strike="noStrike" cap="none" spc="0" normalizeH="0" baseline="0">
             <a:ln>
               <a:noFill/>
             </a:ln>
@@ -9658,9 +12790,15 @@
         </a:lvl9pPr>
       </a:lstStyle>
       <a:style>
-        <a:lnRef idx="0"/>
-        <a:fillRef idx="0"/>
-        <a:effectRef idx="0"/>
+        <a:lnRef idx="0">
+          <a:scrgbClr r="0" g="0" b="0"/>
+        </a:lnRef>
+        <a:fillRef idx="0">
+          <a:scrgbClr r="0" g="0" b="0"/>
+        </a:fillRef>
+        <a:effectRef idx="0">
+          <a:scrgbClr r="0" g="0" b="0"/>
+        </a:effectRef>
         <a:fontRef idx="none"/>
       </a:style>
     </a:spDef>
@@ -9677,7 +12815,7 @@
         <a:effectLst/>
         <a:sp3d/>
       </a:spPr>
-      <a:bodyPr rot="0" spcFirstLastPara="1" vertOverflow="overflow" horzOverflow="overflow" vert="horz" wrap="square" lIns="91439" tIns="45719" rIns="91439" bIns="45719" numCol="1" spcCol="38100" rtlCol="0" anchor="t" upright="0">
+      <a:bodyPr rot="0" spcFirstLastPara="1" vertOverflow="overflow" horzOverflow="overflow" vert="horz" wrap="square" lIns="91439" tIns="45719" rIns="91439" bIns="45719" numCol="1" spcCol="38100" rtlCol="0" anchor="t">
         <a:noAutofit/>
       </a:bodyPr>
       <a:lstStyle>
@@ -9696,7 +12834,7 @@
           <a:buFontTx/>
           <a:buNone/>
           <a:tabLst/>
-          <a:defRPr b="0" baseline="0" cap="none" i="0" spc="0" strike="noStrike" sz="1800" u="none" kumimoji="0" normalizeH="0">
+          <a:defRPr kumimoji="0" sz="1800" b="0" i="0" u="none" strike="noStrike" cap="none" spc="0" normalizeH="0" baseline="0">
             <a:ln>
               <a:noFill/>
             </a:ln>
@@ -9722,7 +12860,7 @@
           <a:buFontTx/>
           <a:buNone/>
           <a:tabLst/>
-          <a:defRPr b="0" baseline="0" cap="none" i="0" spc="0" strike="noStrike" sz="1800" u="none" kumimoji="0" normalizeH="0">
+          <a:defRPr kumimoji="0" sz="1800" b="0" i="0" u="none" strike="noStrike" cap="none" spc="0" normalizeH="0" baseline="0">
             <a:ln>
               <a:noFill/>
             </a:ln>
@@ -9748,7 +12886,7 @@
           <a:buFontTx/>
           <a:buNone/>
           <a:tabLst/>
-          <a:defRPr b="0" baseline="0" cap="none" i="0" spc="0" strike="noStrike" sz="1800" u="none" kumimoji="0" normalizeH="0">
+          <a:defRPr kumimoji="0" sz="1800" b="0" i="0" u="none" strike="noStrike" cap="none" spc="0" normalizeH="0" baseline="0">
             <a:ln>
               <a:noFill/>
             </a:ln>
@@ -9774,7 +12912,7 @@
           <a:buFontTx/>
           <a:buNone/>
           <a:tabLst/>
-          <a:defRPr b="0" baseline="0" cap="none" i="0" spc="0" strike="noStrike" sz="1800" u="none" kumimoji="0" normalizeH="0">
+          <a:defRPr kumimoji="0" sz="1800" b="0" i="0" u="none" strike="noStrike" cap="none" spc="0" normalizeH="0" baseline="0">
             <a:ln>
               <a:noFill/>
             </a:ln>
@@ -9800,7 +12938,7 @@
           <a:buFontTx/>
           <a:buNone/>
           <a:tabLst/>
-          <a:defRPr b="0" baseline="0" cap="none" i="0" spc="0" strike="noStrike" sz="1800" u="none" kumimoji="0" normalizeH="0">
+          <a:defRPr kumimoji="0" sz="1800" b="0" i="0" u="none" strike="noStrike" cap="none" spc="0" normalizeH="0" baseline="0">
             <a:ln>
               <a:noFill/>
             </a:ln>
@@ -9826,7 +12964,7 @@
           <a:buFontTx/>
           <a:buNone/>
           <a:tabLst/>
-          <a:defRPr b="0" baseline="0" cap="none" i="0" spc="0" strike="noStrike" sz="1800" u="none" kumimoji="0" normalizeH="0">
+          <a:defRPr kumimoji="0" sz="1800" b="0" i="0" u="none" strike="noStrike" cap="none" spc="0" normalizeH="0" baseline="0">
             <a:ln>
               <a:noFill/>
             </a:ln>
@@ -9852,7 +12990,7 @@
           <a:buFontTx/>
           <a:buNone/>
           <a:tabLst/>
-          <a:defRPr b="0" baseline="0" cap="none" i="0" spc="0" strike="noStrike" sz="1800" u="none" kumimoji="0" normalizeH="0">
+          <a:defRPr kumimoji="0" sz="1800" b="0" i="0" u="none" strike="noStrike" cap="none" spc="0" normalizeH="0" baseline="0">
             <a:ln>
               <a:noFill/>
             </a:ln>
@@ -9878,7 +13016,7 @@
           <a:buFontTx/>
           <a:buNone/>
           <a:tabLst/>
-          <a:defRPr b="0" baseline="0" cap="none" i="0" spc="0" strike="noStrike" sz="1800" u="none" kumimoji="0" normalizeH="0">
+          <a:defRPr kumimoji="0" sz="1800" b="0" i="0" u="none" strike="noStrike" cap="none" spc="0" normalizeH="0" baseline="0">
             <a:ln>
               <a:noFill/>
             </a:ln>
@@ -9904,7 +13042,7 @@
           <a:buFontTx/>
           <a:buNone/>
           <a:tabLst/>
-          <a:defRPr b="0" baseline="0" cap="none" i="0" spc="0" strike="noStrike" sz="1800" u="none" kumimoji="0" normalizeH="0">
+          <a:defRPr kumimoji="0" sz="1800" b="0" i="0" u="none" strike="noStrike" cap="none" spc="0" normalizeH="0" baseline="0">
             <a:ln>
               <a:noFill/>
             </a:ln>
@@ -9930,7 +13068,7 @@
           <a:buFontTx/>
           <a:buNone/>
           <a:tabLst/>
-          <a:defRPr b="0" baseline="0" cap="none" i="0" spc="0" strike="noStrike" sz="1800" u="none" kumimoji="0" normalizeH="0">
+          <a:defRPr kumimoji="0" sz="1800" b="0" i="0" u="none" strike="noStrike" cap="none" spc="0" normalizeH="0" baseline="0">
             <a:ln>
               <a:noFill/>
             </a:ln>
@@ -9943,9 +13081,15 @@
         </a:lvl9pPr>
       </a:lstStyle>
       <a:style>
-        <a:lnRef idx="0"/>
-        <a:fillRef idx="0"/>
-        <a:effectRef idx="0"/>
+        <a:lnRef idx="0">
+          <a:scrgbClr r="0" g="0" b="0"/>
+        </a:lnRef>
+        <a:fillRef idx="0">
+          <a:scrgbClr r="0" g="0" b="0"/>
+        </a:fillRef>
+        <a:effectRef idx="0">
+          <a:scrgbClr r="0" g="0" b="0"/>
+        </a:effectRef>
         <a:fontRef idx="none"/>
       </a:style>
     </a:lnDef>
@@ -9959,7 +13103,7 @@
         <a:effectLst/>
         <a:sp3d/>
       </a:spPr>
-      <a:bodyPr rot="0" spcFirstLastPara="1" vertOverflow="overflow" horzOverflow="overflow" vert="horz" wrap="square" lIns="50800" tIns="50800" rIns="50800" bIns="50800" numCol="1" spcCol="38100" rtlCol="0" anchor="ctr" upright="0">
+      <a:bodyPr rot="0" spcFirstLastPara="1" vertOverflow="overflow" horzOverflow="overflow" vert="horz" wrap="square" lIns="50800" tIns="50800" rIns="50800" bIns="50800" numCol="1" spcCol="38100" rtlCol="0" anchor="ctr">
         <a:spAutoFit/>
       </a:bodyPr>
       <a:lstStyle>
@@ -9978,7 +13122,7 @@
           <a:buFontTx/>
           <a:buNone/>
           <a:tabLst/>
-          <a:defRPr b="0" baseline="0" cap="none" i="0" spc="0" strike="noStrike" sz="2400" u="none" kumimoji="0" normalizeH="0">
+          <a:defRPr kumimoji="0" sz="2400" b="0" i="0" u="none" strike="noStrike" cap="none" spc="0" normalizeH="0" baseline="0">
             <a:ln>
               <a:noFill/>
             </a:ln>
@@ -10008,7 +13152,7 @@
           <a:buFontTx/>
           <a:buNone/>
           <a:tabLst/>
-          <a:defRPr b="0" baseline="0" cap="none" i="0" spc="0" strike="noStrike" sz="1800" u="none" kumimoji="0" normalizeH="0">
+          <a:defRPr kumimoji="0" sz="1800" b="0" i="0" u="none" strike="noStrike" cap="none" spc="0" normalizeH="0" baseline="0">
             <a:ln>
               <a:noFill/>
             </a:ln>
@@ -10034,7 +13178,7 @@
           <a:buFontTx/>
           <a:buNone/>
           <a:tabLst/>
-          <a:defRPr b="0" baseline="0" cap="none" i="0" spc="0" strike="noStrike" sz="1800" u="none" kumimoji="0" normalizeH="0">
+          <a:defRPr kumimoji="0" sz="1800" b="0" i="0" u="none" strike="noStrike" cap="none" spc="0" normalizeH="0" baseline="0">
             <a:ln>
               <a:noFill/>
             </a:ln>
@@ -10060,7 +13204,7 @@
           <a:buFontTx/>
           <a:buNone/>
           <a:tabLst/>
-          <a:defRPr b="0" baseline="0" cap="none" i="0" spc="0" strike="noStrike" sz="1800" u="none" kumimoji="0" normalizeH="0">
+          <a:defRPr kumimoji="0" sz="1800" b="0" i="0" u="none" strike="noStrike" cap="none" spc="0" normalizeH="0" baseline="0">
             <a:ln>
               <a:noFill/>
             </a:ln>
@@ -10086,7 +13230,7 @@
           <a:buFontTx/>
           <a:buNone/>
           <a:tabLst/>
-          <a:defRPr b="0" baseline="0" cap="none" i="0" spc="0" strike="noStrike" sz="1800" u="none" kumimoji="0" normalizeH="0">
+          <a:defRPr kumimoji="0" sz="1800" b="0" i="0" u="none" strike="noStrike" cap="none" spc="0" normalizeH="0" baseline="0">
             <a:ln>
               <a:noFill/>
             </a:ln>
@@ -10112,7 +13256,7 @@
           <a:buFontTx/>
           <a:buNone/>
           <a:tabLst/>
-          <a:defRPr b="0" baseline="0" cap="none" i="0" spc="0" strike="noStrike" sz="1800" u="none" kumimoji="0" normalizeH="0">
+          <a:defRPr kumimoji="0" sz="1800" b="0" i="0" u="none" strike="noStrike" cap="none" spc="0" normalizeH="0" baseline="0">
             <a:ln>
               <a:noFill/>
             </a:ln>
@@ -10138,7 +13282,7 @@
           <a:buFontTx/>
           <a:buNone/>
           <a:tabLst/>
-          <a:defRPr b="0" baseline="0" cap="none" i="0" spc="0" strike="noStrike" sz="1800" u="none" kumimoji="0" normalizeH="0">
+          <a:defRPr kumimoji="0" sz="1800" b="0" i="0" u="none" strike="noStrike" cap="none" spc="0" normalizeH="0" baseline="0">
             <a:ln>
               <a:noFill/>
             </a:ln>
@@ -10164,7 +13308,7 @@
           <a:buFontTx/>
           <a:buNone/>
           <a:tabLst/>
-          <a:defRPr b="0" baseline="0" cap="none" i="0" spc="0" strike="noStrike" sz="1800" u="none" kumimoji="0" normalizeH="0">
+          <a:defRPr kumimoji="0" sz="1800" b="0" i="0" u="none" strike="noStrike" cap="none" spc="0" normalizeH="0" baseline="0">
             <a:ln>
               <a:noFill/>
             </a:ln>
@@ -10190,7 +13334,7 @@
           <a:buFontTx/>
           <a:buNone/>
           <a:tabLst/>
-          <a:defRPr b="0" baseline="0" cap="none" i="0" spc="0" strike="noStrike" sz="1800" u="none" kumimoji="0" normalizeH="0">
+          <a:defRPr kumimoji="0" sz="1800" b="0" i="0" u="none" strike="noStrike" cap="none" spc="0" normalizeH="0" baseline="0">
             <a:ln>
               <a:noFill/>
             </a:ln>
@@ -10216,7 +13360,7 @@
           <a:buFontTx/>
           <a:buNone/>
           <a:tabLst/>
-          <a:defRPr b="0" baseline="0" cap="none" i="0" spc="0" strike="noStrike" sz="1800" u="none" kumimoji="0" normalizeH="0">
+          <a:defRPr kumimoji="0" sz="1800" b="0" i="0" u="none" strike="noStrike" cap="none" spc="0" normalizeH="0" baseline="0">
             <a:ln>
               <a:noFill/>
             </a:ln>
@@ -10229,12 +13373,19 @@
         </a:lvl9pPr>
       </a:lstStyle>
       <a:style>
-        <a:lnRef idx="0"/>
-        <a:fillRef idx="0"/>
-        <a:effectRef idx="0"/>
+        <a:lnRef idx="0">
+          <a:scrgbClr r="0" g="0" b="0"/>
+        </a:lnRef>
+        <a:fillRef idx="0">
+          <a:scrgbClr r="0" g="0" b="0"/>
+        </a:fillRef>
+        <a:effectRef idx="0">
+          <a:scrgbClr r="0" g="0" b="0"/>
+        </a:effectRef>
         <a:fontRef idx="none"/>
       </a:style>
     </a:txDef>
   </a:objectDefaults>
+  <a:extraClrSchemeLst/>
 </a:theme>
 </file>